--- a/ClusterSoftware/cluster.pptx
+++ b/ClusterSoftware/cluster.pptx
@@ -7,10 +7,11 @@
   <p:sldIdLst>
     <p:sldId id="261" r:id="rId2"/>
     <p:sldId id="256" r:id="rId3"/>
-    <p:sldId id="257" r:id="rId4"/>
-    <p:sldId id="260" r:id="rId5"/>
-    <p:sldId id="258" r:id="rId6"/>
-    <p:sldId id="259" r:id="rId7"/>
+    <p:sldId id="262" r:id="rId4"/>
+    <p:sldId id="257" r:id="rId5"/>
+    <p:sldId id="260" r:id="rId6"/>
+    <p:sldId id="258" r:id="rId7"/>
+    <p:sldId id="259" r:id="rId8"/>
   </p:sldIdLst>
   <p:sldSz cx="12192000" cy="6858000"/>
   <p:notesSz cx="6858000" cy="9144000"/>
@@ -109,6 +110,11 @@
       </a:defRPr>
     </a:lvl9pPr>
   </p:defaultTextStyle>
+  <p:extLst>
+    <p:ext uri="{EFAFB233-063F-42B5-8137-9DF3F51BA10A}">
+      <p15:sldGuideLst xmlns:p15="http://schemas.microsoft.com/office/powerpoint/2012/main"/>
+    </p:ext>
+  </p:extLst>
 </p:presentation>
 </file>
 
@@ -3660,25 +3666,21 @@
                   <a:schemeClr val="tx1"/>
                 </a:solidFill>
               </a:rPr>
-              <a:t>One tightly coupled blob of code distributed across machines.</a:t>
-            </a:r>
-          </a:p>
-          <a:p>
+              <a:t>One tightly coupled blob of code distributed across machines</a:t>
+            </a:r>
+            <a:r>
+              <a:rPr lang="sv-SE" sz="1600" dirty="0" smtClean="0">
+                <a:solidFill>
+                  <a:schemeClr val="tx1"/>
+                </a:solidFill>
+              </a:rPr>
+              <a:t>.</a:t>
+            </a:r>
             <a:endParaRPr lang="sv-SE" sz="1600" dirty="0">
               <a:solidFill>
                 <a:schemeClr val="tx1"/>
               </a:solidFill>
             </a:endParaRPr>
-          </a:p>
-          <a:p>
-            <a:r>
-              <a:rPr lang="sv-SE" sz="1600" i="1" dirty="0">
-                <a:solidFill>
-                  <a:schemeClr val="tx1"/>
-                </a:solidFill>
-              </a:rPr>
-              <a:t>e.g. Akka/NET, MsOrleans etc.</a:t>
-            </a:r>
           </a:p>
         </p:txBody>
       </p:sp>
@@ -3703,6 +3705,877 @@
 </file>
 
 <file path=ppt/slides/slide3.xml><?xml version="1.0" encoding="utf-8"?>
+<p:sld xmlns:a="http://schemas.openxmlformats.org/drawingml/2006/main" xmlns:r="http://schemas.openxmlformats.org/officeDocument/2006/relationships" xmlns:p="http://schemas.openxmlformats.org/presentationml/2006/main">
+  <p:cSld>
+    <p:spTree>
+      <p:nvGrpSpPr>
+        <p:cNvPr id="1" name=""/>
+        <p:cNvGrpSpPr/>
+        <p:nvPr/>
+      </p:nvGrpSpPr>
+      <p:grpSpPr>
+        <a:xfrm>
+          <a:off x="0" y="0"/>
+          <a:ext cx="0" cy="0"/>
+          <a:chOff x="0" y="0"/>
+          <a:chExt cx="0" cy="0"/>
+        </a:xfrm>
+      </p:grpSpPr>
+      <p:sp>
+        <p:nvSpPr>
+          <p:cNvPr id="18" name="TextBox 17"/>
+          <p:cNvSpPr txBox="1"/>
+          <p:nvPr/>
+        </p:nvSpPr>
+        <p:spPr>
+          <a:xfrm>
+            <a:off x="7342232" y="488984"/>
+            <a:ext cx="1076705" cy="461665"/>
+          </a:xfrm>
+          <a:prstGeom prst="rect">
+            <a:avLst/>
+          </a:prstGeom>
+          <a:noFill/>
+        </p:spPr>
+        <p:txBody>
+          <a:bodyPr wrap="none" rtlCol="0">
+            <a:spAutoFit/>
+          </a:bodyPr>
+          <a:lstStyle/>
+          <a:p>
+            <a:r>
+              <a:rPr lang="sv-SE" sz="2400" b="1" dirty="0" smtClean="0"/>
+              <a:t>Cluster</a:t>
+            </a:r>
+            <a:endParaRPr lang="sv-SE" sz="2400" b="1" dirty="0"/>
+          </a:p>
+        </p:txBody>
+      </p:sp>
+      <p:sp>
+        <p:nvSpPr>
+          <p:cNvPr id="4" name="Oval 3"/>
+          <p:cNvSpPr/>
+          <p:nvPr/>
+        </p:nvSpPr>
+        <p:spPr>
+          <a:xfrm>
+            <a:off x="4819409" y="2736534"/>
+            <a:ext cx="1144025" cy="1144025"/>
+          </a:xfrm>
+          <a:prstGeom prst="ellipse">
+            <a:avLst/>
+          </a:prstGeom>
+          <a:solidFill>
+            <a:schemeClr val="accent1"/>
+          </a:solidFill>
+          <a:ln w="25400">
+            <a:solidFill>
+              <a:schemeClr val="bg1"/>
+            </a:solidFill>
+          </a:ln>
+        </p:spPr>
+        <p:style>
+          <a:lnRef idx="2">
+            <a:schemeClr val="accent1">
+              <a:shade val="50000"/>
+            </a:schemeClr>
+          </a:lnRef>
+          <a:fillRef idx="1">
+            <a:schemeClr val="accent1"/>
+          </a:fillRef>
+          <a:effectRef idx="0">
+            <a:schemeClr val="accent1"/>
+          </a:effectRef>
+          <a:fontRef idx="minor">
+            <a:schemeClr val="lt1"/>
+          </a:fontRef>
+        </p:style>
+        <p:txBody>
+          <a:bodyPr lIns="0" tIns="0" rIns="0" bIns="0" rtlCol="0" anchor="ctr"/>
+          <a:lstStyle/>
+          <a:p>
+            <a:pPr algn="ctr"/>
+            <a:r>
+              <a:rPr lang="sv-SE" b="1" dirty="0" smtClean="0">
+                <a:solidFill>
+                  <a:schemeClr val="bg1"/>
+                </a:solidFill>
+              </a:rPr>
+              <a:t>source</a:t>
+            </a:r>
+            <a:endParaRPr lang="sv-SE" sz="1050" b="1" dirty="0" smtClean="0">
+              <a:solidFill>
+                <a:schemeClr val="bg1"/>
+              </a:solidFill>
+            </a:endParaRPr>
+          </a:p>
+        </p:txBody>
+      </p:sp>
+      <p:sp>
+        <p:nvSpPr>
+          <p:cNvPr id="7" name="Oval 6"/>
+          <p:cNvSpPr/>
+          <p:nvPr/>
+        </p:nvSpPr>
+        <p:spPr>
+          <a:xfrm>
+            <a:off x="8702756" y="2736534"/>
+            <a:ext cx="1144025" cy="1144025"/>
+          </a:xfrm>
+          <a:prstGeom prst="ellipse">
+            <a:avLst/>
+          </a:prstGeom>
+          <a:solidFill>
+            <a:schemeClr val="accent1"/>
+          </a:solidFill>
+          <a:ln w="25400">
+            <a:solidFill>
+              <a:schemeClr val="bg1"/>
+            </a:solidFill>
+          </a:ln>
+        </p:spPr>
+        <p:style>
+          <a:lnRef idx="2">
+            <a:schemeClr val="accent1">
+              <a:shade val="50000"/>
+            </a:schemeClr>
+          </a:lnRef>
+          <a:fillRef idx="1">
+            <a:schemeClr val="accent1"/>
+          </a:fillRef>
+          <a:effectRef idx="0">
+            <a:schemeClr val="accent1"/>
+          </a:effectRef>
+          <a:fontRef idx="minor">
+            <a:schemeClr val="lt1"/>
+          </a:fontRef>
+        </p:style>
+        <p:txBody>
+          <a:bodyPr rot="0" spcFirstLastPara="0" vertOverflow="overflow" horzOverflow="overflow" vert="horz" wrap="square" lIns="0" tIns="0" rIns="0" bIns="0" numCol="1" spcCol="0" rtlCol="0" fromWordArt="0" anchor="ctr" anchorCtr="0" forceAA="0" compatLnSpc="1">
+            <a:prstTxWarp prst="textNoShape">
+              <a:avLst/>
+            </a:prstTxWarp>
+            <a:noAutofit/>
+          </a:bodyPr>
+          <a:lstStyle/>
+          <a:p>
+            <a:pPr algn="ctr"/>
+            <a:r>
+              <a:rPr lang="sv-SE" b="1" dirty="0" smtClean="0">
+                <a:solidFill>
+                  <a:schemeClr val="bg1"/>
+                </a:solidFill>
+              </a:rPr>
+              <a:t>worker2</a:t>
+            </a:r>
+            <a:endParaRPr lang="sv-SE" b="1" dirty="0">
+              <a:solidFill>
+                <a:schemeClr val="bg1"/>
+              </a:solidFill>
+            </a:endParaRPr>
+          </a:p>
+        </p:txBody>
+      </p:sp>
+      <p:sp>
+        <p:nvSpPr>
+          <p:cNvPr id="8" name="Oval 7"/>
+          <p:cNvSpPr/>
+          <p:nvPr/>
+        </p:nvSpPr>
+        <p:spPr>
+          <a:xfrm>
+            <a:off x="8702755" y="1108415"/>
+            <a:ext cx="1144025" cy="1144025"/>
+          </a:xfrm>
+          <a:prstGeom prst="ellipse">
+            <a:avLst/>
+          </a:prstGeom>
+          <a:solidFill>
+            <a:schemeClr val="accent1"/>
+          </a:solidFill>
+          <a:ln w="25400">
+            <a:solidFill>
+              <a:schemeClr val="bg1"/>
+            </a:solidFill>
+          </a:ln>
+        </p:spPr>
+        <p:style>
+          <a:lnRef idx="2">
+            <a:schemeClr val="accent1">
+              <a:shade val="50000"/>
+            </a:schemeClr>
+          </a:lnRef>
+          <a:fillRef idx="1">
+            <a:schemeClr val="accent1"/>
+          </a:fillRef>
+          <a:effectRef idx="0">
+            <a:schemeClr val="accent1"/>
+          </a:effectRef>
+          <a:fontRef idx="minor">
+            <a:schemeClr val="lt1"/>
+          </a:fontRef>
+        </p:style>
+        <p:txBody>
+          <a:bodyPr rot="0" spcFirstLastPara="0" vertOverflow="overflow" horzOverflow="overflow" vert="horz" wrap="square" lIns="0" tIns="0" rIns="0" bIns="0" numCol="1" spcCol="0" rtlCol="0" fromWordArt="0" anchor="ctr" anchorCtr="0" forceAA="0" compatLnSpc="1">
+            <a:prstTxWarp prst="textNoShape">
+              <a:avLst/>
+            </a:prstTxWarp>
+            <a:noAutofit/>
+          </a:bodyPr>
+          <a:lstStyle/>
+          <a:p>
+            <a:pPr algn="ctr"/>
+            <a:r>
+              <a:rPr lang="sv-SE" b="1" dirty="0" smtClean="0">
+                <a:solidFill>
+                  <a:schemeClr val="bg1"/>
+                </a:solidFill>
+              </a:rPr>
+              <a:t>worker1</a:t>
+            </a:r>
+            <a:endParaRPr lang="sv-SE" b="1" dirty="0">
+              <a:solidFill>
+                <a:schemeClr val="bg1"/>
+              </a:solidFill>
+            </a:endParaRPr>
+          </a:p>
+        </p:txBody>
+      </p:sp>
+      <p:sp>
+        <p:nvSpPr>
+          <p:cNvPr id="10" name="Oval 9"/>
+          <p:cNvSpPr/>
+          <p:nvPr/>
+        </p:nvSpPr>
+        <p:spPr>
+          <a:xfrm>
+            <a:off x="8702755" y="4364653"/>
+            <a:ext cx="1144025" cy="1144025"/>
+          </a:xfrm>
+          <a:prstGeom prst="ellipse">
+            <a:avLst/>
+          </a:prstGeom>
+          <a:solidFill>
+            <a:schemeClr val="accent1"/>
+          </a:solidFill>
+          <a:ln w="25400">
+            <a:solidFill>
+              <a:schemeClr val="bg1"/>
+            </a:solidFill>
+          </a:ln>
+        </p:spPr>
+        <p:style>
+          <a:lnRef idx="2">
+            <a:schemeClr val="accent1">
+              <a:shade val="50000"/>
+            </a:schemeClr>
+          </a:lnRef>
+          <a:fillRef idx="1">
+            <a:schemeClr val="accent1"/>
+          </a:fillRef>
+          <a:effectRef idx="0">
+            <a:schemeClr val="accent1"/>
+          </a:effectRef>
+          <a:fontRef idx="minor">
+            <a:schemeClr val="lt1"/>
+          </a:fontRef>
+        </p:style>
+        <p:txBody>
+          <a:bodyPr rot="0" spcFirstLastPara="0" vertOverflow="overflow" horzOverflow="overflow" vert="horz" wrap="square" lIns="0" tIns="0" rIns="0" bIns="0" numCol="1" spcCol="0" rtlCol="0" fromWordArt="0" anchor="ctr" anchorCtr="0" forceAA="0" compatLnSpc="1">
+            <a:prstTxWarp prst="textNoShape">
+              <a:avLst/>
+            </a:prstTxWarp>
+            <a:noAutofit/>
+          </a:bodyPr>
+          <a:lstStyle/>
+          <a:p>
+            <a:pPr algn="ctr"/>
+            <a:r>
+              <a:rPr lang="sv-SE" b="1" dirty="0" smtClean="0">
+                <a:solidFill>
+                  <a:schemeClr val="bg1"/>
+                </a:solidFill>
+              </a:rPr>
+              <a:t>worker3</a:t>
+            </a:r>
+            <a:endParaRPr lang="sv-SE" b="1" dirty="0">
+              <a:solidFill>
+                <a:schemeClr val="bg1"/>
+              </a:solidFill>
+            </a:endParaRPr>
+          </a:p>
+        </p:txBody>
+      </p:sp>
+      <p:cxnSp>
+        <p:nvCxnSpPr>
+          <p:cNvPr id="15" name="Straight Arrow Connector 14"/>
+          <p:cNvCxnSpPr>
+            <a:stCxn id="4" idx="6"/>
+            <a:endCxn id="7" idx="2"/>
+          </p:cNvCxnSpPr>
+          <p:nvPr/>
+        </p:nvCxnSpPr>
+        <p:spPr>
+          <a:xfrm>
+            <a:off x="5963434" y="3308547"/>
+            <a:ext cx="2739322" cy="0"/>
+          </a:xfrm>
+          <a:prstGeom prst="straightConnector1">
+            <a:avLst/>
+          </a:prstGeom>
+          <a:ln w="25400">
+            <a:solidFill>
+              <a:schemeClr val="accent1">
+                <a:lumMod val="75000"/>
+              </a:schemeClr>
+            </a:solidFill>
+            <a:tailEnd type="arrow"/>
+          </a:ln>
+        </p:spPr>
+        <p:style>
+          <a:lnRef idx="1">
+            <a:schemeClr val="accent1"/>
+          </a:lnRef>
+          <a:fillRef idx="0">
+            <a:schemeClr val="accent1"/>
+          </a:fillRef>
+          <a:effectRef idx="0">
+            <a:schemeClr val="accent1"/>
+          </a:effectRef>
+          <a:fontRef idx="minor">
+            <a:schemeClr val="tx1"/>
+          </a:fontRef>
+        </p:style>
+      </p:cxnSp>
+      <p:cxnSp>
+        <p:nvCxnSpPr>
+          <p:cNvPr id="19" name="Curved Connector 18"/>
+          <p:cNvCxnSpPr>
+            <a:stCxn id="4" idx="7"/>
+            <a:endCxn id="8" idx="2"/>
+          </p:cNvCxnSpPr>
+          <p:nvPr/>
+        </p:nvCxnSpPr>
+        <p:spPr>
+          <a:xfrm rot="5400000" flipH="1" flipV="1">
+            <a:off x="6637503" y="838821"/>
+            <a:ext cx="1223645" cy="2906860"/>
+          </a:xfrm>
+          <a:prstGeom prst="curvedConnector2">
+            <a:avLst/>
+          </a:prstGeom>
+          <a:ln w="25400">
+            <a:solidFill>
+              <a:schemeClr val="accent1">
+                <a:lumMod val="75000"/>
+              </a:schemeClr>
+            </a:solidFill>
+            <a:tailEnd type="arrow"/>
+          </a:ln>
+        </p:spPr>
+        <p:style>
+          <a:lnRef idx="1">
+            <a:schemeClr val="accent1"/>
+          </a:lnRef>
+          <a:fillRef idx="0">
+            <a:schemeClr val="accent1"/>
+          </a:fillRef>
+          <a:effectRef idx="0">
+            <a:schemeClr val="accent1"/>
+          </a:effectRef>
+          <a:fontRef idx="minor">
+            <a:schemeClr val="tx1"/>
+          </a:fontRef>
+        </p:style>
+      </p:cxnSp>
+      <p:cxnSp>
+        <p:nvCxnSpPr>
+          <p:cNvPr id="21" name="Curved Connector 20"/>
+          <p:cNvCxnSpPr>
+            <a:stCxn id="4" idx="5"/>
+            <a:endCxn id="10" idx="2"/>
+          </p:cNvCxnSpPr>
+          <p:nvPr/>
+        </p:nvCxnSpPr>
+        <p:spPr>
+          <a:xfrm rot="16200000" flipH="1">
+            <a:off x="6637502" y="2871413"/>
+            <a:ext cx="1223646" cy="2906860"/>
+          </a:xfrm>
+          <a:prstGeom prst="curvedConnector2">
+            <a:avLst/>
+          </a:prstGeom>
+          <a:ln w="25400">
+            <a:solidFill>
+              <a:schemeClr val="accent1">
+                <a:lumMod val="75000"/>
+              </a:schemeClr>
+            </a:solidFill>
+            <a:tailEnd type="arrow"/>
+          </a:ln>
+        </p:spPr>
+        <p:style>
+          <a:lnRef idx="1">
+            <a:schemeClr val="accent1"/>
+          </a:lnRef>
+          <a:fillRef idx="0">
+            <a:schemeClr val="accent1"/>
+          </a:fillRef>
+          <a:effectRef idx="0">
+            <a:schemeClr val="accent1"/>
+          </a:effectRef>
+          <a:fontRef idx="minor">
+            <a:schemeClr val="tx1"/>
+          </a:fontRef>
+        </p:style>
+      </p:cxnSp>
+      <p:sp>
+        <p:nvSpPr>
+          <p:cNvPr id="17" name="Oval 16"/>
+          <p:cNvSpPr/>
+          <p:nvPr/>
+        </p:nvSpPr>
+        <p:spPr>
+          <a:xfrm>
+            <a:off x="4219933" y="293960"/>
+            <a:ext cx="7329869" cy="6029172"/>
+          </a:xfrm>
+          <a:prstGeom prst="ellipse">
+            <a:avLst/>
+          </a:prstGeom>
+          <a:solidFill>
+            <a:schemeClr val="bg1">
+              <a:lumMod val="95000"/>
+              <a:alpha val="75000"/>
+            </a:schemeClr>
+          </a:solidFill>
+          <a:ln w="25400">
+            <a:noFill/>
+            <a:prstDash val="dash"/>
+          </a:ln>
+        </p:spPr>
+        <p:style>
+          <a:lnRef idx="2">
+            <a:schemeClr val="accent1">
+              <a:shade val="50000"/>
+            </a:schemeClr>
+          </a:lnRef>
+          <a:fillRef idx="1">
+            <a:schemeClr val="accent1"/>
+          </a:fillRef>
+          <a:effectRef idx="0">
+            <a:schemeClr val="accent1"/>
+          </a:effectRef>
+          <a:fontRef idx="minor">
+            <a:schemeClr val="lt1"/>
+          </a:fontRef>
+        </p:style>
+        <p:txBody>
+          <a:bodyPr rot="0" spcFirstLastPara="0" vertOverflow="overflow" horzOverflow="overflow" vert="horz" wrap="square" lIns="0" tIns="0" rIns="0" bIns="0" numCol="1" spcCol="0" rtlCol="0" fromWordArt="0" anchor="t" anchorCtr="0" forceAA="0" compatLnSpc="1">
+            <a:prstTxWarp prst="textNoShape">
+              <a:avLst/>
+            </a:prstTxWarp>
+            <a:noAutofit/>
+          </a:bodyPr>
+          <a:lstStyle/>
+          <a:p>
+            <a:pPr algn="ctr"/>
+            <a:endParaRPr lang="sv-SE" sz="3200" b="1" dirty="0">
+              <a:solidFill>
+                <a:schemeClr val="tx1"/>
+              </a:solidFill>
+            </a:endParaRPr>
+          </a:p>
+        </p:txBody>
+      </p:sp>
+      <p:sp>
+        <p:nvSpPr>
+          <p:cNvPr id="30" name="Rectangle 29"/>
+          <p:cNvSpPr/>
+          <p:nvPr/>
+        </p:nvSpPr>
+        <p:spPr>
+          <a:xfrm>
+            <a:off x="210571" y="132595"/>
+            <a:ext cx="3955572" cy="3671700"/>
+          </a:xfrm>
+          <a:prstGeom prst="rect">
+            <a:avLst/>
+          </a:prstGeom>
+          <a:noFill/>
+          <a:ln>
+            <a:noFill/>
+          </a:ln>
+        </p:spPr>
+        <p:style>
+          <a:lnRef idx="2">
+            <a:schemeClr val="accent1">
+              <a:shade val="50000"/>
+            </a:schemeClr>
+          </a:lnRef>
+          <a:fillRef idx="1">
+            <a:schemeClr val="accent1"/>
+          </a:fillRef>
+          <a:effectRef idx="0">
+            <a:schemeClr val="accent1"/>
+          </a:effectRef>
+          <a:fontRef idx="minor">
+            <a:schemeClr val="lt1"/>
+          </a:fontRef>
+        </p:style>
+        <p:txBody>
+          <a:bodyPr rot="0" spcFirstLastPara="0" vertOverflow="overflow" horzOverflow="overflow" vert="horz" wrap="square" lIns="144000" tIns="144000" rIns="144000" bIns="144000" numCol="1" spcCol="0" rtlCol="0" fromWordArt="0" anchor="t" anchorCtr="0" forceAA="0" compatLnSpc="1">
+            <a:prstTxWarp prst="textNoShape">
+              <a:avLst/>
+            </a:prstTxWarp>
+            <a:noAutofit/>
+          </a:bodyPr>
+          <a:lstStyle/>
+          <a:p>
+            <a:r>
+              <a:rPr lang="sv-SE" sz="1600" b="1" dirty="0" smtClean="0">
+                <a:solidFill>
+                  <a:schemeClr val="tx1"/>
+                </a:solidFill>
+              </a:rPr>
+              <a:t>Framework specific protocols</a:t>
+            </a:r>
+            <a:endParaRPr lang="sv-SE" sz="1600" b="1" dirty="0">
+              <a:solidFill>
+                <a:schemeClr val="tx1"/>
+              </a:solidFill>
+            </a:endParaRPr>
+          </a:p>
+          <a:p>
+            <a:endParaRPr lang="sv-SE" sz="1600" b="1" dirty="0">
+              <a:solidFill>
+                <a:schemeClr val="tx1"/>
+              </a:solidFill>
+            </a:endParaRPr>
+          </a:p>
+          <a:p>
+            <a:r>
+              <a:rPr lang="sv-SE" sz="1600" dirty="0" smtClean="0">
+                <a:solidFill>
+                  <a:schemeClr val="tx1"/>
+                </a:solidFill>
+              </a:rPr>
+              <a:t>For example, all of the major Actor Model frameworks and languages have their own specific homegrown protocols</a:t>
+            </a:r>
+          </a:p>
+          <a:p>
+            <a:endParaRPr lang="sv-SE" sz="1600" dirty="0" smtClean="0">
+              <a:solidFill>
+                <a:schemeClr val="tx1"/>
+              </a:solidFill>
+            </a:endParaRPr>
+          </a:p>
+          <a:p>
+            <a:r>
+              <a:rPr lang="sv-SE" sz="1600" dirty="0" smtClean="0">
+                <a:solidFill>
+                  <a:schemeClr val="tx1"/>
+                </a:solidFill>
+              </a:rPr>
+              <a:t>Erlang OTP, Akka, Akka.NET, MsOrleans, none of them can talk to eachother using their own cluster protocols.</a:t>
+            </a:r>
+          </a:p>
+          <a:p>
+            <a:endParaRPr lang="sv-SE" sz="1600" dirty="0">
+              <a:solidFill>
+                <a:schemeClr val="tx1"/>
+              </a:solidFill>
+            </a:endParaRPr>
+          </a:p>
+          <a:p>
+            <a:endParaRPr lang="sv-SE" sz="1600" dirty="0">
+              <a:solidFill>
+                <a:schemeClr val="tx1"/>
+              </a:solidFill>
+            </a:endParaRPr>
+          </a:p>
+        </p:txBody>
+      </p:sp>
+      <p:sp>
+        <p:nvSpPr>
+          <p:cNvPr id="14" name="Freeform 13"/>
+          <p:cNvSpPr/>
+          <p:nvPr/>
+        </p:nvSpPr>
+        <p:spPr>
+          <a:xfrm>
+            <a:off x="6017224" y="293960"/>
+            <a:ext cx="2583282" cy="6029172"/>
+          </a:xfrm>
+          <a:custGeom>
+            <a:avLst/>
+            <a:gdLst>
+              <a:gd name="connsiteX0" fmla="*/ 1867644 w 2583282"/>
+              <a:gd name="connsiteY0" fmla="*/ 0 h 6029172"/>
+              <a:gd name="connsiteX1" fmla="*/ 2425778 w 2583282"/>
+              <a:gd name="connsiteY1" fmla="*/ 34735 h 6029172"/>
+              <a:gd name="connsiteX2" fmla="*/ 2583282 w 2583282"/>
+              <a:gd name="connsiteY2" fmla="*/ 57871 h 6029172"/>
+              <a:gd name="connsiteX3" fmla="*/ 2583282 w 2583282"/>
+              <a:gd name="connsiteY3" fmla="*/ 5971301 h 6029172"/>
+              <a:gd name="connsiteX4" fmla="*/ 2425778 w 2583282"/>
+              <a:gd name="connsiteY4" fmla="*/ 5994437 h 6029172"/>
+              <a:gd name="connsiteX5" fmla="*/ 1867644 w 2583282"/>
+              <a:gd name="connsiteY5" fmla="*/ 6029172 h 6029172"/>
+              <a:gd name="connsiteX6" fmla="*/ 120719 w 2583282"/>
+              <a:gd name="connsiteY6" fmla="*/ 5665328 h 6029172"/>
+              <a:gd name="connsiteX7" fmla="*/ 0 w 2583282"/>
+              <a:gd name="connsiteY7" fmla="*/ 5605004 h 6029172"/>
+              <a:gd name="connsiteX8" fmla="*/ 0 w 2583282"/>
+              <a:gd name="connsiteY8" fmla="*/ 424168 h 6029172"/>
+              <a:gd name="connsiteX9" fmla="*/ 120719 w 2583282"/>
+              <a:gd name="connsiteY9" fmla="*/ 363844 h 6029172"/>
+              <a:gd name="connsiteX10" fmla="*/ 1867644 w 2583282"/>
+              <a:gd name="connsiteY10" fmla="*/ 0 h 6029172"/>
+            </a:gdLst>
+            <a:ahLst/>
+            <a:cxnLst>
+              <a:cxn ang="0">
+                <a:pos x="connsiteX0" y="connsiteY0"/>
+              </a:cxn>
+              <a:cxn ang="0">
+                <a:pos x="connsiteX1" y="connsiteY1"/>
+              </a:cxn>
+              <a:cxn ang="0">
+                <a:pos x="connsiteX2" y="connsiteY2"/>
+              </a:cxn>
+              <a:cxn ang="0">
+                <a:pos x="connsiteX3" y="connsiteY3"/>
+              </a:cxn>
+              <a:cxn ang="0">
+                <a:pos x="connsiteX4" y="connsiteY4"/>
+              </a:cxn>
+              <a:cxn ang="0">
+                <a:pos x="connsiteX5" y="connsiteY5"/>
+              </a:cxn>
+              <a:cxn ang="0">
+                <a:pos x="connsiteX6" y="connsiteY6"/>
+              </a:cxn>
+              <a:cxn ang="0">
+                <a:pos x="connsiteX7" y="connsiteY7"/>
+              </a:cxn>
+              <a:cxn ang="0">
+                <a:pos x="connsiteX8" y="connsiteY8"/>
+              </a:cxn>
+              <a:cxn ang="0">
+                <a:pos x="connsiteX9" y="connsiteY9"/>
+              </a:cxn>
+              <a:cxn ang="0">
+                <a:pos x="connsiteX10" y="connsiteY10"/>
+              </a:cxn>
+            </a:cxnLst>
+            <a:rect l="l" t="t" r="r" b="b"/>
+            <a:pathLst>
+              <a:path w="2583282" h="6029172">
+                <a:moveTo>
+                  <a:pt x="1867644" y="0"/>
+                </a:moveTo>
+                <a:cubicBezTo>
+                  <a:pt x="2057402" y="0"/>
+                  <a:pt x="2243792" y="11863"/>
+                  <a:pt x="2425778" y="34735"/>
+                </a:cubicBezTo>
+                <a:lnTo>
+                  <a:pt x="2583282" y="57871"/>
+                </a:lnTo>
+                <a:lnTo>
+                  <a:pt x="2583282" y="5971301"/>
+                </a:lnTo>
+                <a:lnTo>
+                  <a:pt x="2425778" y="5994437"/>
+                </a:lnTo>
+                <a:cubicBezTo>
+                  <a:pt x="2243792" y="6017310"/>
+                  <a:pt x="2057402" y="6029172"/>
+                  <a:pt x="1867644" y="6029172"/>
+                </a:cubicBezTo>
+                <a:cubicBezTo>
+                  <a:pt x="1235117" y="6029172"/>
+                  <a:pt x="640015" y="5897368"/>
+                  <a:pt x="120719" y="5665328"/>
+                </a:cubicBezTo>
+                <a:lnTo>
+                  <a:pt x="0" y="5605004"/>
+                </a:lnTo>
+                <a:lnTo>
+                  <a:pt x="0" y="424168"/>
+                </a:lnTo>
+                <a:lnTo>
+                  <a:pt x="120719" y="363844"/>
+                </a:lnTo>
+                <a:cubicBezTo>
+                  <a:pt x="640015" y="131804"/>
+                  <a:pt x="1235117" y="0"/>
+                  <a:pt x="1867644" y="0"/>
+                </a:cubicBezTo>
+                <a:close/>
+              </a:path>
+            </a:pathLst>
+          </a:custGeom>
+          <a:solidFill>
+            <a:srgbClr val="8E0000"/>
+          </a:solidFill>
+          <a:ln w="50800">
+            <a:solidFill>
+              <a:schemeClr val="bg1"/>
+            </a:solidFill>
+            <a:prstDash val="solid"/>
+          </a:ln>
+        </p:spPr>
+        <p:style>
+          <a:lnRef idx="2">
+            <a:schemeClr val="accent1">
+              <a:shade val="50000"/>
+            </a:schemeClr>
+          </a:lnRef>
+          <a:fillRef idx="1">
+            <a:schemeClr val="accent1"/>
+          </a:fillRef>
+          <a:effectRef idx="0">
+            <a:schemeClr val="accent1"/>
+          </a:effectRef>
+          <a:fontRef idx="minor">
+            <a:schemeClr val="lt1"/>
+          </a:fontRef>
+        </p:style>
+        <p:txBody>
+          <a:bodyPr wrap="square" lIns="216000" tIns="0" rIns="108000" bIns="0" rtlCol="0" anchor="ctr">
+            <a:noAutofit/>
+          </a:bodyPr>
+          <a:lstStyle/>
+          <a:p>
+            <a:r>
+              <a:rPr lang="sv-SE" sz="2400" b="1" dirty="0">
+                <a:solidFill>
+                  <a:schemeClr val="bg1"/>
+                </a:solidFill>
+              </a:rPr>
+              <a:t>Homegrown, </a:t>
+            </a:r>
+            <a:endParaRPr lang="sv-SE" sz="2400" b="1" dirty="0" smtClean="0">
+              <a:solidFill>
+                <a:schemeClr val="bg1"/>
+              </a:solidFill>
+            </a:endParaRPr>
+          </a:p>
+          <a:p>
+            <a:r>
+              <a:rPr lang="sv-SE" sz="2400" b="1" dirty="0" smtClean="0">
+                <a:solidFill>
+                  <a:schemeClr val="bg1"/>
+                </a:solidFill>
+              </a:rPr>
+              <a:t>non </a:t>
+            </a:r>
+            <a:r>
+              <a:rPr lang="sv-SE" sz="2400" b="1" dirty="0">
+                <a:solidFill>
+                  <a:schemeClr val="bg1"/>
+                </a:solidFill>
+              </a:rPr>
+              <a:t>standard, framework specific </a:t>
+            </a:r>
+            <a:r>
+              <a:rPr lang="sv-SE" sz="2400" b="1" dirty="0" smtClean="0">
+                <a:solidFill>
+                  <a:schemeClr val="bg1"/>
+                </a:solidFill>
+              </a:rPr>
+              <a:t>protocol </a:t>
+            </a:r>
+            <a:endParaRPr lang="sv-SE" sz="2400" b="1" dirty="0">
+              <a:solidFill>
+                <a:schemeClr val="bg1"/>
+              </a:solidFill>
+            </a:endParaRPr>
+          </a:p>
+        </p:txBody>
+      </p:sp>
+      <p:sp>
+        <p:nvSpPr>
+          <p:cNvPr id="13" name="Oval 12"/>
+          <p:cNvSpPr/>
+          <p:nvPr/>
+        </p:nvSpPr>
+        <p:spPr>
+          <a:xfrm>
+            <a:off x="4215649" y="293960"/>
+            <a:ext cx="7329869" cy="6029172"/>
+          </a:xfrm>
+          <a:prstGeom prst="ellipse">
+            <a:avLst/>
+          </a:prstGeom>
+          <a:noFill/>
+          <a:ln w="25400">
+            <a:solidFill>
+              <a:schemeClr val="bg1">
+                <a:lumMod val="50000"/>
+                <a:alpha val="17000"/>
+              </a:schemeClr>
+            </a:solidFill>
+            <a:prstDash val="dash"/>
+          </a:ln>
+        </p:spPr>
+        <p:style>
+          <a:lnRef idx="2">
+            <a:schemeClr val="accent1">
+              <a:shade val="50000"/>
+            </a:schemeClr>
+          </a:lnRef>
+          <a:fillRef idx="1">
+            <a:schemeClr val="accent1"/>
+          </a:fillRef>
+          <a:effectRef idx="0">
+            <a:schemeClr val="accent1"/>
+          </a:effectRef>
+          <a:fontRef idx="minor">
+            <a:schemeClr val="lt1"/>
+          </a:fontRef>
+        </p:style>
+        <p:txBody>
+          <a:bodyPr rot="0" spcFirstLastPara="0" vertOverflow="overflow" horzOverflow="overflow" vert="horz" wrap="square" lIns="0" tIns="0" rIns="0" bIns="0" numCol="1" spcCol="0" rtlCol="0" fromWordArt="0" anchor="t" anchorCtr="0" forceAA="0" compatLnSpc="1">
+            <a:prstTxWarp prst="textNoShape">
+              <a:avLst/>
+            </a:prstTxWarp>
+            <a:noAutofit/>
+          </a:bodyPr>
+          <a:lstStyle/>
+          <a:p>
+            <a:pPr algn="ctr"/>
+            <a:endParaRPr lang="sv-SE" sz="3200" b="1" dirty="0">
+              <a:solidFill>
+                <a:schemeClr val="tx1"/>
+              </a:solidFill>
+            </a:endParaRPr>
+          </a:p>
+        </p:txBody>
+      </p:sp>
+    </p:spTree>
+    <p:extLst>
+      <p:ext uri="{BB962C8B-B14F-4D97-AF65-F5344CB8AC3E}">
+        <p14:creationId xmlns:p14="http://schemas.microsoft.com/office/powerpoint/2010/main" val="4225150641"/>
+      </p:ext>
+    </p:extLst>
+  </p:cSld>
+  <p:clrMapOvr>
+    <a:masterClrMapping/>
+  </p:clrMapOvr>
+  <p:timing>
+    <p:tnLst>
+      <p:par>
+        <p:cTn id="1" dur="indefinite" restart="never" nodeType="tmRoot"/>
+      </p:par>
+    </p:tnLst>
+  </p:timing>
+</p:sld>
+</file>
+
+<file path=ppt/slides/slide4.xml><?xml version="1.0" encoding="utf-8"?>
 <p:sld xmlns:a="http://schemas.openxmlformats.org/drawingml/2006/main" xmlns:r="http://schemas.openxmlformats.org/officeDocument/2006/relationships" xmlns:p="http://schemas.openxmlformats.org/presentationml/2006/main">
   <p:cSld>
     <p:spTree>
@@ -4309,7 +5182,7 @@
 </p:sld>
 </file>
 
-<file path=ppt/slides/slide4.xml><?xml version="1.0" encoding="utf-8"?>
+<file path=ppt/slides/slide5.xml><?xml version="1.0" encoding="utf-8"?>
 <p:sld xmlns:a="http://schemas.openxmlformats.org/drawingml/2006/main" xmlns:r="http://schemas.openxmlformats.org/officeDocument/2006/relationships" xmlns:p="http://schemas.openxmlformats.org/presentationml/2006/main">
   <p:cSld>
     <p:spTree>
@@ -5197,7 +6070,7 @@
 </p:sld>
 </file>
 
-<file path=ppt/slides/slide5.xml><?xml version="1.0" encoding="utf-8"?>
+<file path=ppt/slides/slide6.xml><?xml version="1.0" encoding="utf-8"?>
 <p:sld xmlns:a="http://schemas.openxmlformats.org/drawingml/2006/main" xmlns:r="http://schemas.openxmlformats.org/officeDocument/2006/relationships" xmlns:p="http://schemas.openxmlformats.org/presentationml/2006/main">
   <p:cSld>
     <p:spTree>
@@ -6550,7 +7423,7 @@
 </p:sld>
 </file>
 
-<file path=ppt/slides/slide6.xml><?xml version="1.0" encoding="utf-8"?>
+<file path=ppt/slides/slide7.xml><?xml version="1.0" encoding="utf-8"?>
 <p:sld xmlns:a="http://schemas.openxmlformats.org/drawingml/2006/main" xmlns:r="http://schemas.openxmlformats.org/officeDocument/2006/relationships" xmlns:p="http://schemas.openxmlformats.org/presentationml/2006/main">
   <p:cSld>
     <p:spTree>

--- a/ClusterSoftware/cluster.pptx
+++ b/ClusterSoftware/cluster.pptx
@@ -12,6 +12,8 @@
     <p:sldId id="260" r:id="rId6"/>
     <p:sldId id="258" r:id="rId7"/>
     <p:sldId id="259" r:id="rId8"/>
+    <p:sldId id="263" r:id="rId9"/>
+    <p:sldId id="264" r:id="rId10"/>
   </p:sldIdLst>
   <p:sldSz cx="12192000" cy="6858000"/>
   <p:notesSz cx="6858000" cy="9144000"/>
@@ -4145,7 +4147,6 @@
           </a:prstGeom>
           <a:solidFill>
             <a:schemeClr val="bg1">
-              <a:lumMod val="95000"/>
               <a:alpha val="75000"/>
             </a:schemeClr>
           </a:solidFill>
@@ -9103,6 +9104,3657 @@
 </p:sld>
 </file>
 
+<file path=ppt/slides/slide8.xml><?xml version="1.0" encoding="utf-8"?>
+<p:sld xmlns:a="http://schemas.openxmlformats.org/drawingml/2006/main" xmlns:r="http://schemas.openxmlformats.org/officeDocument/2006/relationships" xmlns:p="http://schemas.openxmlformats.org/presentationml/2006/main">
+  <p:cSld>
+    <p:spTree>
+      <p:nvGrpSpPr>
+        <p:cNvPr id="1" name=""/>
+        <p:cNvGrpSpPr/>
+        <p:nvPr/>
+      </p:nvGrpSpPr>
+      <p:grpSpPr>
+        <a:xfrm>
+          <a:off x="0" y="0"/>
+          <a:ext cx="0" cy="0"/>
+          <a:chOff x="0" y="0"/>
+          <a:chExt cx="0" cy="0"/>
+        </a:xfrm>
+      </p:grpSpPr>
+      <p:cxnSp>
+        <p:nvCxnSpPr>
+          <p:cNvPr id="19" name="Curved Connector 18"/>
+          <p:cNvCxnSpPr>
+            <a:stCxn id="16" idx="0"/>
+            <a:endCxn id="17" idx="2"/>
+          </p:cNvCxnSpPr>
+          <p:nvPr/>
+        </p:nvCxnSpPr>
+        <p:spPr>
+          <a:xfrm rot="5400000" flipH="1" flipV="1">
+            <a:off x="6347589" y="1431476"/>
+            <a:ext cx="1492917" cy="1306550"/>
+          </a:xfrm>
+          <a:prstGeom prst="curvedConnector2">
+            <a:avLst/>
+          </a:prstGeom>
+          <a:ln w="25400">
+            <a:solidFill>
+              <a:schemeClr val="accent1">
+                <a:lumMod val="75000"/>
+              </a:schemeClr>
+            </a:solidFill>
+            <a:tailEnd type="arrow"/>
+          </a:ln>
+        </p:spPr>
+        <p:style>
+          <a:lnRef idx="1">
+            <a:schemeClr val="accent1"/>
+          </a:lnRef>
+          <a:fillRef idx="0">
+            <a:schemeClr val="accent1"/>
+          </a:fillRef>
+          <a:effectRef idx="0">
+            <a:schemeClr val="accent1"/>
+          </a:effectRef>
+          <a:fontRef idx="minor">
+            <a:schemeClr val="tx1"/>
+          </a:fontRef>
+        </p:style>
+      </p:cxnSp>
+      <p:cxnSp>
+        <p:nvCxnSpPr>
+          <p:cNvPr id="21" name="Curved Connector 20"/>
+          <p:cNvCxnSpPr>
+            <a:stCxn id="16" idx="4"/>
+            <a:endCxn id="26" idx="2"/>
+          </p:cNvCxnSpPr>
+          <p:nvPr/>
+        </p:nvCxnSpPr>
+        <p:spPr>
+          <a:xfrm rot="16200000" flipH="1">
+            <a:off x="6347590" y="3879067"/>
+            <a:ext cx="1492915" cy="1306550"/>
+          </a:xfrm>
+          <a:prstGeom prst="curvedConnector2">
+            <a:avLst/>
+          </a:prstGeom>
+          <a:ln w="25400">
+            <a:solidFill>
+              <a:schemeClr val="accent1">
+                <a:lumMod val="75000"/>
+              </a:schemeClr>
+            </a:solidFill>
+            <a:tailEnd type="arrow"/>
+          </a:ln>
+        </p:spPr>
+        <p:style>
+          <a:lnRef idx="1">
+            <a:schemeClr val="accent1"/>
+          </a:lnRef>
+          <a:fillRef idx="0">
+            <a:schemeClr val="accent1"/>
+          </a:fillRef>
+          <a:effectRef idx="0">
+            <a:schemeClr val="accent1"/>
+          </a:effectRef>
+          <a:fontRef idx="minor">
+            <a:schemeClr val="tx1"/>
+          </a:fontRef>
+        </p:style>
+      </p:cxnSp>
+      <p:grpSp>
+        <p:nvGrpSpPr>
+          <p:cNvPr id="29" name="Group 28"/>
+          <p:cNvGrpSpPr/>
+          <p:nvPr/>
+        </p:nvGrpSpPr>
+        <p:grpSpPr>
+          <a:xfrm>
+            <a:off x="5963434" y="293960"/>
+            <a:ext cx="2739320" cy="6029172"/>
+            <a:chOff x="2327565" y="205943"/>
+            <a:chExt cx="7329869" cy="6029172"/>
+          </a:xfrm>
+        </p:grpSpPr>
+        <p:sp>
+          <p:nvSpPr>
+            <p:cNvPr id="27" name="Rounded Rectangle 26"/>
+            <p:cNvSpPr/>
+            <p:nvPr/>
+          </p:nvSpPr>
+          <p:spPr>
+            <a:xfrm>
+              <a:off x="2327565" y="205943"/>
+              <a:ext cx="7329869" cy="6029172"/>
+            </a:xfrm>
+            <a:prstGeom prst="roundRect">
+              <a:avLst>
+                <a:gd name="adj" fmla="val 41301"/>
+              </a:avLst>
+            </a:prstGeom>
+            <a:noFill/>
+            <a:ln w="25400">
+              <a:solidFill>
+                <a:schemeClr val="bg1">
+                  <a:lumMod val="50000"/>
+                </a:schemeClr>
+              </a:solidFill>
+              <a:prstDash val="dash"/>
+            </a:ln>
+          </p:spPr>
+          <p:style>
+            <a:lnRef idx="2">
+              <a:schemeClr val="accent1">
+                <a:shade val="50000"/>
+              </a:schemeClr>
+            </a:lnRef>
+            <a:fillRef idx="1">
+              <a:schemeClr val="accent1"/>
+            </a:fillRef>
+            <a:effectRef idx="0">
+              <a:schemeClr val="accent1"/>
+            </a:effectRef>
+            <a:fontRef idx="minor">
+              <a:schemeClr val="lt1"/>
+            </a:fontRef>
+          </p:style>
+          <p:txBody>
+            <a:bodyPr rot="0" spcFirstLastPara="0" vertOverflow="overflow" horzOverflow="overflow" vert="horz" wrap="square" lIns="0" tIns="0" rIns="0" bIns="0" numCol="1" spcCol="0" rtlCol="0" fromWordArt="0" anchor="t" anchorCtr="0" forceAA="0" compatLnSpc="1">
+              <a:prstTxWarp prst="textNoShape">
+                <a:avLst/>
+              </a:prstTxWarp>
+              <a:noAutofit/>
+            </a:bodyPr>
+            <a:lstStyle/>
+            <a:p>
+              <a:pPr algn="ctr"/>
+              <a:endParaRPr lang="sv-SE" sz="3200" b="1" dirty="0">
+                <a:solidFill>
+                  <a:schemeClr val="tx1"/>
+                </a:solidFill>
+              </a:endParaRPr>
+            </a:p>
+          </p:txBody>
+        </p:sp>
+        <p:sp>
+          <p:nvSpPr>
+            <p:cNvPr id="28" name="TextBox 27"/>
+            <p:cNvSpPr txBox="1"/>
+            <p:nvPr/>
+          </p:nvSpPr>
+          <p:spPr>
+            <a:xfrm>
+              <a:off x="4609184" y="364022"/>
+              <a:ext cx="3770990" cy="461665"/>
+            </a:xfrm>
+            <a:prstGeom prst="rect">
+              <a:avLst/>
+            </a:prstGeom>
+            <a:noFill/>
+          </p:spPr>
+          <p:txBody>
+            <a:bodyPr wrap="square" rtlCol="0">
+              <a:spAutoFit/>
+            </a:bodyPr>
+            <a:lstStyle/>
+            <a:p>
+              <a:r>
+                <a:rPr lang="sv-SE" sz="2400" b="1" dirty="0" smtClean="0"/>
+                <a:t>Cluster</a:t>
+              </a:r>
+              <a:endParaRPr lang="sv-SE" sz="2400" b="1" dirty="0"/>
+            </a:p>
+          </p:txBody>
+        </p:sp>
+      </p:grpSp>
+      <p:grpSp>
+        <p:nvGrpSpPr>
+          <p:cNvPr id="35" name="Group 34"/>
+          <p:cNvGrpSpPr/>
+          <p:nvPr/>
+        </p:nvGrpSpPr>
+        <p:grpSpPr>
+          <a:xfrm>
+            <a:off x="7012030" y="766280"/>
+            <a:ext cx="2833994" cy="1144025"/>
+            <a:chOff x="7012030" y="766280"/>
+            <a:chExt cx="2833994" cy="1144025"/>
+          </a:xfrm>
+        </p:grpSpPr>
+        <p:grpSp>
+          <p:nvGrpSpPr>
+            <p:cNvPr id="3" name="Group 2"/>
+            <p:cNvGrpSpPr/>
+            <p:nvPr/>
+          </p:nvGrpSpPr>
+          <p:grpSpPr>
+            <a:xfrm>
+              <a:off x="7012030" y="1036272"/>
+              <a:ext cx="917624" cy="663385"/>
+              <a:chOff x="6971245" y="1178751"/>
+              <a:chExt cx="958410" cy="663385"/>
+            </a:xfrm>
+            <a:solidFill>
+              <a:schemeClr val="accent2">
+                <a:lumMod val="60000"/>
+                <a:lumOff val="40000"/>
+              </a:schemeClr>
+            </a:solidFill>
+          </p:grpSpPr>
+          <p:sp>
+            <p:nvSpPr>
+              <p:cNvPr id="2" name="Rounded Rectangle 1"/>
+              <p:cNvSpPr/>
+              <p:nvPr/>
+            </p:nvSpPr>
+            <p:spPr>
+              <a:xfrm>
+                <a:off x="6971246" y="1178751"/>
+                <a:ext cx="958409" cy="326175"/>
+              </a:xfrm>
+              <a:prstGeom prst="roundRect">
+                <a:avLst/>
+              </a:prstGeom>
+              <a:grpFill/>
+              <a:ln w="25400">
+                <a:solidFill>
+                  <a:schemeClr val="bg1"/>
+                </a:solidFill>
+              </a:ln>
+            </p:spPr>
+            <p:style>
+              <a:lnRef idx="2">
+                <a:schemeClr val="accent1">
+                  <a:shade val="50000"/>
+                </a:schemeClr>
+              </a:lnRef>
+              <a:fillRef idx="1">
+                <a:schemeClr val="accent1"/>
+              </a:fillRef>
+              <a:effectRef idx="0">
+                <a:schemeClr val="accent1"/>
+              </a:effectRef>
+              <a:fontRef idx="minor">
+                <a:schemeClr val="lt1"/>
+              </a:fontRef>
+            </p:style>
+            <p:txBody>
+              <a:bodyPr rtlCol="0" anchor="ctr"/>
+              <a:lstStyle/>
+              <a:p>
+                <a:r>
+                  <a:rPr lang="sv-SE" sz="1200" dirty="0" smtClean="0"/>
+                  <a:t>partition</a:t>
+                </a:r>
+                <a:endParaRPr lang="sv-SE" sz="1200" dirty="0"/>
+              </a:p>
+            </p:txBody>
+          </p:sp>
+          <p:sp>
+            <p:nvSpPr>
+              <p:cNvPr id="20" name="Rounded Rectangle 19"/>
+              <p:cNvSpPr/>
+              <p:nvPr/>
+            </p:nvSpPr>
+            <p:spPr>
+              <a:xfrm>
+                <a:off x="6971245" y="1515961"/>
+                <a:ext cx="958409" cy="326175"/>
+              </a:xfrm>
+              <a:prstGeom prst="roundRect">
+                <a:avLst/>
+              </a:prstGeom>
+              <a:grpFill/>
+              <a:ln w="25400">
+                <a:solidFill>
+                  <a:schemeClr val="bg1"/>
+                </a:solidFill>
+              </a:ln>
+            </p:spPr>
+            <p:style>
+              <a:lnRef idx="2">
+                <a:schemeClr val="accent1">
+                  <a:shade val="50000"/>
+                </a:schemeClr>
+              </a:lnRef>
+              <a:fillRef idx="1">
+                <a:schemeClr val="accent1"/>
+              </a:fillRef>
+              <a:effectRef idx="0">
+                <a:schemeClr val="accent1"/>
+              </a:effectRef>
+              <a:fontRef idx="minor">
+                <a:schemeClr val="lt1"/>
+              </a:fontRef>
+            </p:style>
+            <p:txBody>
+              <a:bodyPr rtlCol="0" anchor="ctr"/>
+              <a:lstStyle/>
+              <a:p>
+                <a:r>
+                  <a:rPr lang="sv-SE" sz="1200" dirty="0" smtClean="0"/>
+                  <a:t>partition</a:t>
+                </a:r>
+                <a:endParaRPr lang="sv-SE" sz="1200" dirty="0"/>
+              </a:p>
+            </p:txBody>
+          </p:sp>
+        </p:grpSp>
+        <p:grpSp>
+          <p:nvGrpSpPr>
+            <p:cNvPr id="12" name="Group 11"/>
+            <p:cNvGrpSpPr/>
+            <p:nvPr/>
+          </p:nvGrpSpPr>
+          <p:grpSpPr>
+            <a:xfrm>
+              <a:off x="7747322" y="766280"/>
+              <a:ext cx="2098702" cy="1144025"/>
+              <a:chOff x="7747322" y="766280"/>
+              <a:chExt cx="2098702" cy="1144025"/>
+            </a:xfrm>
+          </p:grpSpPr>
+          <p:sp>
+            <p:nvSpPr>
+              <p:cNvPr id="8" name="Oval 7"/>
+              <p:cNvSpPr/>
+              <p:nvPr/>
+            </p:nvSpPr>
+            <p:spPr>
+              <a:xfrm>
+                <a:off x="8701999" y="766280"/>
+                <a:ext cx="1144025" cy="1144025"/>
+              </a:xfrm>
+              <a:prstGeom prst="ellipse">
+                <a:avLst/>
+              </a:prstGeom>
+              <a:solidFill>
+                <a:schemeClr val="accent1"/>
+              </a:solidFill>
+              <a:ln w="25400">
+                <a:solidFill>
+                  <a:schemeClr val="bg1"/>
+                </a:solidFill>
+              </a:ln>
+            </p:spPr>
+            <p:style>
+              <a:lnRef idx="2">
+                <a:schemeClr val="accent1">
+                  <a:shade val="50000"/>
+                </a:schemeClr>
+              </a:lnRef>
+              <a:fillRef idx="1">
+                <a:schemeClr val="accent1"/>
+              </a:fillRef>
+              <a:effectRef idx="0">
+                <a:schemeClr val="accent1"/>
+              </a:effectRef>
+              <a:fontRef idx="minor">
+                <a:schemeClr val="lt1"/>
+              </a:fontRef>
+            </p:style>
+            <p:txBody>
+              <a:bodyPr rot="0" spcFirstLastPara="0" vertOverflow="overflow" horzOverflow="overflow" vert="horz" wrap="square" lIns="0" tIns="0" rIns="0" bIns="0" numCol="1" spcCol="0" rtlCol="0" fromWordArt="0" anchor="ctr" anchorCtr="0" forceAA="0" compatLnSpc="1">
+                <a:prstTxWarp prst="textNoShape">
+                  <a:avLst/>
+                </a:prstTxWarp>
+                <a:noAutofit/>
+              </a:bodyPr>
+              <a:lstStyle/>
+              <a:p>
+                <a:pPr algn="ctr"/>
+                <a:r>
+                  <a:rPr lang="sv-SE" b="1" dirty="0" smtClean="0">
+                    <a:solidFill>
+                      <a:schemeClr val="bg1"/>
+                    </a:solidFill>
+                  </a:rPr>
+                  <a:t>worker1</a:t>
+                </a:r>
+                <a:endParaRPr lang="sv-SE" b="1" dirty="0">
+                  <a:solidFill>
+                    <a:schemeClr val="bg1"/>
+                  </a:solidFill>
+                </a:endParaRPr>
+              </a:p>
+            </p:txBody>
+          </p:sp>
+          <p:sp>
+            <p:nvSpPr>
+              <p:cNvPr id="17" name="Oval 16"/>
+              <p:cNvSpPr/>
+              <p:nvPr/>
+            </p:nvSpPr>
+            <p:spPr>
+              <a:xfrm>
+                <a:off x="7747322" y="860954"/>
+                <a:ext cx="954676" cy="954676"/>
+              </a:xfrm>
+              <a:prstGeom prst="ellipse">
+                <a:avLst/>
+              </a:prstGeom>
+              <a:solidFill>
+                <a:schemeClr val="accent1">
+                  <a:lumMod val="60000"/>
+                  <a:lumOff val="40000"/>
+                </a:schemeClr>
+              </a:solidFill>
+              <a:ln w="25400">
+                <a:solidFill>
+                  <a:schemeClr val="bg1"/>
+                </a:solidFill>
+              </a:ln>
+            </p:spPr>
+            <p:style>
+              <a:lnRef idx="2">
+                <a:schemeClr val="accent1">
+                  <a:shade val="50000"/>
+                </a:schemeClr>
+              </a:lnRef>
+              <a:fillRef idx="1">
+                <a:schemeClr val="accent1"/>
+              </a:fillRef>
+              <a:effectRef idx="0">
+                <a:schemeClr val="accent1"/>
+              </a:effectRef>
+              <a:fontRef idx="minor">
+                <a:schemeClr val="lt1"/>
+              </a:fontRef>
+            </p:style>
+            <p:txBody>
+              <a:bodyPr lIns="0" tIns="0" rIns="0" bIns="0" rtlCol="0" anchor="ctr"/>
+              <a:lstStyle/>
+              <a:p>
+                <a:pPr algn="ctr"/>
+                <a:r>
+                  <a:rPr lang="sv-SE" sz="1200" b="1" dirty="0" smtClean="0">
+                    <a:solidFill>
+                      <a:schemeClr val="bg1"/>
+                    </a:solidFill>
+                  </a:rPr>
+                  <a:t>consumer</a:t>
+                </a:r>
+                <a:endParaRPr lang="sv-SE" sz="800" b="1" dirty="0" smtClean="0">
+                  <a:solidFill>
+                    <a:schemeClr val="bg1"/>
+                  </a:solidFill>
+                </a:endParaRPr>
+              </a:p>
+            </p:txBody>
+          </p:sp>
+        </p:grpSp>
+      </p:grpSp>
+      <p:grpSp>
+        <p:nvGrpSpPr>
+          <p:cNvPr id="52" name="Group 51"/>
+          <p:cNvGrpSpPr/>
+          <p:nvPr/>
+        </p:nvGrpSpPr>
+        <p:grpSpPr>
+          <a:xfrm>
+            <a:off x="7061955" y="4706788"/>
+            <a:ext cx="2784069" cy="1144025"/>
+            <a:chOff x="7061955" y="4706788"/>
+            <a:chExt cx="2784069" cy="1144025"/>
+          </a:xfrm>
+        </p:grpSpPr>
+        <p:grpSp>
+          <p:nvGrpSpPr>
+            <p:cNvPr id="40" name="Group 39"/>
+            <p:cNvGrpSpPr/>
+            <p:nvPr/>
+          </p:nvGrpSpPr>
+          <p:grpSpPr>
+            <a:xfrm>
+              <a:off x="7061955" y="4798834"/>
+              <a:ext cx="917625" cy="1006556"/>
+              <a:chOff x="6971244" y="1178751"/>
+              <a:chExt cx="958411" cy="1006556"/>
+            </a:xfrm>
+            <a:solidFill>
+              <a:schemeClr val="accent2">
+                <a:lumMod val="60000"/>
+                <a:lumOff val="40000"/>
+              </a:schemeClr>
+            </a:solidFill>
+          </p:grpSpPr>
+          <p:sp>
+            <p:nvSpPr>
+              <p:cNvPr id="41" name="Rounded Rectangle 40"/>
+              <p:cNvSpPr/>
+              <p:nvPr/>
+            </p:nvSpPr>
+            <p:spPr>
+              <a:xfrm>
+                <a:off x="6971246" y="1178751"/>
+                <a:ext cx="958409" cy="326175"/>
+              </a:xfrm>
+              <a:prstGeom prst="roundRect">
+                <a:avLst/>
+              </a:prstGeom>
+              <a:grpFill/>
+              <a:ln w="25400">
+                <a:solidFill>
+                  <a:schemeClr val="bg1"/>
+                </a:solidFill>
+              </a:ln>
+            </p:spPr>
+            <p:style>
+              <a:lnRef idx="2">
+                <a:schemeClr val="accent1">
+                  <a:shade val="50000"/>
+                </a:schemeClr>
+              </a:lnRef>
+              <a:fillRef idx="1">
+                <a:schemeClr val="accent1"/>
+              </a:fillRef>
+              <a:effectRef idx="0">
+                <a:schemeClr val="accent1"/>
+              </a:effectRef>
+              <a:fontRef idx="minor">
+                <a:schemeClr val="lt1"/>
+              </a:fontRef>
+            </p:style>
+            <p:txBody>
+              <a:bodyPr rtlCol="0" anchor="ctr"/>
+              <a:lstStyle/>
+              <a:p>
+                <a:r>
+                  <a:rPr lang="sv-SE" sz="1200" dirty="0" smtClean="0"/>
+                  <a:t>partition</a:t>
+                </a:r>
+                <a:endParaRPr lang="sv-SE" sz="1200" dirty="0"/>
+              </a:p>
+            </p:txBody>
+          </p:sp>
+          <p:sp>
+            <p:nvSpPr>
+              <p:cNvPr id="42" name="Rounded Rectangle 41"/>
+              <p:cNvSpPr/>
+              <p:nvPr/>
+            </p:nvSpPr>
+            <p:spPr>
+              <a:xfrm>
+                <a:off x="6971245" y="1515961"/>
+                <a:ext cx="958409" cy="326175"/>
+              </a:xfrm>
+              <a:prstGeom prst="roundRect">
+                <a:avLst/>
+              </a:prstGeom>
+              <a:grpFill/>
+              <a:ln w="25400">
+                <a:solidFill>
+                  <a:schemeClr val="bg1"/>
+                </a:solidFill>
+              </a:ln>
+            </p:spPr>
+            <p:style>
+              <a:lnRef idx="2">
+                <a:schemeClr val="accent1">
+                  <a:shade val="50000"/>
+                </a:schemeClr>
+              </a:lnRef>
+              <a:fillRef idx="1">
+                <a:schemeClr val="accent1"/>
+              </a:fillRef>
+              <a:effectRef idx="0">
+                <a:schemeClr val="accent1"/>
+              </a:effectRef>
+              <a:fontRef idx="minor">
+                <a:schemeClr val="lt1"/>
+              </a:fontRef>
+            </p:style>
+            <p:txBody>
+              <a:bodyPr rtlCol="0" anchor="ctr"/>
+              <a:lstStyle/>
+              <a:p>
+                <a:r>
+                  <a:rPr lang="sv-SE" sz="1200" dirty="0" smtClean="0"/>
+                  <a:t>partition</a:t>
+                </a:r>
+                <a:endParaRPr lang="sv-SE" sz="1200" dirty="0"/>
+              </a:p>
+            </p:txBody>
+          </p:sp>
+          <p:sp>
+            <p:nvSpPr>
+              <p:cNvPr id="43" name="Rounded Rectangle 42"/>
+              <p:cNvSpPr/>
+              <p:nvPr/>
+            </p:nvSpPr>
+            <p:spPr>
+              <a:xfrm>
+                <a:off x="6971244" y="1859132"/>
+                <a:ext cx="958409" cy="326175"/>
+              </a:xfrm>
+              <a:prstGeom prst="roundRect">
+                <a:avLst/>
+              </a:prstGeom>
+              <a:grpFill/>
+              <a:ln w="25400">
+                <a:solidFill>
+                  <a:schemeClr val="bg1"/>
+                </a:solidFill>
+              </a:ln>
+            </p:spPr>
+            <p:style>
+              <a:lnRef idx="2">
+                <a:schemeClr val="accent1">
+                  <a:shade val="50000"/>
+                </a:schemeClr>
+              </a:lnRef>
+              <a:fillRef idx="1">
+                <a:schemeClr val="accent1"/>
+              </a:fillRef>
+              <a:effectRef idx="0">
+                <a:schemeClr val="accent1"/>
+              </a:effectRef>
+              <a:fontRef idx="minor">
+                <a:schemeClr val="lt1"/>
+              </a:fontRef>
+            </p:style>
+            <p:txBody>
+              <a:bodyPr rtlCol="0" anchor="ctr"/>
+              <a:lstStyle/>
+              <a:p>
+                <a:r>
+                  <a:rPr lang="sv-SE" sz="1200" dirty="0" smtClean="0"/>
+                  <a:t>partition</a:t>
+                </a:r>
+                <a:endParaRPr lang="sv-SE" sz="1200" dirty="0"/>
+              </a:p>
+            </p:txBody>
+          </p:sp>
+        </p:grpSp>
+        <p:grpSp>
+          <p:nvGrpSpPr>
+            <p:cNvPr id="18" name="Group 17"/>
+            <p:cNvGrpSpPr/>
+            <p:nvPr/>
+          </p:nvGrpSpPr>
+          <p:grpSpPr>
+            <a:xfrm>
+              <a:off x="7747322" y="4706788"/>
+              <a:ext cx="2098702" cy="1144025"/>
+              <a:chOff x="7747322" y="4706788"/>
+              <a:chExt cx="2098702" cy="1144025"/>
+            </a:xfrm>
+          </p:grpSpPr>
+          <p:sp>
+            <p:nvSpPr>
+              <p:cNvPr id="10" name="Oval 9"/>
+              <p:cNvSpPr/>
+              <p:nvPr/>
+            </p:nvSpPr>
+            <p:spPr>
+              <a:xfrm>
+                <a:off x="8701999" y="4706788"/>
+                <a:ext cx="1144025" cy="1144025"/>
+              </a:xfrm>
+              <a:prstGeom prst="ellipse">
+                <a:avLst/>
+              </a:prstGeom>
+              <a:solidFill>
+                <a:schemeClr val="accent1"/>
+              </a:solidFill>
+              <a:ln w="25400">
+                <a:solidFill>
+                  <a:schemeClr val="bg1"/>
+                </a:solidFill>
+              </a:ln>
+            </p:spPr>
+            <p:style>
+              <a:lnRef idx="2">
+                <a:schemeClr val="accent1">
+                  <a:shade val="50000"/>
+                </a:schemeClr>
+              </a:lnRef>
+              <a:fillRef idx="1">
+                <a:schemeClr val="accent1"/>
+              </a:fillRef>
+              <a:effectRef idx="0">
+                <a:schemeClr val="accent1"/>
+              </a:effectRef>
+              <a:fontRef idx="minor">
+                <a:schemeClr val="lt1"/>
+              </a:fontRef>
+            </p:style>
+            <p:txBody>
+              <a:bodyPr rot="0" spcFirstLastPara="0" vertOverflow="overflow" horzOverflow="overflow" vert="horz" wrap="square" lIns="0" tIns="0" rIns="0" bIns="0" numCol="1" spcCol="0" rtlCol="0" fromWordArt="0" anchor="ctr" anchorCtr="0" forceAA="0" compatLnSpc="1">
+                <a:prstTxWarp prst="textNoShape">
+                  <a:avLst/>
+                </a:prstTxWarp>
+                <a:noAutofit/>
+              </a:bodyPr>
+              <a:lstStyle/>
+              <a:p>
+                <a:pPr algn="ctr"/>
+                <a:r>
+                  <a:rPr lang="sv-SE" b="1" dirty="0" smtClean="0">
+                    <a:solidFill>
+                      <a:schemeClr val="bg1"/>
+                    </a:solidFill>
+                  </a:rPr>
+                  <a:t>worker4</a:t>
+                </a:r>
+                <a:endParaRPr lang="sv-SE" b="1" dirty="0">
+                  <a:solidFill>
+                    <a:schemeClr val="bg1"/>
+                  </a:solidFill>
+                </a:endParaRPr>
+              </a:p>
+            </p:txBody>
+          </p:sp>
+          <p:sp>
+            <p:nvSpPr>
+              <p:cNvPr id="26" name="Oval 25"/>
+              <p:cNvSpPr/>
+              <p:nvPr/>
+            </p:nvSpPr>
+            <p:spPr>
+              <a:xfrm>
+                <a:off x="7747322" y="4801462"/>
+                <a:ext cx="954676" cy="954676"/>
+              </a:xfrm>
+              <a:prstGeom prst="ellipse">
+                <a:avLst/>
+              </a:prstGeom>
+              <a:solidFill>
+                <a:schemeClr val="accent1">
+                  <a:lumMod val="60000"/>
+                  <a:lumOff val="40000"/>
+                </a:schemeClr>
+              </a:solidFill>
+              <a:ln w="25400">
+                <a:solidFill>
+                  <a:schemeClr val="bg1"/>
+                </a:solidFill>
+              </a:ln>
+            </p:spPr>
+            <p:style>
+              <a:lnRef idx="2">
+                <a:schemeClr val="accent1">
+                  <a:shade val="50000"/>
+                </a:schemeClr>
+              </a:lnRef>
+              <a:fillRef idx="1">
+                <a:schemeClr val="accent1"/>
+              </a:fillRef>
+              <a:effectRef idx="0">
+                <a:schemeClr val="accent1"/>
+              </a:effectRef>
+              <a:fontRef idx="minor">
+                <a:schemeClr val="lt1"/>
+              </a:fontRef>
+            </p:style>
+            <p:txBody>
+              <a:bodyPr lIns="0" tIns="0" rIns="0" bIns="0" rtlCol="0" anchor="ctr"/>
+              <a:lstStyle/>
+              <a:p>
+                <a:pPr algn="ctr"/>
+                <a:r>
+                  <a:rPr lang="sv-SE" sz="1200" b="1" dirty="0" smtClean="0">
+                    <a:solidFill>
+                      <a:schemeClr val="bg1"/>
+                    </a:solidFill>
+                  </a:rPr>
+                  <a:t>consumer</a:t>
+                </a:r>
+                <a:endParaRPr lang="sv-SE" sz="800" b="1" dirty="0" smtClean="0">
+                  <a:solidFill>
+                    <a:schemeClr val="bg1"/>
+                  </a:solidFill>
+                </a:endParaRPr>
+              </a:p>
+            </p:txBody>
+          </p:sp>
+        </p:grpSp>
+      </p:grpSp>
+      <p:cxnSp>
+        <p:nvCxnSpPr>
+          <p:cNvPr id="48" name="Curved Connector 47"/>
+          <p:cNvCxnSpPr>
+            <a:stCxn id="16" idx="5"/>
+            <a:endCxn id="33" idx="2"/>
+          </p:cNvCxnSpPr>
+          <p:nvPr/>
+        </p:nvCxnSpPr>
+        <p:spPr>
+          <a:xfrm rot="16200000" flipH="1">
+            <a:off x="7104472" y="3319904"/>
+            <a:ext cx="319223" cy="971565"/>
+          </a:xfrm>
+          <a:prstGeom prst="curvedConnector2">
+            <a:avLst/>
+          </a:prstGeom>
+          <a:ln w="25400">
+            <a:solidFill>
+              <a:schemeClr val="accent1">
+                <a:lumMod val="75000"/>
+              </a:schemeClr>
+            </a:solidFill>
+            <a:tailEnd type="arrow"/>
+          </a:ln>
+        </p:spPr>
+        <p:style>
+          <a:lnRef idx="1">
+            <a:schemeClr val="accent1"/>
+          </a:lnRef>
+          <a:fillRef idx="0">
+            <a:schemeClr val="accent1"/>
+          </a:fillRef>
+          <a:effectRef idx="0">
+            <a:schemeClr val="accent1"/>
+          </a:effectRef>
+          <a:fontRef idx="minor">
+            <a:schemeClr val="tx1"/>
+          </a:fontRef>
+        </p:style>
+      </p:cxnSp>
+      <p:grpSp>
+        <p:nvGrpSpPr>
+          <p:cNvPr id="51" name="Group 50"/>
+          <p:cNvGrpSpPr/>
+          <p:nvPr/>
+        </p:nvGrpSpPr>
+        <p:grpSpPr>
+          <a:xfrm>
+            <a:off x="7011045" y="3393286"/>
+            <a:ext cx="2837524" cy="1144025"/>
+            <a:chOff x="7011045" y="3412009"/>
+            <a:chExt cx="2837524" cy="1144025"/>
+          </a:xfrm>
+        </p:grpSpPr>
+        <p:grpSp>
+          <p:nvGrpSpPr>
+            <p:cNvPr id="45" name="Group 44"/>
+            <p:cNvGrpSpPr/>
+            <p:nvPr/>
+          </p:nvGrpSpPr>
+          <p:grpSpPr>
+            <a:xfrm>
+              <a:off x="7011045" y="3657794"/>
+              <a:ext cx="917625" cy="663385"/>
+              <a:chOff x="6971243" y="1178751"/>
+              <a:chExt cx="958411" cy="663385"/>
+            </a:xfrm>
+            <a:solidFill>
+              <a:schemeClr val="accent2">
+                <a:lumMod val="60000"/>
+                <a:lumOff val="40000"/>
+              </a:schemeClr>
+            </a:solidFill>
+          </p:grpSpPr>
+          <p:sp>
+            <p:nvSpPr>
+              <p:cNvPr id="46" name="Rounded Rectangle 45"/>
+              <p:cNvSpPr/>
+              <p:nvPr/>
+            </p:nvSpPr>
+            <p:spPr>
+              <a:xfrm>
+                <a:off x="6971243" y="1178751"/>
+                <a:ext cx="958409" cy="326175"/>
+              </a:xfrm>
+              <a:prstGeom prst="roundRect">
+                <a:avLst/>
+              </a:prstGeom>
+              <a:grpFill/>
+              <a:ln w="25400">
+                <a:solidFill>
+                  <a:schemeClr val="bg1"/>
+                </a:solidFill>
+              </a:ln>
+            </p:spPr>
+            <p:style>
+              <a:lnRef idx="2">
+                <a:schemeClr val="accent1">
+                  <a:shade val="50000"/>
+                </a:schemeClr>
+              </a:lnRef>
+              <a:fillRef idx="1">
+                <a:schemeClr val="accent1"/>
+              </a:fillRef>
+              <a:effectRef idx="0">
+                <a:schemeClr val="accent1"/>
+              </a:effectRef>
+              <a:fontRef idx="minor">
+                <a:schemeClr val="lt1"/>
+              </a:fontRef>
+            </p:style>
+            <p:txBody>
+              <a:bodyPr rtlCol="0" anchor="ctr"/>
+              <a:lstStyle/>
+              <a:p>
+                <a:r>
+                  <a:rPr lang="sv-SE" sz="1200" dirty="0" smtClean="0"/>
+                  <a:t>partition</a:t>
+                </a:r>
+                <a:endParaRPr lang="sv-SE" sz="1200" dirty="0"/>
+              </a:p>
+            </p:txBody>
+          </p:sp>
+          <p:sp>
+            <p:nvSpPr>
+              <p:cNvPr id="47" name="Rounded Rectangle 46"/>
+              <p:cNvSpPr/>
+              <p:nvPr/>
+            </p:nvSpPr>
+            <p:spPr>
+              <a:xfrm>
+                <a:off x="6971245" y="1515961"/>
+                <a:ext cx="958409" cy="326175"/>
+              </a:xfrm>
+              <a:prstGeom prst="roundRect">
+                <a:avLst/>
+              </a:prstGeom>
+              <a:grpFill/>
+              <a:ln w="25400">
+                <a:solidFill>
+                  <a:schemeClr val="bg1"/>
+                </a:solidFill>
+              </a:ln>
+            </p:spPr>
+            <p:style>
+              <a:lnRef idx="2">
+                <a:schemeClr val="accent1">
+                  <a:shade val="50000"/>
+                </a:schemeClr>
+              </a:lnRef>
+              <a:fillRef idx="1">
+                <a:schemeClr val="accent1"/>
+              </a:fillRef>
+              <a:effectRef idx="0">
+                <a:schemeClr val="accent1"/>
+              </a:effectRef>
+              <a:fontRef idx="minor">
+                <a:schemeClr val="lt1"/>
+              </a:fontRef>
+            </p:style>
+            <p:txBody>
+              <a:bodyPr rtlCol="0" anchor="ctr"/>
+              <a:lstStyle/>
+              <a:p>
+                <a:r>
+                  <a:rPr lang="sv-SE" sz="1200" dirty="0" smtClean="0"/>
+                  <a:t>partition</a:t>
+                </a:r>
+                <a:endParaRPr lang="sv-SE" sz="1200" dirty="0"/>
+              </a:p>
+            </p:txBody>
+          </p:sp>
+        </p:grpSp>
+        <p:grpSp>
+          <p:nvGrpSpPr>
+            <p:cNvPr id="14" name="Group 13"/>
+            <p:cNvGrpSpPr/>
+            <p:nvPr/>
+          </p:nvGrpSpPr>
+          <p:grpSpPr>
+            <a:xfrm>
+              <a:off x="7749866" y="3412009"/>
+              <a:ext cx="2098703" cy="1144025"/>
+              <a:chOff x="7749866" y="3412009"/>
+              <a:chExt cx="2098703" cy="1144025"/>
+            </a:xfrm>
+          </p:grpSpPr>
+          <p:sp>
+            <p:nvSpPr>
+              <p:cNvPr id="32" name="Oval 31"/>
+              <p:cNvSpPr/>
+              <p:nvPr/>
+            </p:nvSpPr>
+            <p:spPr>
+              <a:xfrm>
+                <a:off x="8704544" y="3412009"/>
+                <a:ext cx="1144025" cy="1144025"/>
+              </a:xfrm>
+              <a:prstGeom prst="ellipse">
+                <a:avLst/>
+              </a:prstGeom>
+              <a:solidFill>
+                <a:schemeClr val="accent1"/>
+              </a:solidFill>
+              <a:ln w="25400">
+                <a:solidFill>
+                  <a:schemeClr val="bg1"/>
+                </a:solidFill>
+              </a:ln>
+            </p:spPr>
+            <p:style>
+              <a:lnRef idx="2">
+                <a:schemeClr val="accent1">
+                  <a:shade val="50000"/>
+                </a:schemeClr>
+              </a:lnRef>
+              <a:fillRef idx="1">
+                <a:schemeClr val="accent1"/>
+              </a:fillRef>
+              <a:effectRef idx="0">
+                <a:schemeClr val="accent1"/>
+              </a:effectRef>
+              <a:fontRef idx="minor">
+                <a:schemeClr val="lt1"/>
+              </a:fontRef>
+            </p:style>
+            <p:txBody>
+              <a:bodyPr rot="0" spcFirstLastPara="0" vertOverflow="overflow" horzOverflow="overflow" vert="horz" wrap="square" lIns="0" tIns="0" rIns="0" bIns="0" numCol="1" spcCol="0" rtlCol="0" fromWordArt="0" anchor="ctr" anchorCtr="0" forceAA="0" compatLnSpc="1">
+                <a:prstTxWarp prst="textNoShape">
+                  <a:avLst/>
+                </a:prstTxWarp>
+                <a:noAutofit/>
+              </a:bodyPr>
+              <a:lstStyle/>
+              <a:p>
+                <a:pPr algn="ctr"/>
+                <a:r>
+                  <a:rPr lang="sv-SE" b="1" dirty="0" smtClean="0">
+                    <a:solidFill>
+                      <a:schemeClr val="bg1"/>
+                    </a:solidFill>
+                  </a:rPr>
+                  <a:t>worker3</a:t>
+                </a:r>
+                <a:endParaRPr lang="sv-SE" b="1" dirty="0">
+                  <a:solidFill>
+                    <a:schemeClr val="bg1"/>
+                  </a:solidFill>
+                </a:endParaRPr>
+              </a:p>
+            </p:txBody>
+          </p:sp>
+          <p:sp>
+            <p:nvSpPr>
+              <p:cNvPr id="33" name="Oval 32"/>
+              <p:cNvSpPr/>
+              <p:nvPr/>
+            </p:nvSpPr>
+            <p:spPr>
+              <a:xfrm>
+                <a:off x="7749866" y="3506684"/>
+                <a:ext cx="954676" cy="954676"/>
+              </a:xfrm>
+              <a:prstGeom prst="ellipse">
+                <a:avLst/>
+              </a:prstGeom>
+              <a:solidFill>
+                <a:schemeClr val="accent1">
+                  <a:lumMod val="60000"/>
+                  <a:lumOff val="40000"/>
+                </a:schemeClr>
+              </a:solidFill>
+              <a:ln w="25400">
+                <a:solidFill>
+                  <a:schemeClr val="bg1"/>
+                </a:solidFill>
+              </a:ln>
+            </p:spPr>
+            <p:style>
+              <a:lnRef idx="2">
+                <a:schemeClr val="accent1">
+                  <a:shade val="50000"/>
+                </a:schemeClr>
+              </a:lnRef>
+              <a:fillRef idx="1">
+                <a:schemeClr val="accent1"/>
+              </a:fillRef>
+              <a:effectRef idx="0">
+                <a:schemeClr val="accent1"/>
+              </a:effectRef>
+              <a:fontRef idx="minor">
+                <a:schemeClr val="lt1"/>
+              </a:fontRef>
+            </p:style>
+            <p:txBody>
+              <a:bodyPr lIns="0" tIns="0" rIns="0" bIns="0" rtlCol="0" anchor="ctr"/>
+              <a:lstStyle/>
+              <a:p>
+                <a:pPr algn="ctr"/>
+                <a:r>
+                  <a:rPr lang="sv-SE" sz="1200" b="1" dirty="0" smtClean="0">
+                    <a:solidFill>
+                      <a:schemeClr val="bg1"/>
+                    </a:solidFill>
+                  </a:rPr>
+                  <a:t>consumer</a:t>
+                </a:r>
+                <a:endParaRPr lang="sv-SE" sz="800" b="1" dirty="0" smtClean="0">
+                  <a:solidFill>
+                    <a:schemeClr val="bg1"/>
+                  </a:solidFill>
+                </a:endParaRPr>
+              </a:p>
+            </p:txBody>
+          </p:sp>
+        </p:grpSp>
+      </p:grpSp>
+      <p:sp>
+        <p:nvSpPr>
+          <p:cNvPr id="49" name="Rectangle 48"/>
+          <p:cNvSpPr/>
+          <p:nvPr/>
+        </p:nvSpPr>
+        <p:spPr>
+          <a:xfrm>
+            <a:off x="210571" y="132594"/>
+            <a:ext cx="3892004" cy="5346621"/>
+          </a:xfrm>
+          <a:prstGeom prst="rect">
+            <a:avLst/>
+          </a:prstGeom>
+          <a:noFill/>
+          <a:ln>
+            <a:noFill/>
+          </a:ln>
+        </p:spPr>
+        <p:style>
+          <a:lnRef idx="2">
+            <a:schemeClr val="accent1">
+              <a:shade val="50000"/>
+            </a:schemeClr>
+          </a:lnRef>
+          <a:fillRef idx="1">
+            <a:schemeClr val="accent1"/>
+          </a:fillRef>
+          <a:effectRef idx="0">
+            <a:schemeClr val="accent1"/>
+          </a:effectRef>
+          <a:fontRef idx="minor">
+            <a:schemeClr val="lt1"/>
+          </a:fontRef>
+        </p:style>
+        <p:txBody>
+          <a:bodyPr rot="0" spcFirstLastPara="0" vertOverflow="overflow" horzOverflow="overflow" vert="horz" wrap="square" lIns="144000" tIns="144000" rIns="144000" bIns="144000" numCol="1" spcCol="0" rtlCol="0" fromWordArt="0" anchor="t" anchorCtr="0" forceAA="0" compatLnSpc="1">
+            <a:prstTxWarp prst="textNoShape">
+              <a:avLst/>
+            </a:prstTxWarp>
+            <a:noAutofit/>
+          </a:bodyPr>
+          <a:lstStyle/>
+          <a:p>
+            <a:r>
+              <a:rPr lang="sv-SE" sz="1600" b="1" dirty="0" smtClean="0">
+                <a:solidFill>
+                  <a:schemeClr val="tx1"/>
+                </a:solidFill>
+              </a:rPr>
+              <a:t>Partition to State affinity</a:t>
+            </a:r>
+            <a:endParaRPr lang="sv-SE" sz="1600" b="1" dirty="0" smtClean="0">
+              <a:solidFill>
+                <a:schemeClr val="tx1"/>
+              </a:solidFill>
+            </a:endParaRPr>
+          </a:p>
+          <a:p>
+            <a:endParaRPr lang="sv-SE" sz="1600" b="1" i="1" dirty="0">
+              <a:solidFill>
+                <a:schemeClr val="tx1"/>
+              </a:solidFill>
+            </a:endParaRPr>
+          </a:p>
+          <a:p>
+            <a:r>
+              <a:rPr lang="sv-SE" sz="1600" dirty="0" smtClean="0">
+                <a:solidFill>
+                  <a:schemeClr val="tx1"/>
+                </a:solidFill>
+              </a:rPr>
+              <a:t>By partitioning events based on some form of unique identifier, e.g. CustomerId, Region or similar, we can make sure all events that belong together end up on the same partition.</a:t>
+            </a:r>
+          </a:p>
+          <a:p>
+            <a:endParaRPr lang="sv-SE" sz="1600" dirty="0">
+              <a:solidFill>
+                <a:schemeClr val="tx1"/>
+              </a:solidFill>
+            </a:endParaRPr>
+          </a:p>
+          <a:p>
+            <a:r>
+              <a:rPr lang="sv-SE" sz="1600" dirty="0" smtClean="0">
+                <a:solidFill>
+                  <a:schemeClr val="tx1"/>
+                </a:solidFill>
+              </a:rPr>
+              <a:t>Once the events are assigned to a specific partition, it’s easy to build a stateful system behind the worker consuming this partition.</a:t>
+            </a:r>
+          </a:p>
+          <a:p>
+            <a:endParaRPr lang="sv-SE" sz="1600" dirty="0">
+              <a:solidFill>
+                <a:schemeClr val="tx1"/>
+              </a:solidFill>
+            </a:endParaRPr>
+          </a:p>
+          <a:p>
+            <a:r>
+              <a:rPr lang="sv-SE" sz="1600" dirty="0" smtClean="0">
+                <a:solidFill>
+                  <a:schemeClr val="tx1"/>
+                </a:solidFill>
+              </a:rPr>
+              <a:t>This is conceptually the same thing as </a:t>
+            </a:r>
+            <a:br>
+              <a:rPr lang="sv-SE" sz="1600" dirty="0" smtClean="0">
+                <a:solidFill>
+                  <a:schemeClr val="tx1"/>
+                </a:solidFill>
+              </a:rPr>
+            </a:br>
+            <a:r>
+              <a:rPr lang="sv-SE" sz="1600" b="1" dirty="0" smtClean="0">
+                <a:solidFill>
+                  <a:schemeClr val="tx1"/>
+                </a:solidFill>
+              </a:rPr>
+              <a:t>Akka Cluster Sharding</a:t>
+            </a:r>
+            <a:r>
+              <a:rPr lang="sv-SE" sz="1600" b="1" dirty="0">
+                <a:solidFill>
+                  <a:schemeClr val="tx1"/>
+                </a:solidFill>
+              </a:rPr>
+              <a:t> </a:t>
+            </a:r>
+            <a:r>
+              <a:rPr lang="sv-SE" sz="1600" dirty="0" smtClean="0">
+                <a:solidFill>
+                  <a:schemeClr val="tx1"/>
+                </a:solidFill>
+              </a:rPr>
+              <a:t>and similar to </a:t>
+            </a:r>
+            <a:r>
+              <a:rPr lang="sv-SE" sz="1600" b="1" dirty="0" smtClean="0">
+                <a:solidFill>
+                  <a:schemeClr val="tx1"/>
+                </a:solidFill>
+              </a:rPr>
+              <a:t>MsOrleans</a:t>
+            </a:r>
+            <a:r>
+              <a:rPr lang="sv-SE" sz="1600" dirty="0" smtClean="0">
+                <a:solidFill>
+                  <a:schemeClr val="tx1"/>
+                </a:solidFill>
+              </a:rPr>
+              <a:t> in the sense that developers do not need to care where actors are placed.</a:t>
+            </a:r>
+          </a:p>
+          <a:p>
+            <a:r>
+              <a:rPr lang="sv-SE" sz="1600" dirty="0">
+                <a:solidFill>
+                  <a:schemeClr val="tx1"/>
+                </a:solidFill>
+              </a:rPr>
+              <a:t>Although in a more coarse grained way, data islands instead of individual actors.</a:t>
+            </a:r>
+            <a:endParaRPr lang="sv-SE" sz="1600" dirty="0" smtClean="0">
+              <a:solidFill>
+                <a:schemeClr val="tx1"/>
+              </a:solidFill>
+            </a:endParaRPr>
+          </a:p>
+          <a:p>
+            <a:endParaRPr lang="sv-SE" sz="1600" b="1" dirty="0">
+              <a:solidFill>
+                <a:schemeClr val="tx1"/>
+              </a:solidFill>
+            </a:endParaRPr>
+          </a:p>
+          <a:p>
+            <a:endParaRPr lang="sv-SE" sz="1600" b="1" dirty="0">
+              <a:solidFill>
+                <a:schemeClr val="tx1"/>
+              </a:solidFill>
+            </a:endParaRPr>
+          </a:p>
+        </p:txBody>
+      </p:sp>
+      <p:sp>
+        <p:nvSpPr>
+          <p:cNvPr id="6" name="Rectangle 5"/>
+          <p:cNvSpPr/>
+          <p:nvPr/>
+        </p:nvSpPr>
+        <p:spPr>
+          <a:xfrm>
+            <a:off x="4102575" y="0"/>
+            <a:ext cx="6361682" cy="7026699"/>
+          </a:xfrm>
+          <a:prstGeom prst="rect">
+            <a:avLst/>
+          </a:prstGeom>
+          <a:solidFill>
+            <a:schemeClr val="bg1">
+              <a:alpha val="82000"/>
+            </a:schemeClr>
+          </a:solidFill>
+          <a:ln>
+            <a:noFill/>
+          </a:ln>
+        </p:spPr>
+        <p:style>
+          <a:lnRef idx="2">
+            <a:schemeClr val="accent1">
+              <a:shade val="50000"/>
+            </a:schemeClr>
+          </a:lnRef>
+          <a:fillRef idx="1">
+            <a:schemeClr val="accent1"/>
+          </a:fillRef>
+          <a:effectRef idx="0">
+            <a:schemeClr val="accent1"/>
+          </a:effectRef>
+          <a:fontRef idx="minor">
+            <a:schemeClr val="lt1"/>
+          </a:fontRef>
+        </p:style>
+        <p:txBody>
+          <a:bodyPr rtlCol="0" anchor="ctr"/>
+          <a:lstStyle/>
+          <a:p>
+            <a:pPr algn="ctr"/>
+            <a:endParaRPr lang="sv-SE"/>
+          </a:p>
+        </p:txBody>
+      </p:sp>
+      <p:sp>
+        <p:nvSpPr>
+          <p:cNvPr id="5" name="Rounded Rectangle 4"/>
+          <p:cNvSpPr/>
+          <p:nvPr/>
+        </p:nvSpPr>
+        <p:spPr>
+          <a:xfrm>
+            <a:off x="9574306" y="2079782"/>
+            <a:ext cx="2102631" cy="1144026"/>
+          </a:xfrm>
+          <a:prstGeom prst="roundRect">
+            <a:avLst/>
+          </a:prstGeom>
+          <a:ln>
+            <a:noFill/>
+          </a:ln>
+        </p:spPr>
+        <p:style>
+          <a:lnRef idx="2">
+            <a:schemeClr val="accent1">
+              <a:shade val="50000"/>
+            </a:schemeClr>
+          </a:lnRef>
+          <a:fillRef idx="1">
+            <a:schemeClr val="accent1"/>
+          </a:fillRef>
+          <a:effectRef idx="0">
+            <a:schemeClr val="accent1"/>
+          </a:effectRef>
+          <a:fontRef idx="minor">
+            <a:schemeClr val="lt1"/>
+          </a:fontRef>
+        </p:style>
+        <p:txBody>
+          <a:bodyPr rtlCol="0" anchor="ctr"/>
+          <a:lstStyle/>
+          <a:p>
+            <a:pPr algn="ctr"/>
+            <a:r>
+              <a:rPr lang="sv-SE" b="1" dirty="0" smtClean="0"/>
+              <a:t>Stateful</a:t>
+            </a:r>
+            <a:endParaRPr lang="sv-SE" b="1" dirty="0"/>
+          </a:p>
+        </p:txBody>
+      </p:sp>
+      <p:sp>
+        <p:nvSpPr>
+          <p:cNvPr id="7" name="Oval 6"/>
+          <p:cNvSpPr/>
+          <p:nvPr/>
+        </p:nvSpPr>
+        <p:spPr>
+          <a:xfrm>
+            <a:off x="8701999" y="2079783"/>
+            <a:ext cx="1144025" cy="1144025"/>
+          </a:xfrm>
+          <a:prstGeom prst="ellipse">
+            <a:avLst/>
+          </a:prstGeom>
+          <a:solidFill>
+            <a:schemeClr val="accent1"/>
+          </a:solidFill>
+          <a:ln w="25400">
+            <a:solidFill>
+              <a:schemeClr val="bg1"/>
+            </a:solidFill>
+          </a:ln>
+        </p:spPr>
+        <p:style>
+          <a:lnRef idx="2">
+            <a:schemeClr val="accent1">
+              <a:shade val="50000"/>
+            </a:schemeClr>
+          </a:lnRef>
+          <a:fillRef idx="1">
+            <a:schemeClr val="accent1"/>
+          </a:fillRef>
+          <a:effectRef idx="0">
+            <a:schemeClr val="accent1"/>
+          </a:effectRef>
+          <a:fontRef idx="minor">
+            <a:schemeClr val="lt1"/>
+          </a:fontRef>
+        </p:style>
+        <p:txBody>
+          <a:bodyPr rot="0" spcFirstLastPara="0" vertOverflow="overflow" horzOverflow="overflow" vert="horz" wrap="square" lIns="0" tIns="0" rIns="0" bIns="0" numCol="1" spcCol="0" rtlCol="0" fromWordArt="0" anchor="ctr" anchorCtr="0" forceAA="0" compatLnSpc="1">
+            <a:prstTxWarp prst="textNoShape">
+              <a:avLst/>
+            </a:prstTxWarp>
+            <a:noAutofit/>
+          </a:bodyPr>
+          <a:lstStyle/>
+          <a:p>
+            <a:pPr algn="ctr"/>
+            <a:r>
+              <a:rPr lang="sv-SE" b="1" dirty="0" smtClean="0">
+                <a:solidFill>
+                  <a:schemeClr val="bg1"/>
+                </a:solidFill>
+              </a:rPr>
+              <a:t>worker2</a:t>
+            </a:r>
+            <a:endParaRPr lang="sv-SE" b="1" dirty="0">
+              <a:solidFill>
+                <a:schemeClr val="bg1"/>
+              </a:solidFill>
+            </a:endParaRPr>
+          </a:p>
+        </p:txBody>
+      </p:sp>
+      <p:sp>
+        <p:nvSpPr>
+          <p:cNvPr id="4" name="Oval 3"/>
+          <p:cNvSpPr/>
+          <p:nvPr/>
+        </p:nvSpPr>
+        <p:spPr>
+          <a:xfrm>
+            <a:off x="4819409" y="2736534"/>
+            <a:ext cx="1144025" cy="1144025"/>
+          </a:xfrm>
+          <a:prstGeom prst="ellipse">
+            <a:avLst/>
+          </a:prstGeom>
+          <a:solidFill>
+            <a:schemeClr val="accent1"/>
+          </a:solidFill>
+          <a:ln w="25400">
+            <a:solidFill>
+              <a:schemeClr val="bg1"/>
+            </a:solidFill>
+          </a:ln>
+        </p:spPr>
+        <p:style>
+          <a:lnRef idx="2">
+            <a:schemeClr val="accent1">
+              <a:shade val="50000"/>
+            </a:schemeClr>
+          </a:lnRef>
+          <a:fillRef idx="1">
+            <a:schemeClr val="accent1"/>
+          </a:fillRef>
+          <a:effectRef idx="0">
+            <a:schemeClr val="accent1"/>
+          </a:effectRef>
+          <a:fontRef idx="minor">
+            <a:schemeClr val="lt1"/>
+          </a:fontRef>
+        </p:style>
+        <p:txBody>
+          <a:bodyPr lIns="0" tIns="0" rIns="0" bIns="0" rtlCol="0" anchor="ctr"/>
+          <a:lstStyle/>
+          <a:p>
+            <a:pPr algn="ctr"/>
+            <a:r>
+              <a:rPr lang="sv-SE" b="1" dirty="0" smtClean="0">
+                <a:solidFill>
+                  <a:schemeClr val="bg1"/>
+                </a:solidFill>
+              </a:rPr>
+              <a:t>source</a:t>
+            </a:r>
+            <a:endParaRPr lang="sv-SE" sz="1050" b="1" dirty="0" smtClean="0">
+              <a:solidFill>
+                <a:schemeClr val="bg1"/>
+              </a:solidFill>
+            </a:endParaRPr>
+          </a:p>
+        </p:txBody>
+      </p:sp>
+      <p:sp>
+        <p:nvSpPr>
+          <p:cNvPr id="16" name="Oval 15"/>
+          <p:cNvSpPr/>
+          <p:nvPr/>
+        </p:nvSpPr>
+        <p:spPr>
+          <a:xfrm>
+            <a:off x="5963434" y="2831209"/>
+            <a:ext cx="954676" cy="954676"/>
+          </a:xfrm>
+          <a:prstGeom prst="ellipse">
+            <a:avLst/>
+          </a:prstGeom>
+          <a:solidFill>
+            <a:schemeClr val="accent1">
+              <a:lumMod val="60000"/>
+              <a:lumOff val="40000"/>
+            </a:schemeClr>
+          </a:solidFill>
+          <a:ln w="25400">
+            <a:solidFill>
+              <a:schemeClr val="bg1"/>
+            </a:solidFill>
+          </a:ln>
+        </p:spPr>
+        <p:style>
+          <a:lnRef idx="2">
+            <a:schemeClr val="accent1">
+              <a:shade val="50000"/>
+            </a:schemeClr>
+          </a:lnRef>
+          <a:fillRef idx="1">
+            <a:schemeClr val="accent1"/>
+          </a:fillRef>
+          <a:effectRef idx="0">
+            <a:schemeClr val="accent1"/>
+          </a:effectRef>
+          <a:fontRef idx="minor">
+            <a:schemeClr val="lt1"/>
+          </a:fontRef>
+        </p:style>
+        <p:txBody>
+          <a:bodyPr lIns="0" tIns="0" rIns="0" bIns="0" rtlCol="0" anchor="ctr"/>
+          <a:lstStyle/>
+          <a:p>
+            <a:pPr algn="ctr"/>
+            <a:r>
+              <a:rPr lang="sv-SE" sz="1200" b="1" dirty="0" smtClean="0">
+                <a:solidFill>
+                  <a:schemeClr val="bg1"/>
+                </a:solidFill>
+              </a:rPr>
+              <a:t>producer</a:t>
+            </a:r>
+            <a:endParaRPr lang="sv-SE" sz="800" b="1" dirty="0" smtClean="0">
+              <a:solidFill>
+                <a:schemeClr val="bg1"/>
+              </a:solidFill>
+            </a:endParaRPr>
+          </a:p>
+        </p:txBody>
+      </p:sp>
+      <p:cxnSp>
+        <p:nvCxnSpPr>
+          <p:cNvPr id="44" name="Curved Connector 43"/>
+          <p:cNvCxnSpPr>
+            <a:stCxn id="16" idx="7"/>
+            <a:endCxn id="23" idx="2"/>
+          </p:cNvCxnSpPr>
+          <p:nvPr/>
+        </p:nvCxnSpPr>
+        <p:spPr>
+          <a:xfrm rot="5400000" flipH="1" flipV="1">
+            <a:off x="7103200" y="2326897"/>
+            <a:ext cx="319222" cy="969020"/>
+          </a:xfrm>
+          <a:prstGeom prst="curvedConnector2">
+            <a:avLst/>
+          </a:prstGeom>
+          <a:ln w="25400">
+            <a:solidFill>
+              <a:schemeClr val="accent1">
+                <a:lumMod val="75000"/>
+              </a:schemeClr>
+            </a:solidFill>
+            <a:tailEnd type="arrow"/>
+          </a:ln>
+        </p:spPr>
+        <p:style>
+          <a:lnRef idx="1">
+            <a:schemeClr val="accent1"/>
+          </a:lnRef>
+          <a:fillRef idx="0">
+            <a:schemeClr val="accent1"/>
+          </a:fillRef>
+          <a:effectRef idx="0">
+            <a:schemeClr val="accent1"/>
+          </a:effectRef>
+          <a:fontRef idx="minor">
+            <a:schemeClr val="tx1"/>
+          </a:fontRef>
+        </p:style>
+      </p:cxnSp>
+      <p:grpSp>
+        <p:nvGrpSpPr>
+          <p:cNvPr id="36" name="Group 35"/>
+          <p:cNvGrpSpPr/>
+          <p:nvPr/>
+        </p:nvGrpSpPr>
+        <p:grpSpPr>
+          <a:xfrm>
+            <a:off x="7011045" y="2327214"/>
+            <a:ext cx="917625" cy="663385"/>
+            <a:chOff x="6971243" y="1178751"/>
+            <a:chExt cx="958411" cy="663385"/>
+          </a:xfrm>
+          <a:solidFill>
+            <a:schemeClr val="accent2">
+              <a:lumMod val="60000"/>
+              <a:lumOff val="40000"/>
+            </a:schemeClr>
+          </a:solidFill>
+        </p:grpSpPr>
+        <p:sp>
+          <p:nvSpPr>
+            <p:cNvPr id="37" name="Rounded Rectangle 36"/>
+            <p:cNvSpPr/>
+            <p:nvPr/>
+          </p:nvSpPr>
+          <p:spPr>
+            <a:xfrm>
+              <a:off x="6971243" y="1178751"/>
+              <a:ext cx="958409" cy="326175"/>
+            </a:xfrm>
+            <a:prstGeom prst="roundRect">
+              <a:avLst/>
+            </a:prstGeom>
+            <a:grpFill/>
+            <a:ln w="25400">
+              <a:solidFill>
+                <a:schemeClr val="bg1"/>
+              </a:solidFill>
+            </a:ln>
+          </p:spPr>
+          <p:style>
+            <a:lnRef idx="2">
+              <a:schemeClr val="accent1">
+                <a:shade val="50000"/>
+              </a:schemeClr>
+            </a:lnRef>
+            <a:fillRef idx="1">
+              <a:schemeClr val="accent1"/>
+            </a:fillRef>
+            <a:effectRef idx="0">
+              <a:schemeClr val="accent1"/>
+            </a:effectRef>
+            <a:fontRef idx="minor">
+              <a:schemeClr val="lt1"/>
+            </a:fontRef>
+          </p:style>
+          <p:txBody>
+            <a:bodyPr rtlCol="0" anchor="ctr"/>
+            <a:lstStyle/>
+            <a:p>
+              <a:r>
+                <a:rPr lang="sv-SE" sz="1200" dirty="0" smtClean="0"/>
+                <a:t>partition</a:t>
+              </a:r>
+              <a:endParaRPr lang="sv-SE" sz="1200" dirty="0"/>
+            </a:p>
+          </p:txBody>
+        </p:sp>
+        <p:sp>
+          <p:nvSpPr>
+            <p:cNvPr id="38" name="Rounded Rectangle 37"/>
+            <p:cNvSpPr/>
+            <p:nvPr/>
+          </p:nvSpPr>
+          <p:spPr>
+            <a:xfrm>
+              <a:off x="6971245" y="1515961"/>
+              <a:ext cx="958409" cy="326175"/>
+            </a:xfrm>
+            <a:prstGeom prst="roundRect">
+              <a:avLst/>
+            </a:prstGeom>
+            <a:grpFill/>
+            <a:ln w="25400">
+              <a:solidFill>
+                <a:schemeClr val="bg1"/>
+              </a:solidFill>
+            </a:ln>
+          </p:spPr>
+          <p:style>
+            <a:lnRef idx="2">
+              <a:schemeClr val="accent1">
+                <a:shade val="50000"/>
+              </a:schemeClr>
+            </a:lnRef>
+            <a:fillRef idx="1">
+              <a:schemeClr val="accent1"/>
+            </a:fillRef>
+            <a:effectRef idx="0">
+              <a:schemeClr val="accent1"/>
+            </a:effectRef>
+            <a:fontRef idx="minor">
+              <a:schemeClr val="lt1"/>
+            </a:fontRef>
+          </p:style>
+          <p:txBody>
+            <a:bodyPr rtlCol="0" anchor="ctr"/>
+            <a:lstStyle/>
+            <a:p>
+              <a:r>
+                <a:rPr lang="sv-SE" sz="1200" dirty="0" smtClean="0"/>
+                <a:t>partition</a:t>
+              </a:r>
+              <a:endParaRPr lang="sv-SE" sz="1200" dirty="0"/>
+            </a:p>
+          </p:txBody>
+        </p:sp>
+      </p:grpSp>
+      <p:sp>
+        <p:nvSpPr>
+          <p:cNvPr id="23" name="Oval 22"/>
+          <p:cNvSpPr/>
+          <p:nvPr/>
+        </p:nvSpPr>
+        <p:spPr>
+          <a:xfrm>
+            <a:off x="7747321" y="2174458"/>
+            <a:ext cx="954676" cy="954676"/>
+          </a:xfrm>
+          <a:prstGeom prst="ellipse">
+            <a:avLst/>
+          </a:prstGeom>
+          <a:solidFill>
+            <a:schemeClr val="accent1">
+              <a:lumMod val="60000"/>
+              <a:lumOff val="40000"/>
+            </a:schemeClr>
+          </a:solidFill>
+          <a:ln w="25400">
+            <a:solidFill>
+              <a:schemeClr val="bg1"/>
+            </a:solidFill>
+          </a:ln>
+        </p:spPr>
+        <p:style>
+          <a:lnRef idx="2">
+            <a:schemeClr val="accent1">
+              <a:shade val="50000"/>
+            </a:schemeClr>
+          </a:lnRef>
+          <a:fillRef idx="1">
+            <a:schemeClr val="accent1"/>
+          </a:fillRef>
+          <a:effectRef idx="0">
+            <a:schemeClr val="accent1"/>
+          </a:effectRef>
+          <a:fontRef idx="minor">
+            <a:schemeClr val="lt1"/>
+          </a:fontRef>
+        </p:style>
+        <p:txBody>
+          <a:bodyPr lIns="0" tIns="0" rIns="0" bIns="0" rtlCol="0" anchor="ctr"/>
+          <a:lstStyle/>
+          <a:p>
+            <a:pPr algn="ctr"/>
+            <a:r>
+              <a:rPr lang="sv-SE" sz="1200" b="1" dirty="0" smtClean="0">
+                <a:solidFill>
+                  <a:schemeClr val="bg1"/>
+                </a:solidFill>
+              </a:rPr>
+              <a:t>consumer</a:t>
+            </a:r>
+            <a:endParaRPr lang="sv-SE" sz="800" b="1" dirty="0" smtClean="0">
+              <a:solidFill>
+                <a:schemeClr val="bg1"/>
+              </a:solidFill>
+            </a:endParaRPr>
+          </a:p>
+        </p:txBody>
+      </p:sp>
+    </p:spTree>
+    <p:extLst>
+      <p:ext uri="{BB962C8B-B14F-4D97-AF65-F5344CB8AC3E}">
+        <p14:creationId xmlns:p14="http://schemas.microsoft.com/office/powerpoint/2010/main" val="2993006159"/>
+      </p:ext>
+    </p:extLst>
+  </p:cSld>
+  <p:clrMapOvr>
+    <a:masterClrMapping/>
+  </p:clrMapOvr>
+  <p:timing>
+    <p:tnLst>
+      <p:par>
+        <p:cTn id="1" dur="indefinite" restart="never" nodeType="tmRoot"/>
+      </p:par>
+    </p:tnLst>
+  </p:timing>
+</p:sld>
+</file>
+
+<file path=ppt/slides/slide9.xml><?xml version="1.0" encoding="utf-8"?>
+<p:sld xmlns:a="http://schemas.openxmlformats.org/drawingml/2006/main" xmlns:r="http://schemas.openxmlformats.org/officeDocument/2006/relationships" xmlns:p="http://schemas.openxmlformats.org/presentationml/2006/main">
+  <p:cSld>
+    <p:spTree>
+      <p:nvGrpSpPr>
+        <p:cNvPr id="1" name=""/>
+        <p:cNvGrpSpPr/>
+        <p:nvPr/>
+      </p:nvGrpSpPr>
+      <p:grpSpPr>
+        <a:xfrm>
+          <a:off x="0" y="0"/>
+          <a:ext cx="0" cy="0"/>
+          <a:chOff x="0" y="0"/>
+          <a:chExt cx="0" cy="0"/>
+        </a:xfrm>
+      </p:grpSpPr>
+      <p:cxnSp>
+        <p:nvCxnSpPr>
+          <p:cNvPr id="19" name="Curved Connector 18"/>
+          <p:cNvCxnSpPr>
+            <a:stCxn id="16" idx="0"/>
+            <a:endCxn id="17" idx="2"/>
+          </p:cNvCxnSpPr>
+          <p:nvPr/>
+        </p:nvCxnSpPr>
+        <p:spPr>
+          <a:xfrm rot="5400000" flipH="1" flipV="1">
+            <a:off x="6347589" y="1431476"/>
+            <a:ext cx="1492917" cy="1306550"/>
+          </a:xfrm>
+          <a:prstGeom prst="curvedConnector2">
+            <a:avLst/>
+          </a:prstGeom>
+          <a:ln w="25400">
+            <a:solidFill>
+              <a:schemeClr val="accent1">
+                <a:lumMod val="75000"/>
+              </a:schemeClr>
+            </a:solidFill>
+            <a:tailEnd type="arrow"/>
+          </a:ln>
+        </p:spPr>
+        <p:style>
+          <a:lnRef idx="1">
+            <a:schemeClr val="accent1"/>
+          </a:lnRef>
+          <a:fillRef idx="0">
+            <a:schemeClr val="accent1"/>
+          </a:fillRef>
+          <a:effectRef idx="0">
+            <a:schemeClr val="accent1"/>
+          </a:effectRef>
+          <a:fontRef idx="minor">
+            <a:schemeClr val="tx1"/>
+          </a:fontRef>
+        </p:style>
+      </p:cxnSp>
+      <p:cxnSp>
+        <p:nvCxnSpPr>
+          <p:cNvPr id="21" name="Curved Connector 20"/>
+          <p:cNvCxnSpPr>
+            <a:stCxn id="16" idx="4"/>
+            <a:endCxn id="26" idx="2"/>
+          </p:cNvCxnSpPr>
+          <p:nvPr/>
+        </p:nvCxnSpPr>
+        <p:spPr>
+          <a:xfrm rot="16200000" flipH="1">
+            <a:off x="6347590" y="3879067"/>
+            <a:ext cx="1492915" cy="1306550"/>
+          </a:xfrm>
+          <a:prstGeom prst="curvedConnector2">
+            <a:avLst/>
+          </a:prstGeom>
+          <a:ln w="25400">
+            <a:solidFill>
+              <a:schemeClr val="accent1">
+                <a:lumMod val="75000"/>
+              </a:schemeClr>
+            </a:solidFill>
+            <a:tailEnd type="arrow"/>
+          </a:ln>
+        </p:spPr>
+        <p:style>
+          <a:lnRef idx="1">
+            <a:schemeClr val="accent1"/>
+          </a:lnRef>
+          <a:fillRef idx="0">
+            <a:schemeClr val="accent1"/>
+          </a:fillRef>
+          <a:effectRef idx="0">
+            <a:schemeClr val="accent1"/>
+          </a:effectRef>
+          <a:fontRef idx="minor">
+            <a:schemeClr val="tx1"/>
+          </a:fontRef>
+        </p:style>
+      </p:cxnSp>
+      <p:grpSp>
+        <p:nvGrpSpPr>
+          <p:cNvPr id="29" name="Group 28"/>
+          <p:cNvGrpSpPr/>
+          <p:nvPr/>
+        </p:nvGrpSpPr>
+        <p:grpSpPr>
+          <a:xfrm>
+            <a:off x="5963434" y="293960"/>
+            <a:ext cx="2739320" cy="6029172"/>
+            <a:chOff x="2327565" y="205943"/>
+            <a:chExt cx="7329869" cy="6029172"/>
+          </a:xfrm>
+        </p:grpSpPr>
+        <p:sp>
+          <p:nvSpPr>
+            <p:cNvPr id="27" name="Rounded Rectangle 26"/>
+            <p:cNvSpPr/>
+            <p:nvPr/>
+          </p:nvSpPr>
+          <p:spPr>
+            <a:xfrm>
+              <a:off x="2327565" y="205943"/>
+              <a:ext cx="7329869" cy="6029172"/>
+            </a:xfrm>
+            <a:prstGeom prst="roundRect">
+              <a:avLst>
+                <a:gd name="adj" fmla="val 41301"/>
+              </a:avLst>
+            </a:prstGeom>
+            <a:noFill/>
+            <a:ln w="25400">
+              <a:solidFill>
+                <a:schemeClr val="bg1">
+                  <a:lumMod val="50000"/>
+                </a:schemeClr>
+              </a:solidFill>
+              <a:prstDash val="dash"/>
+            </a:ln>
+          </p:spPr>
+          <p:style>
+            <a:lnRef idx="2">
+              <a:schemeClr val="accent1">
+                <a:shade val="50000"/>
+              </a:schemeClr>
+            </a:lnRef>
+            <a:fillRef idx="1">
+              <a:schemeClr val="accent1"/>
+            </a:fillRef>
+            <a:effectRef idx="0">
+              <a:schemeClr val="accent1"/>
+            </a:effectRef>
+            <a:fontRef idx="minor">
+              <a:schemeClr val="lt1"/>
+            </a:fontRef>
+          </p:style>
+          <p:txBody>
+            <a:bodyPr rot="0" spcFirstLastPara="0" vertOverflow="overflow" horzOverflow="overflow" vert="horz" wrap="square" lIns="0" tIns="0" rIns="0" bIns="0" numCol="1" spcCol="0" rtlCol="0" fromWordArt="0" anchor="t" anchorCtr="0" forceAA="0" compatLnSpc="1">
+              <a:prstTxWarp prst="textNoShape">
+                <a:avLst/>
+              </a:prstTxWarp>
+              <a:noAutofit/>
+            </a:bodyPr>
+            <a:lstStyle/>
+            <a:p>
+              <a:pPr algn="ctr"/>
+              <a:endParaRPr lang="sv-SE" sz="3200" b="1" dirty="0">
+                <a:solidFill>
+                  <a:schemeClr val="tx1"/>
+                </a:solidFill>
+              </a:endParaRPr>
+            </a:p>
+          </p:txBody>
+        </p:sp>
+        <p:sp>
+          <p:nvSpPr>
+            <p:cNvPr id="28" name="TextBox 27"/>
+            <p:cNvSpPr txBox="1"/>
+            <p:nvPr/>
+          </p:nvSpPr>
+          <p:spPr>
+            <a:xfrm>
+              <a:off x="4609184" y="364022"/>
+              <a:ext cx="3770990" cy="461665"/>
+            </a:xfrm>
+            <a:prstGeom prst="rect">
+              <a:avLst/>
+            </a:prstGeom>
+            <a:noFill/>
+          </p:spPr>
+          <p:txBody>
+            <a:bodyPr wrap="square" rtlCol="0">
+              <a:spAutoFit/>
+            </a:bodyPr>
+            <a:lstStyle/>
+            <a:p>
+              <a:r>
+                <a:rPr lang="sv-SE" sz="2400" b="1" dirty="0" smtClean="0"/>
+                <a:t>Cluster</a:t>
+              </a:r>
+              <a:endParaRPr lang="sv-SE" sz="2400" b="1" dirty="0"/>
+            </a:p>
+          </p:txBody>
+        </p:sp>
+      </p:grpSp>
+      <p:grpSp>
+        <p:nvGrpSpPr>
+          <p:cNvPr id="35" name="Group 34"/>
+          <p:cNvGrpSpPr/>
+          <p:nvPr/>
+        </p:nvGrpSpPr>
+        <p:grpSpPr>
+          <a:xfrm>
+            <a:off x="7012030" y="766280"/>
+            <a:ext cx="2833994" cy="1144025"/>
+            <a:chOff x="7012030" y="766280"/>
+            <a:chExt cx="2833994" cy="1144025"/>
+          </a:xfrm>
+        </p:grpSpPr>
+        <p:grpSp>
+          <p:nvGrpSpPr>
+            <p:cNvPr id="3" name="Group 2"/>
+            <p:cNvGrpSpPr/>
+            <p:nvPr/>
+          </p:nvGrpSpPr>
+          <p:grpSpPr>
+            <a:xfrm>
+              <a:off x="7012030" y="1036272"/>
+              <a:ext cx="917624" cy="663385"/>
+              <a:chOff x="6971245" y="1178751"/>
+              <a:chExt cx="958410" cy="663385"/>
+            </a:xfrm>
+            <a:solidFill>
+              <a:schemeClr val="accent2">
+                <a:lumMod val="60000"/>
+                <a:lumOff val="40000"/>
+              </a:schemeClr>
+            </a:solidFill>
+          </p:grpSpPr>
+          <p:sp>
+            <p:nvSpPr>
+              <p:cNvPr id="2" name="Rounded Rectangle 1"/>
+              <p:cNvSpPr/>
+              <p:nvPr/>
+            </p:nvSpPr>
+            <p:spPr>
+              <a:xfrm>
+                <a:off x="6971246" y="1178751"/>
+                <a:ext cx="958409" cy="326175"/>
+              </a:xfrm>
+              <a:prstGeom prst="roundRect">
+                <a:avLst/>
+              </a:prstGeom>
+              <a:grpFill/>
+              <a:ln w="25400">
+                <a:solidFill>
+                  <a:schemeClr val="bg1"/>
+                </a:solidFill>
+              </a:ln>
+            </p:spPr>
+            <p:style>
+              <a:lnRef idx="2">
+                <a:schemeClr val="accent1">
+                  <a:shade val="50000"/>
+                </a:schemeClr>
+              </a:lnRef>
+              <a:fillRef idx="1">
+                <a:schemeClr val="accent1"/>
+              </a:fillRef>
+              <a:effectRef idx="0">
+                <a:schemeClr val="accent1"/>
+              </a:effectRef>
+              <a:fontRef idx="minor">
+                <a:schemeClr val="lt1"/>
+              </a:fontRef>
+            </p:style>
+            <p:txBody>
+              <a:bodyPr rtlCol="0" anchor="ctr"/>
+              <a:lstStyle/>
+              <a:p>
+                <a:r>
+                  <a:rPr lang="sv-SE" sz="1200" dirty="0" smtClean="0"/>
+                  <a:t>partition</a:t>
+                </a:r>
+                <a:endParaRPr lang="sv-SE" sz="1200" dirty="0"/>
+              </a:p>
+            </p:txBody>
+          </p:sp>
+          <p:sp>
+            <p:nvSpPr>
+              <p:cNvPr id="20" name="Rounded Rectangle 19"/>
+              <p:cNvSpPr/>
+              <p:nvPr/>
+            </p:nvSpPr>
+            <p:spPr>
+              <a:xfrm>
+                <a:off x="6971245" y="1515961"/>
+                <a:ext cx="958409" cy="326175"/>
+              </a:xfrm>
+              <a:prstGeom prst="roundRect">
+                <a:avLst/>
+              </a:prstGeom>
+              <a:grpFill/>
+              <a:ln w="25400">
+                <a:solidFill>
+                  <a:schemeClr val="bg1"/>
+                </a:solidFill>
+              </a:ln>
+            </p:spPr>
+            <p:style>
+              <a:lnRef idx="2">
+                <a:schemeClr val="accent1">
+                  <a:shade val="50000"/>
+                </a:schemeClr>
+              </a:lnRef>
+              <a:fillRef idx="1">
+                <a:schemeClr val="accent1"/>
+              </a:fillRef>
+              <a:effectRef idx="0">
+                <a:schemeClr val="accent1"/>
+              </a:effectRef>
+              <a:fontRef idx="minor">
+                <a:schemeClr val="lt1"/>
+              </a:fontRef>
+            </p:style>
+            <p:txBody>
+              <a:bodyPr rtlCol="0" anchor="ctr"/>
+              <a:lstStyle/>
+              <a:p>
+                <a:r>
+                  <a:rPr lang="sv-SE" sz="1200" dirty="0" smtClean="0"/>
+                  <a:t>partition</a:t>
+                </a:r>
+                <a:endParaRPr lang="sv-SE" sz="1200" dirty="0"/>
+              </a:p>
+            </p:txBody>
+          </p:sp>
+        </p:grpSp>
+        <p:grpSp>
+          <p:nvGrpSpPr>
+            <p:cNvPr id="12" name="Group 11"/>
+            <p:cNvGrpSpPr/>
+            <p:nvPr/>
+          </p:nvGrpSpPr>
+          <p:grpSpPr>
+            <a:xfrm>
+              <a:off x="7747322" y="766280"/>
+              <a:ext cx="2098702" cy="1144025"/>
+              <a:chOff x="7747322" y="766280"/>
+              <a:chExt cx="2098702" cy="1144025"/>
+            </a:xfrm>
+          </p:grpSpPr>
+          <p:sp>
+            <p:nvSpPr>
+              <p:cNvPr id="8" name="Oval 7"/>
+              <p:cNvSpPr/>
+              <p:nvPr/>
+            </p:nvSpPr>
+            <p:spPr>
+              <a:xfrm>
+                <a:off x="8701999" y="766280"/>
+                <a:ext cx="1144025" cy="1144025"/>
+              </a:xfrm>
+              <a:prstGeom prst="ellipse">
+                <a:avLst/>
+              </a:prstGeom>
+              <a:solidFill>
+                <a:schemeClr val="accent1"/>
+              </a:solidFill>
+              <a:ln w="25400">
+                <a:solidFill>
+                  <a:schemeClr val="bg1"/>
+                </a:solidFill>
+              </a:ln>
+            </p:spPr>
+            <p:style>
+              <a:lnRef idx="2">
+                <a:schemeClr val="accent1">
+                  <a:shade val="50000"/>
+                </a:schemeClr>
+              </a:lnRef>
+              <a:fillRef idx="1">
+                <a:schemeClr val="accent1"/>
+              </a:fillRef>
+              <a:effectRef idx="0">
+                <a:schemeClr val="accent1"/>
+              </a:effectRef>
+              <a:fontRef idx="minor">
+                <a:schemeClr val="lt1"/>
+              </a:fontRef>
+            </p:style>
+            <p:txBody>
+              <a:bodyPr rot="0" spcFirstLastPara="0" vertOverflow="overflow" horzOverflow="overflow" vert="horz" wrap="square" lIns="0" tIns="0" rIns="0" bIns="0" numCol="1" spcCol="0" rtlCol="0" fromWordArt="0" anchor="ctr" anchorCtr="0" forceAA="0" compatLnSpc="1">
+                <a:prstTxWarp prst="textNoShape">
+                  <a:avLst/>
+                </a:prstTxWarp>
+                <a:noAutofit/>
+              </a:bodyPr>
+              <a:lstStyle/>
+              <a:p>
+                <a:pPr algn="ctr"/>
+                <a:r>
+                  <a:rPr lang="sv-SE" b="1" dirty="0" smtClean="0">
+                    <a:solidFill>
+                      <a:schemeClr val="bg1"/>
+                    </a:solidFill>
+                  </a:rPr>
+                  <a:t>worker1</a:t>
+                </a:r>
+                <a:endParaRPr lang="sv-SE" b="1" dirty="0">
+                  <a:solidFill>
+                    <a:schemeClr val="bg1"/>
+                  </a:solidFill>
+                </a:endParaRPr>
+              </a:p>
+            </p:txBody>
+          </p:sp>
+          <p:sp>
+            <p:nvSpPr>
+              <p:cNvPr id="17" name="Oval 16"/>
+              <p:cNvSpPr/>
+              <p:nvPr/>
+            </p:nvSpPr>
+            <p:spPr>
+              <a:xfrm>
+                <a:off x="7747322" y="860954"/>
+                <a:ext cx="954676" cy="954676"/>
+              </a:xfrm>
+              <a:prstGeom prst="ellipse">
+                <a:avLst/>
+              </a:prstGeom>
+              <a:solidFill>
+                <a:schemeClr val="accent1">
+                  <a:lumMod val="60000"/>
+                  <a:lumOff val="40000"/>
+                </a:schemeClr>
+              </a:solidFill>
+              <a:ln w="25400">
+                <a:solidFill>
+                  <a:schemeClr val="bg1"/>
+                </a:solidFill>
+              </a:ln>
+            </p:spPr>
+            <p:style>
+              <a:lnRef idx="2">
+                <a:schemeClr val="accent1">
+                  <a:shade val="50000"/>
+                </a:schemeClr>
+              </a:lnRef>
+              <a:fillRef idx="1">
+                <a:schemeClr val="accent1"/>
+              </a:fillRef>
+              <a:effectRef idx="0">
+                <a:schemeClr val="accent1"/>
+              </a:effectRef>
+              <a:fontRef idx="minor">
+                <a:schemeClr val="lt1"/>
+              </a:fontRef>
+            </p:style>
+            <p:txBody>
+              <a:bodyPr lIns="0" tIns="0" rIns="0" bIns="0" rtlCol="0" anchor="ctr"/>
+              <a:lstStyle/>
+              <a:p>
+                <a:pPr algn="ctr"/>
+                <a:r>
+                  <a:rPr lang="sv-SE" sz="1200" b="1" dirty="0" smtClean="0">
+                    <a:solidFill>
+                      <a:schemeClr val="bg1"/>
+                    </a:solidFill>
+                  </a:rPr>
+                  <a:t>consumer</a:t>
+                </a:r>
+                <a:endParaRPr lang="sv-SE" sz="800" b="1" dirty="0" smtClean="0">
+                  <a:solidFill>
+                    <a:schemeClr val="bg1"/>
+                  </a:solidFill>
+                </a:endParaRPr>
+              </a:p>
+            </p:txBody>
+          </p:sp>
+        </p:grpSp>
+      </p:grpSp>
+      <p:grpSp>
+        <p:nvGrpSpPr>
+          <p:cNvPr id="52" name="Group 51"/>
+          <p:cNvGrpSpPr/>
+          <p:nvPr/>
+        </p:nvGrpSpPr>
+        <p:grpSpPr>
+          <a:xfrm>
+            <a:off x="7061955" y="4706788"/>
+            <a:ext cx="2784069" cy="1144025"/>
+            <a:chOff x="7061955" y="4706788"/>
+            <a:chExt cx="2784069" cy="1144025"/>
+          </a:xfrm>
+        </p:grpSpPr>
+        <p:grpSp>
+          <p:nvGrpSpPr>
+            <p:cNvPr id="40" name="Group 39"/>
+            <p:cNvGrpSpPr/>
+            <p:nvPr/>
+          </p:nvGrpSpPr>
+          <p:grpSpPr>
+            <a:xfrm>
+              <a:off x="7061955" y="4798834"/>
+              <a:ext cx="917625" cy="1006556"/>
+              <a:chOff x="6971244" y="1178751"/>
+              <a:chExt cx="958411" cy="1006556"/>
+            </a:xfrm>
+            <a:solidFill>
+              <a:schemeClr val="accent2">
+                <a:lumMod val="60000"/>
+                <a:lumOff val="40000"/>
+              </a:schemeClr>
+            </a:solidFill>
+          </p:grpSpPr>
+          <p:sp>
+            <p:nvSpPr>
+              <p:cNvPr id="41" name="Rounded Rectangle 40"/>
+              <p:cNvSpPr/>
+              <p:nvPr/>
+            </p:nvSpPr>
+            <p:spPr>
+              <a:xfrm>
+                <a:off x="6971246" y="1178751"/>
+                <a:ext cx="958409" cy="326175"/>
+              </a:xfrm>
+              <a:prstGeom prst="roundRect">
+                <a:avLst/>
+              </a:prstGeom>
+              <a:grpFill/>
+              <a:ln w="25400">
+                <a:solidFill>
+                  <a:schemeClr val="bg1"/>
+                </a:solidFill>
+              </a:ln>
+            </p:spPr>
+            <p:style>
+              <a:lnRef idx="2">
+                <a:schemeClr val="accent1">
+                  <a:shade val="50000"/>
+                </a:schemeClr>
+              </a:lnRef>
+              <a:fillRef idx="1">
+                <a:schemeClr val="accent1"/>
+              </a:fillRef>
+              <a:effectRef idx="0">
+                <a:schemeClr val="accent1"/>
+              </a:effectRef>
+              <a:fontRef idx="minor">
+                <a:schemeClr val="lt1"/>
+              </a:fontRef>
+            </p:style>
+            <p:txBody>
+              <a:bodyPr rtlCol="0" anchor="ctr"/>
+              <a:lstStyle/>
+              <a:p>
+                <a:r>
+                  <a:rPr lang="sv-SE" sz="1200" dirty="0" smtClean="0"/>
+                  <a:t>partition</a:t>
+                </a:r>
+                <a:endParaRPr lang="sv-SE" sz="1200" dirty="0"/>
+              </a:p>
+            </p:txBody>
+          </p:sp>
+          <p:sp>
+            <p:nvSpPr>
+              <p:cNvPr id="42" name="Rounded Rectangle 41"/>
+              <p:cNvSpPr/>
+              <p:nvPr/>
+            </p:nvSpPr>
+            <p:spPr>
+              <a:xfrm>
+                <a:off x="6971245" y="1515961"/>
+                <a:ext cx="958409" cy="326175"/>
+              </a:xfrm>
+              <a:prstGeom prst="roundRect">
+                <a:avLst/>
+              </a:prstGeom>
+              <a:grpFill/>
+              <a:ln w="25400">
+                <a:solidFill>
+                  <a:schemeClr val="bg1"/>
+                </a:solidFill>
+              </a:ln>
+            </p:spPr>
+            <p:style>
+              <a:lnRef idx="2">
+                <a:schemeClr val="accent1">
+                  <a:shade val="50000"/>
+                </a:schemeClr>
+              </a:lnRef>
+              <a:fillRef idx="1">
+                <a:schemeClr val="accent1"/>
+              </a:fillRef>
+              <a:effectRef idx="0">
+                <a:schemeClr val="accent1"/>
+              </a:effectRef>
+              <a:fontRef idx="minor">
+                <a:schemeClr val="lt1"/>
+              </a:fontRef>
+            </p:style>
+            <p:txBody>
+              <a:bodyPr rtlCol="0" anchor="ctr"/>
+              <a:lstStyle/>
+              <a:p>
+                <a:r>
+                  <a:rPr lang="sv-SE" sz="1200" dirty="0" smtClean="0"/>
+                  <a:t>partition</a:t>
+                </a:r>
+                <a:endParaRPr lang="sv-SE" sz="1200" dirty="0"/>
+              </a:p>
+            </p:txBody>
+          </p:sp>
+          <p:sp>
+            <p:nvSpPr>
+              <p:cNvPr id="43" name="Rounded Rectangle 42"/>
+              <p:cNvSpPr/>
+              <p:nvPr/>
+            </p:nvSpPr>
+            <p:spPr>
+              <a:xfrm>
+                <a:off x="6971244" y="1859132"/>
+                <a:ext cx="958409" cy="326175"/>
+              </a:xfrm>
+              <a:prstGeom prst="roundRect">
+                <a:avLst/>
+              </a:prstGeom>
+              <a:grpFill/>
+              <a:ln w="25400">
+                <a:solidFill>
+                  <a:schemeClr val="bg1"/>
+                </a:solidFill>
+              </a:ln>
+            </p:spPr>
+            <p:style>
+              <a:lnRef idx="2">
+                <a:schemeClr val="accent1">
+                  <a:shade val="50000"/>
+                </a:schemeClr>
+              </a:lnRef>
+              <a:fillRef idx="1">
+                <a:schemeClr val="accent1"/>
+              </a:fillRef>
+              <a:effectRef idx="0">
+                <a:schemeClr val="accent1"/>
+              </a:effectRef>
+              <a:fontRef idx="minor">
+                <a:schemeClr val="lt1"/>
+              </a:fontRef>
+            </p:style>
+            <p:txBody>
+              <a:bodyPr rtlCol="0" anchor="ctr"/>
+              <a:lstStyle/>
+              <a:p>
+                <a:r>
+                  <a:rPr lang="sv-SE" sz="1200" dirty="0" smtClean="0"/>
+                  <a:t>partition</a:t>
+                </a:r>
+                <a:endParaRPr lang="sv-SE" sz="1200" dirty="0"/>
+              </a:p>
+            </p:txBody>
+          </p:sp>
+        </p:grpSp>
+        <p:grpSp>
+          <p:nvGrpSpPr>
+            <p:cNvPr id="18" name="Group 17"/>
+            <p:cNvGrpSpPr/>
+            <p:nvPr/>
+          </p:nvGrpSpPr>
+          <p:grpSpPr>
+            <a:xfrm>
+              <a:off x="7747322" y="4706788"/>
+              <a:ext cx="2098702" cy="1144025"/>
+              <a:chOff x="7747322" y="4706788"/>
+              <a:chExt cx="2098702" cy="1144025"/>
+            </a:xfrm>
+          </p:grpSpPr>
+          <p:sp>
+            <p:nvSpPr>
+              <p:cNvPr id="10" name="Oval 9"/>
+              <p:cNvSpPr/>
+              <p:nvPr/>
+            </p:nvSpPr>
+            <p:spPr>
+              <a:xfrm>
+                <a:off x="8701999" y="4706788"/>
+                <a:ext cx="1144025" cy="1144025"/>
+              </a:xfrm>
+              <a:prstGeom prst="ellipse">
+                <a:avLst/>
+              </a:prstGeom>
+              <a:solidFill>
+                <a:schemeClr val="accent1"/>
+              </a:solidFill>
+              <a:ln w="25400">
+                <a:solidFill>
+                  <a:schemeClr val="bg1"/>
+                </a:solidFill>
+              </a:ln>
+            </p:spPr>
+            <p:style>
+              <a:lnRef idx="2">
+                <a:schemeClr val="accent1">
+                  <a:shade val="50000"/>
+                </a:schemeClr>
+              </a:lnRef>
+              <a:fillRef idx="1">
+                <a:schemeClr val="accent1"/>
+              </a:fillRef>
+              <a:effectRef idx="0">
+                <a:schemeClr val="accent1"/>
+              </a:effectRef>
+              <a:fontRef idx="minor">
+                <a:schemeClr val="lt1"/>
+              </a:fontRef>
+            </p:style>
+            <p:txBody>
+              <a:bodyPr rot="0" spcFirstLastPara="0" vertOverflow="overflow" horzOverflow="overflow" vert="horz" wrap="square" lIns="0" tIns="0" rIns="0" bIns="0" numCol="1" spcCol="0" rtlCol="0" fromWordArt="0" anchor="ctr" anchorCtr="0" forceAA="0" compatLnSpc="1">
+                <a:prstTxWarp prst="textNoShape">
+                  <a:avLst/>
+                </a:prstTxWarp>
+                <a:noAutofit/>
+              </a:bodyPr>
+              <a:lstStyle/>
+              <a:p>
+                <a:pPr algn="ctr"/>
+                <a:r>
+                  <a:rPr lang="sv-SE" b="1" dirty="0" smtClean="0">
+                    <a:solidFill>
+                      <a:schemeClr val="bg1"/>
+                    </a:solidFill>
+                  </a:rPr>
+                  <a:t>worker4</a:t>
+                </a:r>
+                <a:endParaRPr lang="sv-SE" b="1" dirty="0">
+                  <a:solidFill>
+                    <a:schemeClr val="bg1"/>
+                  </a:solidFill>
+                </a:endParaRPr>
+              </a:p>
+            </p:txBody>
+          </p:sp>
+          <p:sp>
+            <p:nvSpPr>
+              <p:cNvPr id="26" name="Oval 25"/>
+              <p:cNvSpPr/>
+              <p:nvPr/>
+            </p:nvSpPr>
+            <p:spPr>
+              <a:xfrm>
+                <a:off x="7747322" y="4801462"/>
+                <a:ext cx="954676" cy="954676"/>
+              </a:xfrm>
+              <a:prstGeom prst="ellipse">
+                <a:avLst/>
+              </a:prstGeom>
+              <a:solidFill>
+                <a:schemeClr val="accent1">
+                  <a:lumMod val="60000"/>
+                  <a:lumOff val="40000"/>
+                </a:schemeClr>
+              </a:solidFill>
+              <a:ln w="25400">
+                <a:solidFill>
+                  <a:schemeClr val="bg1"/>
+                </a:solidFill>
+              </a:ln>
+            </p:spPr>
+            <p:style>
+              <a:lnRef idx="2">
+                <a:schemeClr val="accent1">
+                  <a:shade val="50000"/>
+                </a:schemeClr>
+              </a:lnRef>
+              <a:fillRef idx="1">
+                <a:schemeClr val="accent1"/>
+              </a:fillRef>
+              <a:effectRef idx="0">
+                <a:schemeClr val="accent1"/>
+              </a:effectRef>
+              <a:fontRef idx="minor">
+                <a:schemeClr val="lt1"/>
+              </a:fontRef>
+            </p:style>
+            <p:txBody>
+              <a:bodyPr lIns="0" tIns="0" rIns="0" bIns="0" rtlCol="0" anchor="ctr"/>
+              <a:lstStyle/>
+              <a:p>
+                <a:pPr algn="ctr"/>
+                <a:r>
+                  <a:rPr lang="sv-SE" sz="1200" b="1" dirty="0" smtClean="0">
+                    <a:solidFill>
+                      <a:schemeClr val="bg1"/>
+                    </a:solidFill>
+                  </a:rPr>
+                  <a:t>consumer</a:t>
+                </a:r>
+                <a:endParaRPr lang="sv-SE" sz="800" b="1" dirty="0" smtClean="0">
+                  <a:solidFill>
+                    <a:schemeClr val="bg1"/>
+                  </a:solidFill>
+                </a:endParaRPr>
+              </a:p>
+            </p:txBody>
+          </p:sp>
+        </p:grpSp>
+      </p:grpSp>
+      <p:cxnSp>
+        <p:nvCxnSpPr>
+          <p:cNvPr id="48" name="Curved Connector 47"/>
+          <p:cNvCxnSpPr>
+            <a:stCxn id="16" idx="5"/>
+            <a:endCxn id="33" idx="2"/>
+          </p:cNvCxnSpPr>
+          <p:nvPr/>
+        </p:nvCxnSpPr>
+        <p:spPr>
+          <a:xfrm rot="16200000" flipH="1">
+            <a:off x="7104472" y="3319904"/>
+            <a:ext cx="319223" cy="971565"/>
+          </a:xfrm>
+          <a:prstGeom prst="curvedConnector2">
+            <a:avLst/>
+          </a:prstGeom>
+          <a:ln w="25400">
+            <a:solidFill>
+              <a:schemeClr val="accent1">
+                <a:lumMod val="75000"/>
+              </a:schemeClr>
+            </a:solidFill>
+            <a:tailEnd type="arrow"/>
+          </a:ln>
+        </p:spPr>
+        <p:style>
+          <a:lnRef idx="1">
+            <a:schemeClr val="accent1"/>
+          </a:lnRef>
+          <a:fillRef idx="0">
+            <a:schemeClr val="accent1"/>
+          </a:fillRef>
+          <a:effectRef idx="0">
+            <a:schemeClr val="accent1"/>
+          </a:effectRef>
+          <a:fontRef idx="minor">
+            <a:schemeClr val="tx1"/>
+          </a:fontRef>
+        </p:style>
+      </p:cxnSp>
+      <p:grpSp>
+        <p:nvGrpSpPr>
+          <p:cNvPr id="51" name="Group 50"/>
+          <p:cNvGrpSpPr/>
+          <p:nvPr/>
+        </p:nvGrpSpPr>
+        <p:grpSpPr>
+          <a:xfrm>
+            <a:off x="7011045" y="3393286"/>
+            <a:ext cx="2837524" cy="1144025"/>
+            <a:chOff x="7011045" y="3412009"/>
+            <a:chExt cx="2837524" cy="1144025"/>
+          </a:xfrm>
+        </p:grpSpPr>
+        <p:grpSp>
+          <p:nvGrpSpPr>
+            <p:cNvPr id="45" name="Group 44"/>
+            <p:cNvGrpSpPr/>
+            <p:nvPr/>
+          </p:nvGrpSpPr>
+          <p:grpSpPr>
+            <a:xfrm>
+              <a:off x="7011045" y="3657794"/>
+              <a:ext cx="917625" cy="663385"/>
+              <a:chOff x="6971243" y="1178751"/>
+              <a:chExt cx="958411" cy="663385"/>
+            </a:xfrm>
+            <a:solidFill>
+              <a:schemeClr val="accent2">
+                <a:lumMod val="60000"/>
+                <a:lumOff val="40000"/>
+              </a:schemeClr>
+            </a:solidFill>
+          </p:grpSpPr>
+          <p:sp>
+            <p:nvSpPr>
+              <p:cNvPr id="46" name="Rounded Rectangle 45"/>
+              <p:cNvSpPr/>
+              <p:nvPr/>
+            </p:nvSpPr>
+            <p:spPr>
+              <a:xfrm>
+                <a:off x="6971243" y="1178751"/>
+                <a:ext cx="958409" cy="326175"/>
+              </a:xfrm>
+              <a:prstGeom prst="roundRect">
+                <a:avLst/>
+              </a:prstGeom>
+              <a:grpFill/>
+              <a:ln w="25400">
+                <a:solidFill>
+                  <a:schemeClr val="bg1"/>
+                </a:solidFill>
+              </a:ln>
+            </p:spPr>
+            <p:style>
+              <a:lnRef idx="2">
+                <a:schemeClr val="accent1">
+                  <a:shade val="50000"/>
+                </a:schemeClr>
+              </a:lnRef>
+              <a:fillRef idx="1">
+                <a:schemeClr val="accent1"/>
+              </a:fillRef>
+              <a:effectRef idx="0">
+                <a:schemeClr val="accent1"/>
+              </a:effectRef>
+              <a:fontRef idx="minor">
+                <a:schemeClr val="lt1"/>
+              </a:fontRef>
+            </p:style>
+            <p:txBody>
+              <a:bodyPr rtlCol="0" anchor="ctr"/>
+              <a:lstStyle/>
+              <a:p>
+                <a:r>
+                  <a:rPr lang="sv-SE" sz="1200" dirty="0" smtClean="0"/>
+                  <a:t>partition</a:t>
+                </a:r>
+                <a:endParaRPr lang="sv-SE" sz="1200" dirty="0"/>
+              </a:p>
+            </p:txBody>
+          </p:sp>
+          <p:sp>
+            <p:nvSpPr>
+              <p:cNvPr id="47" name="Rounded Rectangle 46"/>
+              <p:cNvSpPr/>
+              <p:nvPr/>
+            </p:nvSpPr>
+            <p:spPr>
+              <a:xfrm>
+                <a:off x="6971245" y="1515961"/>
+                <a:ext cx="958409" cy="326175"/>
+              </a:xfrm>
+              <a:prstGeom prst="roundRect">
+                <a:avLst/>
+              </a:prstGeom>
+              <a:grpFill/>
+              <a:ln w="25400">
+                <a:solidFill>
+                  <a:schemeClr val="bg1"/>
+                </a:solidFill>
+              </a:ln>
+            </p:spPr>
+            <p:style>
+              <a:lnRef idx="2">
+                <a:schemeClr val="accent1">
+                  <a:shade val="50000"/>
+                </a:schemeClr>
+              </a:lnRef>
+              <a:fillRef idx="1">
+                <a:schemeClr val="accent1"/>
+              </a:fillRef>
+              <a:effectRef idx="0">
+                <a:schemeClr val="accent1"/>
+              </a:effectRef>
+              <a:fontRef idx="minor">
+                <a:schemeClr val="lt1"/>
+              </a:fontRef>
+            </p:style>
+            <p:txBody>
+              <a:bodyPr rtlCol="0" anchor="ctr"/>
+              <a:lstStyle/>
+              <a:p>
+                <a:r>
+                  <a:rPr lang="sv-SE" sz="1200" dirty="0" smtClean="0"/>
+                  <a:t>partition</a:t>
+                </a:r>
+                <a:endParaRPr lang="sv-SE" sz="1200" dirty="0"/>
+              </a:p>
+            </p:txBody>
+          </p:sp>
+        </p:grpSp>
+        <p:grpSp>
+          <p:nvGrpSpPr>
+            <p:cNvPr id="14" name="Group 13"/>
+            <p:cNvGrpSpPr/>
+            <p:nvPr/>
+          </p:nvGrpSpPr>
+          <p:grpSpPr>
+            <a:xfrm>
+              <a:off x="7749866" y="3412009"/>
+              <a:ext cx="2098703" cy="1144025"/>
+              <a:chOff x="7749866" y="3412009"/>
+              <a:chExt cx="2098703" cy="1144025"/>
+            </a:xfrm>
+          </p:grpSpPr>
+          <p:sp>
+            <p:nvSpPr>
+              <p:cNvPr id="32" name="Oval 31"/>
+              <p:cNvSpPr/>
+              <p:nvPr/>
+            </p:nvSpPr>
+            <p:spPr>
+              <a:xfrm>
+                <a:off x="8704544" y="3412009"/>
+                <a:ext cx="1144025" cy="1144025"/>
+              </a:xfrm>
+              <a:prstGeom prst="ellipse">
+                <a:avLst/>
+              </a:prstGeom>
+              <a:solidFill>
+                <a:schemeClr val="accent1"/>
+              </a:solidFill>
+              <a:ln w="25400">
+                <a:solidFill>
+                  <a:schemeClr val="bg1"/>
+                </a:solidFill>
+              </a:ln>
+            </p:spPr>
+            <p:style>
+              <a:lnRef idx="2">
+                <a:schemeClr val="accent1">
+                  <a:shade val="50000"/>
+                </a:schemeClr>
+              </a:lnRef>
+              <a:fillRef idx="1">
+                <a:schemeClr val="accent1"/>
+              </a:fillRef>
+              <a:effectRef idx="0">
+                <a:schemeClr val="accent1"/>
+              </a:effectRef>
+              <a:fontRef idx="minor">
+                <a:schemeClr val="lt1"/>
+              </a:fontRef>
+            </p:style>
+            <p:txBody>
+              <a:bodyPr rot="0" spcFirstLastPara="0" vertOverflow="overflow" horzOverflow="overflow" vert="horz" wrap="square" lIns="0" tIns="0" rIns="0" bIns="0" numCol="1" spcCol="0" rtlCol="0" fromWordArt="0" anchor="ctr" anchorCtr="0" forceAA="0" compatLnSpc="1">
+                <a:prstTxWarp prst="textNoShape">
+                  <a:avLst/>
+                </a:prstTxWarp>
+                <a:noAutofit/>
+              </a:bodyPr>
+              <a:lstStyle/>
+              <a:p>
+                <a:pPr algn="ctr"/>
+                <a:r>
+                  <a:rPr lang="sv-SE" b="1" dirty="0" smtClean="0">
+                    <a:solidFill>
+                      <a:schemeClr val="bg1"/>
+                    </a:solidFill>
+                  </a:rPr>
+                  <a:t>worker3</a:t>
+                </a:r>
+                <a:endParaRPr lang="sv-SE" b="1" dirty="0">
+                  <a:solidFill>
+                    <a:schemeClr val="bg1"/>
+                  </a:solidFill>
+                </a:endParaRPr>
+              </a:p>
+            </p:txBody>
+          </p:sp>
+          <p:sp>
+            <p:nvSpPr>
+              <p:cNvPr id="33" name="Oval 32"/>
+              <p:cNvSpPr/>
+              <p:nvPr/>
+            </p:nvSpPr>
+            <p:spPr>
+              <a:xfrm>
+                <a:off x="7749866" y="3506684"/>
+                <a:ext cx="954676" cy="954676"/>
+              </a:xfrm>
+              <a:prstGeom prst="ellipse">
+                <a:avLst/>
+              </a:prstGeom>
+              <a:solidFill>
+                <a:schemeClr val="accent1">
+                  <a:lumMod val="60000"/>
+                  <a:lumOff val="40000"/>
+                </a:schemeClr>
+              </a:solidFill>
+              <a:ln w="25400">
+                <a:solidFill>
+                  <a:schemeClr val="bg1"/>
+                </a:solidFill>
+              </a:ln>
+            </p:spPr>
+            <p:style>
+              <a:lnRef idx="2">
+                <a:schemeClr val="accent1">
+                  <a:shade val="50000"/>
+                </a:schemeClr>
+              </a:lnRef>
+              <a:fillRef idx="1">
+                <a:schemeClr val="accent1"/>
+              </a:fillRef>
+              <a:effectRef idx="0">
+                <a:schemeClr val="accent1"/>
+              </a:effectRef>
+              <a:fontRef idx="minor">
+                <a:schemeClr val="lt1"/>
+              </a:fontRef>
+            </p:style>
+            <p:txBody>
+              <a:bodyPr lIns="0" tIns="0" rIns="0" bIns="0" rtlCol="0" anchor="ctr"/>
+              <a:lstStyle/>
+              <a:p>
+                <a:pPr algn="ctr"/>
+                <a:r>
+                  <a:rPr lang="sv-SE" sz="1200" b="1" dirty="0" smtClean="0">
+                    <a:solidFill>
+                      <a:schemeClr val="bg1"/>
+                    </a:solidFill>
+                  </a:rPr>
+                  <a:t>consumer</a:t>
+                </a:r>
+                <a:endParaRPr lang="sv-SE" sz="800" b="1" dirty="0" smtClean="0">
+                  <a:solidFill>
+                    <a:schemeClr val="bg1"/>
+                  </a:solidFill>
+                </a:endParaRPr>
+              </a:p>
+            </p:txBody>
+          </p:sp>
+        </p:grpSp>
+      </p:grpSp>
+      <p:sp>
+        <p:nvSpPr>
+          <p:cNvPr id="49" name="Rectangle 48"/>
+          <p:cNvSpPr/>
+          <p:nvPr/>
+        </p:nvSpPr>
+        <p:spPr>
+          <a:xfrm>
+            <a:off x="210571" y="132594"/>
+            <a:ext cx="3892004" cy="5346621"/>
+          </a:xfrm>
+          <a:prstGeom prst="rect">
+            <a:avLst/>
+          </a:prstGeom>
+          <a:noFill/>
+          <a:ln>
+            <a:noFill/>
+          </a:ln>
+        </p:spPr>
+        <p:style>
+          <a:lnRef idx="2">
+            <a:schemeClr val="accent1">
+              <a:shade val="50000"/>
+            </a:schemeClr>
+          </a:lnRef>
+          <a:fillRef idx="1">
+            <a:schemeClr val="accent1"/>
+          </a:fillRef>
+          <a:effectRef idx="0">
+            <a:schemeClr val="accent1"/>
+          </a:effectRef>
+          <a:fontRef idx="minor">
+            <a:schemeClr val="lt1"/>
+          </a:fontRef>
+        </p:style>
+        <p:txBody>
+          <a:bodyPr rot="0" spcFirstLastPara="0" vertOverflow="overflow" horzOverflow="overflow" vert="horz" wrap="square" lIns="144000" tIns="144000" rIns="144000" bIns="144000" numCol="1" spcCol="0" rtlCol="0" fromWordArt="0" anchor="t" anchorCtr="0" forceAA="0" compatLnSpc="1">
+            <a:prstTxWarp prst="textNoShape">
+              <a:avLst/>
+            </a:prstTxWarp>
+            <a:noAutofit/>
+          </a:bodyPr>
+          <a:lstStyle/>
+          <a:p>
+            <a:r>
+              <a:rPr lang="sv-SE" sz="1600" b="1" dirty="0" smtClean="0">
+                <a:solidFill>
+                  <a:schemeClr val="tx1"/>
+                </a:solidFill>
+              </a:rPr>
+              <a:t>Summarising</a:t>
+            </a:r>
+            <a:endParaRPr lang="sv-SE" sz="1600" b="1" dirty="0" smtClean="0">
+              <a:solidFill>
+                <a:schemeClr val="tx1"/>
+              </a:solidFill>
+            </a:endParaRPr>
+          </a:p>
+          <a:p>
+            <a:endParaRPr lang="sv-SE" sz="1600" b="1" i="1" dirty="0">
+              <a:solidFill>
+                <a:schemeClr val="tx1"/>
+              </a:solidFill>
+            </a:endParaRPr>
+          </a:p>
+          <a:p>
+            <a:r>
+              <a:rPr lang="sv-SE" sz="1600" dirty="0" smtClean="0">
+                <a:solidFill>
+                  <a:schemeClr val="tx1"/>
+                </a:solidFill>
+              </a:rPr>
+              <a:t>Platform agnostic, can be polyglot</a:t>
+            </a:r>
+          </a:p>
+          <a:p>
+            <a:r>
+              <a:rPr lang="sv-SE" sz="1600" dirty="0" smtClean="0">
+                <a:solidFill>
+                  <a:schemeClr val="tx1"/>
+                </a:solidFill>
+              </a:rPr>
+              <a:t>Message order guarantee</a:t>
+            </a:r>
+          </a:p>
+          <a:p>
+            <a:r>
+              <a:rPr lang="sv-SE" sz="1600" dirty="0" smtClean="0">
+                <a:solidFill>
+                  <a:schemeClr val="tx1"/>
+                </a:solidFill>
+              </a:rPr>
+              <a:t>Message delivery guarantee</a:t>
+            </a:r>
+          </a:p>
+          <a:p>
+            <a:r>
+              <a:rPr lang="sv-SE" sz="1600" dirty="0" smtClean="0">
+                <a:solidFill>
+                  <a:schemeClr val="tx1"/>
+                </a:solidFill>
+              </a:rPr>
+              <a:t>Automatic placement of actors</a:t>
+            </a:r>
+          </a:p>
+          <a:p>
+            <a:r>
+              <a:rPr lang="sv-SE" sz="1600" dirty="0" smtClean="0">
+                <a:solidFill>
+                  <a:schemeClr val="tx1"/>
+                </a:solidFill>
+              </a:rPr>
+              <a:t>Extremely high throughput</a:t>
+            </a:r>
+          </a:p>
+          <a:p>
+            <a:r>
+              <a:rPr lang="sv-SE" sz="1600" dirty="0" smtClean="0">
+                <a:solidFill>
+                  <a:schemeClr val="tx1"/>
+                </a:solidFill>
+              </a:rPr>
+              <a:t>Low latency</a:t>
+            </a:r>
+          </a:p>
+          <a:p>
+            <a:endParaRPr lang="sv-SE" sz="1600">
+              <a:solidFill>
+                <a:schemeClr val="tx1"/>
+              </a:solidFill>
+            </a:endParaRPr>
+          </a:p>
+          <a:p>
+            <a:endParaRPr lang="sv-SE" sz="1600" dirty="0" smtClean="0">
+              <a:solidFill>
+                <a:schemeClr val="tx1"/>
+              </a:solidFill>
+            </a:endParaRPr>
+          </a:p>
+          <a:p>
+            <a:endParaRPr lang="sv-SE" sz="1600" dirty="0" smtClean="0">
+              <a:solidFill>
+                <a:schemeClr val="tx1"/>
+              </a:solidFill>
+            </a:endParaRPr>
+          </a:p>
+          <a:p>
+            <a:endParaRPr lang="sv-SE" sz="1600" b="1" dirty="0">
+              <a:solidFill>
+                <a:schemeClr val="tx1"/>
+              </a:solidFill>
+            </a:endParaRPr>
+          </a:p>
+          <a:p>
+            <a:endParaRPr lang="sv-SE" sz="1600" b="1" dirty="0">
+              <a:solidFill>
+                <a:schemeClr val="tx1"/>
+              </a:solidFill>
+            </a:endParaRPr>
+          </a:p>
+        </p:txBody>
+      </p:sp>
+      <p:sp>
+        <p:nvSpPr>
+          <p:cNvPr id="6" name="Rectangle 5"/>
+          <p:cNvSpPr/>
+          <p:nvPr/>
+        </p:nvSpPr>
+        <p:spPr>
+          <a:xfrm>
+            <a:off x="4102575" y="0"/>
+            <a:ext cx="6361682" cy="7026699"/>
+          </a:xfrm>
+          <a:prstGeom prst="rect">
+            <a:avLst/>
+          </a:prstGeom>
+          <a:solidFill>
+            <a:schemeClr val="bg1">
+              <a:alpha val="82000"/>
+            </a:schemeClr>
+          </a:solidFill>
+          <a:ln>
+            <a:noFill/>
+          </a:ln>
+        </p:spPr>
+        <p:style>
+          <a:lnRef idx="2">
+            <a:schemeClr val="accent1">
+              <a:shade val="50000"/>
+            </a:schemeClr>
+          </a:lnRef>
+          <a:fillRef idx="1">
+            <a:schemeClr val="accent1"/>
+          </a:fillRef>
+          <a:effectRef idx="0">
+            <a:schemeClr val="accent1"/>
+          </a:effectRef>
+          <a:fontRef idx="minor">
+            <a:schemeClr val="lt1"/>
+          </a:fontRef>
+        </p:style>
+        <p:txBody>
+          <a:bodyPr rtlCol="0" anchor="ctr"/>
+          <a:lstStyle/>
+          <a:p>
+            <a:pPr algn="ctr"/>
+            <a:endParaRPr lang="sv-SE"/>
+          </a:p>
+        </p:txBody>
+      </p:sp>
+      <p:sp>
+        <p:nvSpPr>
+          <p:cNvPr id="5" name="Rounded Rectangle 4"/>
+          <p:cNvSpPr/>
+          <p:nvPr/>
+        </p:nvSpPr>
+        <p:spPr>
+          <a:xfrm>
+            <a:off x="9574306" y="2079782"/>
+            <a:ext cx="2102631" cy="1144026"/>
+          </a:xfrm>
+          <a:prstGeom prst="roundRect">
+            <a:avLst/>
+          </a:prstGeom>
+          <a:ln>
+            <a:noFill/>
+          </a:ln>
+        </p:spPr>
+        <p:style>
+          <a:lnRef idx="2">
+            <a:schemeClr val="accent1">
+              <a:shade val="50000"/>
+            </a:schemeClr>
+          </a:lnRef>
+          <a:fillRef idx="1">
+            <a:schemeClr val="accent1"/>
+          </a:fillRef>
+          <a:effectRef idx="0">
+            <a:schemeClr val="accent1"/>
+          </a:effectRef>
+          <a:fontRef idx="minor">
+            <a:schemeClr val="lt1"/>
+          </a:fontRef>
+        </p:style>
+        <p:txBody>
+          <a:bodyPr rtlCol="0" anchor="ctr"/>
+          <a:lstStyle/>
+          <a:p>
+            <a:pPr algn="ctr"/>
+            <a:r>
+              <a:rPr lang="sv-SE" b="1" dirty="0" smtClean="0"/>
+              <a:t>Stateful</a:t>
+            </a:r>
+            <a:endParaRPr lang="sv-SE" b="1" dirty="0"/>
+          </a:p>
+        </p:txBody>
+      </p:sp>
+      <p:sp>
+        <p:nvSpPr>
+          <p:cNvPr id="7" name="Oval 6"/>
+          <p:cNvSpPr/>
+          <p:nvPr/>
+        </p:nvSpPr>
+        <p:spPr>
+          <a:xfrm>
+            <a:off x="8701999" y="2079783"/>
+            <a:ext cx="1144025" cy="1144025"/>
+          </a:xfrm>
+          <a:prstGeom prst="ellipse">
+            <a:avLst/>
+          </a:prstGeom>
+          <a:solidFill>
+            <a:schemeClr val="accent1"/>
+          </a:solidFill>
+          <a:ln w="25400">
+            <a:solidFill>
+              <a:schemeClr val="bg1"/>
+            </a:solidFill>
+          </a:ln>
+        </p:spPr>
+        <p:style>
+          <a:lnRef idx="2">
+            <a:schemeClr val="accent1">
+              <a:shade val="50000"/>
+            </a:schemeClr>
+          </a:lnRef>
+          <a:fillRef idx="1">
+            <a:schemeClr val="accent1"/>
+          </a:fillRef>
+          <a:effectRef idx="0">
+            <a:schemeClr val="accent1"/>
+          </a:effectRef>
+          <a:fontRef idx="minor">
+            <a:schemeClr val="lt1"/>
+          </a:fontRef>
+        </p:style>
+        <p:txBody>
+          <a:bodyPr rot="0" spcFirstLastPara="0" vertOverflow="overflow" horzOverflow="overflow" vert="horz" wrap="square" lIns="0" tIns="0" rIns="0" bIns="0" numCol="1" spcCol="0" rtlCol="0" fromWordArt="0" anchor="ctr" anchorCtr="0" forceAA="0" compatLnSpc="1">
+            <a:prstTxWarp prst="textNoShape">
+              <a:avLst/>
+            </a:prstTxWarp>
+            <a:noAutofit/>
+          </a:bodyPr>
+          <a:lstStyle/>
+          <a:p>
+            <a:pPr algn="ctr"/>
+            <a:r>
+              <a:rPr lang="sv-SE" b="1" dirty="0" smtClean="0">
+                <a:solidFill>
+                  <a:schemeClr val="bg1"/>
+                </a:solidFill>
+              </a:rPr>
+              <a:t>worker2</a:t>
+            </a:r>
+            <a:endParaRPr lang="sv-SE" b="1" dirty="0">
+              <a:solidFill>
+                <a:schemeClr val="bg1"/>
+              </a:solidFill>
+            </a:endParaRPr>
+          </a:p>
+        </p:txBody>
+      </p:sp>
+      <p:sp>
+        <p:nvSpPr>
+          <p:cNvPr id="4" name="Oval 3"/>
+          <p:cNvSpPr/>
+          <p:nvPr/>
+        </p:nvSpPr>
+        <p:spPr>
+          <a:xfrm>
+            <a:off x="4819409" y="2736534"/>
+            <a:ext cx="1144025" cy="1144025"/>
+          </a:xfrm>
+          <a:prstGeom prst="ellipse">
+            <a:avLst/>
+          </a:prstGeom>
+          <a:solidFill>
+            <a:schemeClr val="accent1"/>
+          </a:solidFill>
+          <a:ln w="25400">
+            <a:solidFill>
+              <a:schemeClr val="bg1"/>
+            </a:solidFill>
+          </a:ln>
+        </p:spPr>
+        <p:style>
+          <a:lnRef idx="2">
+            <a:schemeClr val="accent1">
+              <a:shade val="50000"/>
+            </a:schemeClr>
+          </a:lnRef>
+          <a:fillRef idx="1">
+            <a:schemeClr val="accent1"/>
+          </a:fillRef>
+          <a:effectRef idx="0">
+            <a:schemeClr val="accent1"/>
+          </a:effectRef>
+          <a:fontRef idx="minor">
+            <a:schemeClr val="lt1"/>
+          </a:fontRef>
+        </p:style>
+        <p:txBody>
+          <a:bodyPr lIns="0" tIns="0" rIns="0" bIns="0" rtlCol="0" anchor="ctr"/>
+          <a:lstStyle/>
+          <a:p>
+            <a:pPr algn="ctr"/>
+            <a:r>
+              <a:rPr lang="sv-SE" b="1" dirty="0" smtClean="0">
+                <a:solidFill>
+                  <a:schemeClr val="bg1"/>
+                </a:solidFill>
+              </a:rPr>
+              <a:t>source</a:t>
+            </a:r>
+            <a:endParaRPr lang="sv-SE" sz="1050" b="1" dirty="0" smtClean="0">
+              <a:solidFill>
+                <a:schemeClr val="bg1"/>
+              </a:solidFill>
+            </a:endParaRPr>
+          </a:p>
+        </p:txBody>
+      </p:sp>
+      <p:sp>
+        <p:nvSpPr>
+          <p:cNvPr id="16" name="Oval 15"/>
+          <p:cNvSpPr/>
+          <p:nvPr/>
+        </p:nvSpPr>
+        <p:spPr>
+          <a:xfrm>
+            <a:off x="5963434" y="2831209"/>
+            <a:ext cx="954676" cy="954676"/>
+          </a:xfrm>
+          <a:prstGeom prst="ellipse">
+            <a:avLst/>
+          </a:prstGeom>
+          <a:solidFill>
+            <a:schemeClr val="accent1">
+              <a:lumMod val="60000"/>
+              <a:lumOff val="40000"/>
+            </a:schemeClr>
+          </a:solidFill>
+          <a:ln w="25400">
+            <a:solidFill>
+              <a:schemeClr val="bg1"/>
+            </a:solidFill>
+          </a:ln>
+        </p:spPr>
+        <p:style>
+          <a:lnRef idx="2">
+            <a:schemeClr val="accent1">
+              <a:shade val="50000"/>
+            </a:schemeClr>
+          </a:lnRef>
+          <a:fillRef idx="1">
+            <a:schemeClr val="accent1"/>
+          </a:fillRef>
+          <a:effectRef idx="0">
+            <a:schemeClr val="accent1"/>
+          </a:effectRef>
+          <a:fontRef idx="minor">
+            <a:schemeClr val="lt1"/>
+          </a:fontRef>
+        </p:style>
+        <p:txBody>
+          <a:bodyPr lIns="0" tIns="0" rIns="0" bIns="0" rtlCol="0" anchor="ctr"/>
+          <a:lstStyle/>
+          <a:p>
+            <a:pPr algn="ctr"/>
+            <a:r>
+              <a:rPr lang="sv-SE" sz="1200" b="1" dirty="0" smtClean="0">
+                <a:solidFill>
+                  <a:schemeClr val="bg1"/>
+                </a:solidFill>
+              </a:rPr>
+              <a:t>producer</a:t>
+            </a:r>
+            <a:endParaRPr lang="sv-SE" sz="800" b="1" dirty="0" smtClean="0">
+              <a:solidFill>
+                <a:schemeClr val="bg1"/>
+              </a:solidFill>
+            </a:endParaRPr>
+          </a:p>
+        </p:txBody>
+      </p:sp>
+      <p:cxnSp>
+        <p:nvCxnSpPr>
+          <p:cNvPr id="44" name="Curved Connector 43"/>
+          <p:cNvCxnSpPr>
+            <a:stCxn id="16" idx="7"/>
+            <a:endCxn id="23" idx="2"/>
+          </p:cNvCxnSpPr>
+          <p:nvPr/>
+        </p:nvCxnSpPr>
+        <p:spPr>
+          <a:xfrm rot="5400000" flipH="1" flipV="1">
+            <a:off x="7103200" y="2326897"/>
+            <a:ext cx="319222" cy="969020"/>
+          </a:xfrm>
+          <a:prstGeom prst="curvedConnector2">
+            <a:avLst/>
+          </a:prstGeom>
+          <a:ln w="25400">
+            <a:solidFill>
+              <a:schemeClr val="accent1">
+                <a:lumMod val="75000"/>
+              </a:schemeClr>
+            </a:solidFill>
+            <a:tailEnd type="arrow"/>
+          </a:ln>
+        </p:spPr>
+        <p:style>
+          <a:lnRef idx="1">
+            <a:schemeClr val="accent1"/>
+          </a:lnRef>
+          <a:fillRef idx="0">
+            <a:schemeClr val="accent1"/>
+          </a:fillRef>
+          <a:effectRef idx="0">
+            <a:schemeClr val="accent1"/>
+          </a:effectRef>
+          <a:fontRef idx="minor">
+            <a:schemeClr val="tx1"/>
+          </a:fontRef>
+        </p:style>
+      </p:cxnSp>
+      <p:grpSp>
+        <p:nvGrpSpPr>
+          <p:cNvPr id="36" name="Group 35"/>
+          <p:cNvGrpSpPr/>
+          <p:nvPr/>
+        </p:nvGrpSpPr>
+        <p:grpSpPr>
+          <a:xfrm>
+            <a:off x="7011045" y="2327214"/>
+            <a:ext cx="917625" cy="663385"/>
+            <a:chOff x="6971243" y="1178751"/>
+            <a:chExt cx="958411" cy="663385"/>
+          </a:xfrm>
+          <a:solidFill>
+            <a:schemeClr val="accent2">
+              <a:lumMod val="60000"/>
+              <a:lumOff val="40000"/>
+            </a:schemeClr>
+          </a:solidFill>
+        </p:grpSpPr>
+        <p:sp>
+          <p:nvSpPr>
+            <p:cNvPr id="37" name="Rounded Rectangle 36"/>
+            <p:cNvSpPr/>
+            <p:nvPr/>
+          </p:nvSpPr>
+          <p:spPr>
+            <a:xfrm>
+              <a:off x="6971243" y="1178751"/>
+              <a:ext cx="958409" cy="326175"/>
+            </a:xfrm>
+            <a:prstGeom prst="roundRect">
+              <a:avLst/>
+            </a:prstGeom>
+            <a:grpFill/>
+            <a:ln w="25400">
+              <a:solidFill>
+                <a:schemeClr val="bg1"/>
+              </a:solidFill>
+            </a:ln>
+          </p:spPr>
+          <p:style>
+            <a:lnRef idx="2">
+              <a:schemeClr val="accent1">
+                <a:shade val="50000"/>
+              </a:schemeClr>
+            </a:lnRef>
+            <a:fillRef idx="1">
+              <a:schemeClr val="accent1"/>
+            </a:fillRef>
+            <a:effectRef idx="0">
+              <a:schemeClr val="accent1"/>
+            </a:effectRef>
+            <a:fontRef idx="minor">
+              <a:schemeClr val="lt1"/>
+            </a:fontRef>
+          </p:style>
+          <p:txBody>
+            <a:bodyPr rtlCol="0" anchor="ctr"/>
+            <a:lstStyle/>
+            <a:p>
+              <a:r>
+                <a:rPr lang="sv-SE" sz="1200" dirty="0" smtClean="0"/>
+                <a:t>partition</a:t>
+              </a:r>
+              <a:endParaRPr lang="sv-SE" sz="1200" dirty="0"/>
+            </a:p>
+          </p:txBody>
+        </p:sp>
+        <p:sp>
+          <p:nvSpPr>
+            <p:cNvPr id="38" name="Rounded Rectangle 37"/>
+            <p:cNvSpPr/>
+            <p:nvPr/>
+          </p:nvSpPr>
+          <p:spPr>
+            <a:xfrm>
+              <a:off x="6971245" y="1515961"/>
+              <a:ext cx="958409" cy="326175"/>
+            </a:xfrm>
+            <a:prstGeom prst="roundRect">
+              <a:avLst/>
+            </a:prstGeom>
+            <a:grpFill/>
+            <a:ln w="25400">
+              <a:solidFill>
+                <a:schemeClr val="bg1"/>
+              </a:solidFill>
+            </a:ln>
+          </p:spPr>
+          <p:style>
+            <a:lnRef idx="2">
+              <a:schemeClr val="accent1">
+                <a:shade val="50000"/>
+              </a:schemeClr>
+            </a:lnRef>
+            <a:fillRef idx="1">
+              <a:schemeClr val="accent1"/>
+            </a:fillRef>
+            <a:effectRef idx="0">
+              <a:schemeClr val="accent1"/>
+            </a:effectRef>
+            <a:fontRef idx="minor">
+              <a:schemeClr val="lt1"/>
+            </a:fontRef>
+          </p:style>
+          <p:txBody>
+            <a:bodyPr rtlCol="0" anchor="ctr"/>
+            <a:lstStyle/>
+            <a:p>
+              <a:r>
+                <a:rPr lang="sv-SE" sz="1200" dirty="0" smtClean="0"/>
+                <a:t>partition</a:t>
+              </a:r>
+              <a:endParaRPr lang="sv-SE" sz="1200" dirty="0"/>
+            </a:p>
+          </p:txBody>
+        </p:sp>
+      </p:grpSp>
+      <p:sp>
+        <p:nvSpPr>
+          <p:cNvPr id="23" name="Oval 22"/>
+          <p:cNvSpPr/>
+          <p:nvPr/>
+        </p:nvSpPr>
+        <p:spPr>
+          <a:xfrm>
+            <a:off x="7747321" y="2174458"/>
+            <a:ext cx="954676" cy="954676"/>
+          </a:xfrm>
+          <a:prstGeom prst="ellipse">
+            <a:avLst/>
+          </a:prstGeom>
+          <a:solidFill>
+            <a:schemeClr val="accent1">
+              <a:lumMod val="60000"/>
+              <a:lumOff val="40000"/>
+            </a:schemeClr>
+          </a:solidFill>
+          <a:ln w="25400">
+            <a:solidFill>
+              <a:schemeClr val="bg1"/>
+            </a:solidFill>
+          </a:ln>
+        </p:spPr>
+        <p:style>
+          <a:lnRef idx="2">
+            <a:schemeClr val="accent1">
+              <a:shade val="50000"/>
+            </a:schemeClr>
+          </a:lnRef>
+          <a:fillRef idx="1">
+            <a:schemeClr val="accent1"/>
+          </a:fillRef>
+          <a:effectRef idx="0">
+            <a:schemeClr val="accent1"/>
+          </a:effectRef>
+          <a:fontRef idx="minor">
+            <a:schemeClr val="lt1"/>
+          </a:fontRef>
+        </p:style>
+        <p:txBody>
+          <a:bodyPr lIns="0" tIns="0" rIns="0" bIns="0" rtlCol="0" anchor="ctr"/>
+          <a:lstStyle/>
+          <a:p>
+            <a:pPr algn="ctr"/>
+            <a:r>
+              <a:rPr lang="sv-SE" sz="1200" b="1" dirty="0" smtClean="0">
+                <a:solidFill>
+                  <a:schemeClr val="bg1"/>
+                </a:solidFill>
+              </a:rPr>
+              <a:t>consumer</a:t>
+            </a:r>
+            <a:endParaRPr lang="sv-SE" sz="800" b="1" dirty="0" smtClean="0">
+              <a:solidFill>
+                <a:schemeClr val="bg1"/>
+              </a:solidFill>
+            </a:endParaRPr>
+          </a:p>
+        </p:txBody>
+      </p:sp>
+    </p:spTree>
+    <p:extLst>
+      <p:ext uri="{BB962C8B-B14F-4D97-AF65-F5344CB8AC3E}">
+        <p14:creationId xmlns:p14="http://schemas.microsoft.com/office/powerpoint/2010/main" val="1337309857"/>
+      </p:ext>
+    </p:extLst>
+  </p:cSld>
+  <p:clrMapOvr>
+    <a:masterClrMapping/>
+  </p:clrMapOvr>
+  <p:timing>
+    <p:tnLst>
+      <p:par>
+        <p:cTn id="1" dur="indefinite" restart="never" nodeType="tmRoot"/>
+      </p:par>
+    </p:tnLst>
+  </p:timing>
+</p:sld>
+</file>
+
 <file path=ppt/theme/theme1.xml><?xml version="1.0" encoding="utf-8"?>
 <a:theme xmlns:a="http://schemas.openxmlformats.org/drawingml/2006/main" name="Office Theme">
   <a:themeElements>

--- a/ClusterSoftware/cluster.pptx
+++ b/ClusterSoftware/cluster.pptx
@@ -12193,7 +12193,7 @@
             </a:r>
           </a:p>
           <a:p>
-            <a:endParaRPr lang="sv-SE" sz="1600">
+            <a:endParaRPr lang="sv-SE" sz="1600" dirty="0">
               <a:solidFill>
                 <a:schemeClr val="tx1"/>
               </a:solidFill>

--- a/ClusterSoftware/cluster.pptx
+++ b/ClusterSoftware/cluster.pptx
@@ -3034,12 +3034,12 @@
           <a:lstStyle/>
           <a:p>
             <a:r>
-              <a:rPr lang="sv-SE" smtClean="0">
+              <a:rPr lang="sv-SE" dirty="0" smtClean="0">
                 <a:solidFill>
                   <a:schemeClr val="bg1"/>
                 </a:solidFill>
               </a:rPr>
-              <a:t>Building real </a:t>
+              <a:t>Building real world fast data applications without the </a:t>
             </a:r>
             <a:r>
               <a:rPr lang="sv-SE" dirty="0" smtClean="0">
@@ -3047,7 +3047,7 @@
                   <a:schemeClr val="bg1"/>
                 </a:solidFill>
               </a:rPr>
-              <a:t>world fast data applications without the vendor lies</a:t>
+              <a:t>framework lock-in</a:t>
             </a:r>
             <a:endParaRPr lang="sv-SE" dirty="0">
               <a:solidFill>
@@ -5944,7 +5944,7 @@
         <p:spPr>
           <a:xfrm>
             <a:off x="210570" y="132594"/>
-            <a:ext cx="4234293" cy="2781749"/>
+            <a:ext cx="4234293" cy="5735213"/>
           </a:xfrm>
           <a:prstGeom prst="rect">
             <a:avLst/>
@@ -6024,11 +6024,19 @@
                   <a:schemeClr val="tx1"/>
                 </a:solidFill>
               </a:rPr>
-              <a:t>Components only need to agree on the protocols and contracts of the cluster and can easily be built using any stack or technology.</a:t>
-            </a:r>
-          </a:p>
-          <a:p>
-            <a:endParaRPr lang="sv-SE" sz="1600" dirty="0" smtClean="0">
+              <a:t>Components only need to agree on the protocols and contracts of the cluster and can easily be built using any stack or technology</a:t>
+            </a:r>
+            <a:r>
+              <a:rPr lang="sv-SE" sz="1600" dirty="0" smtClean="0">
+                <a:solidFill>
+                  <a:schemeClr val="tx1"/>
+                </a:solidFill>
+              </a:rPr>
+              <a:t>.</a:t>
+            </a:r>
+          </a:p>
+          <a:p>
+            <a:endParaRPr lang="sv-SE" sz="1600" dirty="0">
               <a:solidFill>
                 <a:schemeClr val="tx1"/>
               </a:solidFill>
@@ -6036,14 +6044,14 @@
           </a:p>
           <a:p>
             <a:r>
-              <a:rPr lang="sv-SE" sz="1600" i="1" dirty="0" smtClean="0">
+              <a:rPr lang="sv-SE" sz="1600" smtClean="0">
                 <a:solidFill>
                   <a:schemeClr val="tx1"/>
                 </a:solidFill>
               </a:rPr>
-              <a:t>e.g. Apache Kafka + .NET or Golang etc.</a:t>
-            </a:r>
-            <a:endParaRPr lang="sv-SE" sz="1600" i="1" dirty="0">
+              <a:t>This can easily be done using e.g. Apache Kafka.</a:t>
+            </a:r>
+            <a:endParaRPr lang="sv-SE" sz="1600" dirty="0">
               <a:solidFill>
                 <a:schemeClr val="tx1"/>
               </a:solidFill>

--- a/ClusterSoftware/cluster.pptx
+++ b/ClusterSoftware/cluster.pptx
@@ -13,7 +13,8 @@
     <p:sldId id="258" r:id="rId7"/>
     <p:sldId id="259" r:id="rId8"/>
     <p:sldId id="263" r:id="rId9"/>
-    <p:sldId id="264" r:id="rId10"/>
+    <p:sldId id="265" r:id="rId10"/>
+    <p:sldId id="266" r:id="rId11"/>
   </p:sldIdLst>
   <p:sldSz cx="12192000" cy="6858000"/>
   <p:notesSz cx="6858000" cy="9144000"/>
@@ -3039,15 +3040,7 @@
                   <a:schemeClr val="bg1"/>
                 </a:solidFill>
               </a:rPr>
-              <a:t>Building real world fast data applications without the </a:t>
-            </a:r>
-            <a:r>
-              <a:rPr lang="sv-SE" dirty="0" smtClean="0">
-                <a:solidFill>
-                  <a:schemeClr val="bg1"/>
-                </a:solidFill>
-              </a:rPr>
-              <a:t>framework lock-in</a:t>
+              <a:t>Building real world fast data applications without the framework lock-in</a:t>
             </a:r>
             <a:endParaRPr lang="sv-SE" dirty="0">
               <a:solidFill>
@@ -3061,6 +3054,2209 @@
     <p:extLst>
       <p:ext uri="{BB962C8B-B14F-4D97-AF65-F5344CB8AC3E}">
         <p14:creationId xmlns:p14="http://schemas.microsoft.com/office/powerpoint/2010/main" val="1210107051"/>
+      </p:ext>
+    </p:extLst>
+  </p:cSld>
+  <p:clrMapOvr>
+    <a:masterClrMapping/>
+  </p:clrMapOvr>
+  <p:timing>
+    <p:tnLst>
+      <p:par>
+        <p:cTn id="1" dur="indefinite" restart="never" nodeType="tmRoot"/>
+      </p:par>
+    </p:tnLst>
+  </p:timing>
+</p:sld>
+</file>
+
+<file path=ppt/slides/slide10.xml><?xml version="1.0" encoding="utf-8"?>
+<p:sld xmlns:a="http://schemas.openxmlformats.org/drawingml/2006/main" xmlns:r="http://schemas.openxmlformats.org/officeDocument/2006/relationships" xmlns:p="http://schemas.openxmlformats.org/presentationml/2006/main">
+  <p:cSld>
+    <p:spTree>
+      <p:nvGrpSpPr>
+        <p:cNvPr id="1" name=""/>
+        <p:cNvGrpSpPr/>
+        <p:nvPr/>
+      </p:nvGrpSpPr>
+      <p:grpSpPr>
+        <a:xfrm>
+          <a:off x="0" y="0"/>
+          <a:ext cx="0" cy="0"/>
+          <a:chOff x="0" y="0"/>
+          <a:chExt cx="0" cy="0"/>
+        </a:xfrm>
+      </p:grpSpPr>
+      <p:cxnSp>
+        <p:nvCxnSpPr>
+          <p:cNvPr id="19" name="Curved Connector 18"/>
+          <p:cNvCxnSpPr>
+            <a:stCxn id="16" idx="0"/>
+            <a:endCxn id="17" idx="2"/>
+          </p:cNvCxnSpPr>
+          <p:nvPr/>
+        </p:nvCxnSpPr>
+        <p:spPr>
+          <a:xfrm rot="5400000" flipH="1" flipV="1">
+            <a:off x="6347589" y="1431476"/>
+            <a:ext cx="1492917" cy="1306550"/>
+          </a:xfrm>
+          <a:prstGeom prst="curvedConnector2">
+            <a:avLst/>
+          </a:prstGeom>
+          <a:ln w="25400">
+            <a:solidFill>
+              <a:schemeClr val="accent1">
+                <a:lumMod val="75000"/>
+              </a:schemeClr>
+            </a:solidFill>
+            <a:tailEnd type="arrow"/>
+          </a:ln>
+        </p:spPr>
+        <p:style>
+          <a:lnRef idx="1">
+            <a:schemeClr val="accent1"/>
+          </a:lnRef>
+          <a:fillRef idx="0">
+            <a:schemeClr val="accent1"/>
+          </a:fillRef>
+          <a:effectRef idx="0">
+            <a:schemeClr val="accent1"/>
+          </a:effectRef>
+          <a:fontRef idx="minor">
+            <a:schemeClr val="tx1"/>
+          </a:fontRef>
+        </p:style>
+      </p:cxnSp>
+      <p:cxnSp>
+        <p:nvCxnSpPr>
+          <p:cNvPr id="21" name="Curved Connector 20"/>
+          <p:cNvCxnSpPr>
+            <a:stCxn id="16" idx="4"/>
+            <a:endCxn id="26" idx="2"/>
+          </p:cNvCxnSpPr>
+          <p:nvPr/>
+        </p:nvCxnSpPr>
+        <p:spPr>
+          <a:xfrm rot="16200000" flipH="1">
+            <a:off x="6347590" y="3879067"/>
+            <a:ext cx="1492915" cy="1306550"/>
+          </a:xfrm>
+          <a:prstGeom prst="curvedConnector2">
+            <a:avLst/>
+          </a:prstGeom>
+          <a:ln w="25400">
+            <a:solidFill>
+              <a:schemeClr val="accent1">
+                <a:lumMod val="75000"/>
+              </a:schemeClr>
+            </a:solidFill>
+            <a:tailEnd type="arrow"/>
+          </a:ln>
+        </p:spPr>
+        <p:style>
+          <a:lnRef idx="1">
+            <a:schemeClr val="accent1"/>
+          </a:lnRef>
+          <a:fillRef idx="0">
+            <a:schemeClr val="accent1"/>
+          </a:fillRef>
+          <a:effectRef idx="0">
+            <a:schemeClr val="accent1"/>
+          </a:effectRef>
+          <a:fontRef idx="minor">
+            <a:schemeClr val="tx1"/>
+          </a:fontRef>
+        </p:style>
+      </p:cxnSp>
+      <p:grpSp>
+        <p:nvGrpSpPr>
+          <p:cNvPr id="29" name="Group 28"/>
+          <p:cNvGrpSpPr/>
+          <p:nvPr/>
+        </p:nvGrpSpPr>
+        <p:grpSpPr>
+          <a:xfrm>
+            <a:off x="5963434" y="293960"/>
+            <a:ext cx="2739320" cy="6029172"/>
+            <a:chOff x="2327565" y="205943"/>
+            <a:chExt cx="7329869" cy="6029172"/>
+          </a:xfrm>
+        </p:grpSpPr>
+        <p:sp>
+          <p:nvSpPr>
+            <p:cNvPr id="27" name="Rounded Rectangle 26"/>
+            <p:cNvSpPr/>
+            <p:nvPr/>
+          </p:nvSpPr>
+          <p:spPr>
+            <a:xfrm>
+              <a:off x="2327565" y="205943"/>
+              <a:ext cx="7329869" cy="6029172"/>
+            </a:xfrm>
+            <a:prstGeom prst="roundRect">
+              <a:avLst>
+                <a:gd name="adj" fmla="val 41301"/>
+              </a:avLst>
+            </a:prstGeom>
+            <a:noFill/>
+            <a:ln w="25400">
+              <a:solidFill>
+                <a:schemeClr val="bg1">
+                  <a:lumMod val="50000"/>
+                </a:schemeClr>
+              </a:solidFill>
+              <a:prstDash val="dash"/>
+            </a:ln>
+          </p:spPr>
+          <p:style>
+            <a:lnRef idx="2">
+              <a:schemeClr val="accent1">
+                <a:shade val="50000"/>
+              </a:schemeClr>
+            </a:lnRef>
+            <a:fillRef idx="1">
+              <a:schemeClr val="accent1"/>
+            </a:fillRef>
+            <a:effectRef idx="0">
+              <a:schemeClr val="accent1"/>
+            </a:effectRef>
+            <a:fontRef idx="minor">
+              <a:schemeClr val="lt1"/>
+            </a:fontRef>
+          </p:style>
+          <p:txBody>
+            <a:bodyPr rot="0" spcFirstLastPara="0" vertOverflow="overflow" horzOverflow="overflow" vert="horz" wrap="square" lIns="0" tIns="0" rIns="0" bIns="0" numCol="1" spcCol="0" rtlCol="0" fromWordArt="0" anchor="t" anchorCtr="0" forceAA="0" compatLnSpc="1">
+              <a:prstTxWarp prst="textNoShape">
+                <a:avLst/>
+              </a:prstTxWarp>
+              <a:noAutofit/>
+            </a:bodyPr>
+            <a:lstStyle/>
+            <a:p>
+              <a:pPr algn="ctr"/>
+              <a:endParaRPr lang="sv-SE" sz="3200" b="1" dirty="0">
+                <a:solidFill>
+                  <a:schemeClr val="tx1"/>
+                </a:solidFill>
+              </a:endParaRPr>
+            </a:p>
+          </p:txBody>
+        </p:sp>
+        <p:sp>
+          <p:nvSpPr>
+            <p:cNvPr id="28" name="TextBox 27"/>
+            <p:cNvSpPr txBox="1"/>
+            <p:nvPr/>
+          </p:nvSpPr>
+          <p:spPr>
+            <a:xfrm>
+              <a:off x="4609184" y="364022"/>
+              <a:ext cx="3770990" cy="461665"/>
+            </a:xfrm>
+            <a:prstGeom prst="rect">
+              <a:avLst/>
+            </a:prstGeom>
+            <a:noFill/>
+          </p:spPr>
+          <p:txBody>
+            <a:bodyPr wrap="square" rtlCol="0">
+              <a:spAutoFit/>
+            </a:bodyPr>
+            <a:lstStyle/>
+            <a:p>
+              <a:r>
+                <a:rPr lang="sv-SE" sz="2400" b="1" dirty="0" smtClean="0"/>
+                <a:t>Cluster</a:t>
+              </a:r>
+              <a:endParaRPr lang="sv-SE" sz="2400" b="1" dirty="0"/>
+            </a:p>
+          </p:txBody>
+        </p:sp>
+      </p:grpSp>
+      <p:grpSp>
+        <p:nvGrpSpPr>
+          <p:cNvPr id="35" name="Group 34"/>
+          <p:cNvGrpSpPr/>
+          <p:nvPr/>
+        </p:nvGrpSpPr>
+        <p:grpSpPr>
+          <a:xfrm>
+            <a:off x="7012030" y="766280"/>
+            <a:ext cx="2833994" cy="1144025"/>
+            <a:chOff x="7012030" y="766280"/>
+            <a:chExt cx="2833994" cy="1144025"/>
+          </a:xfrm>
+        </p:grpSpPr>
+        <p:grpSp>
+          <p:nvGrpSpPr>
+            <p:cNvPr id="3" name="Group 2"/>
+            <p:cNvGrpSpPr/>
+            <p:nvPr/>
+          </p:nvGrpSpPr>
+          <p:grpSpPr>
+            <a:xfrm>
+              <a:off x="7012030" y="1036272"/>
+              <a:ext cx="917624" cy="663385"/>
+              <a:chOff x="6971245" y="1178751"/>
+              <a:chExt cx="958410" cy="663385"/>
+            </a:xfrm>
+            <a:solidFill>
+              <a:schemeClr val="accent2">
+                <a:lumMod val="60000"/>
+                <a:lumOff val="40000"/>
+              </a:schemeClr>
+            </a:solidFill>
+          </p:grpSpPr>
+          <p:sp>
+            <p:nvSpPr>
+              <p:cNvPr id="2" name="Rounded Rectangle 1"/>
+              <p:cNvSpPr/>
+              <p:nvPr/>
+            </p:nvSpPr>
+            <p:spPr>
+              <a:xfrm>
+                <a:off x="6971246" y="1178751"/>
+                <a:ext cx="958409" cy="326175"/>
+              </a:xfrm>
+              <a:prstGeom prst="roundRect">
+                <a:avLst/>
+              </a:prstGeom>
+              <a:grpFill/>
+              <a:ln w="25400">
+                <a:solidFill>
+                  <a:schemeClr val="bg1"/>
+                </a:solidFill>
+              </a:ln>
+            </p:spPr>
+            <p:style>
+              <a:lnRef idx="2">
+                <a:schemeClr val="accent1">
+                  <a:shade val="50000"/>
+                </a:schemeClr>
+              </a:lnRef>
+              <a:fillRef idx="1">
+                <a:schemeClr val="accent1"/>
+              </a:fillRef>
+              <a:effectRef idx="0">
+                <a:schemeClr val="accent1"/>
+              </a:effectRef>
+              <a:fontRef idx="minor">
+                <a:schemeClr val="lt1"/>
+              </a:fontRef>
+            </p:style>
+            <p:txBody>
+              <a:bodyPr rtlCol="0" anchor="ctr"/>
+              <a:lstStyle/>
+              <a:p>
+                <a:r>
+                  <a:rPr lang="sv-SE" sz="1200" dirty="0" smtClean="0"/>
+                  <a:t>partition</a:t>
+                </a:r>
+                <a:endParaRPr lang="sv-SE" sz="1200" dirty="0"/>
+              </a:p>
+            </p:txBody>
+          </p:sp>
+          <p:sp>
+            <p:nvSpPr>
+              <p:cNvPr id="20" name="Rounded Rectangle 19"/>
+              <p:cNvSpPr/>
+              <p:nvPr/>
+            </p:nvSpPr>
+            <p:spPr>
+              <a:xfrm>
+                <a:off x="6971245" y="1515961"/>
+                <a:ext cx="958409" cy="326175"/>
+              </a:xfrm>
+              <a:prstGeom prst="roundRect">
+                <a:avLst/>
+              </a:prstGeom>
+              <a:grpFill/>
+              <a:ln w="25400">
+                <a:solidFill>
+                  <a:schemeClr val="bg1"/>
+                </a:solidFill>
+              </a:ln>
+            </p:spPr>
+            <p:style>
+              <a:lnRef idx="2">
+                <a:schemeClr val="accent1">
+                  <a:shade val="50000"/>
+                </a:schemeClr>
+              </a:lnRef>
+              <a:fillRef idx="1">
+                <a:schemeClr val="accent1"/>
+              </a:fillRef>
+              <a:effectRef idx="0">
+                <a:schemeClr val="accent1"/>
+              </a:effectRef>
+              <a:fontRef idx="minor">
+                <a:schemeClr val="lt1"/>
+              </a:fontRef>
+            </p:style>
+            <p:txBody>
+              <a:bodyPr rtlCol="0" anchor="ctr"/>
+              <a:lstStyle/>
+              <a:p>
+                <a:r>
+                  <a:rPr lang="sv-SE" sz="1200" dirty="0" smtClean="0"/>
+                  <a:t>partition</a:t>
+                </a:r>
+                <a:endParaRPr lang="sv-SE" sz="1200" dirty="0"/>
+              </a:p>
+            </p:txBody>
+          </p:sp>
+        </p:grpSp>
+        <p:grpSp>
+          <p:nvGrpSpPr>
+            <p:cNvPr id="12" name="Group 11"/>
+            <p:cNvGrpSpPr/>
+            <p:nvPr/>
+          </p:nvGrpSpPr>
+          <p:grpSpPr>
+            <a:xfrm>
+              <a:off x="7747322" y="766280"/>
+              <a:ext cx="2098702" cy="1144025"/>
+              <a:chOff x="7747322" y="766280"/>
+              <a:chExt cx="2098702" cy="1144025"/>
+            </a:xfrm>
+          </p:grpSpPr>
+          <p:sp>
+            <p:nvSpPr>
+              <p:cNvPr id="8" name="Oval 7"/>
+              <p:cNvSpPr/>
+              <p:nvPr/>
+            </p:nvSpPr>
+            <p:spPr>
+              <a:xfrm>
+                <a:off x="8701999" y="766280"/>
+                <a:ext cx="1144025" cy="1144025"/>
+              </a:xfrm>
+              <a:prstGeom prst="ellipse">
+                <a:avLst/>
+              </a:prstGeom>
+              <a:solidFill>
+                <a:schemeClr val="accent1"/>
+              </a:solidFill>
+              <a:ln w="25400">
+                <a:solidFill>
+                  <a:schemeClr val="bg1"/>
+                </a:solidFill>
+              </a:ln>
+            </p:spPr>
+            <p:style>
+              <a:lnRef idx="2">
+                <a:schemeClr val="accent1">
+                  <a:shade val="50000"/>
+                </a:schemeClr>
+              </a:lnRef>
+              <a:fillRef idx="1">
+                <a:schemeClr val="accent1"/>
+              </a:fillRef>
+              <a:effectRef idx="0">
+                <a:schemeClr val="accent1"/>
+              </a:effectRef>
+              <a:fontRef idx="minor">
+                <a:schemeClr val="lt1"/>
+              </a:fontRef>
+            </p:style>
+            <p:txBody>
+              <a:bodyPr rot="0" spcFirstLastPara="0" vertOverflow="overflow" horzOverflow="overflow" vert="horz" wrap="square" lIns="0" tIns="0" rIns="0" bIns="0" numCol="1" spcCol="0" rtlCol="0" fromWordArt="0" anchor="ctr" anchorCtr="0" forceAA="0" compatLnSpc="1">
+                <a:prstTxWarp prst="textNoShape">
+                  <a:avLst/>
+                </a:prstTxWarp>
+                <a:noAutofit/>
+              </a:bodyPr>
+              <a:lstStyle/>
+              <a:p>
+                <a:pPr algn="ctr"/>
+                <a:r>
+                  <a:rPr lang="sv-SE" b="1" dirty="0" smtClean="0">
+                    <a:solidFill>
+                      <a:schemeClr val="bg1"/>
+                    </a:solidFill>
+                  </a:rPr>
+                  <a:t>worker1</a:t>
+                </a:r>
+                <a:endParaRPr lang="sv-SE" b="1" dirty="0">
+                  <a:solidFill>
+                    <a:schemeClr val="bg1"/>
+                  </a:solidFill>
+                </a:endParaRPr>
+              </a:p>
+            </p:txBody>
+          </p:sp>
+          <p:sp>
+            <p:nvSpPr>
+              <p:cNvPr id="17" name="Oval 16"/>
+              <p:cNvSpPr/>
+              <p:nvPr/>
+            </p:nvSpPr>
+            <p:spPr>
+              <a:xfrm>
+                <a:off x="7747322" y="860954"/>
+                <a:ext cx="954676" cy="954676"/>
+              </a:xfrm>
+              <a:prstGeom prst="ellipse">
+                <a:avLst/>
+              </a:prstGeom>
+              <a:solidFill>
+                <a:schemeClr val="accent1">
+                  <a:lumMod val="60000"/>
+                  <a:lumOff val="40000"/>
+                </a:schemeClr>
+              </a:solidFill>
+              <a:ln w="25400">
+                <a:solidFill>
+                  <a:schemeClr val="bg1"/>
+                </a:solidFill>
+              </a:ln>
+            </p:spPr>
+            <p:style>
+              <a:lnRef idx="2">
+                <a:schemeClr val="accent1">
+                  <a:shade val="50000"/>
+                </a:schemeClr>
+              </a:lnRef>
+              <a:fillRef idx="1">
+                <a:schemeClr val="accent1"/>
+              </a:fillRef>
+              <a:effectRef idx="0">
+                <a:schemeClr val="accent1"/>
+              </a:effectRef>
+              <a:fontRef idx="minor">
+                <a:schemeClr val="lt1"/>
+              </a:fontRef>
+            </p:style>
+            <p:txBody>
+              <a:bodyPr lIns="0" tIns="0" rIns="0" bIns="0" rtlCol="0" anchor="ctr"/>
+              <a:lstStyle/>
+              <a:p>
+                <a:pPr algn="ctr"/>
+                <a:r>
+                  <a:rPr lang="sv-SE" sz="1200" b="1" dirty="0" smtClean="0">
+                    <a:solidFill>
+                      <a:schemeClr val="bg1"/>
+                    </a:solidFill>
+                  </a:rPr>
+                  <a:t>consumer</a:t>
+                </a:r>
+                <a:endParaRPr lang="sv-SE" sz="800" b="1" dirty="0" smtClean="0">
+                  <a:solidFill>
+                    <a:schemeClr val="bg1"/>
+                  </a:solidFill>
+                </a:endParaRPr>
+              </a:p>
+            </p:txBody>
+          </p:sp>
+        </p:grpSp>
+      </p:grpSp>
+      <p:grpSp>
+        <p:nvGrpSpPr>
+          <p:cNvPr id="52" name="Group 51"/>
+          <p:cNvGrpSpPr/>
+          <p:nvPr/>
+        </p:nvGrpSpPr>
+        <p:grpSpPr>
+          <a:xfrm>
+            <a:off x="7061955" y="4706788"/>
+            <a:ext cx="2784069" cy="1144025"/>
+            <a:chOff x="7061955" y="4706788"/>
+            <a:chExt cx="2784069" cy="1144025"/>
+          </a:xfrm>
+        </p:grpSpPr>
+        <p:grpSp>
+          <p:nvGrpSpPr>
+            <p:cNvPr id="40" name="Group 39"/>
+            <p:cNvGrpSpPr/>
+            <p:nvPr/>
+          </p:nvGrpSpPr>
+          <p:grpSpPr>
+            <a:xfrm>
+              <a:off x="7061955" y="4798834"/>
+              <a:ext cx="917625" cy="1006556"/>
+              <a:chOff x="6971244" y="1178751"/>
+              <a:chExt cx="958411" cy="1006556"/>
+            </a:xfrm>
+            <a:solidFill>
+              <a:schemeClr val="accent2">
+                <a:lumMod val="60000"/>
+                <a:lumOff val="40000"/>
+              </a:schemeClr>
+            </a:solidFill>
+          </p:grpSpPr>
+          <p:sp>
+            <p:nvSpPr>
+              <p:cNvPr id="41" name="Rounded Rectangle 40"/>
+              <p:cNvSpPr/>
+              <p:nvPr/>
+            </p:nvSpPr>
+            <p:spPr>
+              <a:xfrm>
+                <a:off x="6971246" y="1178751"/>
+                <a:ext cx="958409" cy="326175"/>
+              </a:xfrm>
+              <a:prstGeom prst="roundRect">
+                <a:avLst/>
+              </a:prstGeom>
+              <a:grpFill/>
+              <a:ln w="25400">
+                <a:solidFill>
+                  <a:schemeClr val="bg1"/>
+                </a:solidFill>
+              </a:ln>
+            </p:spPr>
+            <p:style>
+              <a:lnRef idx="2">
+                <a:schemeClr val="accent1">
+                  <a:shade val="50000"/>
+                </a:schemeClr>
+              </a:lnRef>
+              <a:fillRef idx="1">
+                <a:schemeClr val="accent1"/>
+              </a:fillRef>
+              <a:effectRef idx="0">
+                <a:schemeClr val="accent1"/>
+              </a:effectRef>
+              <a:fontRef idx="minor">
+                <a:schemeClr val="lt1"/>
+              </a:fontRef>
+            </p:style>
+            <p:txBody>
+              <a:bodyPr rtlCol="0" anchor="ctr"/>
+              <a:lstStyle/>
+              <a:p>
+                <a:r>
+                  <a:rPr lang="sv-SE" sz="1200" dirty="0" smtClean="0"/>
+                  <a:t>partition</a:t>
+                </a:r>
+                <a:endParaRPr lang="sv-SE" sz="1200" dirty="0"/>
+              </a:p>
+            </p:txBody>
+          </p:sp>
+          <p:sp>
+            <p:nvSpPr>
+              <p:cNvPr id="42" name="Rounded Rectangle 41"/>
+              <p:cNvSpPr/>
+              <p:nvPr/>
+            </p:nvSpPr>
+            <p:spPr>
+              <a:xfrm>
+                <a:off x="6971245" y="1515961"/>
+                <a:ext cx="958409" cy="326175"/>
+              </a:xfrm>
+              <a:prstGeom prst="roundRect">
+                <a:avLst/>
+              </a:prstGeom>
+              <a:grpFill/>
+              <a:ln w="25400">
+                <a:solidFill>
+                  <a:schemeClr val="bg1"/>
+                </a:solidFill>
+              </a:ln>
+            </p:spPr>
+            <p:style>
+              <a:lnRef idx="2">
+                <a:schemeClr val="accent1">
+                  <a:shade val="50000"/>
+                </a:schemeClr>
+              </a:lnRef>
+              <a:fillRef idx="1">
+                <a:schemeClr val="accent1"/>
+              </a:fillRef>
+              <a:effectRef idx="0">
+                <a:schemeClr val="accent1"/>
+              </a:effectRef>
+              <a:fontRef idx="minor">
+                <a:schemeClr val="lt1"/>
+              </a:fontRef>
+            </p:style>
+            <p:txBody>
+              <a:bodyPr rtlCol="0" anchor="ctr"/>
+              <a:lstStyle/>
+              <a:p>
+                <a:r>
+                  <a:rPr lang="sv-SE" sz="1200" dirty="0" smtClean="0"/>
+                  <a:t>partition</a:t>
+                </a:r>
+                <a:endParaRPr lang="sv-SE" sz="1200" dirty="0"/>
+              </a:p>
+            </p:txBody>
+          </p:sp>
+          <p:sp>
+            <p:nvSpPr>
+              <p:cNvPr id="43" name="Rounded Rectangle 42"/>
+              <p:cNvSpPr/>
+              <p:nvPr/>
+            </p:nvSpPr>
+            <p:spPr>
+              <a:xfrm>
+                <a:off x="6971244" y="1859132"/>
+                <a:ext cx="958409" cy="326175"/>
+              </a:xfrm>
+              <a:prstGeom prst="roundRect">
+                <a:avLst/>
+              </a:prstGeom>
+              <a:grpFill/>
+              <a:ln w="25400">
+                <a:solidFill>
+                  <a:schemeClr val="bg1"/>
+                </a:solidFill>
+              </a:ln>
+            </p:spPr>
+            <p:style>
+              <a:lnRef idx="2">
+                <a:schemeClr val="accent1">
+                  <a:shade val="50000"/>
+                </a:schemeClr>
+              </a:lnRef>
+              <a:fillRef idx="1">
+                <a:schemeClr val="accent1"/>
+              </a:fillRef>
+              <a:effectRef idx="0">
+                <a:schemeClr val="accent1"/>
+              </a:effectRef>
+              <a:fontRef idx="minor">
+                <a:schemeClr val="lt1"/>
+              </a:fontRef>
+            </p:style>
+            <p:txBody>
+              <a:bodyPr rtlCol="0" anchor="ctr"/>
+              <a:lstStyle/>
+              <a:p>
+                <a:r>
+                  <a:rPr lang="sv-SE" sz="1200" dirty="0" smtClean="0"/>
+                  <a:t>partition</a:t>
+                </a:r>
+                <a:endParaRPr lang="sv-SE" sz="1200" dirty="0"/>
+              </a:p>
+            </p:txBody>
+          </p:sp>
+        </p:grpSp>
+        <p:grpSp>
+          <p:nvGrpSpPr>
+            <p:cNvPr id="18" name="Group 17"/>
+            <p:cNvGrpSpPr/>
+            <p:nvPr/>
+          </p:nvGrpSpPr>
+          <p:grpSpPr>
+            <a:xfrm>
+              <a:off x="7747322" y="4706788"/>
+              <a:ext cx="2098702" cy="1144025"/>
+              <a:chOff x="7747322" y="4706788"/>
+              <a:chExt cx="2098702" cy="1144025"/>
+            </a:xfrm>
+          </p:grpSpPr>
+          <p:sp>
+            <p:nvSpPr>
+              <p:cNvPr id="10" name="Oval 9"/>
+              <p:cNvSpPr/>
+              <p:nvPr/>
+            </p:nvSpPr>
+            <p:spPr>
+              <a:xfrm>
+                <a:off x="8701999" y="4706788"/>
+                <a:ext cx="1144025" cy="1144025"/>
+              </a:xfrm>
+              <a:prstGeom prst="ellipse">
+                <a:avLst/>
+              </a:prstGeom>
+              <a:solidFill>
+                <a:schemeClr val="accent1"/>
+              </a:solidFill>
+              <a:ln w="25400">
+                <a:solidFill>
+                  <a:schemeClr val="bg1"/>
+                </a:solidFill>
+              </a:ln>
+            </p:spPr>
+            <p:style>
+              <a:lnRef idx="2">
+                <a:schemeClr val="accent1">
+                  <a:shade val="50000"/>
+                </a:schemeClr>
+              </a:lnRef>
+              <a:fillRef idx="1">
+                <a:schemeClr val="accent1"/>
+              </a:fillRef>
+              <a:effectRef idx="0">
+                <a:schemeClr val="accent1"/>
+              </a:effectRef>
+              <a:fontRef idx="minor">
+                <a:schemeClr val="lt1"/>
+              </a:fontRef>
+            </p:style>
+            <p:txBody>
+              <a:bodyPr rot="0" spcFirstLastPara="0" vertOverflow="overflow" horzOverflow="overflow" vert="horz" wrap="square" lIns="0" tIns="0" rIns="0" bIns="0" numCol="1" spcCol="0" rtlCol="0" fromWordArt="0" anchor="ctr" anchorCtr="0" forceAA="0" compatLnSpc="1">
+                <a:prstTxWarp prst="textNoShape">
+                  <a:avLst/>
+                </a:prstTxWarp>
+                <a:noAutofit/>
+              </a:bodyPr>
+              <a:lstStyle/>
+              <a:p>
+                <a:pPr algn="ctr"/>
+                <a:r>
+                  <a:rPr lang="sv-SE" b="1" dirty="0" smtClean="0">
+                    <a:solidFill>
+                      <a:schemeClr val="bg1"/>
+                    </a:solidFill>
+                  </a:rPr>
+                  <a:t>worker4</a:t>
+                </a:r>
+                <a:endParaRPr lang="sv-SE" b="1" dirty="0">
+                  <a:solidFill>
+                    <a:schemeClr val="bg1"/>
+                  </a:solidFill>
+                </a:endParaRPr>
+              </a:p>
+            </p:txBody>
+          </p:sp>
+          <p:sp>
+            <p:nvSpPr>
+              <p:cNvPr id="26" name="Oval 25"/>
+              <p:cNvSpPr/>
+              <p:nvPr/>
+            </p:nvSpPr>
+            <p:spPr>
+              <a:xfrm>
+                <a:off x="7747322" y="4801462"/>
+                <a:ext cx="954676" cy="954676"/>
+              </a:xfrm>
+              <a:prstGeom prst="ellipse">
+                <a:avLst/>
+              </a:prstGeom>
+              <a:solidFill>
+                <a:schemeClr val="accent1">
+                  <a:lumMod val="60000"/>
+                  <a:lumOff val="40000"/>
+                </a:schemeClr>
+              </a:solidFill>
+              <a:ln w="25400">
+                <a:solidFill>
+                  <a:schemeClr val="bg1"/>
+                </a:solidFill>
+              </a:ln>
+            </p:spPr>
+            <p:style>
+              <a:lnRef idx="2">
+                <a:schemeClr val="accent1">
+                  <a:shade val="50000"/>
+                </a:schemeClr>
+              </a:lnRef>
+              <a:fillRef idx="1">
+                <a:schemeClr val="accent1"/>
+              </a:fillRef>
+              <a:effectRef idx="0">
+                <a:schemeClr val="accent1"/>
+              </a:effectRef>
+              <a:fontRef idx="minor">
+                <a:schemeClr val="lt1"/>
+              </a:fontRef>
+            </p:style>
+            <p:txBody>
+              <a:bodyPr lIns="0" tIns="0" rIns="0" bIns="0" rtlCol="0" anchor="ctr"/>
+              <a:lstStyle/>
+              <a:p>
+                <a:pPr algn="ctr"/>
+                <a:r>
+                  <a:rPr lang="sv-SE" sz="1200" b="1" dirty="0" smtClean="0">
+                    <a:solidFill>
+                      <a:schemeClr val="bg1"/>
+                    </a:solidFill>
+                  </a:rPr>
+                  <a:t>consumer</a:t>
+                </a:r>
+                <a:endParaRPr lang="sv-SE" sz="800" b="1" dirty="0" smtClean="0">
+                  <a:solidFill>
+                    <a:schemeClr val="bg1"/>
+                  </a:solidFill>
+                </a:endParaRPr>
+              </a:p>
+            </p:txBody>
+          </p:sp>
+        </p:grpSp>
+      </p:grpSp>
+      <p:cxnSp>
+        <p:nvCxnSpPr>
+          <p:cNvPr id="48" name="Curved Connector 47"/>
+          <p:cNvCxnSpPr>
+            <a:stCxn id="16" idx="5"/>
+            <a:endCxn id="33" idx="2"/>
+          </p:cNvCxnSpPr>
+          <p:nvPr/>
+        </p:nvCxnSpPr>
+        <p:spPr>
+          <a:xfrm rot="16200000" flipH="1">
+            <a:off x="7104472" y="3319904"/>
+            <a:ext cx="319223" cy="971565"/>
+          </a:xfrm>
+          <a:prstGeom prst="curvedConnector2">
+            <a:avLst/>
+          </a:prstGeom>
+          <a:ln w="25400">
+            <a:solidFill>
+              <a:schemeClr val="accent1">
+                <a:lumMod val="75000"/>
+              </a:schemeClr>
+            </a:solidFill>
+            <a:tailEnd type="arrow"/>
+          </a:ln>
+        </p:spPr>
+        <p:style>
+          <a:lnRef idx="1">
+            <a:schemeClr val="accent1"/>
+          </a:lnRef>
+          <a:fillRef idx="0">
+            <a:schemeClr val="accent1"/>
+          </a:fillRef>
+          <a:effectRef idx="0">
+            <a:schemeClr val="accent1"/>
+          </a:effectRef>
+          <a:fontRef idx="minor">
+            <a:schemeClr val="tx1"/>
+          </a:fontRef>
+        </p:style>
+      </p:cxnSp>
+      <p:grpSp>
+        <p:nvGrpSpPr>
+          <p:cNvPr id="51" name="Group 50"/>
+          <p:cNvGrpSpPr/>
+          <p:nvPr/>
+        </p:nvGrpSpPr>
+        <p:grpSpPr>
+          <a:xfrm>
+            <a:off x="7011045" y="3393286"/>
+            <a:ext cx="2837524" cy="1144025"/>
+            <a:chOff x="7011045" y="3412009"/>
+            <a:chExt cx="2837524" cy="1144025"/>
+          </a:xfrm>
+        </p:grpSpPr>
+        <p:grpSp>
+          <p:nvGrpSpPr>
+            <p:cNvPr id="45" name="Group 44"/>
+            <p:cNvGrpSpPr/>
+            <p:nvPr/>
+          </p:nvGrpSpPr>
+          <p:grpSpPr>
+            <a:xfrm>
+              <a:off x="7011045" y="3657794"/>
+              <a:ext cx="917625" cy="663385"/>
+              <a:chOff x="6971243" y="1178751"/>
+              <a:chExt cx="958411" cy="663385"/>
+            </a:xfrm>
+            <a:solidFill>
+              <a:schemeClr val="accent2">
+                <a:lumMod val="60000"/>
+                <a:lumOff val="40000"/>
+              </a:schemeClr>
+            </a:solidFill>
+          </p:grpSpPr>
+          <p:sp>
+            <p:nvSpPr>
+              <p:cNvPr id="46" name="Rounded Rectangle 45"/>
+              <p:cNvSpPr/>
+              <p:nvPr/>
+            </p:nvSpPr>
+            <p:spPr>
+              <a:xfrm>
+                <a:off x="6971243" y="1178751"/>
+                <a:ext cx="958409" cy="326175"/>
+              </a:xfrm>
+              <a:prstGeom prst="roundRect">
+                <a:avLst/>
+              </a:prstGeom>
+              <a:grpFill/>
+              <a:ln w="25400">
+                <a:solidFill>
+                  <a:schemeClr val="bg1"/>
+                </a:solidFill>
+              </a:ln>
+            </p:spPr>
+            <p:style>
+              <a:lnRef idx="2">
+                <a:schemeClr val="accent1">
+                  <a:shade val="50000"/>
+                </a:schemeClr>
+              </a:lnRef>
+              <a:fillRef idx="1">
+                <a:schemeClr val="accent1"/>
+              </a:fillRef>
+              <a:effectRef idx="0">
+                <a:schemeClr val="accent1"/>
+              </a:effectRef>
+              <a:fontRef idx="minor">
+                <a:schemeClr val="lt1"/>
+              </a:fontRef>
+            </p:style>
+            <p:txBody>
+              <a:bodyPr rtlCol="0" anchor="ctr"/>
+              <a:lstStyle/>
+              <a:p>
+                <a:r>
+                  <a:rPr lang="sv-SE" sz="1200" dirty="0" smtClean="0"/>
+                  <a:t>partition</a:t>
+                </a:r>
+                <a:endParaRPr lang="sv-SE" sz="1200" dirty="0"/>
+              </a:p>
+            </p:txBody>
+          </p:sp>
+          <p:sp>
+            <p:nvSpPr>
+              <p:cNvPr id="47" name="Rounded Rectangle 46"/>
+              <p:cNvSpPr/>
+              <p:nvPr/>
+            </p:nvSpPr>
+            <p:spPr>
+              <a:xfrm>
+                <a:off x="6971245" y="1515961"/>
+                <a:ext cx="958409" cy="326175"/>
+              </a:xfrm>
+              <a:prstGeom prst="roundRect">
+                <a:avLst/>
+              </a:prstGeom>
+              <a:grpFill/>
+              <a:ln w="25400">
+                <a:solidFill>
+                  <a:schemeClr val="bg1"/>
+                </a:solidFill>
+              </a:ln>
+            </p:spPr>
+            <p:style>
+              <a:lnRef idx="2">
+                <a:schemeClr val="accent1">
+                  <a:shade val="50000"/>
+                </a:schemeClr>
+              </a:lnRef>
+              <a:fillRef idx="1">
+                <a:schemeClr val="accent1"/>
+              </a:fillRef>
+              <a:effectRef idx="0">
+                <a:schemeClr val="accent1"/>
+              </a:effectRef>
+              <a:fontRef idx="minor">
+                <a:schemeClr val="lt1"/>
+              </a:fontRef>
+            </p:style>
+            <p:txBody>
+              <a:bodyPr rtlCol="0" anchor="ctr"/>
+              <a:lstStyle/>
+              <a:p>
+                <a:r>
+                  <a:rPr lang="sv-SE" sz="1200" dirty="0" smtClean="0"/>
+                  <a:t>partition</a:t>
+                </a:r>
+                <a:endParaRPr lang="sv-SE" sz="1200" dirty="0"/>
+              </a:p>
+            </p:txBody>
+          </p:sp>
+        </p:grpSp>
+        <p:grpSp>
+          <p:nvGrpSpPr>
+            <p:cNvPr id="14" name="Group 13"/>
+            <p:cNvGrpSpPr/>
+            <p:nvPr/>
+          </p:nvGrpSpPr>
+          <p:grpSpPr>
+            <a:xfrm>
+              <a:off x="7749866" y="3412009"/>
+              <a:ext cx="2098703" cy="1144025"/>
+              <a:chOff x="7749866" y="3412009"/>
+              <a:chExt cx="2098703" cy="1144025"/>
+            </a:xfrm>
+          </p:grpSpPr>
+          <p:sp>
+            <p:nvSpPr>
+              <p:cNvPr id="32" name="Oval 31"/>
+              <p:cNvSpPr/>
+              <p:nvPr/>
+            </p:nvSpPr>
+            <p:spPr>
+              <a:xfrm>
+                <a:off x="8704544" y="3412009"/>
+                <a:ext cx="1144025" cy="1144025"/>
+              </a:xfrm>
+              <a:prstGeom prst="ellipse">
+                <a:avLst/>
+              </a:prstGeom>
+              <a:solidFill>
+                <a:schemeClr val="accent1"/>
+              </a:solidFill>
+              <a:ln w="25400">
+                <a:solidFill>
+                  <a:schemeClr val="bg1"/>
+                </a:solidFill>
+              </a:ln>
+            </p:spPr>
+            <p:style>
+              <a:lnRef idx="2">
+                <a:schemeClr val="accent1">
+                  <a:shade val="50000"/>
+                </a:schemeClr>
+              </a:lnRef>
+              <a:fillRef idx="1">
+                <a:schemeClr val="accent1"/>
+              </a:fillRef>
+              <a:effectRef idx="0">
+                <a:schemeClr val="accent1"/>
+              </a:effectRef>
+              <a:fontRef idx="minor">
+                <a:schemeClr val="lt1"/>
+              </a:fontRef>
+            </p:style>
+            <p:txBody>
+              <a:bodyPr rot="0" spcFirstLastPara="0" vertOverflow="overflow" horzOverflow="overflow" vert="horz" wrap="square" lIns="0" tIns="0" rIns="0" bIns="0" numCol="1" spcCol="0" rtlCol="0" fromWordArt="0" anchor="ctr" anchorCtr="0" forceAA="0" compatLnSpc="1">
+                <a:prstTxWarp prst="textNoShape">
+                  <a:avLst/>
+                </a:prstTxWarp>
+                <a:noAutofit/>
+              </a:bodyPr>
+              <a:lstStyle/>
+              <a:p>
+                <a:pPr algn="ctr"/>
+                <a:r>
+                  <a:rPr lang="sv-SE" b="1" dirty="0" smtClean="0">
+                    <a:solidFill>
+                      <a:schemeClr val="bg1"/>
+                    </a:solidFill>
+                  </a:rPr>
+                  <a:t>worker3</a:t>
+                </a:r>
+                <a:endParaRPr lang="sv-SE" b="1" dirty="0">
+                  <a:solidFill>
+                    <a:schemeClr val="bg1"/>
+                  </a:solidFill>
+                </a:endParaRPr>
+              </a:p>
+            </p:txBody>
+          </p:sp>
+          <p:sp>
+            <p:nvSpPr>
+              <p:cNvPr id="33" name="Oval 32"/>
+              <p:cNvSpPr/>
+              <p:nvPr/>
+            </p:nvSpPr>
+            <p:spPr>
+              <a:xfrm>
+                <a:off x="7749866" y="3506684"/>
+                <a:ext cx="954676" cy="954676"/>
+              </a:xfrm>
+              <a:prstGeom prst="ellipse">
+                <a:avLst/>
+              </a:prstGeom>
+              <a:solidFill>
+                <a:schemeClr val="accent1">
+                  <a:lumMod val="60000"/>
+                  <a:lumOff val="40000"/>
+                </a:schemeClr>
+              </a:solidFill>
+              <a:ln w="25400">
+                <a:solidFill>
+                  <a:schemeClr val="bg1"/>
+                </a:solidFill>
+              </a:ln>
+            </p:spPr>
+            <p:style>
+              <a:lnRef idx="2">
+                <a:schemeClr val="accent1">
+                  <a:shade val="50000"/>
+                </a:schemeClr>
+              </a:lnRef>
+              <a:fillRef idx="1">
+                <a:schemeClr val="accent1"/>
+              </a:fillRef>
+              <a:effectRef idx="0">
+                <a:schemeClr val="accent1"/>
+              </a:effectRef>
+              <a:fontRef idx="minor">
+                <a:schemeClr val="lt1"/>
+              </a:fontRef>
+            </p:style>
+            <p:txBody>
+              <a:bodyPr lIns="0" tIns="0" rIns="0" bIns="0" rtlCol="0" anchor="ctr"/>
+              <a:lstStyle/>
+              <a:p>
+                <a:pPr algn="ctr"/>
+                <a:r>
+                  <a:rPr lang="sv-SE" sz="1200" b="1" dirty="0" smtClean="0">
+                    <a:solidFill>
+                      <a:schemeClr val="bg1"/>
+                    </a:solidFill>
+                  </a:rPr>
+                  <a:t>consumer</a:t>
+                </a:r>
+                <a:endParaRPr lang="sv-SE" sz="800" b="1" dirty="0" smtClean="0">
+                  <a:solidFill>
+                    <a:schemeClr val="bg1"/>
+                  </a:solidFill>
+                </a:endParaRPr>
+              </a:p>
+            </p:txBody>
+          </p:sp>
+        </p:grpSp>
+      </p:grpSp>
+      <p:sp>
+        <p:nvSpPr>
+          <p:cNvPr id="49" name="Rectangle 48"/>
+          <p:cNvSpPr/>
+          <p:nvPr/>
+        </p:nvSpPr>
+        <p:spPr>
+          <a:xfrm>
+            <a:off x="210571" y="132594"/>
+            <a:ext cx="3892004" cy="5346621"/>
+          </a:xfrm>
+          <a:prstGeom prst="rect">
+            <a:avLst/>
+          </a:prstGeom>
+          <a:noFill/>
+          <a:ln>
+            <a:noFill/>
+          </a:ln>
+        </p:spPr>
+        <p:style>
+          <a:lnRef idx="2">
+            <a:schemeClr val="accent1">
+              <a:shade val="50000"/>
+            </a:schemeClr>
+          </a:lnRef>
+          <a:fillRef idx="1">
+            <a:schemeClr val="accent1"/>
+          </a:fillRef>
+          <a:effectRef idx="0">
+            <a:schemeClr val="accent1"/>
+          </a:effectRef>
+          <a:fontRef idx="minor">
+            <a:schemeClr val="lt1"/>
+          </a:fontRef>
+        </p:style>
+        <p:txBody>
+          <a:bodyPr rot="0" spcFirstLastPara="0" vertOverflow="overflow" horzOverflow="overflow" vert="horz" wrap="square" lIns="144000" tIns="144000" rIns="144000" bIns="144000" numCol="1" spcCol="0" rtlCol="0" fromWordArt="0" anchor="t" anchorCtr="0" forceAA="0" compatLnSpc="1">
+            <a:prstTxWarp prst="textNoShape">
+              <a:avLst/>
+            </a:prstTxWarp>
+            <a:noAutofit/>
+          </a:bodyPr>
+          <a:lstStyle/>
+          <a:p>
+            <a:r>
+              <a:rPr lang="sv-SE" sz="1600" b="1" dirty="0">
+                <a:solidFill>
+                  <a:schemeClr val="tx1"/>
+                </a:solidFill>
+              </a:rPr>
+              <a:t>Summarising</a:t>
+            </a:r>
+          </a:p>
+          <a:p>
+            <a:endParaRPr lang="sv-SE" sz="1600" b="1" i="1" dirty="0">
+              <a:solidFill>
+                <a:schemeClr val="tx1"/>
+              </a:solidFill>
+            </a:endParaRPr>
+          </a:p>
+          <a:p>
+            <a:r>
+              <a:rPr lang="sv-SE" sz="1600" dirty="0">
+                <a:solidFill>
+                  <a:schemeClr val="tx1"/>
+                </a:solidFill>
+              </a:rPr>
+              <a:t>Platform agnostic, can be polyglot</a:t>
+            </a:r>
+          </a:p>
+          <a:p>
+            <a:r>
+              <a:rPr lang="sv-SE" sz="1600" dirty="0">
+                <a:solidFill>
+                  <a:schemeClr val="tx1"/>
+                </a:solidFill>
+              </a:rPr>
+              <a:t>Message order guarantee</a:t>
+            </a:r>
+          </a:p>
+          <a:p>
+            <a:r>
+              <a:rPr lang="sv-SE" sz="1600" dirty="0">
+                <a:solidFill>
+                  <a:schemeClr val="tx1"/>
+                </a:solidFill>
+              </a:rPr>
+              <a:t>Message delivery guarantee</a:t>
+            </a:r>
+          </a:p>
+          <a:p>
+            <a:r>
+              <a:rPr lang="sv-SE" sz="1600" dirty="0">
+                <a:solidFill>
+                  <a:schemeClr val="tx1"/>
+                </a:solidFill>
+              </a:rPr>
+              <a:t>Automatic placement of actors</a:t>
+            </a:r>
+          </a:p>
+          <a:p>
+            <a:r>
+              <a:rPr lang="sv-SE" sz="1600" dirty="0">
+                <a:solidFill>
+                  <a:schemeClr val="tx1"/>
+                </a:solidFill>
+              </a:rPr>
+              <a:t>Extremely high throughput</a:t>
+            </a:r>
+          </a:p>
+          <a:p>
+            <a:r>
+              <a:rPr lang="sv-SE" sz="1600" dirty="0">
+                <a:solidFill>
+                  <a:schemeClr val="tx1"/>
+                </a:solidFill>
+              </a:rPr>
+              <a:t>Low latency</a:t>
+            </a:r>
+          </a:p>
+        </p:txBody>
+      </p:sp>
+      <p:sp>
+        <p:nvSpPr>
+          <p:cNvPr id="5" name="Rounded Rectangle 4"/>
+          <p:cNvSpPr/>
+          <p:nvPr/>
+        </p:nvSpPr>
+        <p:spPr>
+          <a:xfrm>
+            <a:off x="9574306" y="2079782"/>
+            <a:ext cx="2102631" cy="1144026"/>
+          </a:xfrm>
+          <a:prstGeom prst="roundRect">
+            <a:avLst/>
+          </a:prstGeom>
+          <a:ln>
+            <a:noFill/>
+          </a:ln>
+        </p:spPr>
+        <p:style>
+          <a:lnRef idx="2">
+            <a:schemeClr val="accent1">
+              <a:shade val="50000"/>
+            </a:schemeClr>
+          </a:lnRef>
+          <a:fillRef idx="1">
+            <a:schemeClr val="accent1"/>
+          </a:fillRef>
+          <a:effectRef idx="0">
+            <a:schemeClr val="accent1"/>
+          </a:effectRef>
+          <a:fontRef idx="minor">
+            <a:schemeClr val="lt1"/>
+          </a:fontRef>
+        </p:style>
+        <p:txBody>
+          <a:bodyPr rtlCol="0" anchor="ctr"/>
+          <a:lstStyle/>
+          <a:p>
+            <a:pPr algn="ctr"/>
+            <a:endParaRPr lang="sv-SE" b="1" dirty="0"/>
+          </a:p>
+        </p:txBody>
+      </p:sp>
+      <p:sp>
+        <p:nvSpPr>
+          <p:cNvPr id="7" name="Oval 6"/>
+          <p:cNvSpPr/>
+          <p:nvPr/>
+        </p:nvSpPr>
+        <p:spPr>
+          <a:xfrm>
+            <a:off x="8701999" y="2079783"/>
+            <a:ext cx="1144025" cy="1144025"/>
+          </a:xfrm>
+          <a:prstGeom prst="ellipse">
+            <a:avLst/>
+          </a:prstGeom>
+          <a:solidFill>
+            <a:schemeClr val="accent1"/>
+          </a:solidFill>
+          <a:ln w="25400">
+            <a:solidFill>
+              <a:schemeClr val="bg1"/>
+            </a:solidFill>
+          </a:ln>
+        </p:spPr>
+        <p:style>
+          <a:lnRef idx="2">
+            <a:schemeClr val="accent1">
+              <a:shade val="50000"/>
+            </a:schemeClr>
+          </a:lnRef>
+          <a:fillRef idx="1">
+            <a:schemeClr val="accent1"/>
+          </a:fillRef>
+          <a:effectRef idx="0">
+            <a:schemeClr val="accent1"/>
+          </a:effectRef>
+          <a:fontRef idx="minor">
+            <a:schemeClr val="lt1"/>
+          </a:fontRef>
+        </p:style>
+        <p:txBody>
+          <a:bodyPr rot="0" spcFirstLastPara="0" vertOverflow="overflow" horzOverflow="overflow" vert="horz" wrap="square" lIns="0" tIns="0" rIns="0" bIns="0" numCol="1" spcCol="0" rtlCol="0" fromWordArt="0" anchor="ctr" anchorCtr="0" forceAA="0" compatLnSpc="1">
+            <a:prstTxWarp prst="textNoShape">
+              <a:avLst/>
+            </a:prstTxWarp>
+            <a:noAutofit/>
+          </a:bodyPr>
+          <a:lstStyle/>
+          <a:p>
+            <a:pPr algn="ctr"/>
+            <a:r>
+              <a:rPr lang="sv-SE" b="1" dirty="0" smtClean="0">
+                <a:solidFill>
+                  <a:schemeClr val="bg1"/>
+                </a:solidFill>
+              </a:rPr>
+              <a:t>worker2</a:t>
+            </a:r>
+            <a:endParaRPr lang="sv-SE" b="1" dirty="0">
+              <a:solidFill>
+                <a:schemeClr val="bg1"/>
+              </a:solidFill>
+            </a:endParaRPr>
+          </a:p>
+        </p:txBody>
+      </p:sp>
+      <p:sp>
+        <p:nvSpPr>
+          <p:cNvPr id="4" name="Oval 3"/>
+          <p:cNvSpPr/>
+          <p:nvPr/>
+        </p:nvSpPr>
+        <p:spPr>
+          <a:xfrm>
+            <a:off x="4819409" y="2736534"/>
+            <a:ext cx="1144025" cy="1144025"/>
+          </a:xfrm>
+          <a:prstGeom prst="ellipse">
+            <a:avLst/>
+          </a:prstGeom>
+          <a:solidFill>
+            <a:schemeClr val="accent1"/>
+          </a:solidFill>
+          <a:ln w="25400">
+            <a:solidFill>
+              <a:schemeClr val="bg1"/>
+            </a:solidFill>
+          </a:ln>
+        </p:spPr>
+        <p:style>
+          <a:lnRef idx="2">
+            <a:schemeClr val="accent1">
+              <a:shade val="50000"/>
+            </a:schemeClr>
+          </a:lnRef>
+          <a:fillRef idx="1">
+            <a:schemeClr val="accent1"/>
+          </a:fillRef>
+          <a:effectRef idx="0">
+            <a:schemeClr val="accent1"/>
+          </a:effectRef>
+          <a:fontRef idx="minor">
+            <a:schemeClr val="lt1"/>
+          </a:fontRef>
+        </p:style>
+        <p:txBody>
+          <a:bodyPr lIns="0" tIns="0" rIns="0" bIns="0" rtlCol="0" anchor="ctr"/>
+          <a:lstStyle/>
+          <a:p>
+            <a:pPr algn="ctr"/>
+            <a:r>
+              <a:rPr lang="sv-SE" b="1" dirty="0" smtClean="0">
+                <a:solidFill>
+                  <a:schemeClr val="bg1"/>
+                </a:solidFill>
+              </a:rPr>
+              <a:t>source</a:t>
+            </a:r>
+            <a:endParaRPr lang="sv-SE" sz="1050" b="1" dirty="0" smtClean="0">
+              <a:solidFill>
+                <a:schemeClr val="bg1"/>
+              </a:solidFill>
+            </a:endParaRPr>
+          </a:p>
+        </p:txBody>
+      </p:sp>
+      <p:sp>
+        <p:nvSpPr>
+          <p:cNvPr id="16" name="Oval 15"/>
+          <p:cNvSpPr/>
+          <p:nvPr/>
+        </p:nvSpPr>
+        <p:spPr>
+          <a:xfrm>
+            <a:off x="5963434" y="2831209"/>
+            <a:ext cx="954676" cy="954676"/>
+          </a:xfrm>
+          <a:prstGeom prst="ellipse">
+            <a:avLst/>
+          </a:prstGeom>
+          <a:solidFill>
+            <a:schemeClr val="accent1">
+              <a:lumMod val="60000"/>
+              <a:lumOff val="40000"/>
+            </a:schemeClr>
+          </a:solidFill>
+          <a:ln w="25400">
+            <a:solidFill>
+              <a:schemeClr val="bg1"/>
+            </a:solidFill>
+          </a:ln>
+        </p:spPr>
+        <p:style>
+          <a:lnRef idx="2">
+            <a:schemeClr val="accent1">
+              <a:shade val="50000"/>
+            </a:schemeClr>
+          </a:lnRef>
+          <a:fillRef idx="1">
+            <a:schemeClr val="accent1"/>
+          </a:fillRef>
+          <a:effectRef idx="0">
+            <a:schemeClr val="accent1"/>
+          </a:effectRef>
+          <a:fontRef idx="minor">
+            <a:schemeClr val="lt1"/>
+          </a:fontRef>
+        </p:style>
+        <p:txBody>
+          <a:bodyPr lIns="0" tIns="0" rIns="0" bIns="0" rtlCol="0" anchor="ctr"/>
+          <a:lstStyle/>
+          <a:p>
+            <a:pPr algn="ctr"/>
+            <a:r>
+              <a:rPr lang="sv-SE" sz="1200" b="1" dirty="0" smtClean="0">
+                <a:solidFill>
+                  <a:schemeClr val="bg1"/>
+                </a:solidFill>
+              </a:rPr>
+              <a:t>producer</a:t>
+            </a:r>
+            <a:endParaRPr lang="sv-SE" sz="800" b="1" dirty="0" smtClean="0">
+              <a:solidFill>
+                <a:schemeClr val="bg1"/>
+              </a:solidFill>
+            </a:endParaRPr>
+          </a:p>
+        </p:txBody>
+      </p:sp>
+      <p:sp>
+        <p:nvSpPr>
+          <p:cNvPr id="37" name="Rounded Rectangle 36"/>
+          <p:cNvSpPr/>
+          <p:nvPr/>
+        </p:nvSpPr>
+        <p:spPr>
+          <a:xfrm>
+            <a:off x="7011045" y="2327214"/>
+            <a:ext cx="917623" cy="326175"/>
+          </a:xfrm>
+          <a:prstGeom prst="roundRect">
+            <a:avLst/>
+          </a:prstGeom>
+          <a:solidFill>
+            <a:schemeClr val="accent2">
+              <a:lumMod val="60000"/>
+              <a:lumOff val="40000"/>
+            </a:schemeClr>
+          </a:solidFill>
+          <a:ln w="25400">
+            <a:solidFill>
+              <a:schemeClr val="bg1"/>
+            </a:solidFill>
+          </a:ln>
+        </p:spPr>
+        <p:style>
+          <a:lnRef idx="2">
+            <a:schemeClr val="accent1">
+              <a:shade val="50000"/>
+            </a:schemeClr>
+          </a:lnRef>
+          <a:fillRef idx="1">
+            <a:schemeClr val="accent1"/>
+          </a:fillRef>
+          <a:effectRef idx="0">
+            <a:schemeClr val="accent1"/>
+          </a:effectRef>
+          <a:fontRef idx="minor">
+            <a:schemeClr val="lt1"/>
+          </a:fontRef>
+        </p:style>
+        <p:txBody>
+          <a:bodyPr rtlCol="0" anchor="ctr"/>
+          <a:lstStyle/>
+          <a:p>
+            <a:r>
+              <a:rPr lang="sv-SE" sz="1200" dirty="0" smtClean="0"/>
+              <a:t>partition</a:t>
+            </a:r>
+            <a:endParaRPr lang="sv-SE" sz="1200" dirty="0"/>
+          </a:p>
+        </p:txBody>
+      </p:sp>
+      <p:sp>
+        <p:nvSpPr>
+          <p:cNvPr id="38" name="Rounded Rectangle 37"/>
+          <p:cNvSpPr/>
+          <p:nvPr/>
+        </p:nvSpPr>
+        <p:spPr>
+          <a:xfrm>
+            <a:off x="7011047" y="2664424"/>
+            <a:ext cx="917623" cy="326175"/>
+          </a:xfrm>
+          <a:prstGeom prst="roundRect">
+            <a:avLst/>
+          </a:prstGeom>
+          <a:solidFill>
+            <a:schemeClr val="accent2">
+              <a:lumMod val="60000"/>
+              <a:lumOff val="40000"/>
+            </a:schemeClr>
+          </a:solidFill>
+          <a:ln w="25400">
+            <a:solidFill>
+              <a:schemeClr val="bg1"/>
+            </a:solidFill>
+          </a:ln>
+        </p:spPr>
+        <p:style>
+          <a:lnRef idx="2">
+            <a:schemeClr val="accent1">
+              <a:shade val="50000"/>
+            </a:schemeClr>
+          </a:lnRef>
+          <a:fillRef idx="1">
+            <a:schemeClr val="accent1"/>
+          </a:fillRef>
+          <a:effectRef idx="0">
+            <a:schemeClr val="accent1"/>
+          </a:effectRef>
+          <a:fontRef idx="minor">
+            <a:schemeClr val="lt1"/>
+          </a:fontRef>
+        </p:style>
+        <p:txBody>
+          <a:bodyPr rtlCol="0" anchor="ctr"/>
+          <a:lstStyle/>
+          <a:p>
+            <a:r>
+              <a:rPr lang="sv-SE" sz="1200" dirty="0" smtClean="0"/>
+              <a:t>partition</a:t>
+            </a:r>
+            <a:endParaRPr lang="sv-SE" sz="1200" dirty="0"/>
+          </a:p>
+        </p:txBody>
+      </p:sp>
+      <p:sp>
+        <p:nvSpPr>
+          <p:cNvPr id="23" name="Oval 22"/>
+          <p:cNvSpPr/>
+          <p:nvPr/>
+        </p:nvSpPr>
+        <p:spPr>
+          <a:xfrm>
+            <a:off x="7747321" y="2174458"/>
+            <a:ext cx="954676" cy="954676"/>
+          </a:xfrm>
+          <a:prstGeom prst="ellipse">
+            <a:avLst/>
+          </a:prstGeom>
+          <a:solidFill>
+            <a:schemeClr val="accent1">
+              <a:lumMod val="60000"/>
+              <a:lumOff val="40000"/>
+            </a:schemeClr>
+          </a:solidFill>
+          <a:ln w="25400">
+            <a:solidFill>
+              <a:schemeClr val="bg1"/>
+            </a:solidFill>
+          </a:ln>
+        </p:spPr>
+        <p:style>
+          <a:lnRef idx="2">
+            <a:schemeClr val="accent1">
+              <a:shade val="50000"/>
+            </a:schemeClr>
+          </a:lnRef>
+          <a:fillRef idx="1">
+            <a:schemeClr val="accent1"/>
+          </a:fillRef>
+          <a:effectRef idx="0">
+            <a:schemeClr val="accent1"/>
+          </a:effectRef>
+          <a:fontRef idx="minor">
+            <a:schemeClr val="lt1"/>
+          </a:fontRef>
+        </p:style>
+        <p:txBody>
+          <a:bodyPr lIns="0" tIns="0" rIns="0" bIns="0" rtlCol="0" anchor="ctr"/>
+          <a:lstStyle/>
+          <a:p>
+            <a:pPr algn="ctr"/>
+            <a:r>
+              <a:rPr lang="sv-SE" sz="1200" b="1" dirty="0" smtClean="0">
+                <a:solidFill>
+                  <a:schemeClr val="bg1"/>
+                </a:solidFill>
+              </a:rPr>
+              <a:t>consumer</a:t>
+            </a:r>
+            <a:endParaRPr lang="sv-SE" sz="800" b="1" dirty="0" smtClean="0">
+              <a:solidFill>
+                <a:schemeClr val="bg1"/>
+              </a:solidFill>
+            </a:endParaRPr>
+          </a:p>
+        </p:txBody>
+      </p:sp>
+      <p:sp>
+        <p:nvSpPr>
+          <p:cNvPr id="6" name="Rectangle 5"/>
+          <p:cNvSpPr/>
+          <p:nvPr/>
+        </p:nvSpPr>
+        <p:spPr>
+          <a:xfrm>
+            <a:off x="4212646" y="1"/>
+            <a:ext cx="7739867" cy="6858000"/>
+          </a:xfrm>
+          <a:prstGeom prst="rect">
+            <a:avLst/>
+          </a:prstGeom>
+          <a:solidFill>
+            <a:schemeClr val="bg1">
+              <a:alpha val="75000"/>
+            </a:schemeClr>
+          </a:solidFill>
+          <a:ln>
+            <a:noFill/>
+          </a:ln>
+        </p:spPr>
+        <p:style>
+          <a:lnRef idx="2">
+            <a:schemeClr val="accent1">
+              <a:shade val="50000"/>
+            </a:schemeClr>
+          </a:lnRef>
+          <a:fillRef idx="1">
+            <a:schemeClr val="accent1"/>
+          </a:fillRef>
+          <a:effectRef idx="0">
+            <a:schemeClr val="accent1"/>
+          </a:effectRef>
+          <a:fontRef idx="minor">
+            <a:schemeClr val="lt1"/>
+          </a:fontRef>
+        </p:style>
+        <p:txBody>
+          <a:bodyPr rtlCol="0" anchor="ctr"/>
+          <a:lstStyle/>
+          <a:p>
+            <a:pPr algn="ctr"/>
+            <a:endParaRPr lang="sv-SE"/>
+          </a:p>
+        </p:txBody>
+      </p:sp>
+      <p:grpSp>
+        <p:nvGrpSpPr>
+          <p:cNvPr id="34" name="Group 33"/>
+          <p:cNvGrpSpPr/>
+          <p:nvPr/>
+        </p:nvGrpSpPr>
+        <p:grpSpPr>
+          <a:xfrm>
+            <a:off x="4212647" y="2238899"/>
+            <a:ext cx="6831314" cy="1152500"/>
+            <a:chOff x="4213703" y="2241027"/>
+            <a:chExt cx="6831314" cy="1152500"/>
+          </a:xfrm>
+          <a:solidFill>
+            <a:schemeClr val="accent1"/>
+          </a:solidFill>
+        </p:grpSpPr>
+        <p:grpSp>
+          <p:nvGrpSpPr>
+            <p:cNvPr id="53" name="Group 52"/>
+            <p:cNvGrpSpPr/>
+            <p:nvPr/>
+          </p:nvGrpSpPr>
+          <p:grpSpPr>
+            <a:xfrm>
+              <a:off x="4620146" y="2387077"/>
+              <a:ext cx="5870241" cy="822661"/>
+              <a:chOff x="1217380" y="2432828"/>
+              <a:chExt cx="14736343" cy="822661"/>
+            </a:xfrm>
+            <a:grpFill/>
+          </p:grpSpPr>
+          <p:cxnSp>
+            <p:nvCxnSpPr>
+              <p:cNvPr id="54" name="Curved Connector 53"/>
+              <p:cNvCxnSpPr/>
+              <p:nvPr/>
+            </p:nvCxnSpPr>
+            <p:spPr>
+              <a:xfrm flipV="1">
+                <a:off x="6231248" y="2437009"/>
+                <a:ext cx="1038735" cy="818298"/>
+              </a:xfrm>
+              <a:prstGeom prst="curvedConnector3">
+                <a:avLst/>
+              </a:prstGeom>
+              <a:grpFill/>
+              <a:ln w="50800" cap="rnd">
+                <a:solidFill>
+                  <a:schemeClr val="accent1">
+                    <a:lumMod val="50000"/>
+                  </a:schemeClr>
+                </a:solidFill>
+              </a:ln>
+            </p:spPr>
+            <p:style>
+              <a:lnRef idx="1">
+                <a:schemeClr val="accent1"/>
+              </a:lnRef>
+              <a:fillRef idx="0">
+                <a:schemeClr val="accent1"/>
+              </a:fillRef>
+              <a:effectRef idx="0">
+                <a:schemeClr val="accent1"/>
+              </a:effectRef>
+              <a:fontRef idx="minor">
+                <a:schemeClr val="tx1"/>
+              </a:fontRef>
+            </p:style>
+          </p:cxnSp>
+          <p:cxnSp>
+            <p:nvCxnSpPr>
+              <p:cNvPr id="55" name="Straight Connector 54"/>
+              <p:cNvCxnSpPr/>
+              <p:nvPr/>
+            </p:nvCxnSpPr>
+            <p:spPr>
+              <a:xfrm>
+                <a:off x="7357059" y="2432828"/>
+                <a:ext cx="8596664" cy="0"/>
+              </a:xfrm>
+              <a:prstGeom prst="line">
+                <a:avLst/>
+              </a:prstGeom>
+              <a:grpFill/>
+              <a:ln w="50800" cap="rnd">
+                <a:solidFill>
+                  <a:schemeClr val="accent1">
+                    <a:lumMod val="50000"/>
+                  </a:schemeClr>
+                </a:solidFill>
+              </a:ln>
+            </p:spPr>
+            <p:style>
+              <a:lnRef idx="1">
+                <a:schemeClr val="accent1"/>
+              </a:lnRef>
+              <a:fillRef idx="0">
+                <a:schemeClr val="accent1"/>
+              </a:fillRef>
+              <a:effectRef idx="0">
+                <a:schemeClr val="accent1"/>
+              </a:effectRef>
+              <a:fontRef idx="minor">
+                <a:schemeClr val="tx1"/>
+              </a:fontRef>
+            </p:style>
+          </p:cxnSp>
+          <p:cxnSp>
+            <p:nvCxnSpPr>
+              <p:cNvPr id="56" name="Straight Connector 55"/>
+              <p:cNvCxnSpPr/>
+              <p:nvPr/>
+            </p:nvCxnSpPr>
+            <p:spPr>
+              <a:xfrm>
+                <a:off x="1217380" y="3248426"/>
+                <a:ext cx="5006167" cy="7063"/>
+              </a:xfrm>
+              <a:prstGeom prst="line">
+                <a:avLst/>
+              </a:prstGeom>
+              <a:grpFill/>
+              <a:ln w="50800" cap="rnd">
+                <a:solidFill>
+                  <a:schemeClr val="accent1">
+                    <a:lumMod val="50000"/>
+                  </a:schemeClr>
+                </a:solidFill>
+              </a:ln>
+            </p:spPr>
+            <p:style>
+              <a:lnRef idx="1">
+                <a:schemeClr val="accent1"/>
+              </a:lnRef>
+              <a:fillRef idx="0">
+                <a:schemeClr val="accent1"/>
+              </a:fillRef>
+              <a:effectRef idx="0">
+                <a:schemeClr val="accent1"/>
+              </a:effectRef>
+              <a:fontRef idx="minor">
+                <a:schemeClr val="tx1"/>
+              </a:fontRef>
+            </p:style>
+          </p:cxnSp>
+        </p:grpSp>
+        <p:grpSp>
+          <p:nvGrpSpPr>
+            <p:cNvPr id="60" name="Group 59"/>
+            <p:cNvGrpSpPr/>
+            <p:nvPr/>
+          </p:nvGrpSpPr>
+          <p:grpSpPr>
+            <a:xfrm>
+              <a:off x="4213703" y="3011822"/>
+              <a:ext cx="557419" cy="381705"/>
+              <a:chOff x="4875433" y="2174458"/>
+              <a:chExt cx="697076" cy="477338"/>
+            </a:xfrm>
+            <a:grpFill/>
+          </p:grpSpPr>
+          <p:sp>
+            <p:nvSpPr>
+              <p:cNvPr id="61" name="Rectangle 60"/>
+              <p:cNvSpPr/>
+              <p:nvPr/>
+            </p:nvSpPr>
+            <p:spPr>
+              <a:xfrm>
+                <a:off x="4875433" y="2174458"/>
+                <a:ext cx="697076" cy="477338"/>
+              </a:xfrm>
+              <a:prstGeom prst="rect">
+                <a:avLst/>
+              </a:prstGeom>
+              <a:grpFill/>
+              <a:ln w="50800">
+                <a:solidFill>
+                  <a:schemeClr val="accent1">
+                    <a:lumMod val="50000"/>
+                  </a:schemeClr>
+                </a:solidFill>
+              </a:ln>
+            </p:spPr>
+            <p:style>
+              <a:lnRef idx="2">
+                <a:schemeClr val="accent1">
+                  <a:shade val="50000"/>
+                </a:schemeClr>
+              </a:lnRef>
+              <a:fillRef idx="1">
+                <a:schemeClr val="accent1"/>
+              </a:fillRef>
+              <a:effectRef idx="0">
+                <a:schemeClr val="accent1"/>
+              </a:effectRef>
+              <a:fontRef idx="minor">
+                <a:schemeClr val="lt1"/>
+              </a:fontRef>
+            </p:style>
+            <p:txBody>
+              <a:bodyPr rtlCol="0" anchor="ctr"/>
+              <a:lstStyle/>
+              <a:p>
+                <a:pPr algn="ctr"/>
+                <a:endParaRPr lang="sv-SE"/>
+              </a:p>
+            </p:txBody>
+          </p:sp>
+          <p:sp>
+            <p:nvSpPr>
+              <p:cNvPr id="62" name="Isosceles Triangle 61"/>
+              <p:cNvSpPr/>
+              <p:nvPr/>
+            </p:nvSpPr>
+            <p:spPr>
+              <a:xfrm rot="10800000">
+                <a:off x="4941114" y="2174458"/>
+                <a:ext cx="569677" cy="282168"/>
+              </a:xfrm>
+              <a:prstGeom prst="triangle">
+                <a:avLst/>
+              </a:prstGeom>
+              <a:grpFill/>
+              <a:ln w="50800" cap="rnd">
+                <a:solidFill>
+                  <a:schemeClr val="accent1">
+                    <a:lumMod val="50000"/>
+                  </a:schemeClr>
+                </a:solidFill>
+              </a:ln>
+            </p:spPr>
+            <p:style>
+              <a:lnRef idx="2">
+                <a:schemeClr val="accent1">
+                  <a:shade val="50000"/>
+                </a:schemeClr>
+              </a:lnRef>
+              <a:fillRef idx="1">
+                <a:schemeClr val="accent1"/>
+              </a:fillRef>
+              <a:effectRef idx="0">
+                <a:schemeClr val="accent1"/>
+              </a:effectRef>
+              <a:fontRef idx="minor">
+                <a:schemeClr val="lt1"/>
+              </a:fontRef>
+            </p:style>
+            <p:txBody>
+              <a:bodyPr rtlCol="0" anchor="ctr"/>
+              <a:lstStyle/>
+              <a:p>
+                <a:pPr algn="ctr"/>
+                <a:endParaRPr lang="sv-SE"/>
+              </a:p>
+            </p:txBody>
+          </p:sp>
+        </p:grpSp>
+        <p:sp>
+          <p:nvSpPr>
+            <p:cNvPr id="9" name="Oval 8"/>
+            <p:cNvSpPr/>
+            <p:nvPr/>
+          </p:nvSpPr>
+          <p:spPr>
+            <a:xfrm>
+              <a:off x="10466802" y="2241027"/>
+              <a:ext cx="292100" cy="292100"/>
+            </a:xfrm>
+            <a:prstGeom prst="ellipse">
+              <a:avLst/>
+            </a:prstGeom>
+            <a:grpFill/>
+            <a:ln w="50800">
+              <a:solidFill>
+                <a:schemeClr val="accent1">
+                  <a:lumMod val="50000"/>
+                </a:schemeClr>
+              </a:solidFill>
+            </a:ln>
+          </p:spPr>
+          <p:style>
+            <a:lnRef idx="2">
+              <a:schemeClr val="accent1">
+                <a:shade val="50000"/>
+              </a:schemeClr>
+            </a:lnRef>
+            <a:fillRef idx="1">
+              <a:schemeClr val="accent1"/>
+            </a:fillRef>
+            <a:effectRef idx="0">
+              <a:schemeClr val="accent1"/>
+            </a:effectRef>
+            <a:fontRef idx="minor">
+              <a:schemeClr val="lt1"/>
+            </a:fontRef>
+          </p:style>
+          <p:txBody>
+            <a:bodyPr rtlCol="0" anchor="ctr"/>
+            <a:lstStyle/>
+            <a:p>
+              <a:pPr algn="ctr"/>
+              <a:endParaRPr lang="sv-SE"/>
+            </a:p>
+          </p:txBody>
+        </p:sp>
+        <p:sp>
+          <p:nvSpPr>
+            <p:cNvPr id="63" name="Oval 62"/>
+            <p:cNvSpPr/>
+            <p:nvPr/>
+          </p:nvSpPr>
+          <p:spPr>
+            <a:xfrm>
+              <a:off x="10169238" y="2586367"/>
+              <a:ext cx="292100" cy="292100"/>
+            </a:xfrm>
+            <a:prstGeom prst="ellipse">
+              <a:avLst/>
+            </a:prstGeom>
+            <a:grpFill/>
+            <a:ln w="50800">
+              <a:solidFill>
+                <a:schemeClr val="accent1">
+                  <a:lumMod val="50000"/>
+                </a:schemeClr>
+              </a:solidFill>
+            </a:ln>
+          </p:spPr>
+          <p:style>
+            <a:lnRef idx="2">
+              <a:schemeClr val="accent1">
+                <a:shade val="50000"/>
+              </a:schemeClr>
+            </a:lnRef>
+            <a:fillRef idx="1">
+              <a:schemeClr val="accent1"/>
+            </a:fillRef>
+            <a:effectRef idx="0">
+              <a:schemeClr val="accent1"/>
+            </a:effectRef>
+            <a:fontRef idx="minor">
+              <a:schemeClr val="lt1"/>
+            </a:fontRef>
+          </p:style>
+          <p:txBody>
+            <a:bodyPr rtlCol="0" anchor="ctr"/>
+            <a:lstStyle/>
+            <a:p>
+              <a:pPr algn="ctr"/>
+              <a:endParaRPr lang="sv-SE"/>
+            </a:p>
+          </p:txBody>
+        </p:sp>
+        <p:sp>
+          <p:nvSpPr>
+            <p:cNvPr id="65" name="Oval 64"/>
+            <p:cNvSpPr/>
+            <p:nvPr/>
+          </p:nvSpPr>
+          <p:spPr>
+            <a:xfrm>
+              <a:off x="10752917" y="2586367"/>
+              <a:ext cx="292100" cy="292100"/>
+            </a:xfrm>
+            <a:prstGeom prst="ellipse">
+              <a:avLst/>
+            </a:prstGeom>
+            <a:grpFill/>
+            <a:ln w="50800">
+              <a:solidFill>
+                <a:schemeClr val="accent1">
+                  <a:lumMod val="50000"/>
+                </a:schemeClr>
+              </a:solidFill>
+            </a:ln>
+          </p:spPr>
+          <p:style>
+            <a:lnRef idx="2">
+              <a:schemeClr val="accent1">
+                <a:shade val="50000"/>
+              </a:schemeClr>
+            </a:lnRef>
+            <a:fillRef idx="1">
+              <a:schemeClr val="accent1"/>
+            </a:fillRef>
+            <a:effectRef idx="0">
+              <a:schemeClr val="accent1"/>
+            </a:effectRef>
+            <a:fontRef idx="minor">
+              <a:schemeClr val="lt1"/>
+            </a:fontRef>
+          </p:style>
+          <p:txBody>
+            <a:bodyPr rtlCol="0" anchor="ctr"/>
+            <a:lstStyle/>
+            <a:p>
+              <a:pPr algn="ctr"/>
+              <a:endParaRPr lang="sv-SE"/>
+            </a:p>
+          </p:txBody>
+        </p:sp>
+        <p:cxnSp>
+          <p:nvCxnSpPr>
+            <p:cNvPr id="66" name="Straight Connector 65"/>
+            <p:cNvCxnSpPr>
+              <a:stCxn id="63" idx="7"/>
+              <a:endCxn id="9" idx="3"/>
+            </p:cNvCxnSpPr>
+            <p:nvPr/>
+          </p:nvCxnSpPr>
+          <p:spPr>
+            <a:xfrm flipV="1">
+              <a:off x="10418561" y="2490350"/>
+              <a:ext cx="91018" cy="138794"/>
+            </a:xfrm>
+            <a:prstGeom prst="line">
+              <a:avLst/>
+            </a:prstGeom>
+            <a:grpFill/>
+            <a:ln w="50800" cap="rnd">
+              <a:solidFill>
+                <a:schemeClr val="accent1">
+                  <a:lumMod val="50000"/>
+                </a:schemeClr>
+              </a:solidFill>
+            </a:ln>
+          </p:spPr>
+          <p:style>
+            <a:lnRef idx="1">
+              <a:schemeClr val="accent1"/>
+            </a:lnRef>
+            <a:fillRef idx="0">
+              <a:schemeClr val="accent1"/>
+            </a:fillRef>
+            <a:effectRef idx="0">
+              <a:schemeClr val="accent1"/>
+            </a:effectRef>
+            <a:fontRef idx="minor">
+              <a:schemeClr val="tx1"/>
+            </a:fontRef>
+          </p:style>
+        </p:cxnSp>
+        <p:cxnSp>
+          <p:nvCxnSpPr>
+            <p:cNvPr id="67" name="Straight Connector 66"/>
+            <p:cNvCxnSpPr>
+              <a:stCxn id="65" idx="1"/>
+              <a:endCxn id="9" idx="5"/>
+            </p:cNvCxnSpPr>
+            <p:nvPr/>
+          </p:nvCxnSpPr>
+          <p:spPr>
+            <a:xfrm flipH="1" flipV="1">
+              <a:off x="10716125" y="2490350"/>
+              <a:ext cx="79569" cy="138794"/>
+            </a:xfrm>
+            <a:prstGeom prst="line">
+              <a:avLst/>
+            </a:prstGeom>
+            <a:grpFill/>
+            <a:ln w="50800" cap="rnd">
+              <a:solidFill>
+                <a:schemeClr val="accent1">
+                  <a:lumMod val="50000"/>
+                </a:schemeClr>
+              </a:solidFill>
+            </a:ln>
+          </p:spPr>
+          <p:style>
+            <a:lnRef idx="1">
+              <a:schemeClr val="accent1"/>
+            </a:lnRef>
+            <a:fillRef idx="0">
+              <a:schemeClr val="accent1"/>
+            </a:fillRef>
+            <a:effectRef idx="0">
+              <a:schemeClr val="accent1"/>
+            </a:effectRef>
+            <a:fontRef idx="minor">
+              <a:schemeClr val="tx1"/>
+            </a:fontRef>
+          </p:style>
+        </p:cxnSp>
+      </p:grpSp>
+    </p:spTree>
+    <p:extLst>
+      <p:ext uri="{BB962C8B-B14F-4D97-AF65-F5344CB8AC3E}">
+        <p14:creationId xmlns:p14="http://schemas.microsoft.com/office/powerpoint/2010/main" val="2586181663"/>
       </p:ext>
     </p:extLst>
   </p:cSld>
@@ -6024,15 +8220,7 @@
                   <a:schemeClr val="tx1"/>
                 </a:solidFill>
               </a:rPr>
-              <a:t>Components only need to agree on the protocols and contracts of the cluster and can easily be built using any stack or technology</a:t>
-            </a:r>
-            <a:r>
-              <a:rPr lang="sv-SE" sz="1600" dirty="0" smtClean="0">
-                <a:solidFill>
-                  <a:schemeClr val="tx1"/>
-                </a:solidFill>
-              </a:rPr>
-              <a:t>.</a:t>
+              <a:t>Components only need to agree on the protocols and contracts of the cluster and can easily be built using any stack or technology.</a:t>
             </a:r>
           </a:p>
           <a:p>
@@ -10289,11 +12477,6 @@
               </a:rPr>
               <a:t>Partition to State affinity</a:t>
             </a:r>
-            <a:endParaRPr lang="sv-SE" sz="1600" b="1" dirty="0" smtClean="0">
-              <a:solidFill>
-                <a:schemeClr val="tx1"/>
-              </a:solidFill>
-            </a:endParaRPr>
           </a:p>
           <a:p>
             <a:endParaRPr lang="sv-SE" sz="1600" b="1" i="1" dirty="0">
@@ -10326,89 +12509,16 @@
                   <a:schemeClr val="tx1"/>
                 </a:solidFill>
               </a:rPr>
-              <a:t>Once the events are assigned to a specific partition, it’s easy to build a stateful system behind the worker consuming this partition.</a:t>
-            </a:r>
-          </a:p>
-          <a:p>
-            <a:endParaRPr lang="sv-SE" sz="1600" dirty="0">
-              <a:solidFill>
-                <a:schemeClr val="tx1"/>
-              </a:solidFill>
-            </a:endParaRPr>
-          </a:p>
-          <a:p>
+              <a:t>Once the events are assigned to a specific partition, it’s easy to build a stateful system behind the worker consuming this partition</a:t>
+            </a:r>
             <a:r>
               <a:rPr lang="sv-SE" sz="1600" dirty="0" smtClean="0">
                 <a:solidFill>
                   <a:schemeClr val="tx1"/>
                 </a:solidFill>
               </a:rPr>
-              <a:t>This is conceptually the same thing as </a:t>
-            </a:r>
-            <a:br>
-              <a:rPr lang="sv-SE" sz="1600" dirty="0" smtClean="0">
-                <a:solidFill>
-                  <a:schemeClr val="tx1"/>
-                </a:solidFill>
-              </a:rPr>
-            </a:br>
-            <a:r>
-              <a:rPr lang="sv-SE" sz="1600" b="1" dirty="0" smtClean="0">
-                <a:solidFill>
-                  <a:schemeClr val="tx1"/>
-                </a:solidFill>
-              </a:rPr>
-              <a:t>Akka Cluster Sharding</a:t>
-            </a:r>
-            <a:r>
-              <a:rPr lang="sv-SE" sz="1600" b="1" dirty="0">
-                <a:solidFill>
-                  <a:schemeClr val="tx1"/>
-                </a:solidFill>
-              </a:rPr>
-              <a:t> </a:t>
-            </a:r>
-            <a:r>
-              <a:rPr lang="sv-SE" sz="1600" dirty="0" smtClean="0">
-                <a:solidFill>
-                  <a:schemeClr val="tx1"/>
-                </a:solidFill>
-              </a:rPr>
-              <a:t>and similar to </a:t>
-            </a:r>
-            <a:r>
-              <a:rPr lang="sv-SE" sz="1600" b="1" dirty="0" smtClean="0">
-                <a:solidFill>
-                  <a:schemeClr val="tx1"/>
-                </a:solidFill>
-              </a:rPr>
-              <a:t>MsOrleans</a:t>
-            </a:r>
-            <a:r>
-              <a:rPr lang="sv-SE" sz="1600" dirty="0" smtClean="0">
-                <a:solidFill>
-                  <a:schemeClr val="tx1"/>
-                </a:solidFill>
-              </a:rPr>
-              <a:t> in the sense that developers do not need to care where actors are placed.</a:t>
-            </a:r>
-          </a:p>
-          <a:p>
-            <a:r>
-              <a:rPr lang="sv-SE" sz="1600" dirty="0">
-                <a:solidFill>
-                  <a:schemeClr val="tx1"/>
-                </a:solidFill>
-              </a:rPr>
-              <a:t>Although in a more coarse grained way, data islands instead of individual actors.</a:t>
-            </a:r>
-            <a:endParaRPr lang="sv-SE" sz="1600" dirty="0" smtClean="0">
-              <a:solidFill>
-                <a:schemeClr val="tx1"/>
-              </a:solidFill>
-            </a:endParaRPr>
-          </a:p>
-          <a:p>
+              <a:t>.</a:t>
+            </a:r>
             <a:endParaRPr lang="sv-SE" sz="1600" b="1" dirty="0">
               <a:solidFill>
                 <a:schemeClr val="tx1"/>
@@ -10424,6 +12534,44 @@
           </a:p>
         </p:txBody>
       </p:sp>
+      <p:cxnSp>
+        <p:nvCxnSpPr>
+          <p:cNvPr id="75" name="Curved Connector 74"/>
+          <p:cNvCxnSpPr/>
+          <p:nvPr/>
+        </p:nvCxnSpPr>
+        <p:spPr>
+          <a:xfrm rot="5400000" flipH="1" flipV="1">
+            <a:off x="7103200" y="2326897"/>
+            <a:ext cx="319222" cy="969020"/>
+          </a:xfrm>
+          <a:prstGeom prst="curvedConnector2">
+            <a:avLst/>
+          </a:prstGeom>
+          <a:ln w="25400">
+            <a:solidFill>
+              <a:schemeClr val="accent1">
+                <a:lumMod val="75000"/>
+              </a:schemeClr>
+            </a:solidFill>
+            <a:tailEnd type="arrow"/>
+          </a:ln>
+        </p:spPr>
+        <p:style>
+          <a:lnRef idx="1">
+            <a:schemeClr val="accent1"/>
+          </a:lnRef>
+          <a:fillRef idx="0">
+            <a:schemeClr val="accent1"/>
+          </a:fillRef>
+          <a:effectRef idx="0">
+            <a:schemeClr val="accent1"/>
+          </a:effectRef>
+          <a:fontRef idx="minor">
+            <a:schemeClr val="tx1"/>
+          </a:fontRef>
+        </p:style>
+      </p:cxnSp>
       <p:sp>
         <p:nvSpPr>
           <p:cNvPr id="6" name="Rectangle 5"/>
@@ -10440,7 +12588,7 @@
           </a:prstGeom>
           <a:solidFill>
             <a:schemeClr val="bg1">
-              <a:alpha val="82000"/>
+              <a:alpha val="75000"/>
             </a:schemeClr>
           </a:solidFill>
           <a:ln>
@@ -10486,8 +12634,12 @@
           <a:prstGeom prst="roundRect">
             <a:avLst/>
           </a:prstGeom>
-          <a:ln>
-            <a:noFill/>
+          <a:ln w="50800">
+            <a:solidFill>
+              <a:schemeClr val="accent1">
+                <a:lumMod val="50000"/>
+              </a:schemeClr>
+            </a:solidFill>
           </a:ln>
         </p:spPr>
         <p:style>
@@ -10536,9 +12688,11 @@
           <a:solidFill>
             <a:schemeClr val="accent1"/>
           </a:solidFill>
-          <a:ln w="25400">
+          <a:ln w="50800">
             <a:solidFill>
-              <a:schemeClr val="bg1"/>
+              <a:schemeClr val="accent1">
+                <a:lumMod val="50000"/>
+              </a:schemeClr>
             </a:solidFill>
           </a:ln>
         </p:spPr>
@@ -10601,9 +12755,11 @@
           <a:solidFill>
             <a:schemeClr val="accent1"/>
           </a:solidFill>
-          <a:ln w="25400">
+          <a:ln w="50800">
             <a:solidFill>
-              <a:schemeClr val="bg1"/>
+              <a:schemeClr val="accent1">
+                <a:lumMod val="50000"/>
+              </a:schemeClr>
             </a:solidFill>
           </a:ln>
         </p:spPr>
@@ -10664,9 +12820,11 @@
               <a:lumOff val="40000"/>
             </a:schemeClr>
           </a:solidFill>
-          <a:ln w="25400">
+          <a:ln w="50800">
             <a:solidFill>
-              <a:schemeClr val="bg1"/>
+              <a:schemeClr val="accent1">
+                <a:lumMod val="50000"/>
+              </a:schemeClr>
             </a:solidFill>
           </a:ln>
         </p:spPr>
@@ -10707,47 +12865,6 @@
           </a:p>
         </p:txBody>
       </p:sp>
-      <p:cxnSp>
-        <p:nvCxnSpPr>
-          <p:cNvPr id="44" name="Curved Connector 43"/>
-          <p:cNvCxnSpPr>
-            <a:stCxn id="16" idx="7"/>
-            <a:endCxn id="23" idx="2"/>
-          </p:cNvCxnSpPr>
-          <p:nvPr/>
-        </p:nvCxnSpPr>
-        <p:spPr>
-          <a:xfrm rot="5400000" flipH="1" flipV="1">
-            <a:off x="7103200" y="2326897"/>
-            <a:ext cx="319222" cy="969020"/>
-          </a:xfrm>
-          <a:prstGeom prst="curvedConnector2">
-            <a:avLst/>
-          </a:prstGeom>
-          <a:ln w="25400">
-            <a:solidFill>
-              <a:schemeClr val="accent1">
-                <a:lumMod val="75000"/>
-              </a:schemeClr>
-            </a:solidFill>
-            <a:tailEnd type="arrow"/>
-          </a:ln>
-        </p:spPr>
-        <p:style>
-          <a:lnRef idx="1">
-            <a:schemeClr val="accent1"/>
-          </a:lnRef>
-          <a:fillRef idx="0">
-            <a:schemeClr val="accent1"/>
-          </a:fillRef>
-          <a:effectRef idx="0">
-            <a:schemeClr val="accent1"/>
-          </a:effectRef>
-          <a:fontRef idx="minor">
-            <a:schemeClr val="tx1"/>
-          </a:fontRef>
-        </p:style>
-      </p:cxnSp>
       <p:grpSp>
         <p:nvGrpSpPr>
           <p:cNvPr id="36" name="Group 35"/>
@@ -10783,9 +12900,11 @@
               <a:avLst/>
             </a:prstGeom>
             <a:grpFill/>
-            <a:ln w="25400">
+            <a:ln w="50800">
               <a:solidFill>
-                <a:schemeClr val="bg1"/>
+                <a:schemeClr val="accent1">
+                  <a:lumMod val="50000"/>
+                </a:schemeClr>
               </a:solidFill>
             </a:ln>
           </p:spPr>
@@ -10832,9 +12951,11 @@
               <a:avLst/>
             </a:prstGeom>
             <a:grpFill/>
-            <a:ln w="25400">
+            <a:ln w="50800">
               <a:solidFill>
-                <a:schemeClr val="bg1"/>
+                <a:schemeClr val="accent1">
+                  <a:lumMod val="50000"/>
+                </a:schemeClr>
               </a:solidFill>
             </a:ln>
           </p:spPr>
@@ -10887,9 +13008,11 @@
               <a:lumOff val="40000"/>
             </a:schemeClr>
           </a:solidFill>
-          <a:ln w="25400">
+          <a:ln w="50800">
             <a:solidFill>
-              <a:schemeClr val="bg1"/>
+              <a:schemeClr val="accent1">
+                <a:lumMod val="50000"/>
+              </a:schemeClr>
             </a:solidFill>
           </a:ln>
         </p:spPr>
@@ -12125,13 +14248,8 @@
                   <a:schemeClr val="tx1"/>
                 </a:solidFill>
               </a:rPr>
-              <a:t>Summarising</a:t>
-            </a:r>
-            <a:endParaRPr lang="sv-SE" sz="1600" b="1" dirty="0" smtClean="0">
-              <a:solidFill>
-                <a:schemeClr val="tx1"/>
-              </a:solidFill>
-            </a:endParaRPr>
+              <a:t>Partition to State affinity</a:t>
+            </a:r>
           </a:p>
           <a:p>
             <a:endParaRPr lang="sv-SE" sz="1600" b="1" i="1" dirty="0">
@@ -12147,81 +14265,113 @@
                   <a:schemeClr val="tx1"/>
                 </a:solidFill>
               </a:rPr>
-              <a:t>Platform agnostic, can be polyglot</a:t>
-            </a:r>
-          </a:p>
-          <a:p>
+              <a:t>This </a:t>
+            </a:r>
             <a:r>
               <a:rPr lang="sv-SE" sz="1600" dirty="0" smtClean="0">
                 <a:solidFill>
                   <a:schemeClr val="tx1"/>
                 </a:solidFill>
               </a:rPr>
-              <a:t>Message order guarantee</a:t>
-            </a:r>
-          </a:p>
-          <a:p>
-            <a:r>
+              <a:t>is conceptually the same thing as </a:t>
+            </a:r>
+            <a:br>
               <a:rPr lang="sv-SE" sz="1600" dirty="0" smtClean="0">
                 <a:solidFill>
                   <a:schemeClr val="tx1"/>
                 </a:solidFill>
               </a:rPr>
-              <a:t>Message delivery guarantee</a:t>
-            </a:r>
-          </a:p>
-          <a:p>
+            </a:br>
+            <a:r>
+              <a:rPr lang="sv-SE" sz="1600" b="1" dirty="0" smtClean="0">
+                <a:solidFill>
+                  <a:schemeClr val="tx1"/>
+                </a:solidFill>
+              </a:rPr>
+              <a:t>Akka Cluster Sharding</a:t>
+            </a:r>
+            <a:r>
+              <a:rPr lang="sv-SE" sz="1600" b="1" dirty="0">
+                <a:solidFill>
+                  <a:schemeClr val="tx1"/>
+                </a:solidFill>
+              </a:rPr>
+              <a:t> </a:t>
+            </a:r>
             <a:r>
               <a:rPr lang="sv-SE" sz="1600" dirty="0" smtClean="0">
                 <a:solidFill>
                   <a:schemeClr val="tx1"/>
                 </a:solidFill>
               </a:rPr>
-              <a:t>Automatic placement of actors</a:t>
-            </a:r>
-          </a:p>
-          <a:p>
+              <a:t>and similar to </a:t>
+            </a:r>
+            <a:r>
+              <a:rPr lang="sv-SE" sz="1600" b="1" dirty="0" smtClean="0">
+                <a:solidFill>
+                  <a:schemeClr val="tx1"/>
+                </a:solidFill>
+              </a:rPr>
+              <a:t>MsOrleans</a:t>
+            </a:r>
             <a:r>
               <a:rPr lang="sv-SE" sz="1600" dirty="0" smtClean="0">
                 <a:solidFill>
                   <a:schemeClr val="tx1"/>
                 </a:solidFill>
               </a:rPr>
-              <a:t>Extremely high throughput</a:t>
-            </a:r>
-          </a:p>
-          <a:p>
-            <a:r>
-              <a:rPr lang="sv-SE" sz="1600" dirty="0" smtClean="0">
+              <a:t> in the sense that developers do not need to care where actors are placed.</a:t>
+            </a:r>
+          </a:p>
+          <a:p>
+            <a:r>
+              <a:rPr lang="sv-SE" sz="1600" dirty="0">
                 <a:solidFill>
                   <a:schemeClr val="tx1"/>
                 </a:solidFill>
               </a:rPr>
-              <a:t>Low latency</a:t>
-            </a:r>
-          </a:p>
-          <a:p>
-            <a:endParaRPr lang="sv-SE" sz="1600" dirty="0">
-              <a:solidFill>
-                <a:schemeClr val="tx1"/>
-              </a:solidFill>
-            </a:endParaRPr>
-          </a:p>
-          <a:p>
-            <a:endParaRPr lang="sv-SE" sz="1600" dirty="0" smtClean="0">
-              <a:solidFill>
-                <a:schemeClr val="tx1"/>
-              </a:solidFill>
-            </a:endParaRPr>
-          </a:p>
-          <a:p>
-            <a:endParaRPr lang="sv-SE" sz="1600" dirty="0" smtClean="0">
-              <a:solidFill>
-                <a:schemeClr val="tx1"/>
-              </a:solidFill>
-            </a:endParaRPr>
-          </a:p>
-          <a:p>
+              <a:t>Although in a more coarse grained way, </a:t>
+            </a:r>
+            <a:r>
+              <a:rPr lang="sv-SE" sz="1600">
+                <a:solidFill>
+                  <a:schemeClr val="tx1"/>
+                </a:solidFill>
+              </a:rPr>
+              <a:t>data </a:t>
+            </a:r>
+            <a:r>
+              <a:rPr lang="sv-SE" sz="1600" smtClean="0">
+                <a:solidFill>
+                  <a:schemeClr val="tx1"/>
+                </a:solidFill>
+              </a:rPr>
+              <a:t>islands optimizing for data locality </a:t>
+            </a:r>
+            <a:r>
+              <a:rPr lang="sv-SE" sz="1600" dirty="0">
+                <a:solidFill>
+                  <a:schemeClr val="tx1"/>
+                </a:solidFill>
+              </a:rPr>
+              <a:t>instead of individual </a:t>
+            </a:r>
+            <a:r>
+              <a:rPr lang="sv-SE" sz="1600">
+                <a:solidFill>
+                  <a:schemeClr val="tx1"/>
+                </a:solidFill>
+              </a:rPr>
+              <a:t>actors</a:t>
+            </a:r>
+            <a:r>
+              <a:rPr lang="sv-SE" sz="1600" smtClean="0">
+                <a:solidFill>
+                  <a:schemeClr val="tx1"/>
+                </a:solidFill>
+              </a:rPr>
+              <a:t>.</a:t>
+            </a:r>
             <a:endParaRPr lang="sv-SE" sz="1600" b="1" dirty="0">
               <a:solidFill>
                 <a:schemeClr val="tx1"/>
@@ -12234,54 +14384,6 @@
                 <a:schemeClr val="tx1"/>
               </a:solidFill>
             </a:endParaRPr>
-          </a:p>
-        </p:txBody>
-      </p:sp>
-      <p:sp>
-        <p:nvSpPr>
-          <p:cNvPr id="6" name="Rectangle 5"/>
-          <p:cNvSpPr/>
-          <p:nvPr/>
-        </p:nvSpPr>
-        <p:spPr>
-          <a:xfrm>
-            <a:off x="4102575" y="0"/>
-            <a:ext cx="6361682" cy="7026699"/>
-          </a:xfrm>
-          <a:prstGeom prst="rect">
-            <a:avLst/>
-          </a:prstGeom>
-          <a:solidFill>
-            <a:schemeClr val="bg1">
-              <a:alpha val="82000"/>
-            </a:schemeClr>
-          </a:solidFill>
-          <a:ln>
-            <a:noFill/>
-          </a:ln>
-        </p:spPr>
-        <p:style>
-          <a:lnRef idx="2">
-            <a:schemeClr val="accent1">
-              <a:shade val="50000"/>
-            </a:schemeClr>
-          </a:lnRef>
-          <a:fillRef idx="1">
-            <a:schemeClr val="accent1"/>
-          </a:fillRef>
-          <a:effectRef idx="0">
-            <a:schemeClr val="accent1"/>
-          </a:effectRef>
-          <a:fontRef idx="minor">
-            <a:schemeClr val="lt1"/>
-          </a:fontRef>
-        </p:style>
-        <p:txBody>
-          <a:bodyPr rtlCol="0" anchor="ctr"/>
-          <a:lstStyle/>
-          <a:p>
-            <a:pPr algn="ctr"/>
-            <a:endParaRPr lang="sv-SE"/>
           </a:p>
         </p:txBody>
       </p:sp>
@@ -12324,10 +14426,6 @@
           <a:lstStyle/>
           <a:p>
             <a:pPr algn="ctr"/>
-            <a:r>
-              <a:rPr lang="sv-SE" b="1" dirty="0" smtClean="0"/>
-              <a:t>Stateful</a:t>
-            </a:r>
             <a:endParaRPr lang="sv-SE" b="1" dirty="0"/>
           </a:p>
         </p:txBody>
@@ -12520,166 +14618,114 @@
           </a:p>
         </p:txBody>
       </p:sp>
-      <p:cxnSp>
-        <p:nvCxnSpPr>
-          <p:cNvPr id="44" name="Curved Connector 43"/>
-          <p:cNvCxnSpPr>
-            <a:stCxn id="16" idx="7"/>
-            <a:endCxn id="23" idx="2"/>
-          </p:cNvCxnSpPr>
+      <p:sp>
+        <p:nvSpPr>
+          <p:cNvPr id="37" name="Rounded Rectangle 36"/>
+          <p:cNvSpPr/>
           <p:nvPr/>
-        </p:nvCxnSpPr>
+        </p:nvSpPr>
         <p:spPr>
-          <a:xfrm rot="5400000" flipH="1" flipV="1">
-            <a:off x="7103200" y="2326897"/>
-            <a:ext cx="319222" cy="969020"/>
+          <a:xfrm>
+            <a:off x="7011045" y="2327214"/>
+            <a:ext cx="917623" cy="326175"/>
           </a:xfrm>
-          <a:prstGeom prst="curvedConnector2">
+          <a:prstGeom prst="roundRect">
             <a:avLst/>
           </a:prstGeom>
-          <a:ln w="25400">
-            <a:solidFill>
-              <a:schemeClr val="accent1">
-                <a:lumMod val="75000"/>
-              </a:schemeClr>
-            </a:solidFill>
-            <a:tailEnd type="arrow"/>
-          </a:ln>
-        </p:spPr>
-        <p:style>
-          <a:lnRef idx="1">
-            <a:schemeClr val="accent1"/>
-          </a:lnRef>
-          <a:fillRef idx="0">
-            <a:schemeClr val="accent1"/>
-          </a:fillRef>
-          <a:effectRef idx="0">
-            <a:schemeClr val="accent1"/>
-          </a:effectRef>
-          <a:fontRef idx="minor">
-            <a:schemeClr val="tx1"/>
-          </a:fontRef>
-        </p:style>
-      </p:cxnSp>
-      <p:grpSp>
-        <p:nvGrpSpPr>
-          <p:cNvPr id="36" name="Group 35"/>
-          <p:cNvGrpSpPr/>
-          <p:nvPr/>
-        </p:nvGrpSpPr>
-        <p:grpSpPr>
-          <a:xfrm>
-            <a:off x="7011045" y="2327214"/>
-            <a:ext cx="917625" cy="663385"/>
-            <a:chOff x="6971243" y="1178751"/>
-            <a:chExt cx="958411" cy="663385"/>
-          </a:xfrm>
           <a:solidFill>
             <a:schemeClr val="accent2">
               <a:lumMod val="60000"/>
               <a:lumOff val="40000"/>
             </a:schemeClr>
           </a:solidFill>
-        </p:grpSpPr>
-        <p:sp>
-          <p:nvSpPr>
-            <p:cNvPr id="37" name="Rounded Rectangle 36"/>
-            <p:cNvSpPr/>
-            <p:nvPr/>
-          </p:nvSpPr>
-          <p:spPr>
-            <a:xfrm>
-              <a:off x="6971243" y="1178751"/>
-              <a:ext cx="958409" cy="326175"/>
-            </a:xfrm>
-            <a:prstGeom prst="roundRect">
-              <a:avLst/>
-            </a:prstGeom>
-            <a:grpFill/>
-            <a:ln w="25400">
-              <a:solidFill>
-                <a:schemeClr val="bg1"/>
-              </a:solidFill>
-            </a:ln>
-          </p:spPr>
-          <p:style>
-            <a:lnRef idx="2">
-              <a:schemeClr val="accent1">
-                <a:shade val="50000"/>
-              </a:schemeClr>
-            </a:lnRef>
-            <a:fillRef idx="1">
-              <a:schemeClr val="accent1"/>
-            </a:fillRef>
-            <a:effectRef idx="0">
-              <a:schemeClr val="accent1"/>
-            </a:effectRef>
-            <a:fontRef idx="minor">
-              <a:schemeClr val="lt1"/>
-            </a:fontRef>
-          </p:style>
-          <p:txBody>
-            <a:bodyPr rtlCol="0" anchor="ctr"/>
-            <a:lstStyle/>
-            <a:p>
-              <a:r>
-                <a:rPr lang="sv-SE" sz="1200" dirty="0" smtClean="0"/>
-                <a:t>partition</a:t>
-              </a:r>
-              <a:endParaRPr lang="sv-SE" sz="1200" dirty="0"/>
-            </a:p>
-          </p:txBody>
-        </p:sp>
-        <p:sp>
-          <p:nvSpPr>
-            <p:cNvPr id="38" name="Rounded Rectangle 37"/>
-            <p:cNvSpPr/>
-            <p:nvPr/>
-          </p:nvSpPr>
-          <p:spPr>
-            <a:xfrm>
-              <a:off x="6971245" y="1515961"/>
-              <a:ext cx="958409" cy="326175"/>
-            </a:xfrm>
-            <a:prstGeom prst="roundRect">
-              <a:avLst/>
-            </a:prstGeom>
-            <a:grpFill/>
-            <a:ln w="25400">
-              <a:solidFill>
-                <a:schemeClr val="bg1"/>
-              </a:solidFill>
-            </a:ln>
-          </p:spPr>
-          <p:style>
-            <a:lnRef idx="2">
-              <a:schemeClr val="accent1">
-                <a:shade val="50000"/>
-              </a:schemeClr>
-            </a:lnRef>
-            <a:fillRef idx="1">
-              <a:schemeClr val="accent1"/>
-            </a:fillRef>
-            <a:effectRef idx="0">
-              <a:schemeClr val="accent1"/>
-            </a:effectRef>
-            <a:fontRef idx="minor">
-              <a:schemeClr val="lt1"/>
-            </a:fontRef>
-          </p:style>
-          <p:txBody>
-            <a:bodyPr rtlCol="0" anchor="ctr"/>
-            <a:lstStyle/>
-            <a:p>
-              <a:r>
-                <a:rPr lang="sv-SE" sz="1200" dirty="0" smtClean="0"/>
-                <a:t>partition</a:t>
-              </a:r>
-              <a:endParaRPr lang="sv-SE" sz="1200" dirty="0"/>
-            </a:p>
-          </p:txBody>
-        </p:sp>
-      </p:grpSp>
+          <a:ln w="25400">
+            <a:solidFill>
+              <a:schemeClr val="bg1"/>
+            </a:solidFill>
+          </a:ln>
+        </p:spPr>
+        <p:style>
+          <a:lnRef idx="2">
+            <a:schemeClr val="accent1">
+              <a:shade val="50000"/>
+            </a:schemeClr>
+          </a:lnRef>
+          <a:fillRef idx="1">
+            <a:schemeClr val="accent1"/>
+          </a:fillRef>
+          <a:effectRef idx="0">
+            <a:schemeClr val="accent1"/>
+          </a:effectRef>
+          <a:fontRef idx="minor">
+            <a:schemeClr val="lt1"/>
+          </a:fontRef>
+        </p:style>
+        <p:txBody>
+          <a:bodyPr rtlCol="0" anchor="ctr"/>
+          <a:lstStyle/>
+          <a:p>
+            <a:r>
+              <a:rPr lang="sv-SE" sz="1200" dirty="0" smtClean="0"/>
+              <a:t>partition</a:t>
+            </a:r>
+            <a:endParaRPr lang="sv-SE" sz="1200" dirty="0"/>
+          </a:p>
+        </p:txBody>
+      </p:sp>
+      <p:sp>
+        <p:nvSpPr>
+          <p:cNvPr id="38" name="Rounded Rectangle 37"/>
+          <p:cNvSpPr/>
+          <p:nvPr/>
+        </p:nvSpPr>
+        <p:spPr>
+          <a:xfrm>
+            <a:off x="7011047" y="2664424"/>
+            <a:ext cx="917623" cy="326175"/>
+          </a:xfrm>
+          <a:prstGeom prst="roundRect">
+            <a:avLst/>
+          </a:prstGeom>
+          <a:solidFill>
+            <a:schemeClr val="accent2">
+              <a:lumMod val="60000"/>
+              <a:lumOff val="40000"/>
+            </a:schemeClr>
+          </a:solidFill>
+          <a:ln w="25400">
+            <a:solidFill>
+              <a:schemeClr val="bg1"/>
+            </a:solidFill>
+          </a:ln>
+        </p:spPr>
+        <p:style>
+          <a:lnRef idx="2">
+            <a:schemeClr val="accent1">
+              <a:shade val="50000"/>
+            </a:schemeClr>
+          </a:lnRef>
+          <a:fillRef idx="1">
+            <a:schemeClr val="accent1"/>
+          </a:fillRef>
+          <a:effectRef idx="0">
+            <a:schemeClr val="accent1"/>
+          </a:effectRef>
+          <a:fontRef idx="minor">
+            <a:schemeClr val="lt1"/>
+          </a:fontRef>
+        </p:style>
+        <p:txBody>
+          <a:bodyPr rtlCol="0" anchor="ctr"/>
+          <a:lstStyle/>
+          <a:p>
+            <a:r>
+              <a:rPr lang="sv-SE" sz="1200" dirty="0" smtClean="0"/>
+              <a:t>partition</a:t>
+            </a:r>
+            <a:endParaRPr lang="sv-SE" sz="1200" dirty="0"/>
+          </a:p>
+        </p:txBody>
+      </p:sp>
       <p:sp>
         <p:nvSpPr>
           <p:cNvPr id="23" name="Oval 22"/>
@@ -12743,10 +14789,544 @@
           </a:p>
         </p:txBody>
       </p:sp>
+      <p:sp>
+        <p:nvSpPr>
+          <p:cNvPr id="6" name="Rectangle 5"/>
+          <p:cNvSpPr/>
+          <p:nvPr/>
+        </p:nvSpPr>
+        <p:spPr>
+          <a:xfrm>
+            <a:off x="4212646" y="1"/>
+            <a:ext cx="7739867" cy="6858000"/>
+          </a:xfrm>
+          <a:prstGeom prst="rect">
+            <a:avLst/>
+          </a:prstGeom>
+          <a:solidFill>
+            <a:schemeClr val="bg1">
+              <a:alpha val="75000"/>
+            </a:schemeClr>
+          </a:solidFill>
+          <a:ln>
+            <a:noFill/>
+          </a:ln>
+        </p:spPr>
+        <p:style>
+          <a:lnRef idx="2">
+            <a:schemeClr val="accent1">
+              <a:shade val="50000"/>
+            </a:schemeClr>
+          </a:lnRef>
+          <a:fillRef idx="1">
+            <a:schemeClr val="accent1"/>
+          </a:fillRef>
+          <a:effectRef idx="0">
+            <a:schemeClr val="accent1"/>
+          </a:effectRef>
+          <a:fontRef idx="minor">
+            <a:schemeClr val="lt1"/>
+          </a:fontRef>
+        </p:style>
+        <p:txBody>
+          <a:bodyPr rtlCol="0" anchor="ctr"/>
+          <a:lstStyle/>
+          <a:p>
+            <a:pPr algn="ctr"/>
+            <a:endParaRPr lang="sv-SE"/>
+          </a:p>
+        </p:txBody>
+      </p:sp>
+      <p:grpSp>
+        <p:nvGrpSpPr>
+          <p:cNvPr id="34" name="Group 33"/>
+          <p:cNvGrpSpPr/>
+          <p:nvPr/>
+        </p:nvGrpSpPr>
+        <p:grpSpPr>
+          <a:xfrm>
+            <a:off x="4212647" y="2238899"/>
+            <a:ext cx="6831314" cy="1152500"/>
+            <a:chOff x="4213703" y="2241027"/>
+            <a:chExt cx="6831314" cy="1152500"/>
+          </a:xfrm>
+          <a:solidFill>
+            <a:schemeClr val="accent1"/>
+          </a:solidFill>
+        </p:grpSpPr>
+        <p:grpSp>
+          <p:nvGrpSpPr>
+            <p:cNvPr id="53" name="Group 52"/>
+            <p:cNvGrpSpPr/>
+            <p:nvPr/>
+          </p:nvGrpSpPr>
+          <p:grpSpPr>
+            <a:xfrm>
+              <a:off x="4620146" y="2387077"/>
+              <a:ext cx="5870241" cy="822661"/>
+              <a:chOff x="1217380" y="2432828"/>
+              <a:chExt cx="14736343" cy="822661"/>
+            </a:xfrm>
+            <a:grpFill/>
+          </p:grpSpPr>
+          <p:cxnSp>
+            <p:nvCxnSpPr>
+              <p:cNvPr id="54" name="Curved Connector 53"/>
+              <p:cNvCxnSpPr/>
+              <p:nvPr/>
+            </p:nvCxnSpPr>
+            <p:spPr>
+              <a:xfrm flipV="1">
+                <a:off x="6231248" y="2437009"/>
+                <a:ext cx="1038735" cy="818298"/>
+              </a:xfrm>
+              <a:prstGeom prst="curvedConnector3">
+                <a:avLst/>
+              </a:prstGeom>
+              <a:grpFill/>
+              <a:ln w="50800" cap="rnd">
+                <a:solidFill>
+                  <a:schemeClr val="accent1">
+                    <a:lumMod val="50000"/>
+                  </a:schemeClr>
+                </a:solidFill>
+              </a:ln>
+            </p:spPr>
+            <p:style>
+              <a:lnRef idx="1">
+                <a:schemeClr val="accent1"/>
+              </a:lnRef>
+              <a:fillRef idx="0">
+                <a:schemeClr val="accent1"/>
+              </a:fillRef>
+              <a:effectRef idx="0">
+                <a:schemeClr val="accent1"/>
+              </a:effectRef>
+              <a:fontRef idx="minor">
+                <a:schemeClr val="tx1"/>
+              </a:fontRef>
+            </p:style>
+          </p:cxnSp>
+          <p:cxnSp>
+            <p:nvCxnSpPr>
+              <p:cNvPr id="55" name="Straight Connector 54"/>
+              <p:cNvCxnSpPr/>
+              <p:nvPr/>
+            </p:nvCxnSpPr>
+            <p:spPr>
+              <a:xfrm>
+                <a:off x="7357059" y="2432828"/>
+                <a:ext cx="8596664" cy="0"/>
+              </a:xfrm>
+              <a:prstGeom prst="line">
+                <a:avLst/>
+              </a:prstGeom>
+              <a:grpFill/>
+              <a:ln w="50800" cap="rnd">
+                <a:solidFill>
+                  <a:schemeClr val="accent1">
+                    <a:lumMod val="50000"/>
+                  </a:schemeClr>
+                </a:solidFill>
+              </a:ln>
+            </p:spPr>
+            <p:style>
+              <a:lnRef idx="1">
+                <a:schemeClr val="accent1"/>
+              </a:lnRef>
+              <a:fillRef idx="0">
+                <a:schemeClr val="accent1"/>
+              </a:fillRef>
+              <a:effectRef idx="0">
+                <a:schemeClr val="accent1"/>
+              </a:effectRef>
+              <a:fontRef idx="minor">
+                <a:schemeClr val="tx1"/>
+              </a:fontRef>
+            </p:style>
+          </p:cxnSp>
+          <p:cxnSp>
+            <p:nvCxnSpPr>
+              <p:cNvPr id="56" name="Straight Connector 55"/>
+              <p:cNvCxnSpPr/>
+              <p:nvPr/>
+            </p:nvCxnSpPr>
+            <p:spPr>
+              <a:xfrm>
+                <a:off x="1217380" y="3248426"/>
+                <a:ext cx="5006167" cy="7063"/>
+              </a:xfrm>
+              <a:prstGeom prst="line">
+                <a:avLst/>
+              </a:prstGeom>
+              <a:grpFill/>
+              <a:ln w="50800" cap="rnd">
+                <a:solidFill>
+                  <a:schemeClr val="accent1">
+                    <a:lumMod val="50000"/>
+                  </a:schemeClr>
+                </a:solidFill>
+              </a:ln>
+            </p:spPr>
+            <p:style>
+              <a:lnRef idx="1">
+                <a:schemeClr val="accent1"/>
+              </a:lnRef>
+              <a:fillRef idx="0">
+                <a:schemeClr val="accent1"/>
+              </a:fillRef>
+              <a:effectRef idx="0">
+                <a:schemeClr val="accent1"/>
+              </a:effectRef>
+              <a:fontRef idx="minor">
+                <a:schemeClr val="tx1"/>
+              </a:fontRef>
+            </p:style>
+          </p:cxnSp>
+        </p:grpSp>
+        <p:grpSp>
+          <p:nvGrpSpPr>
+            <p:cNvPr id="60" name="Group 59"/>
+            <p:cNvGrpSpPr/>
+            <p:nvPr/>
+          </p:nvGrpSpPr>
+          <p:grpSpPr>
+            <a:xfrm>
+              <a:off x="4213703" y="3011822"/>
+              <a:ext cx="557419" cy="381705"/>
+              <a:chOff x="4875433" y="2174458"/>
+              <a:chExt cx="697076" cy="477338"/>
+            </a:xfrm>
+            <a:grpFill/>
+          </p:grpSpPr>
+          <p:sp>
+            <p:nvSpPr>
+              <p:cNvPr id="61" name="Rectangle 60"/>
+              <p:cNvSpPr/>
+              <p:nvPr/>
+            </p:nvSpPr>
+            <p:spPr>
+              <a:xfrm>
+                <a:off x="4875433" y="2174458"/>
+                <a:ext cx="697076" cy="477338"/>
+              </a:xfrm>
+              <a:prstGeom prst="rect">
+                <a:avLst/>
+              </a:prstGeom>
+              <a:grpFill/>
+              <a:ln w="50800">
+                <a:solidFill>
+                  <a:schemeClr val="accent1">
+                    <a:lumMod val="50000"/>
+                  </a:schemeClr>
+                </a:solidFill>
+              </a:ln>
+            </p:spPr>
+            <p:style>
+              <a:lnRef idx="2">
+                <a:schemeClr val="accent1">
+                  <a:shade val="50000"/>
+                </a:schemeClr>
+              </a:lnRef>
+              <a:fillRef idx="1">
+                <a:schemeClr val="accent1"/>
+              </a:fillRef>
+              <a:effectRef idx="0">
+                <a:schemeClr val="accent1"/>
+              </a:effectRef>
+              <a:fontRef idx="minor">
+                <a:schemeClr val="lt1"/>
+              </a:fontRef>
+            </p:style>
+            <p:txBody>
+              <a:bodyPr rtlCol="0" anchor="ctr"/>
+              <a:lstStyle/>
+              <a:p>
+                <a:pPr algn="ctr"/>
+                <a:endParaRPr lang="sv-SE"/>
+              </a:p>
+            </p:txBody>
+          </p:sp>
+          <p:sp>
+            <p:nvSpPr>
+              <p:cNvPr id="62" name="Isosceles Triangle 61"/>
+              <p:cNvSpPr/>
+              <p:nvPr/>
+            </p:nvSpPr>
+            <p:spPr>
+              <a:xfrm rot="10800000">
+                <a:off x="4941114" y="2174458"/>
+                <a:ext cx="569677" cy="282168"/>
+              </a:xfrm>
+              <a:prstGeom prst="triangle">
+                <a:avLst/>
+              </a:prstGeom>
+              <a:grpFill/>
+              <a:ln w="50800" cap="rnd">
+                <a:solidFill>
+                  <a:schemeClr val="accent1">
+                    <a:lumMod val="50000"/>
+                  </a:schemeClr>
+                </a:solidFill>
+              </a:ln>
+            </p:spPr>
+            <p:style>
+              <a:lnRef idx="2">
+                <a:schemeClr val="accent1">
+                  <a:shade val="50000"/>
+                </a:schemeClr>
+              </a:lnRef>
+              <a:fillRef idx="1">
+                <a:schemeClr val="accent1"/>
+              </a:fillRef>
+              <a:effectRef idx="0">
+                <a:schemeClr val="accent1"/>
+              </a:effectRef>
+              <a:fontRef idx="minor">
+                <a:schemeClr val="lt1"/>
+              </a:fontRef>
+            </p:style>
+            <p:txBody>
+              <a:bodyPr rtlCol="0" anchor="ctr"/>
+              <a:lstStyle/>
+              <a:p>
+                <a:pPr algn="ctr"/>
+                <a:endParaRPr lang="sv-SE"/>
+              </a:p>
+            </p:txBody>
+          </p:sp>
+        </p:grpSp>
+        <p:sp>
+          <p:nvSpPr>
+            <p:cNvPr id="9" name="Oval 8"/>
+            <p:cNvSpPr/>
+            <p:nvPr/>
+          </p:nvSpPr>
+          <p:spPr>
+            <a:xfrm>
+              <a:off x="10466802" y="2241027"/>
+              <a:ext cx="292100" cy="292100"/>
+            </a:xfrm>
+            <a:prstGeom prst="ellipse">
+              <a:avLst/>
+            </a:prstGeom>
+            <a:grpFill/>
+            <a:ln w="50800">
+              <a:solidFill>
+                <a:schemeClr val="accent1">
+                  <a:lumMod val="50000"/>
+                </a:schemeClr>
+              </a:solidFill>
+            </a:ln>
+          </p:spPr>
+          <p:style>
+            <a:lnRef idx="2">
+              <a:schemeClr val="accent1">
+                <a:shade val="50000"/>
+              </a:schemeClr>
+            </a:lnRef>
+            <a:fillRef idx="1">
+              <a:schemeClr val="accent1"/>
+            </a:fillRef>
+            <a:effectRef idx="0">
+              <a:schemeClr val="accent1"/>
+            </a:effectRef>
+            <a:fontRef idx="minor">
+              <a:schemeClr val="lt1"/>
+            </a:fontRef>
+          </p:style>
+          <p:txBody>
+            <a:bodyPr rtlCol="0" anchor="ctr"/>
+            <a:lstStyle/>
+            <a:p>
+              <a:pPr algn="ctr"/>
+              <a:endParaRPr lang="sv-SE"/>
+            </a:p>
+          </p:txBody>
+        </p:sp>
+        <p:sp>
+          <p:nvSpPr>
+            <p:cNvPr id="63" name="Oval 62"/>
+            <p:cNvSpPr/>
+            <p:nvPr/>
+          </p:nvSpPr>
+          <p:spPr>
+            <a:xfrm>
+              <a:off x="10169238" y="2586367"/>
+              <a:ext cx="292100" cy="292100"/>
+            </a:xfrm>
+            <a:prstGeom prst="ellipse">
+              <a:avLst/>
+            </a:prstGeom>
+            <a:grpFill/>
+            <a:ln w="50800">
+              <a:solidFill>
+                <a:schemeClr val="accent1">
+                  <a:lumMod val="50000"/>
+                </a:schemeClr>
+              </a:solidFill>
+            </a:ln>
+          </p:spPr>
+          <p:style>
+            <a:lnRef idx="2">
+              <a:schemeClr val="accent1">
+                <a:shade val="50000"/>
+              </a:schemeClr>
+            </a:lnRef>
+            <a:fillRef idx="1">
+              <a:schemeClr val="accent1"/>
+            </a:fillRef>
+            <a:effectRef idx="0">
+              <a:schemeClr val="accent1"/>
+            </a:effectRef>
+            <a:fontRef idx="minor">
+              <a:schemeClr val="lt1"/>
+            </a:fontRef>
+          </p:style>
+          <p:txBody>
+            <a:bodyPr rtlCol="0" anchor="ctr"/>
+            <a:lstStyle/>
+            <a:p>
+              <a:pPr algn="ctr"/>
+              <a:endParaRPr lang="sv-SE"/>
+            </a:p>
+          </p:txBody>
+        </p:sp>
+        <p:sp>
+          <p:nvSpPr>
+            <p:cNvPr id="65" name="Oval 64"/>
+            <p:cNvSpPr/>
+            <p:nvPr/>
+          </p:nvSpPr>
+          <p:spPr>
+            <a:xfrm>
+              <a:off x="10752917" y="2586367"/>
+              <a:ext cx="292100" cy="292100"/>
+            </a:xfrm>
+            <a:prstGeom prst="ellipse">
+              <a:avLst/>
+            </a:prstGeom>
+            <a:grpFill/>
+            <a:ln w="50800">
+              <a:solidFill>
+                <a:schemeClr val="accent1">
+                  <a:lumMod val="50000"/>
+                </a:schemeClr>
+              </a:solidFill>
+            </a:ln>
+          </p:spPr>
+          <p:style>
+            <a:lnRef idx="2">
+              <a:schemeClr val="accent1">
+                <a:shade val="50000"/>
+              </a:schemeClr>
+            </a:lnRef>
+            <a:fillRef idx="1">
+              <a:schemeClr val="accent1"/>
+            </a:fillRef>
+            <a:effectRef idx="0">
+              <a:schemeClr val="accent1"/>
+            </a:effectRef>
+            <a:fontRef idx="minor">
+              <a:schemeClr val="lt1"/>
+            </a:fontRef>
+          </p:style>
+          <p:txBody>
+            <a:bodyPr rtlCol="0" anchor="ctr"/>
+            <a:lstStyle/>
+            <a:p>
+              <a:pPr algn="ctr"/>
+              <a:endParaRPr lang="sv-SE"/>
+            </a:p>
+          </p:txBody>
+        </p:sp>
+        <p:cxnSp>
+          <p:nvCxnSpPr>
+            <p:cNvPr id="66" name="Straight Connector 65"/>
+            <p:cNvCxnSpPr>
+              <a:stCxn id="63" idx="7"/>
+              <a:endCxn id="9" idx="3"/>
+            </p:cNvCxnSpPr>
+            <p:nvPr/>
+          </p:nvCxnSpPr>
+          <p:spPr>
+            <a:xfrm flipV="1">
+              <a:off x="10418561" y="2490350"/>
+              <a:ext cx="91018" cy="138794"/>
+            </a:xfrm>
+            <a:prstGeom prst="line">
+              <a:avLst/>
+            </a:prstGeom>
+            <a:grpFill/>
+            <a:ln w="50800" cap="rnd">
+              <a:solidFill>
+                <a:schemeClr val="accent1">
+                  <a:lumMod val="50000"/>
+                </a:schemeClr>
+              </a:solidFill>
+            </a:ln>
+          </p:spPr>
+          <p:style>
+            <a:lnRef idx="1">
+              <a:schemeClr val="accent1"/>
+            </a:lnRef>
+            <a:fillRef idx="0">
+              <a:schemeClr val="accent1"/>
+            </a:fillRef>
+            <a:effectRef idx="0">
+              <a:schemeClr val="accent1"/>
+            </a:effectRef>
+            <a:fontRef idx="minor">
+              <a:schemeClr val="tx1"/>
+            </a:fontRef>
+          </p:style>
+        </p:cxnSp>
+        <p:cxnSp>
+          <p:nvCxnSpPr>
+            <p:cNvPr id="67" name="Straight Connector 66"/>
+            <p:cNvCxnSpPr>
+              <a:stCxn id="65" idx="1"/>
+              <a:endCxn id="9" idx="5"/>
+            </p:cNvCxnSpPr>
+            <p:nvPr/>
+          </p:nvCxnSpPr>
+          <p:spPr>
+            <a:xfrm flipH="1" flipV="1">
+              <a:off x="10716125" y="2490350"/>
+              <a:ext cx="79569" cy="138794"/>
+            </a:xfrm>
+            <a:prstGeom prst="line">
+              <a:avLst/>
+            </a:prstGeom>
+            <a:grpFill/>
+            <a:ln w="50800" cap="rnd">
+              <a:solidFill>
+                <a:schemeClr val="accent1">
+                  <a:lumMod val="50000"/>
+                </a:schemeClr>
+              </a:solidFill>
+            </a:ln>
+          </p:spPr>
+          <p:style>
+            <a:lnRef idx="1">
+              <a:schemeClr val="accent1"/>
+            </a:lnRef>
+            <a:fillRef idx="0">
+              <a:schemeClr val="accent1"/>
+            </a:fillRef>
+            <a:effectRef idx="0">
+              <a:schemeClr val="accent1"/>
+            </a:effectRef>
+            <a:fontRef idx="minor">
+              <a:schemeClr val="tx1"/>
+            </a:fontRef>
+          </p:style>
+        </p:cxnSp>
+      </p:grpSp>
     </p:spTree>
     <p:extLst>
       <p:ext uri="{BB962C8B-B14F-4D97-AF65-F5344CB8AC3E}">
-        <p14:creationId xmlns:p14="http://schemas.microsoft.com/office/powerpoint/2010/main" val="1337309857"/>
+        <p14:creationId xmlns:p14="http://schemas.microsoft.com/office/powerpoint/2010/main" val="3613053573"/>
       </p:ext>
     </p:extLst>
   </p:cSld>

--- a/ClusterSoftware/cluster.pptx
+++ b/ClusterSoftware/cluster.pptx
@@ -14,7 +14,9 @@
     <p:sldId id="259" r:id="rId8"/>
     <p:sldId id="263" r:id="rId9"/>
     <p:sldId id="265" r:id="rId10"/>
-    <p:sldId id="266" r:id="rId11"/>
+    <p:sldId id="268" r:id="rId11"/>
+    <p:sldId id="266" r:id="rId12"/>
+    <p:sldId id="267" r:id="rId13"/>
   </p:sldIdLst>
   <p:sldSz cx="12192000" cy="6858000"/>
   <p:notesSz cx="6858000" cy="9144000"/>
@@ -252,7 +254,7 @@
           <a:p>
             <a:fld id="{41349802-C406-439E-BB08-4E127FE88810}" type="datetimeFigureOut">
               <a:rPr lang="sv-SE" smtClean="0"/>
-              <a:t>2016-11-05</a:t>
+              <a:t>2016-11-06</a:t>
             </a:fld>
             <a:endParaRPr lang="sv-SE"/>
           </a:p>
@@ -422,7 +424,7 @@
           <a:p>
             <a:fld id="{41349802-C406-439E-BB08-4E127FE88810}" type="datetimeFigureOut">
               <a:rPr lang="sv-SE" smtClean="0"/>
-              <a:t>2016-11-05</a:t>
+              <a:t>2016-11-06</a:t>
             </a:fld>
             <a:endParaRPr lang="sv-SE"/>
           </a:p>
@@ -602,7 +604,7 @@
           <a:p>
             <a:fld id="{41349802-C406-439E-BB08-4E127FE88810}" type="datetimeFigureOut">
               <a:rPr lang="sv-SE" smtClean="0"/>
-              <a:t>2016-11-05</a:t>
+              <a:t>2016-11-06</a:t>
             </a:fld>
             <a:endParaRPr lang="sv-SE"/>
           </a:p>
@@ -772,7 +774,7 @@
           <a:p>
             <a:fld id="{41349802-C406-439E-BB08-4E127FE88810}" type="datetimeFigureOut">
               <a:rPr lang="sv-SE" smtClean="0"/>
-              <a:t>2016-11-05</a:t>
+              <a:t>2016-11-06</a:t>
             </a:fld>
             <a:endParaRPr lang="sv-SE"/>
           </a:p>
@@ -1018,7 +1020,7 @@
           <a:p>
             <a:fld id="{41349802-C406-439E-BB08-4E127FE88810}" type="datetimeFigureOut">
               <a:rPr lang="sv-SE" smtClean="0"/>
-              <a:t>2016-11-05</a:t>
+              <a:t>2016-11-06</a:t>
             </a:fld>
             <a:endParaRPr lang="sv-SE"/>
           </a:p>
@@ -1250,7 +1252,7 @@
           <a:p>
             <a:fld id="{41349802-C406-439E-BB08-4E127FE88810}" type="datetimeFigureOut">
               <a:rPr lang="sv-SE" smtClean="0"/>
-              <a:t>2016-11-05</a:t>
+              <a:t>2016-11-06</a:t>
             </a:fld>
             <a:endParaRPr lang="sv-SE"/>
           </a:p>
@@ -1617,7 +1619,7 @@
           <a:p>
             <a:fld id="{41349802-C406-439E-BB08-4E127FE88810}" type="datetimeFigureOut">
               <a:rPr lang="sv-SE" smtClean="0"/>
-              <a:t>2016-11-05</a:t>
+              <a:t>2016-11-06</a:t>
             </a:fld>
             <a:endParaRPr lang="sv-SE"/>
           </a:p>
@@ -1735,7 +1737,7 @@
           <a:p>
             <a:fld id="{41349802-C406-439E-BB08-4E127FE88810}" type="datetimeFigureOut">
               <a:rPr lang="sv-SE" smtClean="0"/>
-              <a:t>2016-11-05</a:t>
+              <a:t>2016-11-06</a:t>
             </a:fld>
             <a:endParaRPr lang="sv-SE"/>
           </a:p>
@@ -1830,7 +1832,7 @@
           <a:p>
             <a:fld id="{41349802-C406-439E-BB08-4E127FE88810}" type="datetimeFigureOut">
               <a:rPr lang="sv-SE" smtClean="0"/>
-              <a:t>2016-11-05</a:t>
+              <a:t>2016-11-06</a:t>
             </a:fld>
             <a:endParaRPr lang="sv-SE"/>
           </a:p>
@@ -2107,7 +2109,7 @@
           <a:p>
             <a:fld id="{41349802-C406-439E-BB08-4E127FE88810}" type="datetimeFigureOut">
               <a:rPr lang="sv-SE" smtClean="0"/>
-              <a:t>2016-11-05</a:t>
+              <a:t>2016-11-06</a:t>
             </a:fld>
             <a:endParaRPr lang="sv-SE"/>
           </a:p>
@@ -2360,7 +2362,7 @@
           <a:p>
             <a:fld id="{41349802-C406-439E-BB08-4E127FE88810}" type="datetimeFigureOut">
               <a:rPr lang="sv-SE" smtClean="0"/>
-              <a:t>2016-11-05</a:t>
+              <a:t>2016-11-06</a:t>
             </a:fld>
             <a:endParaRPr lang="sv-SE"/>
           </a:p>
@@ -2573,7 +2575,7 @@
           <a:p>
             <a:fld id="{41349802-C406-439E-BB08-4E127FE88810}" type="datetimeFigureOut">
               <a:rPr lang="sv-SE" smtClean="0"/>
-              <a:t>2016-11-05</a:t>
+              <a:t>2016-11-06</a:t>
             </a:fld>
             <a:endParaRPr lang="sv-SE"/>
           </a:p>
@@ -3040,7 +3042,7 @@
                   <a:schemeClr val="bg1"/>
                 </a:solidFill>
               </a:rPr>
-              <a:t>Building real world fast data applications without the framework lock-in</a:t>
+              <a:t>Building fast data applications without framework lock-in</a:t>
             </a:r>
             <a:endParaRPr lang="sv-SE" dirty="0">
               <a:solidFill>
@@ -4240,13 +4242,18 @@
           <a:lstStyle/>
           <a:p>
             <a:r>
-              <a:rPr lang="sv-SE" sz="1600" b="1" dirty="0">
+              <a:rPr lang="sv-SE" sz="1600" b="1" dirty="0" smtClean="0">
                 <a:solidFill>
                   <a:schemeClr val="tx1"/>
                 </a:solidFill>
               </a:rPr>
-              <a:t>Summarising</a:t>
+              <a:t>Chose your own abstraction</a:t>
             </a:r>
+            <a:endParaRPr lang="sv-SE" sz="1600" b="1" dirty="0" smtClean="0">
+              <a:solidFill>
+                <a:schemeClr val="tx1"/>
+              </a:solidFill>
+            </a:endParaRPr>
           </a:p>
           <a:p>
             <a:endParaRPr lang="sv-SE" sz="1600" b="1" i="1" dirty="0">
@@ -4257,63 +4264,30 @@
           </a:p>
           <a:p>
             <a:r>
-              <a:rPr lang="sv-SE" sz="1600" dirty="0">
+              <a:rPr lang="sv-SE" sz="1600" dirty="0" smtClean="0">
                 <a:solidFill>
                   <a:schemeClr val="tx1"/>
                 </a:solidFill>
               </a:rPr>
-              <a:t>Platform agnostic, can be polyglot</a:t>
+              <a:t>Unlike opinionated, prepackaged frameworks, you are now free to chose your own abstractions.</a:t>
             </a:r>
           </a:p>
           <a:p>
             <a:r>
-              <a:rPr lang="sv-SE" sz="1600" dirty="0">
+              <a:rPr lang="sv-SE" sz="1600" dirty="0" smtClean="0">
                 <a:solidFill>
                   <a:schemeClr val="tx1"/>
                 </a:solidFill>
               </a:rPr>
-              <a:t>Message order guarantee</a:t>
+              <a:t>Use Actors, Reactive Extensions, DataFlow, or just simple objects.</a:t>
             </a:r>
           </a:p>
           <a:p>
-            <a:r>
-              <a:rPr lang="sv-SE" sz="1600" dirty="0">
-                <a:solidFill>
-                  <a:schemeClr val="tx1"/>
-                </a:solidFill>
-              </a:rPr>
-              <a:t>Message delivery guarantee</a:t>
-            </a:r>
-          </a:p>
-          <a:p>
-            <a:r>
-              <a:rPr lang="sv-SE" sz="1600" dirty="0">
-                <a:solidFill>
-                  <a:schemeClr val="tx1"/>
-                </a:solidFill>
-              </a:rPr>
-              <a:t>Automatic placement of actors</a:t>
-            </a:r>
-          </a:p>
-          <a:p>
-            <a:r>
-              <a:rPr lang="sv-SE" sz="1600" dirty="0">
-                <a:solidFill>
-                  <a:schemeClr val="tx1"/>
-                </a:solidFill>
-              </a:rPr>
-              <a:t>Extremely high throughput</a:t>
-            </a:r>
-          </a:p>
-          <a:p>
-            <a:r>
-              <a:rPr lang="sv-SE" sz="1600" dirty="0">
-                <a:solidFill>
-                  <a:schemeClr val="tx1"/>
-                </a:solidFill>
-              </a:rPr>
-              <a:t>Low latency</a:t>
-            </a:r>
+            <a:endParaRPr lang="sv-SE" sz="1600" b="1" dirty="0">
+              <a:solidFill>
+                <a:schemeClr val="tx1"/>
+              </a:solidFill>
+            </a:endParaRPr>
           </a:p>
         </p:txBody>
       </p:sp>
@@ -4325,11 +4299,13 @@
         </p:nvSpPr>
         <p:spPr>
           <a:xfrm>
-            <a:off x="9574306" y="2079782"/>
-            <a:ext cx="2102631" cy="1144026"/>
+            <a:off x="8737441" y="2079782"/>
+            <a:ext cx="2939497" cy="1144026"/>
           </a:xfrm>
           <a:prstGeom prst="roundRect">
-            <a:avLst/>
+            <a:avLst>
+              <a:gd name="adj" fmla="val 50000"/>
+            </a:avLst>
           </a:prstGeom>
           <a:ln>
             <a:noFill/>
@@ -4727,8 +4703,8 @@
         </p:nvSpPr>
         <p:spPr>
           <a:xfrm>
-            <a:off x="4212646" y="1"/>
-            <a:ext cx="7739867" cy="6858000"/>
+            <a:off x="4212645" y="1"/>
+            <a:ext cx="7649951" cy="6858000"/>
           </a:xfrm>
           <a:prstGeom prst="rect">
             <a:avLst/>
@@ -5256,7 +5232,3264 @@
     </p:spTree>
     <p:extLst>
       <p:ext uri="{BB962C8B-B14F-4D97-AF65-F5344CB8AC3E}">
+        <p14:creationId xmlns:p14="http://schemas.microsoft.com/office/powerpoint/2010/main" val="2904182869"/>
+      </p:ext>
+    </p:extLst>
+  </p:cSld>
+  <p:clrMapOvr>
+    <a:masterClrMapping/>
+  </p:clrMapOvr>
+  <p:timing>
+    <p:tnLst>
+      <p:par>
+        <p:cTn id="1" dur="indefinite" restart="never" nodeType="tmRoot"/>
+      </p:par>
+    </p:tnLst>
+  </p:timing>
+</p:sld>
+</file>
+
+<file path=ppt/slides/slide11.xml><?xml version="1.0" encoding="utf-8"?>
+<p:sld xmlns:a="http://schemas.openxmlformats.org/drawingml/2006/main" xmlns:r="http://schemas.openxmlformats.org/officeDocument/2006/relationships" xmlns:p="http://schemas.openxmlformats.org/presentationml/2006/main">
+  <p:cSld>
+    <p:spTree>
+      <p:nvGrpSpPr>
+        <p:cNvPr id="1" name=""/>
+        <p:cNvGrpSpPr/>
+        <p:nvPr/>
+      </p:nvGrpSpPr>
+      <p:grpSpPr>
+        <a:xfrm>
+          <a:off x="0" y="0"/>
+          <a:ext cx="0" cy="0"/>
+          <a:chOff x="0" y="0"/>
+          <a:chExt cx="0" cy="0"/>
+        </a:xfrm>
+      </p:grpSpPr>
+      <p:cxnSp>
+        <p:nvCxnSpPr>
+          <p:cNvPr id="19" name="Curved Connector 18"/>
+          <p:cNvCxnSpPr>
+            <a:stCxn id="16" idx="0"/>
+            <a:endCxn id="17" idx="2"/>
+          </p:cNvCxnSpPr>
+          <p:nvPr/>
+        </p:nvCxnSpPr>
+        <p:spPr>
+          <a:xfrm rot="5400000" flipH="1" flipV="1">
+            <a:off x="6347589" y="1431476"/>
+            <a:ext cx="1492917" cy="1306550"/>
+          </a:xfrm>
+          <a:prstGeom prst="curvedConnector2">
+            <a:avLst/>
+          </a:prstGeom>
+          <a:ln w="25400">
+            <a:solidFill>
+              <a:schemeClr val="accent1">
+                <a:lumMod val="75000"/>
+              </a:schemeClr>
+            </a:solidFill>
+            <a:tailEnd type="arrow"/>
+          </a:ln>
+        </p:spPr>
+        <p:style>
+          <a:lnRef idx="1">
+            <a:schemeClr val="accent1"/>
+          </a:lnRef>
+          <a:fillRef idx="0">
+            <a:schemeClr val="accent1"/>
+          </a:fillRef>
+          <a:effectRef idx="0">
+            <a:schemeClr val="accent1"/>
+          </a:effectRef>
+          <a:fontRef idx="minor">
+            <a:schemeClr val="tx1"/>
+          </a:fontRef>
+        </p:style>
+      </p:cxnSp>
+      <p:cxnSp>
+        <p:nvCxnSpPr>
+          <p:cNvPr id="21" name="Curved Connector 20"/>
+          <p:cNvCxnSpPr>
+            <a:stCxn id="16" idx="4"/>
+            <a:endCxn id="26" idx="2"/>
+          </p:cNvCxnSpPr>
+          <p:nvPr/>
+        </p:nvCxnSpPr>
+        <p:spPr>
+          <a:xfrm rot="16200000" flipH="1">
+            <a:off x="6347590" y="3879067"/>
+            <a:ext cx="1492915" cy="1306550"/>
+          </a:xfrm>
+          <a:prstGeom prst="curvedConnector2">
+            <a:avLst/>
+          </a:prstGeom>
+          <a:ln w="25400">
+            <a:solidFill>
+              <a:schemeClr val="accent1">
+                <a:lumMod val="75000"/>
+              </a:schemeClr>
+            </a:solidFill>
+            <a:tailEnd type="arrow"/>
+          </a:ln>
+        </p:spPr>
+        <p:style>
+          <a:lnRef idx="1">
+            <a:schemeClr val="accent1"/>
+          </a:lnRef>
+          <a:fillRef idx="0">
+            <a:schemeClr val="accent1"/>
+          </a:fillRef>
+          <a:effectRef idx="0">
+            <a:schemeClr val="accent1"/>
+          </a:effectRef>
+          <a:fontRef idx="minor">
+            <a:schemeClr val="tx1"/>
+          </a:fontRef>
+        </p:style>
+      </p:cxnSp>
+      <p:grpSp>
+        <p:nvGrpSpPr>
+          <p:cNvPr id="29" name="Group 28"/>
+          <p:cNvGrpSpPr/>
+          <p:nvPr/>
+        </p:nvGrpSpPr>
+        <p:grpSpPr>
+          <a:xfrm>
+            <a:off x="5963434" y="293960"/>
+            <a:ext cx="2739320" cy="6029172"/>
+            <a:chOff x="2327565" y="205943"/>
+            <a:chExt cx="7329869" cy="6029172"/>
+          </a:xfrm>
+        </p:grpSpPr>
+        <p:sp>
+          <p:nvSpPr>
+            <p:cNvPr id="27" name="Rounded Rectangle 26"/>
+            <p:cNvSpPr/>
+            <p:nvPr/>
+          </p:nvSpPr>
+          <p:spPr>
+            <a:xfrm>
+              <a:off x="2327565" y="205943"/>
+              <a:ext cx="7329869" cy="6029172"/>
+            </a:xfrm>
+            <a:prstGeom prst="roundRect">
+              <a:avLst>
+                <a:gd name="adj" fmla="val 41301"/>
+              </a:avLst>
+            </a:prstGeom>
+            <a:noFill/>
+            <a:ln w="25400">
+              <a:solidFill>
+                <a:schemeClr val="bg1">
+                  <a:lumMod val="50000"/>
+                </a:schemeClr>
+              </a:solidFill>
+              <a:prstDash val="dash"/>
+            </a:ln>
+          </p:spPr>
+          <p:style>
+            <a:lnRef idx="2">
+              <a:schemeClr val="accent1">
+                <a:shade val="50000"/>
+              </a:schemeClr>
+            </a:lnRef>
+            <a:fillRef idx="1">
+              <a:schemeClr val="accent1"/>
+            </a:fillRef>
+            <a:effectRef idx="0">
+              <a:schemeClr val="accent1"/>
+            </a:effectRef>
+            <a:fontRef idx="minor">
+              <a:schemeClr val="lt1"/>
+            </a:fontRef>
+          </p:style>
+          <p:txBody>
+            <a:bodyPr rot="0" spcFirstLastPara="0" vertOverflow="overflow" horzOverflow="overflow" vert="horz" wrap="square" lIns="0" tIns="0" rIns="0" bIns="0" numCol="1" spcCol="0" rtlCol="0" fromWordArt="0" anchor="t" anchorCtr="0" forceAA="0" compatLnSpc="1">
+              <a:prstTxWarp prst="textNoShape">
+                <a:avLst/>
+              </a:prstTxWarp>
+              <a:noAutofit/>
+            </a:bodyPr>
+            <a:lstStyle/>
+            <a:p>
+              <a:pPr algn="ctr"/>
+              <a:endParaRPr lang="sv-SE" sz="3200" b="1" dirty="0">
+                <a:solidFill>
+                  <a:schemeClr val="tx1"/>
+                </a:solidFill>
+              </a:endParaRPr>
+            </a:p>
+          </p:txBody>
+        </p:sp>
+        <p:sp>
+          <p:nvSpPr>
+            <p:cNvPr id="28" name="TextBox 27"/>
+            <p:cNvSpPr txBox="1"/>
+            <p:nvPr/>
+          </p:nvSpPr>
+          <p:spPr>
+            <a:xfrm>
+              <a:off x="4609184" y="364022"/>
+              <a:ext cx="3770990" cy="461665"/>
+            </a:xfrm>
+            <a:prstGeom prst="rect">
+              <a:avLst/>
+            </a:prstGeom>
+            <a:noFill/>
+          </p:spPr>
+          <p:txBody>
+            <a:bodyPr wrap="square" rtlCol="0">
+              <a:spAutoFit/>
+            </a:bodyPr>
+            <a:lstStyle/>
+            <a:p>
+              <a:r>
+                <a:rPr lang="sv-SE" sz="2400" b="1" dirty="0" smtClean="0"/>
+                <a:t>Cluster</a:t>
+              </a:r>
+              <a:endParaRPr lang="sv-SE" sz="2400" b="1" dirty="0"/>
+            </a:p>
+          </p:txBody>
+        </p:sp>
+      </p:grpSp>
+      <p:grpSp>
+        <p:nvGrpSpPr>
+          <p:cNvPr id="35" name="Group 34"/>
+          <p:cNvGrpSpPr/>
+          <p:nvPr/>
+        </p:nvGrpSpPr>
+        <p:grpSpPr>
+          <a:xfrm>
+            <a:off x="7012030" y="766280"/>
+            <a:ext cx="2833994" cy="1144025"/>
+            <a:chOff x="7012030" y="766280"/>
+            <a:chExt cx="2833994" cy="1144025"/>
+          </a:xfrm>
+        </p:grpSpPr>
+        <p:grpSp>
+          <p:nvGrpSpPr>
+            <p:cNvPr id="3" name="Group 2"/>
+            <p:cNvGrpSpPr/>
+            <p:nvPr/>
+          </p:nvGrpSpPr>
+          <p:grpSpPr>
+            <a:xfrm>
+              <a:off x="7012030" y="1036272"/>
+              <a:ext cx="917624" cy="663385"/>
+              <a:chOff x="6971245" y="1178751"/>
+              <a:chExt cx="958410" cy="663385"/>
+            </a:xfrm>
+            <a:solidFill>
+              <a:schemeClr val="accent2">
+                <a:lumMod val="60000"/>
+                <a:lumOff val="40000"/>
+              </a:schemeClr>
+            </a:solidFill>
+          </p:grpSpPr>
+          <p:sp>
+            <p:nvSpPr>
+              <p:cNvPr id="2" name="Rounded Rectangle 1"/>
+              <p:cNvSpPr/>
+              <p:nvPr/>
+            </p:nvSpPr>
+            <p:spPr>
+              <a:xfrm>
+                <a:off x="6971246" y="1178751"/>
+                <a:ext cx="958409" cy="326175"/>
+              </a:xfrm>
+              <a:prstGeom prst="roundRect">
+                <a:avLst/>
+              </a:prstGeom>
+              <a:grpFill/>
+              <a:ln w="25400">
+                <a:solidFill>
+                  <a:schemeClr val="bg1"/>
+                </a:solidFill>
+              </a:ln>
+            </p:spPr>
+            <p:style>
+              <a:lnRef idx="2">
+                <a:schemeClr val="accent1">
+                  <a:shade val="50000"/>
+                </a:schemeClr>
+              </a:lnRef>
+              <a:fillRef idx="1">
+                <a:schemeClr val="accent1"/>
+              </a:fillRef>
+              <a:effectRef idx="0">
+                <a:schemeClr val="accent1"/>
+              </a:effectRef>
+              <a:fontRef idx="minor">
+                <a:schemeClr val="lt1"/>
+              </a:fontRef>
+            </p:style>
+            <p:txBody>
+              <a:bodyPr rtlCol="0" anchor="ctr"/>
+              <a:lstStyle/>
+              <a:p>
+                <a:r>
+                  <a:rPr lang="sv-SE" sz="1200" dirty="0" smtClean="0"/>
+                  <a:t>partition</a:t>
+                </a:r>
+                <a:endParaRPr lang="sv-SE" sz="1200" dirty="0"/>
+              </a:p>
+            </p:txBody>
+          </p:sp>
+          <p:sp>
+            <p:nvSpPr>
+              <p:cNvPr id="20" name="Rounded Rectangle 19"/>
+              <p:cNvSpPr/>
+              <p:nvPr/>
+            </p:nvSpPr>
+            <p:spPr>
+              <a:xfrm>
+                <a:off x="6971245" y="1515961"/>
+                <a:ext cx="958409" cy="326175"/>
+              </a:xfrm>
+              <a:prstGeom prst="roundRect">
+                <a:avLst/>
+              </a:prstGeom>
+              <a:grpFill/>
+              <a:ln w="25400">
+                <a:solidFill>
+                  <a:schemeClr val="bg1"/>
+                </a:solidFill>
+              </a:ln>
+            </p:spPr>
+            <p:style>
+              <a:lnRef idx="2">
+                <a:schemeClr val="accent1">
+                  <a:shade val="50000"/>
+                </a:schemeClr>
+              </a:lnRef>
+              <a:fillRef idx="1">
+                <a:schemeClr val="accent1"/>
+              </a:fillRef>
+              <a:effectRef idx="0">
+                <a:schemeClr val="accent1"/>
+              </a:effectRef>
+              <a:fontRef idx="minor">
+                <a:schemeClr val="lt1"/>
+              </a:fontRef>
+            </p:style>
+            <p:txBody>
+              <a:bodyPr rtlCol="0" anchor="ctr"/>
+              <a:lstStyle/>
+              <a:p>
+                <a:r>
+                  <a:rPr lang="sv-SE" sz="1200" dirty="0" smtClean="0"/>
+                  <a:t>partition</a:t>
+                </a:r>
+                <a:endParaRPr lang="sv-SE" sz="1200" dirty="0"/>
+              </a:p>
+            </p:txBody>
+          </p:sp>
+        </p:grpSp>
+        <p:grpSp>
+          <p:nvGrpSpPr>
+            <p:cNvPr id="12" name="Group 11"/>
+            <p:cNvGrpSpPr/>
+            <p:nvPr/>
+          </p:nvGrpSpPr>
+          <p:grpSpPr>
+            <a:xfrm>
+              <a:off x="7747322" y="766280"/>
+              <a:ext cx="2098702" cy="1144025"/>
+              <a:chOff x="7747322" y="766280"/>
+              <a:chExt cx="2098702" cy="1144025"/>
+            </a:xfrm>
+          </p:grpSpPr>
+          <p:sp>
+            <p:nvSpPr>
+              <p:cNvPr id="8" name="Oval 7"/>
+              <p:cNvSpPr/>
+              <p:nvPr/>
+            </p:nvSpPr>
+            <p:spPr>
+              <a:xfrm>
+                <a:off x="8701999" y="766280"/>
+                <a:ext cx="1144025" cy="1144025"/>
+              </a:xfrm>
+              <a:prstGeom prst="ellipse">
+                <a:avLst/>
+              </a:prstGeom>
+              <a:solidFill>
+                <a:schemeClr val="accent1"/>
+              </a:solidFill>
+              <a:ln w="25400">
+                <a:solidFill>
+                  <a:schemeClr val="bg1"/>
+                </a:solidFill>
+              </a:ln>
+            </p:spPr>
+            <p:style>
+              <a:lnRef idx="2">
+                <a:schemeClr val="accent1">
+                  <a:shade val="50000"/>
+                </a:schemeClr>
+              </a:lnRef>
+              <a:fillRef idx="1">
+                <a:schemeClr val="accent1"/>
+              </a:fillRef>
+              <a:effectRef idx="0">
+                <a:schemeClr val="accent1"/>
+              </a:effectRef>
+              <a:fontRef idx="minor">
+                <a:schemeClr val="lt1"/>
+              </a:fontRef>
+            </p:style>
+            <p:txBody>
+              <a:bodyPr rot="0" spcFirstLastPara="0" vertOverflow="overflow" horzOverflow="overflow" vert="horz" wrap="square" lIns="0" tIns="0" rIns="0" bIns="0" numCol="1" spcCol="0" rtlCol="0" fromWordArt="0" anchor="ctr" anchorCtr="0" forceAA="0" compatLnSpc="1">
+                <a:prstTxWarp prst="textNoShape">
+                  <a:avLst/>
+                </a:prstTxWarp>
+                <a:noAutofit/>
+              </a:bodyPr>
+              <a:lstStyle/>
+              <a:p>
+                <a:pPr algn="ctr"/>
+                <a:r>
+                  <a:rPr lang="sv-SE" b="1" dirty="0" smtClean="0">
+                    <a:solidFill>
+                      <a:schemeClr val="bg1"/>
+                    </a:solidFill>
+                  </a:rPr>
+                  <a:t>worker1</a:t>
+                </a:r>
+                <a:endParaRPr lang="sv-SE" b="1" dirty="0">
+                  <a:solidFill>
+                    <a:schemeClr val="bg1"/>
+                  </a:solidFill>
+                </a:endParaRPr>
+              </a:p>
+            </p:txBody>
+          </p:sp>
+          <p:sp>
+            <p:nvSpPr>
+              <p:cNvPr id="17" name="Oval 16"/>
+              <p:cNvSpPr/>
+              <p:nvPr/>
+            </p:nvSpPr>
+            <p:spPr>
+              <a:xfrm>
+                <a:off x="7747322" y="860954"/>
+                <a:ext cx="954676" cy="954676"/>
+              </a:xfrm>
+              <a:prstGeom prst="ellipse">
+                <a:avLst/>
+              </a:prstGeom>
+              <a:solidFill>
+                <a:schemeClr val="accent1">
+                  <a:lumMod val="60000"/>
+                  <a:lumOff val="40000"/>
+                </a:schemeClr>
+              </a:solidFill>
+              <a:ln w="25400">
+                <a:solidFill>
+                  <a:schemeClr val="bg1"/>
+                </a:solidFill>
+              </a:ln>
+            </p:spPr>
+            <p:style>
+              <a:lnRef idx="2">
+                <a:schemeClr val="accent1">
+                  <a:shade val="50000"/>
+                </a:schemeClr>
+              </a:lnRef>
+              <a:fillRef idx="1">
+                <a:schemeClr val="accent1"/>
+              </a:fillRef>
+              <a:effectRef idx="0">
+                <a:schemeClr val="accent1"/>
+              </a:effectRef>
+              <a:fontRef idx="minor">
+                <a:schemeClr val="lt1"/>
+              </a:fontRef>
+            </p:style>
+            <p:txBody>
+              <a:bodyPr lIns="0" tIns="0" rIns="0" bIns="0" rtlCol="0" anchor="ctr"/>
+              <a:lstStyle/>
+              <a:p>
+                <a:pPr algn="ctr"/>
+                <a:r>
+                  <a:rPr lang="sv-SE" sz="1200" b="1" dirty="0" smtClean="0">
+                    <a:solidFill>
+                      <a:schemeClr val="bg1"/>
+                    </a:solidFill>
+                  </a:rPr>
+                  <a:t>consumer</a:t>
+                </a:r>
+                <a:endParaRPr lang="sv-SE" sz="800" b="1" dirty="0" smtClean="0">
+                  <a:solidFill>
+                    <a:schemeClr val="bg1"/>
+                  </a:solidFill>
+                </a:endParaRPr>
+              </a:p>
+            </p:txBody>
+          </p:sp>
+        </p:grpSp>
+      </p:grpSp>
+      <p:grpSp>
+        <p:nvGrpSpPr>
+          <p:cNvPr id="52" name="Group 51"/>
+          <p:cNvGrpSpPr/>
+          <p:nvPr/>
+        </p:nvGrpSpPr>
+        <p:grpSpPr>
+          <a:xfrm>
+            <a:off x="7061955" y="4706788"/>
+            <a:ext cx="2784069" cy="1144025"/>
+            <a:chOff x="7061955" y="4706788"/>
+            <a:chExt cx="2784069" cy="1144025"/>
+          </a:xfrm>
+        </p:grpSpPr>
+        <p:grpSp>
+          <p:nvGrpSpPr>
+            <p:cNvPr id="40" name="Group 39"/>
+            <p:cNvGrpSpPr/>
+            <p:nvPr/>
+          </p:nvGrpSpPr>
+          <p:grpSpPr>
+            <a:xfrm>
+              <a:off x="7061955" y="4798834"/>
+              <a:ext cx="917625" cy="1006556"/>
+              <a:chOff x="6971244" y="1178751"/>
+              <a:chExt cx="958411" cy="1006556"/>
+            </a:xfrm>
+            <a:solidFill>
+              <a:schemeClr val="accent2">
+                <a:lumMod val="60000"/>
+                <a:lumOff val="40000"/>
+              </a:schemeClr>
+            </a:solidFill>
+          </p:grpSpPr>
+          <p:sp>
+            <p:nvSpPr>
+              <p:cNvPr id="41" name="Rounded Rectangle 40"/>
+              <p:cNvSpPr/>
+              <p:nvPr/>
+            </p:nvSpPr>
+            <p:spPr>
+              <a:xfrm>
+                <a:off x="6971246" y="1178751"/>
+                <a:ext cx="958409" cy="326175"/>
+              </a:xfrm>
+              <a:prstGeom prst="roundRect">
+                <a:avLst/>
+              </a:prstGeom>
+              <a:grpFill/>
+              <a:ln w="25400">
+                <a:solidFill>
+                  <a:schemeClr val="bg1"/>
+                </a:solidFill>
+              </a:ln>
+            </p:spPr>
+            <p:style>
+              <a:lnRef idx="2">
+                <a:schemeClr val="accent1">
+                  <a:shade val="50000"/>
+                </a:schemeClr>
+              </a:lnRef>
+              <a:fillRef idx="1">
+                <a:schemeClr val="accent1"/>
+              </a:fillRef>
+              <a:effectRef idx="0">
+                <a:schemeClr val="accent1"/>
+              </a:effectRef>
+              <a:fontRef idx="minor">
+                <a:schemeClr val="lt1"/>
+              </a:fontRef>
+            </p:style>
+            <p:txBody>
+              <a:bodyPr rtlCol="0" anchor="ctr"/>
+              <a:lstStyle/>
+              <a:p>
+                <a:r>
+                  <a:rPr lang="sv-SE" sz="1200" dirty="0" smtClean="0"/>
+                  <a:t>partition</a:t>
+                </a:r>
+                <a:endParaRPr lang="sv-SE" sz="1200" dirty="0"/>
+              </a:p>
+            </p:txBody>
+          </p:sp>
+          <p:sp>
+            <p:nvSpPr>
+              <p:cNvPr id="42" name="Rounded Rectangle 41"/>
+              <p:cNvSpPr/>
+              <p:nvPr/>
+            </p:nvSpPr>
+            <p:spPr>
+              <a:xfrm>
+                <a:off x="6971245" y="1515961"/>
+                <a:ext cx="958409" cy="326175"/>
+              </a:xfrm>
+              <a:prstGeom prst="roundRect">
+                <a:avLst/>
+              </a:prstGeom>
+              <a:grpFill/>
+              <a:ln w="25400">
+                <a:solidFill>
+                  <a:schemeClr val="bg1"/>
+                </a:solidFill>
+              </a:ln>
+            </p:spPr>
+            <p:style>
+              <a:lnRef idx="2">
+                <a:schemeClr val="accent1">
+                  <a:shade val="50000"/>
+                </a:schemeClr>
+              </a:lnRef>
+              <a:fillRef idx="1">
+                <a:schemeClr val="accent1"/>
+              </a:fillRef>
+              <a:effectRef idx="0">
+                <a:schemeClr val="accent1"/>
+              </a:effectRef>
+              <a:fontRef idx="minor">
+                <a:schemeClr val="lt1"/>
+              </a:fontRef>
+            </p:style>
+            <p:txBody>
+              <a:bodyPr rtlCol="0" anchor="ctr"/>
+              <a:lstStyle/>
+              <a:p>
+                <a:r>
+                  <a:rPr lang="sv-SE" sz="1200" dirty="0" smtClean="0"/>
+                  <a:t>partition</a:t>
+                </a:r>
+                <a:endParaRPr lang="sv-SE" sz="1200" dirty="0"/>
+              </a:p>
+            </p:txBody>
+          </p:sp>
+          <p:sp>
+            <p:nvSpPr>
+              <p:cNvPr id="43" name="Rounded Rectangle 42"/>
+              <p:cNvSpPr/>
+              <p:nvPr/>
+            </p:nvSpPr>
+            <p:spPr>
+              <a:xfrm>
+                <a:off x="6971244" y="1859132"/>
+                <a:ext cx="958409" cy="326175"/>
+              </a:xfrm>
+              <a:prstGeom prst="roundRect">
+                <a:avLst/>
+              </a:prstGeom>
+              <a:grpFill/>
+              <a:ln w="25400">
+                <a:solidFill>
+                  <a:schemeClr val="bg1"/>
+                </a:solidFill>
+              </a:ln>
+            </p:spPr>
+            <p:style>
+              <a:lnRef idx="2">
+                <a:schemeClr val="accent1">
+                  <a:shade val="50000"/>
+                </a:schemeClr>
+              </a:lnRef>
+              <a:fillRef idx="1">
+                <a:schemeClr val="accent1"/>
+              </a:fillRef>
+              <a:effectRef idx="0">
+                <a:schemeClr val="accent1"/>
+              </a:effectRef>
+              <a:fontRef idx="minor">
+                <a:schemeClr val="lt1"/>
+              </a:fontRef>
+            </p:style>
+            <p:txBody>
+              <a:bodyPr rtlCol="0" anchor="ctr"/>
+              <a:lstStyle/>
+              <a:p>
+                <a:r>
+                  <a:rPr lang="sv-SE" sz="1200" dirty="0" smtClean="0"/>
+                  <a:t>partition</a:t>
+                </a:r>
+                <a:endParaRPr lang="sv-SE" sz="1200" dirty="0"/>
+              </a:p>
+            </p:txBody>
+          </p:sp>
+        </p:grpSp>
+        <p:grpSp>
+          <p:nvGrpSpPr>
+            <p:cNvPr id="18" name="Group 17"/>
+            <p:cNvGrpSpPr/>
+            <p:nvPr/>
+          </p:nvGrpSpPr>
+          <p:grpSpPr>
+            <a:xfrm>
+              <a:off x="7747322" y="4706788"/>
+              <a:ext cx="2098702" cy="1144025"/>
+              <a:chOff x="7747322" y="4706788"/>
+              <a:chExt cx="2098702" cy="1144025"/>
+            </a:xfrm>
+          </p:grpSpPr>
+          <p:sp>
+            <p:nvSpPr>
+              <p:cNvPr id="10" name="Oval 9"/>
+              <p:cNvSpPr/>
+              <p:nvPr/>
+            </p:nvSpPr>
+            <p:spPr>
+              <a:xfrm>
+                <a:off x="8701999" y="4706788"/>
+                <a:ext cx="1144025" cy="1144025"/>
+              </a:xfrm>
+              <a:prstGeom prst="ellipse">
+                <a:avLst/>
+              </a:prstGeom>
+              <a:solidFill>
+                <a:schemeClr val="accent1"/>
+              </a:solidFill>
+              <a:ln w="25400">
+                <a:solidFill>
+                  <a:schemeClr val="bg1"/>
+                </a:solidFill>
+              </a:ln>
+            </p:spPr>
+            <p:style>
+              <a:lnRef idx="2">
+                <a:schemeClr val="accent1">
+                  <a:shade val="50000"/>
+                </a:schemeClr>
+              </a:lnRef>
+              <a:fillRef idx="1">
+                <a:schemeClr val="accent1"/>
+              </a:fillRef>
+              <a:effectRef idx="0">
+                <a:schemeClr val="accent1"/>
+              </a:effectRef>
+              <a:fontRef idx="minor">
+                <a:schemeClr val="lt1"/>
+              </a:fontRef>
+            </p:style>
+            <p:txBody>
+              <a:bodyPr rot="0" spcFirstLastPara="0" vertOverflow="overflow" horzOverflow="overflow" vert="horz" wrap="square" lIns="0" tIns="0" rIns="0" bIns="0" numCol="1" spcCol="0" rtlCol="0" fromWordArt="0" anchor="ctr" anchorCtr="0" forceAA="0" compatLnSpc="1">
+                <a:prstTxWarp prst="textNoShape">
+                  <a:avLst/>
+                </a:prstTxWarp>
+                <a:noAutofit/>
+              </a:bodyPr>
+              <a:lstStyle/>
+              <a:p>
+                <a:pPr algn="ctr"/>
+                <a:r>
+                  <a:rPr lang="sv-SE" b="1" dirty="0" smtClean="0">
+                    <a:solidFill>
+                      <a:schemeClr val="bg1"/>
+                    </a:solidFill>
+                  </a:rPr>
+                  <a:t>worker4</a:t>
+                </a:r>
+                <a:endParaRPr lang="sv-SE" b="1" dirty="0">
+                  <a:solidFill>
+                    <a:schemeClr val="bg1"/>
+                  </a:solidFill>
+                </a:endParaRPr>
+              </a:p>
+            </p:txBody>
+          </p:sp>
+          <p:sp>
+            <p:nvSpPr>
+              <p:cNvPr id="26" name="Oval 25"/>
+              <p:cNvSpPr/>
+              <p:nvPr/>
+            </p:nvSpPr>
+            <p:spPr>
+              <a:xfrm>
+                <a:off x="7747322" y="4801462"/>
+                <a:ext cx="954676" cy="954676"/>
+              </a:xfrm>
+              <a:prstGeom prst="ellipse">
+                <a:avLst/>
+              </a:prstGeom>
+              <a:solidFill>
+                <a:schemeClr val="accent1">
+                  <a:lumMod val="60000"/>
+                  <a:lumOff val="40000"/>
+                </a:schemeClr>
+              </a:solidFill>
+              <a:ln w="25400">
+                <a:solidFill>
+                  <a:schemeClr val="bg1"/>
+                </a:solidFill>
+              </a:ln>
+            </p:spPr>
+            <p:style>
+              <a:lnRef idx="2">
+                <a:schemeClr val="accent1">
+                  <a:shade val="50000"/>
+                </a:schemeClr>
+              </a:lnRef>
+              <a:fillRef idx="1">
+                <a:schemeClr val="accent1"/>
+              </a:fillRef>
+              <a:effectRef idx="0">
+                <a:schemeClr val="accent1"/>
+              </a:effectRef>
+              <a:fontRef idx="minor">
+                <a:schemeClr val="lt1"/>
+              </a:fontRef>
+            </p:style>
+            <p:txBody>
+              <a:bodyPr lIns="0" tIns="0" rIns="0" bIns="0" rtlCol="0" anchor="ctr"/>
+              <a:lstStyle/>
+              <a:p>
+                <a:pPr algn="ctr"/>
+                <a:r>
+                  <a:rPr lang="sv-SE" sz="1200" b="1" dirty="0" smtClean="0">
+                    <a:solidFill>
+                      <a:schemeClr val="bg1"/>
+                    </a:solidFill>
+                  </a:rPr>
+                  <a:t>consumer</a:t>
+                </a:r>
+                <a:endParaRPr lang="sv-SE" sz="800" b="1" dirty="0" smtClean="0">
+                  <a:solidFill>
+                    <a:schemeClr val="bg1"/>
+                  </a:solidFill>
+                </a:endParaRPr>
+              </a:p>
+            </p:txBody>
+          </p:sp>
+        </p:grpSp>
+      </p:grpSp>
+      <p:cxnSp>
+        <p:nvCxnSpPr>
+          <p:cNvPr id="48" name="Curved Connector 47"/>
+          <p:cNvCxnSpPr>
+            <a:stCxn id="16" idx="5"/>
+            <a:endCxn id="33" idx="2"/>
+          </p:cNvCxnSpPr>
+          <p:nvPr/>
+        </p:nvCxnSpPr>
+        <p:spPr>
+          <a:xfrm rot="16200000" flipH="1">
+            <a:off x="7104472" y="3319904"/>
+            <a:ext cx="319223" cy="971565"/>
+          </a:xfrm>
+          <a:prstGeom prst="curvedConnector2">
+            <a:avLst/>
+          </a:prstGeom>
+          <a:ln w="25400">
+            <a:solidFill>
+              <a:schemeClr val="accent1">
+                <a:lumMod val="75000"/>
+              </a:schemeClr>
+            </a:solidFill>
+            <a:tailEnd type="arrow"/>
+          </a:ln>
+        </p:spPr>
+        <p:style>
+          <a:lnRef idx="1">
+            <a:schemeClr val="accent1"/>
+          </a:lnRef>
+          <a:fillRef idx="0">
+            <a:schemeClr val="accent1"/>
+          </a:fillRef>
+          <a:effectRef idx="0">
+            <a:schemeClr val="accent1"/>
+          </a:effectRef>
+          <a:fontRef idx="minor">
+            <a:schemeClr val="tx1"/>
+          </a:fontRef>
+        </p:style>
+      </p:cxnSp>
+      <p:grpSp>
+        <p:nvGrpSpPr>
+          <p:cNvPr id="51" name="Group 50"/>
+          <p:cNvGrpSpPr/>
+          <p:nvPr/>
+        </p:nvGrpSpPr>
+        <p:grpSpPr>
+          <a:xfrm>
+            <a:off x="7011045" y="3393286"/>
+            <a:ext cx="2837524" cy="1144025"/>
+            <a:chOff x="7011045" y="3412009"/>
+            <a:chExt cx="2837524" cy="1144025"/>
+          </a:xfrm>
+        </p:grpSpPr>
+        <p:grpSp>
+          <p:nvGrpSpPr>
+            <p:cNvPr id="45" name="Group 44"/>
+            <p:cNvGrpSpPr/>
+            <p:nvPr/>
+          </p:nvGrpSpPr>
+          <p:grpSpPr>
+            <a:xfrm>
+              <a:off x="7011045" y="3657794"/>
+              <a:ext cx="917625" cy="663385"/>
+              <a:chOff x="6971243" y="1178751"/>
+              <a:chExt cx="958411" cy="663385"/>
+            </a:xfrm>
+            <a:solidFill>
+              <a:schemeClr val="accent2">
+                <a:lumMod val="60000"/>
+                <a:lumOff val="40000"/>
+              </a:schemeClr>
+            </a:solidFill>
+          </p:grpSpPr>
+          <p:sp>
+            <p:nvSpPr>
+              <p:cNvPr id="46" name="Rounded Rectangle 45"/>
+              <p:cNvSpPr/>
+              <p:nvPr/>
+            </p:nvSpPr>
+            <p:spPr>
+              <a:xfrm>
+                <a:off x="6971243" y="1178751"/>
+                <a:ext cx="958409" cy="326175"/>
+              </a:xfrm>
+              <a:prstGeom prst="roundRect">
+                <a:avLst/>
+              </a:prstGeom>
+              <a:grpFill/>
+              <a:ln w="25400">
+                <a:solidFill>
+                  <a:schemeClr val="bg1"/>
+                </a:solidFill>
+              </a:ln>
+            </p:spPr>
+            <p:style>
+              <a:lnRef idx="2">
+                <a:schemeClr val="accent1">
+                  <a:shade val="50000"/>
+                </a:schemeClr>
+              </a:lnRef>
+              <a:fillRef idx="1">
+                <a:schemeClr val="accent1"/>
+              </a:fillRef>
+              <a:effectRef idx="0">
+                <a:schemeClr val="accent1"/>
+              </a:effectRef>
+              <a:fontRef idx="minor">
+                <a:schemeClr val="lt1"/>
+              </a:fontRef>
+            </p:style>
+            <p:txBody>
+              <a:bodyPr rtlCol="0" anchor="ctr"/>
+              <a:lstStyle/>
+              <a:p>
+                <a:r>
+                  <a:rPr lang="sv-SE" sz="1200" dirty="0" smtClean="0"/>
+                  <a:t>partition</a:t>
+                </a:r>
+                <a:endParaRPr lang="sv-SE" sz="1200" dirty="0"/>
+              </a:p>
+            </p:txBody>
+          </p:sp>
+          <p:sp>
+            <p:nvSpPr>
+              <p:cNvPr id="47" name="Rounded Rectangle 46"/>
+              <p:cNvSpPr/>
+              <p:nvPr/>
+            </p:nvSpPr>
+            <p:spPr>
+              <a:xfrm>
+                <a:off x="6971245" y="1515961"/>
+                <a:ext cx="958409" cy="326175"/>
+              </a:xfrm>
+              <a:prstGeom prst="roundRect">
+                <a:avLst/>
+              </a:prstGeom>
+              <a:grpFill/>
+              <a:ln w="25400">
+                <a:solidFill>
+                  <a:schemeClr val="bg1"/>
+                </a:solidFill>
+              </a:ln>
+            </p:spPr>
+            <p:style>
+              <a:lnRef idx="2">
+                <a:schemeClr val="accent1">
+                  <a:shade val="50000"/>
+                </a:schemeClr>
+              </a:lnRef>
+              <a:fillRef idx="1">
+                <a:schemeClr val="accent1"/>
+              </a:fillRef>
+              <a:effectRef idx="0">
+                <a:schemeClr val="accent1"/>
+              </a:effectRef>
+              <a:fontRef idx="minor">
+                <a:schemeClr val="lt1"/>
+              </a:fontRef>
+            </p:style>
+            <p:txBody>
+              <a:bodyPr rtlCol="0" anchor="ctr"/>
+              <a:lstStyle/>
+              <a:p>
+                <a:r>
+                  <a:rPr lang="sv-SE" sz="1200" dirty="0" smtClean="0"/>
+                  <a:t>partition</a:t>
+                </a:r>
+                <a:endParaRPr lang="sv-SE" sz="1200" dirty="0"/>
+              </a:p>
+            </p:txBody>
+          </p:sp>
+        </p:grpSp>
+        <p:grpSp>
+          <p:nvGrpSpPr>
+            <p:cNvPr id="14" name="Group 13"/>
+            <p:cNvGrpSpPr/>
+            <p:nvPr/>
+          </p:nvGrpSpPr>
+          <p:grpSpPr>
+            <a:xfrm>
+              <a:off x="7749866" y="3412009"/>
+              <a:ext cx="2098703" cy="1144025"/>
+              <a:chOff x="7749866" y="3412009"/>
+              <a:chExt cx="2098703" cy="1144025"/>
+            </a:xfrm>
+          </p:grpSpPr>
+          <p:sp>
+            <p:nvSpPr>
+              <p:cNvPr id="32" name="Oval 31"/>
+              <p:cNvSpPr/>
+              <p:nvPr/>
+            </p:nvSpPr>
+            <p:spPr>
+              <a:xfrm>
+                <a:off x="8704544" y="3412009"/>
+                <a:ext cx="1144025" cy="1144025"/>
+              </a:xfrm>
+              <a:prstGeom prst="ellipse">
+                <a:avLst/>
+              </a:prstGeom>
+              <a:solidFill>
+                <a:schemeClr val="accent1"/>
+              </a:solidFill>
+              <a:ln w="25400">
+                <a:solidFill>
+                  <a:schemeClr val="bg1"/>
+                </a:solidFill>
+              </a:ln>
+            </p:spPr>
+            <p:style>
+              <a:lnRef idx="2">
+                <a:schemeClr val="accent1">
+                  <a:shade val="50000"/>
+                </a:schemeClr>
+              </a:lnRef>
+              <a:fillRef idx="1">
+                <a:schemeClr val="accent1"/>
+              </a:fillRef>
+              <a:effectRef idx="0">
+                <a:schemeClr val="accent1"/>
+              </a:effectRef>
+              <a:fontRef idx="minor">
+                <a:schemeClr val="lt1"/>
+              </a:fontRef>
+            </p:style>
+            <p:txBody>
+              <a:bodyPr rot="0" spcFirstLastPara="0" vertOverflow="overflow" horzOverflow="overflow" vert="horz" wrap="square" lIns="0" tIns="0" rIns="0" bIns="0" numCol="1" spcCol="0" rtlCol="0" fromWordArt="0" anchor="ctr" anchorCtr="0" forceAA="0" compatLnSpc="1">
+                <a:prstTxWarp prst="textNoShape">
+                  <a:avLst/>
+                </a:prstTxWarp>
+                <a:noAutofit/>
+              </a:bodyPr>
+              <a:lstStyle/>
+              <a:p>
+                <a:pPr algn="ctr"/>
+                <a:r>
+                  <a:rPr lang="sv-SE" b="1" dirty="0" smtClean="0">
+                    <a:solidFill>
+                      <a:schemeClr val="bg1"/>
+                    </a:solidFill>
+                  </a:rPr>
+                  <a:t>worker3</a:t>
+                </a:r>
+                <a:endParaRPr lang="sv-SE" b="1" dirty="0">
+                  <a:solidFill>
+                    <a:schemeClr val="bg1"/>
+                  </a:solidFill>
+                </a:endParaRPr>
+              </a:p>
+            </p:txBody>
+          </p:sp>
+          <p:sp>
+            <p:nvSpPr>
+              <p:cNvPr id="33" name="Oval 32"/>
+              <p:cNvSpPr/>
+              <p:nvPr/>
+            </p:nvSpPr>
+            <p:spPr>
+              <a:xfrm>
+                <a:off x="7749866" y="3506684"/>
+                <a:ext cx="954676" cy="954676"/>
+              </a:xfrm>
+              <a:prstGeom prst="ellipse">
+                <a:avLst/>
+              </a:prstGeom>
+              <a:solidFill>
+                <a:schemeClr val="accent1">
+                  <a:lumMod val="60000"/>
+                  <a:lumOff val="40000"/>
+                </a:schemeClr>
+              </a:solidFill>
+              <a:ln w="25400">
+                <a:solidFill>
+                  <a:schemeClr val="bg1"/>
+                </a:solidFill>
+              </a:ln>
+            </p:spPr>
+            <p:style>
+              <a:lnRef idx="2">
+                <a:schemeClr val="accent1">
+                  <a:shade val="50000"/>
+                </a:schemeClr>
+              </a:lnRef>
+              <a:fillRef idx="1">
+                <a:schemeClr val="accent1"/>
+              </a:fillRef>
+              <a:effectRef idx="0">
+                <a:schemeClr val="accent1"/>
+              </a:effectRef>
+              <a:fontRef idx="minor">
+                <a:schemeClr val="lt1"/>
+              </a:fontRef>
+            </p:style>
+            <p:txBody>
+              <a:bodyPr lIns="0" tIns="0" rIns="0" bIns="0" rtlCol="0" anchor="ctr"/>
+              <a:lstStyle/>
+              <a:p>
+                <a:pPr algn="ctr"/>
+                <a:r>
+                  <a:rPr lang="sv-SE" sz="1200" b="1" dirty="0" smtClean="0">
+                    <a:solidFill>
+                      <a:schemeClr val="bg1"/>
+                    </a:solidFill>
+                  </a:rPr>
+                  <a:t>consumer</a:t>
+                </a:r>
+                <a:endParaRPr lang="sv-SE" sz="800" b="1" dirty="0" smtClean="0">
+                  <a:solidFill>
+                    <a:schemeClr val="bg1"/>
+                  </a:solidFill>
+                </a:endParaRPr>
+              </a:p>
+            </p:txBody>
+          </p:sp>
+        </p:grpSp>
+      </p:grpSp>
+      <p:sp>
+        <p:nvSpPr>
+          <p:cNvPr id="5" name="Rounded Rectangle 4"/>
+          <p:cNvSpPr/>
+          <p:nvPr/>
+        </p:nvSpPr>
+        <p:spPr>
+          <a:xfrm>
+            <a:off x="8701997" y="2079782"/>
+            <a:ext cx="2974941" cy="1144026"/>
+          </a:xfrm>
+          <a:prstGeom prst="roundRect">
+            <a:avLst>
+              <a:gd name="adj" fmla="val 50000"/>
+            </a:avLst>
+          </a:prstGeom>
+          <a:ln>
+            <a:noFill/>
+          </a:ln>
+        </p:spPr>
+        <p:style>
+          <a:lnRef idx="2">
+            <a:schemeClr val="accent1">
+              <a:shade val="50000"/>
+            </a:schemeClr>
+          </a:lnRef>
+          <a:fillRef idx="1">
+            <a:schemeClr val="accent1"/>
+          </a:fillRef>
+          <a:effectRef idx="0">
+            <a:schemeClr val="accent1"/>
+          </a:effectRef>
+          <a:fontRef idx="minor">
+            <a:schemeClr val="lt1"/>
+          </a:fontRef>
+        </p:style>
+        <p:txBody>
+          <a:bodyPr rtlCol="0" anchor="ctr"/>
+          <a:lstStyle/>
+          <a:p>
+            <a:pPr algn="ctr"/>
+            <a:endParaRPr lang="sv-SE" b="1" dirty="0"/>
+          </a:p>
+        </p:txBody>
+      </p:sp>
+      <p:sp>
+        <p:nvSpPr>
+          <p:cNvPr id="7" name="Oval 6"/>
+          <p:cNvSpPr/>
+          <p:nvPr/>
+        </p:nvSpPr>
+        <p:spPr>
+          <a:xfrm>
+            <a:off x="8701999" y="2079783"/>
+            <a:ext cx="1144025" cy="1144025"/>
+          </a:xfrm>
+          <a:prstGeom prst="ellipse">
+            <a:avLst/>
+          </a:prstGeom>
+          <a:solidFill>
+            <a:schemeClr val="accent1"/>
+          </a:solidFill>
+          <a:ln w="25400">
+            <a:solidFill>
+              <a:schemeClr val="bg1"/>
+            </a:solidFill>
+          </a:ln>
+        </p:spPr>
+        <p:style>
+          <a:lnRef idx="2">
+            <a:schemeClr val="accent1">
+              <a:shade val="50000"/>
+            </a:schemeClr>
+          </a:lnRef>
+          <a:fillRef idx="1">
+            <a:schemeClr val="accent1"/>
+          </a:fillRef>
+          <a:effectRef idx="0">
+            <a:schemeClr val="accent1"/>
+          </a:effectRef>
+          <a:fontRef idx="minor">
+            <a:schemeClr val="lt1"/>
+          </a:fontRef>
+        </p:style>
+        <p:txBody>
+          <a:bodyPr rot="0" spcFirstLastPara="0" vertOverflow="overflow" horzOverflow="overflow" vert="horz" wrap="square" lIns="0" tIns="0" rIns="0" bIns="0" numCol="1" spcCol="0" rtlCol="0" fromWordArt="0" anchor="ctr" anchorCtr="0" forceAA="0" compatLnSpc="1">
+            <a:prstTxWarp prst="textNoShape">
+              <a:avLst/>
+            </a:prstTxWarp>
+            <a:noAutofit/>
+          </a:bodyPr>
+          <a:lstStyle/>
+          <a:p>
+            <a:pPr algn="ctr"/>
+            <a:r>
+              <a:rPr lang="sv-SE" b="1" dirty="0" smtClean="0">
+                <a:solidFill>
+                  <a:schemeClr val="bg1"/>
+                </a:solidFill>
+              </a:rPr>
+              <a:t>worker2</a:t>
+            </a:r>
+            <a:endParaRPr lang="sv-SE" b="1" dirty="0">
+              <a:solidFill>
+                <a:schemeClr val="bg1"/>
+              </a:solidFill>
+            </a:endParaRPr>
+          </a:p>
+        </p:txBody>
+      </p:sp>
+      <p:sp>
+        <p:nvSpPr>
+          <p:cNvPr id="4" name="Oval 3"/>
+          <p:cNvSpPr/>
+          <p:nvPr/>
+        </p:nvSpPr>
+        <p:spPr>
+          <a:xfrm>
+            <a:off x="4819409" y="2736534"/>
+            <a:ext cx="1144025" cy="1144025"/>
+          </a:xfrm>
+          <a:prstGeom prst="ellipse">
+            <a:avLst/>
+          </a:prstGeom>
+          <a:solidFill>
+            <a:schemeClr val="accent1"/>
+          </a:solidFill>
+          <a:ln w="25400">
+            <a:solidFill>
+              <a:schemeClr val="bg1"/>
+            </a:solidFill>
+          </a:ln>
+        </p:spPr>
+        <p:style>
+          <a:lnRef idx="2">
+            <a:schemeClr val="accent1">
+              <a:shade val="50000"/>
+            </a:schemeClr>
+          </a:lnRef>
+          <a:fillRef idx="1">
+            <a:schemeClr val="accent1"/>
+          </a:fillRef>
+          <a:effectRef idx="0">
+            <a:schemeClr val="accent1"/>
+          </a:effectRef>
+          <a:fontRef idx="minor">
+            <a:schemeClr val="lt1"/>
+          </a:fontRef>
+        </p:style>
+        <p:txBody>
+          <a:bodyPr lIns="0" tIns="0" rIns="0" bIns="0" rtlCol="0" anchor="ctr"/>
+          <a:lstStyle/>
+          <a:p>
+            <a:pPr algn="ctr"/>
+            <a:r>
+              <a:rPr lang="sv-SE" b="1" dirty="0" smtClean="0">
+                <a:solidFill>
+                  <a:schemeClr val="bg1"/>
+                </a:solidFill>
+              </a:rPr>
+              <a:t>source</a:t>
+            </a:r>
+            <a:endParaRPr lang="sv-SE" sz="1050" b="1" dirty="0" smtClean="0">
+              <a:solidFill>
+                <a:schemeClr val="bg1"/>
+              </a:solidFill>
+            </a:endParaRPr>
+          </a:p>
+        </p:txBody>
+      </p:sp>
+      <p:sp>
+        <p:nvSpPr>
+          <p:cNvPr id="16" name="Oval 15"/>
+          <p:cNvSpPr/>
+          <p:nvPr/>
+        </p:nvSpPr>
+        <p:spPr>
+          <a:xfrm>
+            <a:off x="5963434" y="2831209"/>
+            <a:ext cx="954676" cy="954676"/>
+          </a:xfrm>
+          <a:prstGeom prst="ellipse">
+            <a:avLst/>
+          </a:prstGeom>
+          <a:solidFill>
+            <a:schemeClr val="accent1">
+              <a:lumMod val="60000"/>
+              <a:lumOff val="40000"/>
+            </a:schemeClr>
+          </a:solidFill>
+          <a:ln w="25400">
+            <a:solidFill>
+              <a:schemeClr val="bg1"/>
+            </a:solidFill>
+          </a:ln>
+        </p:spPr>
+        <p:style>
+          <a:lnRef idx="2">
+            <a:schemeClr val="accent1">
+              <a:shade val="50000"/>
+            </a:schemeClr>
+          </a:lnRef>
+          <a:fillRef idx="1">
+            <a:schemeClr val="accent1"/>
+          </a:fillRef>
+          <a:effectRef idx="0">
+            <a:schemeClr val="accent1"/>
+          </a:effectRef>
+          <a:fontRef idx="minor">
+            <a:schemeClr val="lt1"/>
+          </a:fontRef>
+        </p:style>
+        <p:txBody>
+          <a:bodyPr lIns="0" tIns="0" rIns="0" bIns="0" rtlCol="0" anchor="ctr"/>
+          <a:lstStyle/>
+          <a:p>
+            <a:pPr algn="ctr"/>
+            <a:r>
+              <a:rPr lang="sv-SE" sz="1200" b="1" dirty="0" smtClean="0">
+                <a:solidFill>
+                  <a:schemeClr val="bg1"/>
+                </a:solidFill>
+              </a:rPr>
+              <a:t>producer</a:t>
+            </a:r>
+            <a:endParaRPr lang="sv-SE" sz="800" b="1" dirty="0" smtClean="0">
+              <a:solidFill>
+                <a:schemeClr val="bg1"/>
+              </a:solidFill>
+            </a:endParaRPr>
+          </a:p>
+        </p:txBody>
+      </p:sp>
+      <p:sp>
+        <p:nvSpPr>
+          <p:cNvPr id="37" name="Rounded Rectangle 36"/>
+          <p:cNvSpPr/>
+          <p:nvPr/>
+        </p:nvSpPr>
+        <p:spPr>
+          <a:xfrm>
+            <a:off x="7011045" y="2327214"/>
+            <a:ext cx="917623" cy="326175"/>
+          </a:xfrm>
+          <a:prstGeom prst="roundRect">
+            <a:avLst/>
+          </a:prstGeom>
+          <a:solidFill>
+            <a:schemeClr val="accent2">
+              <a:lumMod val="60000"/>
+              <a:lumOff val="40000"/>
+            </a:schemeClr>
+          </a:solidFill>
+          <a:ln w="25400">
+            <a:solidFill>
+              <a:schemeClr val="bg1"/>
+            </a:solidFill>
+          </a:ln>
+        </p:spPr>
+        <p:style>
+          <a:lnRef idx="2">
+            <a:schemeClr val="accent1">
+              <a:shade val="50000"/>
+            </a:schemeClr>
+          </a:lnRef>
+          <a:fillRef idx="1">
+            <a:schemeClr val="accent1"/>
+          </a:fillRef>
+          <a:effectRef idx="0">
+            <a:schemeClr val="accent1"/>
+          </a:effectRef>
+          <a:fontRef idx="minor">
+            <a:schemeClr val="lt1"/>
+          </a:fontRef>
+        </p:style>
+        <p:txBody>
+          <a:bodyPr rtlCol="0" anchor="ctr"/>
+          <a:lstStyle/>
+          <a:p>
+            <a:r>
+              <a:rPr lang="sv-SE" sz="1200" dirty="0" smtClean="0"/>
+              <a:t>partition</a:t>
+            </a:r>
+            <a:endParaRPr lang="sv-SE" sz="1200" dirty="0"/>
+          </a:p>
+        </p:txBody>
+      </p:sp>
+      <p:sp>
+        <p:nvSpPr>
+          <p:cNvPr id="38" name="Rounded Rectangle 37"/>
+          <p:cNvSpPr/>
+          <p:nvPr/>
+        </p:nvSpPr>
+        <p:spPr>
+          <a:xfrm>
+            <a:off x="7011047" y="2664424"/>
+            <a:ext cx="917623" cy="326175"/>
+          </a:xfrm>
+          <a:prstGeom prst="roundRect">
+            <a:avLst/>
+          </a:prstGeom>
+          <a:solidFill>
+            <a:schemeClr val="accent2">
+              <a:lumMod val="60000"/>
+              <a:lumOff val="40000"/>
+            </a:schemeClr>
+          </a:solidFill>
+          <a:ln w="25400">
+            <a:solidFill>
+              <a:schemeClr val="bg1"/>
+            </a:solidFill>
+          </a:ln>
+        </p:spPr>
+        <p:style>
+          <a:lnRef idx="2">
+            <a:schemeClr val="accent1">
+              <a:shade val="50000"/>
+            </a:schemeClr>
+          </a:lnRef>
+          <a:fillRef idx="1">
+            <a:schemeClr val="accent1"/>
+          </a:fillRef>
+          <a:effectRef idx="0">
+            <a:schemeClr val="accent1"/>
+          </a:effectRef>
+          <a:fontRef idx="minor">
+            <a:schemeClr val="lt1"/>
+          </a:fontRef>
+        </p:style>
+        <p:txBody>
+          <a:bodyPr rtlCol="0" anchor="ctr"/>
+          <a:lstStyle/>
+          <a:p>
+            <a:r>
+              <a:rPr lang="sv-SE" sz="1200" dirty="0" smtClean="0"/>
+              <a:t>partition</a:t>
+            </a:r>
+            <a:endParaRPr lang="sv-SE" sz="1200" dirty="0"/>
+          </a:p>
+        </p:txBody>
+      </p:sp>
+      <p:sp>
+        <p:nvSpPr>
+          <p:cNvPr id="23" name="Oval 22"/>
+          <p:cNvSpPr/>
+          <p:nvPr/>
+        </p:nvSpPr>
+        <p:spPr>
+          <a:xfrm>
+            <a:off x="7747321" y="2174458"/>
+            <a:ext cx="954676" cy="954676"/>
+          </a:xfrm>
+          <a:prstGeom prst="ellipse">
+            <a:avLst/>
+          </a:prstGeom>
+          <a:solidFill>
+            <a:schemeClr val="accent1">
+              <a:lumMod val="60000"/>
+              <a:lumOff val="40000"/>
+            </a:schemeClr>
+          </a:solidFill>
+          <a:ln w="25400">
+            <a:solidFill>
+              <a:schemeClr val="bg1"/>
+            </a:solidFill>
+          </a:ln>
+        </p:spPr>
+        <p:style>
+          <a:lnRef idx="2">
+            <a:schemeClr val="accent1">
+              <a:shade val="50000"/>
+            </a:schemeClr>
+          </a:lnRef>
+          <a:fillRef idx="1">
+            <a:schemeClr val="accent1"/>
+          </a:fillRef>
+          <a:effectRef idx="0">
+            <a:schemeClr val="accent1"/>
+          </a:effectRef>
+          <a:fontRef idx="minor">
+            <a:schemeClr val="lt1"/>
+          </a:fontRef>
+        </p:style>
+        <p:txBody>
+          <a:bodyPr lIns="0" tIns="0" rIns="0" bIns="0" rtlCol="0" anchor="ctr"/>
+          <a:lstStyle/>
+          <a:p>
+            <a:pPr algn="ctr"/>
+            <a:r>
+              <a:rPr lang="sv-SE" sz="1200" b="1" dirty="0" smtClean="0">
+                <a:solidFill>
+                  <a:schemeClr val="bg1"/>
+                </a:solidFill>
+              </a:rPr>
+              <a:t>consumer</a:t>
+            </a:r>
+            <a:endParaRPr lang="sv-SE" sz="800" b="1" dirty="0" smtClean="0">
+              <a:solidFill>
+                <a:schemeClr val="bg1"/>
+              </a:solidFill>
+            </a:endParaRPr>
+          </a:p>
+        </p:txBody>
+      </p:sp>
+      <p:sp>
+        <p:nvSpPr>
+          <p:cNvPr id="9" name="Oval 8"/>
+          <p:cNvSpPr/>
+          <p:nvPr/>
+        </p:nvSpPr>
+        <p:spPr>
+          <a:xfrm>
+            <a:off x="10465746" y="2238899"/>
+            <a:ext cx="292100" cy="292100"/>
+          </a:xfrm>
+          <a:prstGeom prst="ellipse">
+            <a:avLst/>
+          </a:prstGeom>
+          <a:solidFill>
+            <a:schemeClr val="accent1"/>
+          </a:solidFill>
+          <a:ln w="50800" cap="rnd">
+            <a:solidFill>
+              <a:schemeClr val="bg1"/>
+            </a:solidFill>
+            <a:round/>
+          </a:ln>
+        </p:spPr>
+        <p:style>
+          <a:lnRef idx="2">
+            <a:schemeClr val="accent1">
+              <a:shade val="50000"/>
+            </a:schemeClr>
+          </a:lnRef>
+          <a:fillRef idx="1">
+            <a:schemeClr val="accent1"/>
+          </a:fillRef>
+          <a:effectRef idx="0">
+            <a:schemeClr val="accent1"/>
+          </a:effectRef>
+          <a:fontRef idx="minor">
+            <a:schemeClr val="lt1"/>
+          </a:fontRef>
+        </p:style>
+        <p:txBody>
+          <a:bodyPr rtlCol="0" anchor="ctr"/>
+          <a:lstStyle/>
+          <a:p>
+            <a:pPr algn="ctr"/>
+            <a:endParaRPr lang="sv-SE"/>
+          </a:p>
+        </p:txBody>
+      </p:sp>
+      <p:sp>
+        <p:nvSpPr>
+          <p:cNvPr id="63" name="Oval 62"/>
+          <p:cNvSpPr/>
+          <p:nvPr/>
+        </p:nvSpPr>
+        <p:spPr>
+          <a:xfrm>
+            <a:off x="10168182" y="2584239"/>
+            <a:ext cx="292100" cy="292100"/>
+          </a:xfrm>
+          <a:prstGeom prst="ellipse">
+            <a:avLst/>
+          </a:prstGeom>
+          <a:solidFill>
+            <a:schemeClr val="accent1"/>
+          </a:solidFill>
+          <a:ln w="50800" cap="rnd">
+            <a:solidFill>
+              <a:schemeClr val="bg1"/>
+            </a:solidFill>
+            <a:round/>
+          </a:ln>
+        </p:spPr>
+        <p:style>
+          <a:lnRef idx="2">
+            <a:schemeClr val="accent1">
+              <a:shade val="50000"/>
+            </a:schemeClr>
+          </a:lnRef>
+          <a:fillRef idx="1">
+            <a:schemeClr val="accent1"/>
+          </a:fillRef>
+          <a:effectRef idx="0">
+            <a:schemeClr val="accent1"/>
+          </a:effectRef>
+          <a:fontRef idx="minor">
+            <a:schemeClr val="lt1"/>
+          </a:fontRef>
+        </p:style>
+        <p:txBody>
+          <a:bodyPr rtlCol="0" anchor="ctr"/>
+          <a:lstStyle/>
+          <a:p>
+            <a:pPr algn="ctr"/>
+            <a:endParaRPr lang="sv-SE"/>
+          </a:p>
+        </p:txBody>
+      </p:sp>
+      <p:sp>
+        <p:nvSpPr>
+          <p:cNvPr id="65" name="Oval 64"/>
+          <p:cNvSpPr/>
+          <p:nvPr/>
+        </p:nvSpPr>
+        <p:spPr>
+          <a:xfrm>
+            <a:off x="10751861" y="2584239"/>
+            <a:ext cx="292100" cy="292100"/>
+          </a:xfrm>
+          <a:prstGeom prst="ellipse">
+            <a:avLst/>
+          </a:prstGeom>
+          <a:solidFill>
+            <a:schemeClr val="accent1"/>
+          </a:solidFill>
+          <a:ln w="50800" cap="rnd">
+            <a:solidFill>
+              <a:schemeClr val="bg1"/>
+            </a:solidFill>
+            <a:round/>
+          </a:ln>
+        </p:spPr>
+        <p:style>
+          <a:lnRef idx="2">
+            <a:schemeClr val="accent1">
+              <a:shade val="50000"/>
+            </a:schemeClr>
+          </a:lnRef>
+          <a:fillRef idx="1">
+            <a:schemeClr val="accent1"/>
+          </a:fillRef>
+          <a:effectRef idx="0">
+            <a:schemeClr val="accent1"/>
+          </a:effectRef>
+          <a:fontRef idx="minor">
+            <a:schemeClr val="lt1"/>
+          </a:fontRef>
+        </p:style>
+        <p:txBody>
+          <a:bodyPr rtlCol="0" anchor="ctr"/>
+          <a:lstStyle/>
+          <a:p>
+            <a:pPr algn="ctr"/>
+            <a:endParaRPr lang="sv-SE"/>
+          </a:p>
+        </p:txBody>
+      </p:sp>
+      <p:cxnSp>
+        <p:nvCxnSpPr>
+          <p:cNvPr id="66" name="Straight Connector 65"/>
+          <p:cNvCxnSpPr>
+            <a:stCxn id="63" idx="7"/>
+            <a:endCxn id="9" idx="3"/>
+          </p:cNvCxnSpPr>
+          <p:nvPr/>
+        </p:nvCxnSpPr>
+        <p:spPr>
+          <a:xfrm flipV="1">
+            <a:off x="10417505" y="2488222"/>
+            <a:ext cx="91018" cy="138794"/>
+          </a:xfrm>
+          <a:prstGeom prst="line">
+            <a:avLst/>
+          </a:prstGeom>
+          <a:solidFill>
+            <a:schemeClr val="accent1"/>
+          </a:solidFill>
+          <a:ln w="50800" cap="rnd">
+            <a:solidFill>
+              <a:schemeClr val="bg1"/>
+            </a:solidFill>
+            <a:round/>
+          </a:ln>
+        </p:spPr>
+        <p:style>
+          <a:lnRef idx="1">
+            <a:schemeClr val="accent1"/>
+          </a:lnRef>
+          <a:fillRef idx="0">
+            <a:schemeClr val="accent1"/>
+          </a:fillRef>
+          <a:effectRef idx="0">
+            <a:schemeClr val="accent1"/>
+          </a:effectRef>
+          <a:fontRef idx="minor">
+            <a:schemeClr val="tx1"/>
+          </a:fontRef>
+        </p:style>
+      </p:cxnSp>
+      <p:cxnSp>
+        <p:nvCxnSpPr>
+          <p:cNvPr id="67" name="Straight Connector 66"/>
+          <p:cNvCxnSpPr>
+            <a:stCxn id="65" idx="1"/>
+            <a:endCxn id="9" idx="5"/>
+          </p:cNvCxnSpPr>
+          <p:nvPr/>
+        </p:nvCxnSpPr>
+        <p:spPr>
+          <a:xfrm flipH="1" flipV="1">
+            <a:off x="10715069" y="2488222"/>
+            <a:ext cx="79569" cy="138794"/>
+          </a:xfrm>
+          <a:prstGeom prst="line">
+            <a:avLst/>
+          </a:prstGeom>
+          <a:solidFill>
+            <a:schemeClr val="accent1"/>
+          </a:solidFill>
+          <a:ln w="50800" cap="rnd">
+            <a:solidFill>
+              <a:schemeClr val="bg1"/>
+            </a:solidFill>
+            <a:round/>
+          </a:ln>
+        </p:spPr>
+        <p:style>
+          <a:lnRef idx="1">
+            <a:schemeClr val="accent1"/>
+          </a:lnRef>
+          <a:fillRef idx="0">
+            <a:schemeClr val="accent1"/>
+          </a:fillRef>
+          <a:effectRef idx="0">
+            <a:schemeClr val="accent1"/>
+          </a:effectRef>
+          <a:fontRef idx="minor">
+            <a:schemeClr val="tx1"/>
+          </a:fontRef>
+        </p:style>
+      </p:cxnSp>
+      <p:sp>
+        <p:nvSpPr>
+          <p:cNvPr id="49" name="Rectangle 48"/>
+          <p:cNvSpPr/>
+          <p:nvPr/>
+        </p:nvSpPr>
+        <p:spPr>
+          <a:xfrm>
+            <a:off x="210571" y="132594"/>
+            <a:ext cx="5181382" cy="5346621"/>
+          </a:xfrm>
+          <a:prstGeom prst="rect">
+            <a:avLst/>
+          </a:prstGeom>
+          <a:noFill/>
+          <a:ln>
+            <a:noFill/>
+          </a:ln>
+        </p:spPr>
+        <p:style>
+          <a:lnRef idx="2">
+            <a:schemeClr val="accent1">
+              <a:shade val="50000"/>
+            </a:schemeClr>
+          </a:lnRef>
+          <a:fillRef idx="1">
+            <a:schemeClr val="accent1"/>
+          </a:fillRef>
+          <a:effectRef idx="0">
+            <a:schemeClr val="accent1"/>
+          </a:effectRef>
+          <a:fontRef idx="minor">
+            <a:schemeClr val="lt1"/>
+          </a:fontRef>
+        </p:style>
+        <p:txBody>
+          <a:bodyPr rot="0" spcFirstLastPara="0" vertOverflow="overflow" horzOverflow="overflow" vert="horz" wrap="square" lIns="144000" tIns="144000" rIns="144000" bIns="144000" numCol="1" spcCol="0" rtlCol="0" fromWordArt="0" anchor="t" anchorCtr="0" forceAA="0" compatLnSpc="1">
+            <a:prstTxWarp prst="textNoShape">
+              <a:avLst/>
+            </a:prstTxWarp>
+            <a:noAutofit/>
+          </a:bodyPr>
+          <a:lstStyle/>
+          <a:p>
+            <a:r>
+              <a:rPr lang="sv-SE" sz="1600" b="1" dirty="0">
+                <a:solidFill>
+                  <a:schemeClr val="tx1"/>
+                </a:solidFill>
+              </a:rPr>
+              <a:t>Summarising</a:t>
+            </a:r>
+          </a:p>
+          <a:p>
+            <a:endParaRPr lang="sv-SE" sz="1600" b="1" i="1" dirty="0">
+              <a:solidFill>
+                <a:schemeClr val="tx1"/>
+              </a:solidFill>
+            </a:endParaRPr>
+          </a:p>
+          <a:p>
+            <a:pPr marL="285750" indent="-285750">
+              <a:buFont typeface="Arial" panose="020B0604020202020204" pitchFamily="34" charset="0"/>
+              <a:buChar char="•"/>
+            </a:pPr>
+            <a:r>
+              <a:rPr lang="sv-SE" sz="1600" dirty="0">
+                <a:solidFill>
+                  <a:schemeClr val="tx1"/>
+                </a:solidFill>
+              </a:rPr>
+              <a:t>Platform agnostic, can be </a:t>
+            </a:r>
+            <a:r>
+              <a:rPr lang="sv-SE" sz="1600" dirty="0" smtClean="0">
+                <a:solidFill>
+                  <a:schemeClr val="tx1"/>
+                </a:solidFill>
+              </a:rPr>
+              <a:t>polyglot</a:t>
+            </a:r>
+          </a:p>
+          <a:p>
+            <a:pPr marL="285750" indent="-285750">
+              <a:buFont typeface="Arial" panose="020B0604020202020204" pitchFamily="34" charset="0"/>
+              <a:buChar char="•"/>
+            </a:pPr>
+            <a:r>
+              <a:rPr lang="sv-SE" sz="1600" dirty="0" smtClean="0">
+                <a:solidFill>
+                  <a:schemeClr val="tx1"/>
+                </a:solidFill>
+              </a:rPr>
+              <a:t>Abstraction agnostic, pick the right tool for you</a:t>
+            </a:r>
+            <a:endParaRPr lang="sv-SE" sz="1600" dirty="0">
+              <a:solidFill>
+                <a:schemeClr val="tx1"/>
+              </a:solidFill>
+            </a:endParaRPr>
+          </a:p>
+          <a:p>
+            <a:pPr marL="285750" indent="-285750">
+              <a:buFont typeface="Arial" panose="020B0604020202020204" pitchFamily="34" charset="0"/>
+              <a:buChar char="•"/>
+            </a:pPr>
+            <a:r>
+              <a:rPr lang="sv-SE" sz="1600" dirty="0">
+                <a:solidFill>
+                  <a:schemeClr val="tx1"/>
+                </a:solidFill>
+              </a:rPr>
+              <a:t>Message order guarantee</a:t>
+            </a:r>
+          </a:p>
+          <a:p>
+            <a:pPr marL="285750" indent="-285750">
+              <a:buFont typeface="Arial" panose="020B0604020202020204" pitchFamily="34" charset="0"/>
+              <a:buChar char="•"/>
+            </a:pPr>
+            <a:r>
+              <a:rPr lang="sv-SE" sz="1600" dirty="0">
+                <a:solidFill>
+                  <a:schemeClr val="tx1"/>
+                </a:solidFill>
+              </a:rPr>
+              <a:t>Message delivery guarantee</a:t>
+            </a:r>
+          </a:p>
+          <a:p>
+            <a:pPr marL="285750" indent="-285750">
+              <a:buFont typeface="Arial" panose="020B0604020202020204" pitchFamily="34" charset="0"/>
+              <a:buChar char="•"/>
+            </a:pPr>
+            <a:r>
+              <a:rPr lang="sv-SE" sz="1600" dirty="0">
+                <a:solidFill>
+                  <a:schemeClr val="tx1"/>
+                </a:solidFill>
+              </a:rPr>
+              <a:t>Automatic placement of </a:t>
+            </a:r>
+            <a:r>
+              <a:rPr lang="sv-SE" sz="1600" dirty="0" smtClean="0">
+                <a:solidFill>
+                  <a:schemeClr val="tx1"/>
+                </a:solidFill>
+              </a:rPr>
+              <a:t>actors/channels/objects</a:t>
+            </a:r>
+          </a:p>
+          <a:p>
+            <a:pPr marL="285750" indent="-285750">
+              <a:buFont typeface="Arial" panose="020B0604020202020204" pitchFamily="34" charset="0"/>
+              <a:buChar char="•"/>
+            </a:pPr>
+            <a:r>
+              <a:rPr lang="sv-SE" sz="1600" dirty="0" smtClean="0">
+                <a:solidFill>
+                  <a:schemeClr val="tx1"/>
+                </a:solidFill>
+              </a:rPr>
+              <a:t>High Availability</a:t>
+            </a:r>
+          </a:p>
+          <a:p>
+            <a:pPr marL="285750" indent="-285750">
+              <a:buFont typeface="Arial" panose="020B0604020202020204" pitchFamily="34" charset="0"/>
+              <a:buChar char="•"/>
+            </a:pPr>
+            <a:r>
+              <a:rPr lang="sv-SE" sz="1600" dirty="0" smtClean="0">
+                <a:solidFill>
+                  <a:schemeClr val="tx1"/>
+                </a:solidFill>
+              </a:rPr>
+              <a:t>Horizontal Scaling</a:t>
+            </a:r>
+            <a:endParaRPr lang="sv-SE" sz="1600" dirty="0">
+              <a:solidFill>
+                <a:schemeClr val="tx1"/>
+              </a:solidFill>
+            </a:endParaRPr>
+          </a:p>
+          <a:p>
+            <a:pPr marL="285750" indent="-285750">
+              <a:buFont typeface="Arial" panose="020B0604020202020204" pitchFamily="34" charset="0"/>
+              <a:buChar char="•"/>
+            </a:pPr>
+            <a:r>
+              <a:rPr lang="sv-SE" sz="1600" dirty="0">
+                <a:solidFill>
+                  <a:schemeClr val="tx1"/>
+                </a:solidFill>
+              </a:rPr>
+              <a:t>Extremely high throughput</a:t>
+            </a:r>
+          </a:p>
+          <a:p>
+            <a:pPr marL="285750" indent="-285750">
+              <a:buFont typeface="Arial" panose="020B0604020202020204" pitchFamily="34" charset="0"/>
+              <a:buChar char="•"/>
+            </a:pPr>
+            <a:r>
+              <a:rPr lang="sv-SE" sz="1600" dirty="0">
+                <a:solidFill>
+                  <a:schemeClr val="tx1"/>
+                </a:solidFill>
+              </a:rPr>
+              <a:t>Low latency</a:t>
+            </a:r>
+          </a:p>
+        </p:txBody>
+      </p:sp>
+      <p:sp>
+        <p:nvSpPr>
+          <p:cNvPr id="11" name="Line Callout 2 (No Border) 10"/>
+          <p:cNvSpPr/>
+          <p:nvPr/>
+        </p:nvSpPr>
+        <p:spPr>
+          <a:xfrm>
+            <a:off x="10082764" y="426306"/>
+            <a:ext cx="1931572" cy="434648"/>
+          </a:xfrm>
+          <a:prstGeom prst="callout2">
+            <a:avLst>
+              <a:gd name="adj1" fmla="val 62626"/>
+              <a:gd name="adj2" fmla="val 2947"/>
+              <a:gd name="adj3" fmla="val 63750"/>
+              <a:gd name="adj4" fmla="val -7201"/>
+              <a:gd name="adj5" fmla="val 99000"/>
+              <a:gd name="adj6" fmla="val -24148"/>
+            </a:avLst>
+          </a:prstGeom>
+          <a:noFill/>
+          <a:ln w="25400">
+            <a:solidFill>
+              <a:schemeClr val="tx1"/>
+            </a:solidFill>
+          </a:ln>
+        </p:spPr>
+        <p:style>
+          <a:lnRef idx="2">
+            <a:schemeClr val="accent1">
+              <a:shade val="50000"/>
+            </a:schemeClr>
+          </a:lnRef>
+          <a:fillRef idx="1">
+            <a:schemeClr val="accent1"/>
+          </a:fillRef>
+          <a:effectRef idx="0">
+            <a:schemeClr val="accent1"/>
+          </a:effectRef>
+          <a:fontRef idx="minor">
+            <a:schemeClr val="lt1"/>
+          </a:fontRef>
+        </p:style>
+        <p:txBody>
+          <a:bodyPr rtlCol="0" anchor="ctr"/>
+          <a:lstStyle/>
+          <a:p>
+            <a:pPr algn="ctr"/>
+            <a:r>
+              <a:rPr lang="sv-SE" b="1" dirty="0" smtClean="0">
+                <a:solidFill>
+                  <a:schemeClr val="tx1"/>
+                </a:solidFill>
+              </a:rPr>
+              <a:t>Platform agnostic</a:t>
+            </a:r>
+            <a:endParaRPr lang="sv-SE" b="1" dirty="0">
+              <a:solidFill>
+                <a:schemeClr val="tx1"/>
+              </a:solidFill>
+            </a:endParaRPr>
+          </a:p>
+        </p:txBody>
+      </p:sp>
+      <p:sp>
+        <p:nvSpPr>
+          <p:cNvPr id="57" name="Line Callout 2 (No Border) 56"/>
+          <p:cNvSpPr/>
+          <p:nvPr/>
+        </p:nvSpPr>
+        <p:spPr>
+          <a:xfrm>
+            <a:off x="10004612" y="1350946"/>
+            <a:ext cx="2239546" cy="434648"/>
+          </a:xfrm>
+          <a:prstGeom prst="callout2">
+            <a:avLst>
+              <a:gd name="adj1" fmla="val 59251"/>
+              <a:gd name="adj2" fmla="val 3080"/>
+              <a:gd name="adj3" fmla="val 59250"/>
+              <a:gd name="adj4" fmla="val -4989"/>
+              <a:gd name="adj5" fmla="val 202501"/>
+              <a:gd name="adj6" fmla="val 21269"/>
+            </a:avLst>
+          </a:prstGeom>
+          <a:noFill/>
+          <a:ln w="25400">
+            <a:solidFill>
+              <a:schemeClr val="tx1"/>
+            </a:solidFill>
+          </a:ln>
+        </p:spPr>
+        <p:style>
+          <a:lnRef idx="2">
+            <a:schemeClr val="accent1">
+              <a:shade val="50000"/>
+            </a:schemeClr>
+          </a:lnRef>
+          <a:fillRef idx="1">
+            <a:schemeClr val="accent1"/>
+          </a:fillRef>
+          <a:effectRef idx="0">
+            <a:schemeClr val="accent1"/>
+          </a:effectRef>
+          <a:fontRef idx="minor">
+            <a:schemeClr val="lt1"/>
+          </a:fontRef>
+        </p:style>
+        <p:txBody>
+          <a:bodyPr rtlCol="0" anchor="ctr"/>
+          <a:lstStyle/>
+          <a:p>
+            <a:pPr algn="ctr"/>
+            <a:r>
+              <a:rPr lang="sv-SE" b="1" dirty="0" smtClean="0">
+                <a:solidFill>
+                  <a:schemeClr val="tx1"/>
+                </a:solidFill>
+              </a:rPr>
+              <a:t>Abstraction agnostic</a:t>
+            </a:r>
+            <a:endParaRPr lang="sv-SE" b="1" dirty="0">
+              <a:solidFill>
+                <a:schemeClr val="tx1"/>
+              </a:solidFill>
+            </a:endParaRPr>
+          </a:p>
+        </p:txBody>
+      </p:sp>
+      <p:sp>
+        <p:nvSpPr>
+          <p:cNvPr id="58" name="Line Callout 2 (No Border) 57"/>
+          <p:cNvSpPr/>
+          <p:nvPr/>
+        </p:nvSpPr>
+        <p:spPr>
+          <a:xfrm>
+            <a:off x="2464479" y="4429568"/>
+            <a:ext cx="3278289" cy="434648"/>
+          </a:xfrm>
+          <a:prstGeom prst="callout2">
+            <a:avLst>
+              <a:gd name="adj1" fmla="val 59251"/>
+              <a:gd name="adj2" fmla="val 98886"/>
+              <a:gd name="adj3" fmla="val 61500"/>
+              <a:gd name="adj4" fmla="val 108147"/>
+              <a:gd name="adj5" fmla="val -5626"/>
+              <a:gd name="adj6" fmla="val 120293"/>
+            </a:avLst>
+          </a:prstGeom>
+          <a:noFill/>
+          <a:ln w="25400">
+            <a:solidFill>
+              <a:schemeClr val="tx1"/>
+            </a:solidFill>
+          </a:ln>
+        </p:spPr>
+        <p:style>
+          <a:lnRef idx="2">
+            <a:schemeClr val="accent1">
+              <a:shade val="50000"/>
+            </a:schemeClr>
+          </a:lnRef>
+          <a:fillRef idx="1">
+            <a:schemeClr val="accent1"/>
+          </a:fillRef>
+          <a:effectRef idx="0">
+            <a:schemeClr val="accent1"/>
+          </a:effectRef>
+          <a:fontRef idx="minor">
+            <a:schemeClr val="lt1"/>
+          </a:fontRef>
+        </p:style>
+        <p:txBody>
+          <a:bodyPr rtlCol="0" anchor="ctr"/>
+          <a:lstStyle/>
+          <a:p>
+            <a:pPr algn="ctr"/>
+            <a:r>
+              <a:rPr lang="sv-SE" b="1" dirty="0" smtClean="0">
+                <a:solidFill>
+                  <a:schemeClr val="tx1"/>
+                </a:solidFill>
+              </a:rPr>
+              <a:t>Message order,</a:t>
+            </a:r>
+          </a:p>
+          <a:p>
+            <a:pPr algn="ctr"/>
+            <a:r>
+              <a:rPr lang="sv-SE" b="1" dirty="0" smtClean="0">
+                <a:solidFill>
+                  <a:schemeClr val="tx1"/>
+                </a:solidFill>
+              </a:rPr>
+              <a:t>Message delivery guarantees</a:t>
+            </a:r>
+            <a:endParaRPr lang="sv-SE" b="1" dirty="0">
+              <a:solidFill>
+                <a:schemeClr val="tx1"/>
+              </a:solidFill>
+            </a:endParaRPr>
+          </a:p>
+        </p:txBody>
+      </p:sp>
+      <p:sp>
+        <p:nvSpPr>
+          <p:cNvPr id="59" name="Line Callout 2 (No Border) 58"/>
+          <p:cNvSpPr/>
+          <p:nvPr/>
+        </p:nvSpPr>
+        <p:spPr>
+          <a:xfrm>
+            <a:off x="4256287" y="5978659"/>
+            <a:ext cx="2171574" cy="434648"/>
+          </a:xfrm>
+          <a:prstGeom prst="callout2">
+            <a:avLst>
+              <a:gd name="adj1" fmla="val 59251"/>
+              <a:gd name="adj2" fmla="val 98886"/>
+              <a:gd name="adj3" fmla="val 61500"/>
+              <a:gd name="adj4" fmla="val 108147"/>
+              <a:gd name="adj5" fmla="val -33751"/>
+              <a:gd name="adj6" fmla="val 128687"/>
+            </a:avLst>
+          </a:prstGeom>
+          <a:noFill/>
+          <a:ln w="25400">
+            <a:solidFill>
+              <a:schemeClr val="tx1"/>
+            </a:solidFill>
+          </a:ln>
+        </p:spPr>
+        <p:style>
+          <a:lnRef idx="2">
+            <a:schemeClr val="accent1">
+              <a:shade val="50000"/>
+            </a:schemeClr>
+          </a:lnRef>
+          <a:fillRef idx="1">
+            <a:schemeClr val="accent1"/>
+          </a:fillRef>
+          <a:effectRef idx="0">
+            <a:schemeClr val="accent1"/>
+          </a:effectRef>
+          <a:fontRef idx="minor">
+            <a:schemeClr val="lt1"/>
+          </a:fontRef>
+        </p:style>
+        <p:txBody>
+          <a:bodyPr rtlCol="0" anchor="ctr"/>
+          <a:lstStyle/>
+          <a:p>
+            <a:pPr algn="ctr"/>
+            <a:r>
+              <a:rPr lang="sv-SE" b="1" dirty="0" smtClean="0">
+                <a:solidFill>
+                  <a:schemeClr val="tx1"/>
+                </a:solidFill>
+              </a:rPr>
+              <a:t>High Availability,</a:t>
+            </a:r>
+          </a:p>
+          <a:p>
+            <a:pPr algn="ctr"/>
+            <a:r>
+              <a:rPr lang="sv-SE" b="1" dirty="0" smtClean="0">
+                <a:solidFill>
+                  <a:schemeClr val="tx1"/>
+                </a:solidFill>
+              </a:rPr>
+              <a:t>Horizontal Scaling</a:t>
+            </a:r>
+            <a:endParaRPr lang="sv-SE" b="1" dirty="0">
+              <a:solidFill>
+                <a:schemeClr val="tx1"/>
+              </a:solidFill>
+            </a:endParaRPr>
+          </a:p>
+        </p:txBody>
+      </p:sp>
+      <p:sp>
+        <p:nvSpPr>
+          <p:cNvPr id="64" name="Line Callout 2 (No Border) 63"/>
+          <p:cNvSpPr/>
+          <p:nvPr/>
+        </p:nvSpPr>
+        <p:spPr>
+          <a:xfrm>
+            <a:off x="9846024" y="3330054"/>
+            <a:ext cx="2239546" cy="434648"/>
+          </a:xfrm>
+          <a:prstGeom prst="callout2">
+            <a:avLst>
+              <a:gd name="adj1" fmla="val 59251"/>
+              <a:gd name="adj2" fmla="val 3080"/>
+              <a:gd name="adj3" fmla="val 59250"/>
+              <a:gd name="adj4" fmla="val -4989"/>
+              <a:gd name="adj5" fmla="val -97877"/>
+              <a:gd name="adj6" fmla="val 14500"/>
+            </a:avLst>
+          </a:prstGeom>
+          <a:noFill/>
+          <a:ln w="25400">
+            <a:solidFill>
+              <a:schemeClr val="tx1"/>
+            </a:solidFill>
+          </a:ln>
+        </p:spPr>
+        <p:style>
+          <a:lnRef idx="2">
+            <a:schemeClr val="accent1">
+              <a:shade val="50000"/>
+            </a:schemeClr>
+          </a:lnRef>
+          <a:fillRef idx="1">
+            <a:schemeClr val="accent1"/>
+          </a:fillRef>
+          <a:effectRef idx="0">
+            <a:schemeClr val="accent1"/>
+          </a:effectRef>
+          <a:fontRef idx="minor">
+            <a:schemeClr val="lt1"/>
+          </a:fontRef>
+        </p:style>
+        <p:txBody>
+          <a:bodyPr rtlCol="0" anchor="ctr"/>
+          <a:lstStyle/>
+          <a:p>
+            <a:pPr algn="ctr"/>
+            <a:r>
+              <a:rPr lang="sv-SE" b="1" dirty="0" smtClean="0">
+                <a:solidFill>
+                  <a:schemeClr val="tx1"/>
+                </a:solidFill>
+              </a:rPr>
+              <a:t>Automatic placement</a:t>
+            </a:r>
+            <a:endParaRPr lang="sv-SE" b="1" dirty="0">
+              <a:solidFill>
+                <a:schemeClr val="tx1"/>
+              </a:solidFill>
+            </a:endParaRPr>
+          </a:p>
+        </p:txBody>
+      </p:sp>
+      <p:sp>
+        <p:nvSpPr>
+          <p:cNvPr id="68" name="Line Callout 2 (No Border) 67"/>
+          <p:cNvSpPr/>
+          <p:nvPr/>
+        </p:nvSpPr>
+        <p:spPr>
+          <a:xfrm>
+            <a:off x="8083719" y="6209638"/>
+            <a:ext cx="3278289" cy="434648"/>
+          </a:xfrm>
+          <a:prstGeom prst="callout2">
+            <a:avLst>
+              <a:gd name="adj1" fmla="val 55876"/>
+              <a:gd name="adj2" fmla="val 16103"/>
+              <a:gd name="adj3" fmla="val 55875"/>
+              <a:gd name="adj4" fmla="val 12089"/>
+              <a:gd name="adj5" fmla="val -1"/>
+              <a:gd name="adj6" fmla="val 4695"/>
+            </a:avLst>
+          </a:prstGeom>
+          <a:noFill/>
+          <a:ln w="25400">
+            <a:solidFill>
+              <a:schemeClr val="tx1"/>
+            </a:solidFill>
+          </a:ln>
+        </p:spPr>
+        <p:style>
+          <a:lnRef idx="2">
+            <a:schemeClr val="accent1">
+              <a:shade val="50000"/>
+            </a:schemeClr>
+          </a:lnRef>
+          <a:fillRef idx="1">
+            <a:schemeClr val="accent1"/>
+          </a:fillRef>
+          <a:effectRef idx="0">
+            <a:schemeClr val="accent1"/>
+          </a:effectRef>
+          <a:fontRef idx="minor">
+            <a:schemeClr val="lt1"/>
+          </a:fontRef>
+        </p:style>
+        <p:txBody>
+          <a:bodyPr rtlCol="0" anchor="ctr"/>
+          <a:lstStyle/>
+          <a:p>
+            <a:pPr algn="ctr"/>
+            <a:r>
+              <a:rPr lang="sv-SE" b="1" dirty="0" smtClean="0">
+                <a:solidFill>
+                  <a:schemeClr val="tx1"/>
+                </a:solidFill>
+              </a:rPr>
+              <a:t>Extreme performance</a:t>
+            </a:r>
+            <a:endParaRPr lang="sv-SE" b="1" dirty="0">
+              <a:solidFill>
+                <a:schemeClr val="tx1"/>
+              </a:solidFill>
+            </a:endParaRPr>
+          </a:p>
+        </p:txBody>
+      </p:sp>
+    </p:spTree>
+    <p:extLst>
+      <p:ext uri="{BB962C8B-B14F-4D97-AF65-F5344CB8AC3E}">
         <p14:creationId xmlns:p14="http://schemas.microsoft.com/office/powerpoint/2010/main" val="2586181663"/>
+      </p:ext>
+    </p:extLst>
+  </p:cSld>
+  <p:clrMapOvr>
+    <a:masterClrMapping/>
+  </p:clrMapOvr>
+  <p:timing>
+    <p:tnLst>
+      <p:par>
+        <p:cTn id="1" dur="indefinite" restart="never" nodeType="tmRoot">
+          <p:childTnLst>
+            <p:seq concurrent="1" nextAc="seek">
+              <p:cTn id="2" dur="indefinite" nodeType="mainSeq">
+                <p:childTnLst>
+                  <p:par>
+                    <p:cTn id="3" fill="hold">
+                      <p:stCondLst>
+                        <p:cond delay="indefinite"/>
+                      </p:stCondLst>
+                      <p:childTnLst>
+                        <p:par>
+                          <p:cTn id="4" fill="hold">
+                            <p:stCondLst>
+                              <p:cond delay="0"/>
+                            </p:stCondLst>
+                            <p:childTnLst>
+                              <p:par>
+                                <p:cTn id="5" presetID="10" presetClass="entr" presetSubtype="0" fill="hold" nodeType="clickEffect">
+                                  <p:stCondLst>
+                                    <p:cond delay="0"/>
+                                  </p:stCondLst>
+                                  <p:childTnLst>
+                                    <p:set>
+                                      <p:cBhvr>
+                                        <p:cTn id="6" dur="1" fill="hold">
+                                          <p:stCondLst>
+                                            <p:cond delay="0"/>
+                                          </p:stCondLst>
+                                        </p:cTn>
+                                        <p:tgtEl>
+                                          <p:spTgt spid="49">
+                                            <p:txEl>
+                                              <p:pRg st="2" end="2"/>
+                                            </p:txEl>
+                                          </p:spTgt>
+                                        </p:tgtEl>
+                                        <p:attrNameLst>
+                                          <p:attrName>style.visibility</p:attrName>
+                                        </p:attrNameLst>
+                                      </p:cBhvr>
+                                      <p:to>
+                                        <p:strVal val="visible"/>
+                                      </p:to>
+                                    </p:set>
+                                    <p:animEffect transition="in" filter="fade">
+                                      <p:cBhvr>
+                                        <p:cTn id="7" dur="500"/>
+                                        <p:tgtEl>
+                                          <p:spTgt spid="49">
+                                            <p:txEl>
+                                              <p:pRg st="2" end="2"/>
+                                            </p:txEl>
+                                          </p:spTgt>
+                                        </p:tgtEl>
+                                      </p:cBhvr>
+                                    </p:animEffect>
+                                  </p:childTnLst>
+                                </p:cTn>
+                              </p:par>
+                              <p:par>
+                                <p:cTn id="8" presetID="10" presetClass="entr" presetSubtype="0" fill="hold" grpId="0" nodeType="withEffect">
+                                  <p:stCondLst>
+                                    <p:cond delay="0"/>
+                                  </p:stCondLst>
+                                  <p:childTnLst>
+                                    <p:set>
+                                      <p:cBhvr>
+                                        <p:cTn id="9" dur="1" fill="hold">
+                                          <p:stCondLst>
+                                            <p:cond delay="0"/>
+                                          </p:stCondLst>
+                                        </p:cTn>
+                                        <p:tgtEl>
+                                          <p:spTgt spid="11"/>
+                                        </p:tgtEl>
+                                        <p:attrNameLst>
+                                          <p:attrName>style.visibility</p:attrName>
+                                        </p:attrNameLst>
+                                      </p:cBhvr>
+                                      <p:to>
+                                        <p:strVal val="visible"/>
+                                      </p:to>
+                                    </p:set>
+                                    <p:animEffect transition="in" filter="fade">
+                                      <p:cBhvr>
+                                        <p:cTn id="10" dur="500"/>
+                                        <p:tgtEl>
+                                          <p:spTgt spid="11"/>
+                                        </p:tgtEl>
+                                      </p:cBhvr>
+                                    </p:animEffect>
+                                  </p:childTnLst>
+                                </p:cTn>
+                              </p:par>
+                            </p:childTnLst>
+                          </p:cTn>
+                        </p:par>
+                      </p:childTnLst>
+                    </p:cTn>
+                  </p:par>
+                  <p:par>
+                    <p:cTn id="11" fill="hold">
+                      <p:stCondLst>
+                        <p:cond delay="indefinite"/>
+                      </p:stCondLst>
+                      <p:childTnLst>
+                        <p:par>
+                          <p:cTn id="12" fill="hold">
+                            <p:stCondLst>
+                              <p:cond delay="0"/>
+                            </p:stCondLst>
+                            <p:childTnLst>
+                              <p:par>
+                                <p:cTn id="13" presetID="10" presetClass="entr" presetSubtype="0" fill="hold" nodeType="clickEffect">
+                                  <p:stCondLst>
+                                    <p:cond delay="0"/>
+                                  </p:stCondLst>
+                                  <p:childTnLst>
+                                    <p:set>
+                                      <p:cBhvr>
+                                        <p:cTn id="14" dur="1" fill="hold">
+                                          <p:stCondLst>
+                                            <p:cond delay="0"/>
+                                          </p:stCondLst>
+                                        </p:cTn>
+                                        <p:tgtEl>
+                                          <p:spTgt spid="49">
+                                            <p:txEl>
+                                              <p:pRg st="3" end="3"/>
+                                            </p:txEl>
+                                          </p:spTgt>
+                                        </p:tgtEl>
+                                        <p:attrNameLst>
+                                          <p:attrName>style.visibility</p:attrName>
+                                        </p:attrNameLst>
+                                      </p:cBhvr>
+                                      <p:to>
+                                        <p:strVal val="visible"/>
+                                      </p:to>
+                                    </p:set>
+                                    <p:animEffect transition="in" filter="fade">
+                                      <p:cBhvr>
+                                        <p:cTn id="15" dur="500"/>
+                                        <p:tgtEl>
+                                          <p:spTgt spid="49">
+                                            <p:txEl>
+                                              <p:pRg st="3" end="3"/>
+                                            </p:txEl>
+                                          </p:spTgt>
+                                        </p:tgtEl>
+                                      </p:cBhvr>
+                                    </p:animEffect>
+                                  </p:childTnLst>
+                                </p:cTn>
+                              </p:par>
+                              <p:par>
+                                <p:cTn id="16" presetID="10" presetClass="entr" presetSubtype="0" fill="hold" grpId="0" nodeType="withEffect">
+                                  <p:stCondLst>
+                                    <p:cond delay="0"/>
+                                  </p:stCondLst>
+                                  <p:childTnLst>
+                                    <p:set>
+                                      <p:cBhvr>
+                                        <p:cTn id="17" dur="1" fill="hold">
+                                          <p:stCondLst>
+                                            <p:cond delay="0"/>
+                                          </p:stCondLst>
+                                        </p:cTn>
+                                        <p:tgtEl>
+                                          <p:spTgt spid="57"/>
+                                        </p:tgtEl>
+                                        <p:attrNameLst>
+                                          <p:attrName>style.visibility</p:attrName>
+                                        </p:attrNameLst>
+                                      </p:cBhvr>
+                                      <p:to>
+                                        <p:strVal val="visible"/>
+                                      </p:to>
+                                    </p:set>
+                                    <p:animEffect transition="in" filter="fade">
+                                      <p:cBhvr>
+                                        <p:cTn id="18" dur="500"/>
+                                        <p:tgtEl>
+                                          <p:spTgt spid="57"/>
+                                        </p:tgtEl>
+                                      </p:cBhvr>
+                                    </p:animEffect>
+                                  </p:childTnLst>
+                                </p:cTn>
+                              </p:par>
+                            </p:childTnLst>
+                          </p:cTn>
+                        </p:par>
+                      </p:childTnLst>
+                    </p:cTn>
+                  </p:par>
+                  <p:par>
+                    <p:cTn id="19" fill="hold">
+                      <p:stCondLst>
+                        <p:cond delay="indefinite"/>
+                      </p:stCondLst>
+                      <p:childTnLst>
+                        <p:par>
+                          <p:cTn id="20" fill="hold">
+                            <p:stCondLst>
+                              <p:cond delay="0"/>
+                            </p:stCondLst>
+                            <p:childTnLst>
+                              <p:par>
+                                <p:cTn id="21" presetID="10" presetClass="entr" presetSubtype="0" fill="hold" nodeType="clickEffect">
+                                  <p:stCondLst>
+                                    <p:cond delay="0"/>
+                                  </p:stCondLst>
+                                  <p:childTnLst>
+                                    <p:set>
+                                      <p:cBhvr>
+                                        <p:cTn id="22" dur="1" fill="hold">
+                                          <p:stCondLst>
+                                            <p:cond delay="0"/>
+                                          </p:stCondLst>
+                                        </p:cTn>
+                                        <p:tgtEl>
+                                          <p:spTgt spid="49">
+                                            <p:txEl>
+                                              <p:pRg st="4" end="4"/>
+                                            </p:txEl>
+                                          </p:spTgt>
+                                        </p:tgtEl>
+                                        <p:attrNameLst>
+                                          <p:attrName>style.visibility</p:attrName>
+                                        </p:attrNameLst>
+                                      </p:cBhvr>
+                                      <p:to>
+                                        <p:strVal val="visible"/>
+                                      </p:to>
+                                    </p:set>
+                                    <p:animEffect transition="in" filter="fade">
+                                      <p:cBhvr>
+                                        <p:cTn id="23" dur="500"/>
+                                        <p:tgtEl>
+                                          <p:spTgt spid="49">
+                                            <p:txEl>
+                                              <p:pRg st="4" end="4"/>
+                                            </p:txEl>
+                                          </p:spTgt>
+                                        </p:tgtEl>
+                                      </p:cBhvr>
+                                    </p:animEffect>
+                                  </p:childTnLst>
+                                </p:cTn>
+                              </p:par>
+                              <p:par>
+                                <p:cTn id="24" presetID="10" presetClass="entr" presetSubtype="0" fill="hold" nodeType="withEffect">
+                                  <p:stCondLst>
+                                    <p:cond delay="0"/>
+                                  </p:stCondLst>
+                                  <p:childTnLst>
+                                    <p:set>
+                                      <p:cBhvr>
+                                        <p:cTn id="25" dur="1" fill="hold">
+                                          <p:stCondLst>
+                                            <p:cond delay="0"/>
+                                          </p:stCondLst>
+                                        </p:cTn>
+                                        <p:tgtEl>
+                                          <p:spTgt spid="49">
+                                            <p:txEl>
+                                              <p:pRg st="5" end="5"/>
+                                            </p:txEl>
+                                          </p:spTgt>
+                                        </p:tgtEl>
+                                        <p:attrNameLst>
+                                          <p:attrName>style.visibility</p:attrName>
+                                        </p:attrNameLst>
+                                      </p:cBhvr>
+                                      <p:to>
+                                        <p:strVal val="visible"/>
+                                      </p:to>
+                                    </p:set>
+                                    <p:animEffect transition="in" filter="fade">
+                                      <p:cBhvr>
+                                        <p:cTn id="26" dur="500"/>
+                                        <p:tgtEl>
+                                          <p:spTgt spid="49">
+                                            <p:txEl>
+                                              <p:pRg st="5" end="5"/>
+                                            </p:txEl>
+                                          </p:spTgt>
+                                        </p:tgtEl>
+                                      </p:cBhvr>
+                                    </p:animEffect>
+                                  </p:childTnLst>
+                                </p:cTn>
+                              </p:par>
+                              <p:par>
+                                <p:cTn id="27" presetID="10" presetClass="entr" presetSubtype="0" fill="hold" grpId="0" nodeType="withEffect">
+                                  <p:stCondLst>
+                                    <p:cond delay="0"/>
+                                  </p:stCondLst>
+                                  <p:childTnLst>
+                                    <p:set>
+                                      <p:cBhvr>
+                                        <p:cTn id="28" dur="1" fill="hold">
+                                          <p:stCondLst>
+                                            <p:cond delay="0"/>
+                                          </p:stCondLst>
+                                        </p:cTn>
+                                        <p:tgtEl>
+                                          <p:spTgt spid="58"/>
+                                        </p:tgtEl>
+                                        <p:attrNameLst>
+                                          <p:attrName>style.visibility</p:attrName>
+                                        </p:attrNameLst>
+                                      </p:cBhvr>
+                                      <p:to>
+                                        <p:strVal val="visible"/>
+                                      </p:to>
+                                    </p:set>
+                                    <p:animEffect transition="in" filter="fade">
+                                      <p:cBhvr>
+                                        <p:cTn id="29" dur="500"/>
+                                        <p:tgtEl>
+                                          <p:spTgt spid="58"/>
+                                        </p:tgtEl>
+                                      </p:cBhvr>
+                                    </p:animEffect>
+                                  </p:childTnLst>
+                                </p:cTn>
+                              </p:par>
+                            </p:childTnLst>
+                          </p:cTn>
+                        </p:par>
+                      </p:childTnLst>
+                    </p:cTn>
+                  </p:par>
+                  <p:par>
+                    <p:cTn id="30" fill="hold">
+                      <p:stCondLst>
+                        <p:cond delay="indefinite"/>
+                      </p:stCondLst>
+                      <p:childTnLst>
+                        <p:par>
+                          <p:cTn id="31" fill="hold">
+                            <p:stCondLst>
+                              <p:cond delay="0"/>
+                            </p:stCondLst>
+                            <p:childTnLst>
+                              <p:par>
+                                <p:cTn id="32" presetID="10" presetClass="entr" presetSubtype="0" fill="hold" nodeType="clickEffect">
+                                  <p:stCondLst>
+                                    <p:cond delay="0"/>
+                                  </p:stCondLst>
+                                  <p:childTnLst>
+                                    <p:set>
+                                      <p:cBhvr>
+                                        <p:cTn id="33" dur="1" fill="hold">
+                                          <p:stCondLst>
+                                            <p:cond delay="0"/>
+                                          </p:stCondLst>
+                                        </p:cTn>
+                                        <p:tgtEl>
+                                          <p:spTgt spid="49">
+                                            <p:txEl>
+                                              <p:pRg st="6" end="6"/>
+                                            </p:txEl>
+                                          </p:spTgt>
+                                        </p:tgtEl>
+                                        <p:attrNameLst>
+                                          <p:attrName>style.visibility</p:attrName>
+                                        </p:attrNameLst>
+                                      </p:cBhvr>
+                                      <p:to>
+                                        <p:strVal val="visible"/>
+                                      </p:to>
+                                    </p:set>
+                                    <p:animEffect transition="in" filter="fade">
+                                      <p:cBhvr>
+                                        <p:cTn id="34" dur="500"/>
+                                        <p:tgtEl>
+                                          <p:spTgt spid="49">
+                                            <p:txEl>
+                                              <p:pRg st="6" end="6"/>
+                                            </p:txEl>
+                                          </p:spTgt>
+                                        </p:tgtEl>
+                                      </p:cBhvr>
+                                    </p:animEffect>
+                                  </p:childTnLst>
+                                </p:cTn>
+                              </p:par>
+                              <p:par>
+                                <p:cTn id="35" presetID="10" presetClass="entr" presetSubtype="0" fill="hold" grpId="0" nodeType="withEffect">
+                                  <p:stCondLst>
+                                    <p:cond delay="0"/>
+                                  </p:stCondLst>
+                                  <p:childTnLst>
+                                    <p:set>
+                                      <p:cBhvr>
+                                        <p:cTn id="36" dur="1" fill="hold">
+                                          <p:stCondLst>
+                                            <p:cond delay="0"/>
+                                          </p:stCondLst>
+                                        </p:cTn>
+                                        <p:tgtEl>
+                                          <p:spTgt spid="64"/>
+                                        </p:tgtEl>
+                                        <p:attrNameLst>
+                                          <p:attrName>style.visibility</p:attrName>
+                                        </p:attrNameLst>
+                                      </p:cBhvr>
+                                      <p:to>
+                                        <p:strVal val="visible"/>
+                                      </p:to>
+                                    </p:set>
+                                    <p:animEffect transition="in" filter="fade">
+                                      <p:cBhvr>
+                                        <p:cTn id="37" dur="500"/>
+                                        <p:tgtEl>
+                                          <p:spTgt spid="64"/>
+                                        </p:tgtEl>
+                                      </p:cBhvr>
+                                    </p:animEffect>
+                                  </p:childTnLst>
+                                </p:cTn>
+                              </p:par>
+                            </p:childTnLst>
+                          </p:cTn>
+                        </p:par>
+                      </p:childTnLst>
+                    </p:cTn>
+                  </p:par>
+                  <p:par>
+                    <p:cTn id="38" fill="hold">
+                      <p:stCondLst>
+                        <p:cond delay="indefinite"/>
+                      </p:stCondLst>
+                      <p:childTnLst>
+                        <p:par>
+                          <p:cTn id="39" fill="hold">
+                            <p:stCondLst>
+                              <p:cond delay="0"/>
+                            </p:stCondLst>
+                            <p:childTnLst>
+                              <p:par>
+                                <p:cTn id="40" presetID="10" presetClass="entr" presetSubtype="0" fill="hold" nodeType="clickEffect">
+                                  <p:stCondLst>
+                                    <p:cond delay="0"/>
+                                  </p:stCondLst>
+                                  <p:childTnLst>
+                                    <p:set>
+                                      <p:cBhvr>
+                                        <p:cTn id="41" dur="1" fill="hold">
+                                          <p:stCondLst>
+                                            <p:cond delay="0"/>
+                                          </p:stCondLst>
+                                        </p:cTn>
+                                        <p:tgtEl>
+                                          <p:spTgt spid="49">
+                                            <p:txEl>
+                                              <p:pRg st="7" end="7"/>
+                                            </p:txEl>
+                                          </p:spTgt>
+                                        </p:tgtEl>
+                                        <p:attrNameLst>
+                                          <p:attrName>style.visibility</p:attrName>
+                                        </p:attrNameLst>
+                                      </p:cBhvr>
+                                      <p:to>
+                                        <p:strVal val="visible"/>
+                                      </p:to>
+                                    </p:set>
+                                    <p:animEffect transition="in" filter="fade">
+                                      <p:cBhvr>
+                                        <p:cTn id="42" dur="500"/>
+                                        <p:tgtEl>
+                                          <p:spTgt spid="49">
+                                            <p:txEl>
+                                              <p:pRg st="7" end="7"/>
+                                            </p:txEl>
+                                          </p:spTgt>
+                                        </p:tgtEl>
+                                      </p:cBhvr>
+                                    </p:animEffect>
+                                  </p:childTnLst>
+                                </p:cTn>
+                              </p:par>
+                              <p:par>
+                                <p:cTn id="43" presetID="10" presetClass="entr" presetSubtype="0" fill="hold" nodeType="withEffect">
+                                  <p:stCondLst>
+                                    <p:cond delay="0"/>
+                                  </p:stCondLst>
+                                  <p:childTnLst>
+                                    <p:set>
+                                      <p:cBhvr>
+                                        <p:cTn id="44" dur="1" fill="hold">
+                                          <p:stCondLst>
+                                            <p:cond delay="0"/>
+                                          </p:stCondLst>
+                                        </p:cTn>
+                                        <p:tgtEl>
+                                          <p:spTgt spid="49">
+                                            <p:txEl>
+                                              <p:pRg st="8" end="8"/>
+                                            </p:txEl>
+                                          </p:spTgt>
+                                        </p:tgtEl>
+                                        <p:attrNameLst>
+                                          <p:attrName>style.visibility</p:attrName>
+                                        </p:attrNameLst>
+                                      </p:cBhvr>
+                                      <p:to>
+                                        <p:strVal val="visible"/>
+                                      </p:to>
+                                    </p:set>
+                                    <p:animEffect transition="in" filter="fade">
+                                      <p:cBhvr>
+                                        <p:cTn id="45" dur="500"/>
+                                        <p:tgtEl>
+                                          <p:spTgt spid="49">
+                                            <p:txEl>
+                                              <p:pRg st="8" end="8"/>
+                                            </p:txEl>
+                                          </p:spTgt>
+                                        </p:tgtEl>
+                                      </p:cBhvr>
+                                    </p:animEffect>
+                                  </p:childTnLst>
+                                </p:cTn>
+                              </p:par>
+                              <p:par>
+                                <p:cTn id="46" presetID="10" presetClass="entr" presetSubtype="0" fill="hold" grpId="0" nodeType="withEffect">
+                                  <p:stCondLst>
+                                    <p:cond delay="0"/>
+                                  </p:stCondLst>
+                                  <p:childTnLst>
+                                    <p:set>
+                                      <p:cBhvr>
+                                        <p:cTn id="47" dur="1" fill="hold">
+                                          <p:stCondLst>
+                                            <p:cond delay="0"/>
+                                          </p:stCondLst>
+                                        </p:cTn>
+                                        <p:tgtEl>
+                                          <p:spTgt spid="59"/>
+                                        </p:tgtEl>
+                                        <p:attrNameLst>
+                                          <p:attrName>style.visibility</p:attrName>
+                                        </p:attrNameLst>
+                                      </p:cBhvr>
+                                      <p:to>
+                                        <p:strVal val="visible"/>
+                                      </p:to>
+                                    </p:set>
+                                    <p:animEffect transition="in" filter="fade">
+                                      <p:cBhvr>
+                                        <p:cTn id="48" dur="500"/>
+                                        <p:tgtEl>
+                                          <p:spTgt spid="59"/>
+                                        </p:tgtEl>
+                                      </p:cBhvr>
+                                    </p:animEffect>
+                                  </p:childTnLst>
+                                </p:cTn>
+                              </p:par>
+                            </p:childTnLst>
+                          </p:cTn>
+                        </p:par>
+                      </p:childTnLst>
+                    </p:cTn>
+                  </p:par>
+                  <p:par>
+                    <p:cTn id="49" fill="hold">
+                      <p:stCondLst>
+                        <p:cond delay="indefinite"/>
+                      </p:stCondLst>
+                      <p:childTnLst>
+                        <p:par>
+                          <p:cTn id="50" fill="hold">
+                            <p:stCondLst>
+                              <p:cond delay="0"/>
+                            </p:stCondLst>
+                            <p:childTnLst>
+                              <p:par>
+                                <p:cTn id="51" presetID="10" presetClass="entr" presetSubtype="0" fill="hold" nodeType="clickEffect">
+                                  <p:stCondLst>
+                                    <p:cond delay="0"/>
+                                  </p:stCondLst>
+                                  <p:childTnLst>
+                                    <p:set>
+                                      <p:cBhvr>
+                                        <p:cTn id="52" dur="1" fill="hold">
+                                          <p:stCondLst>
+                                            <p:cond delay="0"/>
+                                          </p:stCondLst>
+                                        </p:cTn>
+                                        <p:tgtEl>
+                                          <p:spTgt spid="49">
+                                            <p:txEl>
+                                              <p:pRg st="9" end="9"/>
+                                            </p:txEl>
+                                          </p:spTgt>
+                                        </p:tgtEl>
+                                        <p:attrNameLst>
+                                          <p:attrName>style.visibility</p:attrName>
+                                        </p:attrNameLst>
+                                      </p:cBhvr>
+                                      <p:to>
+                                        <p:strVal val="visible"/>
+                                      </p:to>
+                                    </p:set>
+                                    <p:animEffect transition="in" filter="fade">
+                                      <p:cBhvr>
+                                        <p:cTn id="53" dur="500"/>
+                                        <p:tgtEl>
+                                          <p:spTgt spid="49">
+                                            <p:txEl>
+                                              <p:pRg st="9" end="9"/>
+                                            </p:txEl>
+                                          </p:spTgt>
+                                        </p:tgtEl>
+                                      </p:cBhvr>
+                                    </p:animEffect>
+                                  </p:childTnLst>
+                                </p:cTn>
+                              </p:par>
+                              <p:par>
+                                <p:cTn id="54" presetID="10" presetClass="entr" presetSubtype="0" fill="hold" nodeType="withEffect">
+                                  <p:stCondLst>
+                                    <p:cond delay="0"/>
+                                  </p:stCondLst>
+                                  <p:childTnLst>
+                                    <p:set>
+                                      <p:cBhvr>
+                                        <p:cTn id="55" dur="1" fill="hold">
+                                          <p:stCondLst>
+                                            <p:cond delay="0"/>
+                                          </p:stCondLst>
+                                        </p:cTn>
+                                        <p:tgtEl>
+                                          <p:spTgt spid="49">
+                                            <p:txEl>
+                                              <p:pRg st="10" end="10"/>
+                                            </p:txEl>
+                                          </p:spTgt>
+                                        </p:tgtEl>
+                                        <p:attrNameLst>
+                                          <p:attrName>style.visibility</p:attrName>
+                                        </p:attrNameLst>
+                                      </p:cBhvr>
+                                      <p:to>
+                                        <p:strVal val="visible"/>
+                                      </p:to>
+                                    </p:set>
+                                    <p:animEffect transition="in" filter="fade">
+                                      <p:cBhvr>
+                                        <p:cTn id="56" dur="500"/>
+                                        <p:tgtEl>
+                                          <p:spTgt spid="49">
+                                            <p:txEl>
+                                              <p:pRg st="10" end="10"/>
+                                            </p:txEl>
+                                          </p:spTgt>
+                                        </p:tgtEl>
+                                      </p:cBhvr>
+                                    </p:animEffect>
+                                  </p:childTnLst>
+                                </p:cTn>
+                              </p:par>
+                              <p:par>
+                                <p:cTn id="57" presetID="10" presetClass="entr" presetSubtype="0" fill="hold" grpId="0" nodeType="withEffect">
+                                  <p:stCondLst>
+                                    <p:cond delay="0"/>
+                                  </p:stCondLst>
+                                  <p:childTnLst>
+                                    <p:set>
+                                      <p:cBhvr>
+                                        <p:cTn id="58" dur="1" fill="hold">
+                                          <p:stCondLst>
+                                            <p:cond delay="0"/>
+                                          </p:stCondLst>
+                                        </p:cTn>
+                                        <p:tgtEl>
+                                          <p:spTgt spid="68"/>
+                                        </p:tgtEl>
+                                        <p:attrNameLst>
+                                          <p:attrName>style.visibility</p:attrName>
+                                        </p:attrNameLst>
+                                      </p:cBhvr>
+                                      <p:to>
+                                        <p:strVal val="visible"/>
+                                      </p:to>
+                                    </p:set>
+                                    <p:animEffect transition="in" filter="fade">
+                                      <p:cBhvr>
+                                        <p:cTn id="59" dur="500"/>
+                                        <p:tgtEl>
+                                          <p:spTgt spid="68"/>
+                                        </p:tgtEl>
+                                      </p:cBhvr>
+                                    </p:animEffect>
+                                  </p:childTnLst>
+                                </p:cTn>
+                              </p:par>
+                            </p:childTnLst>
+                          </p:cTn>
+                        </p:par>
+                      </p:childTnLst>
+                    </p:cTn>
+                  </p:par>
+                </p:childTnLst>
+              </p:cTn>
+              <p:prevCondLst>
+                <p:cond evt="onPrev" delay="0">
+                  <p:tgtEl>
+                    <p:sldTgt/>
+                  </p:tgtEl>
+                </p:cond>
+              </p:prevCondLst>
+              <p:nextCondLst>
+                <p:cond evt="onNext" delay="0">
+                  <p:tgtEl>
+                    <p:sldTgt/>
+                  </p:tgtEl>
+                </p:cond>
+              </p:nextCondLst>
+            </p:seq>
+          </p:childTnLst>
+        </p:cTn>
+      </p:par>
+    </p:tnLst>
+    <p:bldLst>
+      <p:bldP spid="11" grpId="0" animBg="1"/>
+      <p:bldP spid="57" grpId="0" animBg="1"/>
+      <p:bldP spid="58" grpId="0" animBg="1"/>
+      <p:bldP spid="59" grpId="0" animBg="1"/>
+      <p:bldP spid="64" grpId="0" animBg="1"/>
+      <p:bldP spid="68" grpId="0" animBg="1"/>
+    </p:bldLst>
+  </p:timing>
+</p:sld>
+</file>
+
+<file path=ppt/slides/slide12.xml><?xml version="1.0" encoding="utf-8"?>
+<p:sld xmlns:a="http://schemas.openxmlformats.org/drawingml/2006/main" xmlns:r="http://schemas.openxmlformats.org/officeDocument/2006/relationships" xmlns:p="http://schemas.openxmlformats.org/presentationml/2006/main">
+  <p:cSld>
+    <p:spTree>
+      <p:nvGrpSpPr>
+        <p:cNvPr id="1" name=""/>
+        <p:cNvGrpSpPr/>
+        <p:nvPr/>
+      </p:nvGrpSpPr>
+      <p:grpSpPr>
+        <a:xfrm>
+          <a:off x="0" y="0"/>
+          <a:ext cx="0" cy="0"/>
+          <a:chOff x="0" y="0"/>
+          <a:chExt cx="0" cy="0"/>
+        </a:xfrm>
+      </p:grpSpPr>
+      <p:sp>
+        <p:nvSpPr>
+          <p:cNvPr id="2" name="Title 1"/>
+          <p:cNvSpPr>
+            <a:spLocks noGrp="1"/>
+          </p:cNvSpPr>
+          <p:nvPr>
+            <p:ph type="title"/>
+          </p:nvPr>
+        </p:nvSpPr>
+        <p:spPr/>
+        <p:txBody>
+          <a:bodyPr/>
+          <a:lstStyle/>
+          <a:p>
+            <a:r>
+              <a:rPr lang="sv-SE" b="1" dirty="0" smtClean="0"/>
+              <a:t>But what about location transparency?</a:t>
+            </a:r>
+            <a:endParaRPr lang="sv-SE" b="1" dirty="0"/>
+          </a:p>
+        </p:txBody>
+      </p:sp>
+      <p:sp>
+        <p:nvSpPr>
+          <p:cNvPr id="3" name="Content Placeholder 2"/>
+          <p:cNvSpPr>
+            <a:spLocks noGrp="1"/>
+          </p:cNvSpPr>
+          <p:nvPr>
+            <p:ph idx="1"/>
+          </p:nvPr>
+        </p:nvSpPr>
+        <p:spPr/>
+        <p:txBody>
+          <a:bodyPr>
+            <a:normAutofit/>
+          </a:bodyPr>
+          <a:lstStyle/>
+          <a:p>
+            <a:pPr marL="0" indent="0">
+              <a:buNone/>
+            </a:pPr>
+            <a:r>
+              <a:rPr lang="sv-SE" dirty="0" smtClean="0"/>
+              <a:t>Location transparency can only truly exist in an environment that</a:t>
+            </a:r>
+          </a:p>
+          <a:p>
+            <a:pPr marL="0" indent="0">
+              <a:buNone/>
+            </a:pPr>
+            <a:r>
+              <a:rPr lang="sv-SE" dirty="0"/>
+              <a:t>a</a:t>
+            </a:r>
+            <a:r>
+              <a:rPr lang="sv-SE" dirty="0" smtClean="0"/>
+              <a:t>utomatically yields execution, e.g. the Erlang BEAM.</a:t>
+            </a:r>
+          </a:p>
+          <a:p>
+            <a:pPr marL="0" indent="0">
+              <a:buNone/>
+            </a:pPr>
+            <a:endParaRPr lang="sv-SE" dirty="0"/>
+          </a:p>
+          <a:p>
+            <a:pPr marL="0" indent="0">
+              <a:buNone/>
+            </a:pPr>
+            <a:r>
+              <a:rPr lang="sv-SE" dirty="0" smtClean="0"/>
+              <a:t>If you are executing in a shared pool of resources (threads, sockets), if some code is blocking, then you are no longer location transparent.</a:t>
+            </a:r>
+          </a:p>
+        </p:txBody>
+      </p:sp>
+    </p:spTree>
+    <p:extLst>
+      <p:ext uri="{BB962C8B-B14F-4D97-AF65-F5344CB8AC3E}">
+        <p14:creationId xmlns:p14="http://schemas.microsoft.com/office/powerpoint/2010/main" val="692188553"/>
       </p:ext>
     </p:extLst>
   </p:cSld>
@@ -12509,15 +15742,7 @@
                   <a:schemeClr val="tx1"/>
                 </a:solidFill>
               </a:rPr>
-              <a:t>Once the events are assigned to a specific partition, it’s easy to build a stateful system behind the worker consuming this partition</a:t>
-            </a:r>
-            <a:r>
-              <a:rPr lang="sv-SE" sz="1600" dirty="0" smtClean="0">
-                <a:solidFill>
-                  <a:schemeClr val="tx1"/>
-                </a:solidFill>
-              </a:rPr>
-              <a:t>.</a:t>
+              <a:t>Once the events are assigned to a specific partition, it’s easy to build a stateful system behind the worker consuming this partition.</a:t>
             </a:r>
             <a:endParaRPr lang="sv-SE" sz="1600" b="1" dirty="0">
               <a:solidFill>
@@ -12628,17 +15853,17 @@
         </p:nvSpPr>
         <p:spPr>
           <a:xfrm>
-            <a:off x="9574306" y="2079782"/>
-            <a:ext cx="2102631" cy="1144026"/>
+            <a:off x="8716341" y="2079782"/>
+            <a:ext cx="2960597" cy="1144026"/>
           </a:xfrm>
           <a:prstGeom prst="roundRect">
-            <a:avLst/>
+            <a:avLst>
+              <a:gd name="adj" fmla="val 50000"/>
+            </a:avLst>
           </a:prstGeom>
-          <a:ln w="50800">
+          <a:ln w="25400">
             <a:solidFill>
-              <a:schemeClr val="accent1">
-                <a:lumMod val="50000"/>
-              </a:schemeClr>
+              <a:schemeClr val="bg1"/>
             </a:solidFill>
           </a:ln>
         </p:spPr>
@@ -12665,7 +15890,7 @@
             <a:pPr algn="ctr"/>
             <a:r>
               <a:rPr lang="sv-SE" b="1" dirty="0" smtClean="0"/>
-              <a:t>Stateful</a:t>
+              <a:t>              Stateful</a:t>
             </a:r>
             <a:endParaRPr lang="sv-SE" b="1" dirty="0"/>
           </a:p>
@@ -12688,11 +15913,9 @@
           <a:solidFill>
             <a:schemeClr val="accent1"/>
           </a:solidFill>
-          <a:ln w="50800">
+          <a:ln w="25400">
             <a:solidFill>
-              <a:schemeClr val="accent1">
-                <a:lumMod val="50000"/>
-              </a:schemeClr>
+              <a:schemeClr val="bg1"/>
             </a:solidFill>
           </a:ln>
         </p:spPr>
@@ -12755,11 +15978,9 @@
           <a:solidFill>
             <a:schemeClr val="accent1"/>
           </a:solidFill>
-          <a:ln w="50800">
+          <a:ln w="25400">
             <a:solidFill>
-              <a:schemeClr val="accent1">
-                <a:lumMod val="50000"/>
-              </a:schemeClr>
+              <a:schemeClr val="bg1"/>
             </a:solidFill>
           </a:ln>
         </p:spPr>
@@ -12820,11 +16041,9 @@
               <a:lumOff val="40000"/>
             </a:schemeClr>
           </a:solidFill>
-          <a:ln w="50800">
+          <a:ln w="25400">
             <a:solidFill>
-              <a:schemeClr val="accent1">
-                <a:lumMod val="50000"/>
-              </a:schemeClr>
+              <a:schemeClr val="bg1"/>
             </a:solidFill>
           </a:ln>
         </p:spPr>
@@ -12900,11 +16119,9 @@
               <a:avLst/>
             </a:prstGeom>
             <a:grpFill/>
-            <a:ln w="50800">
+            <a:ln w="25400">
               <a:solidFill>
-                <a:schemeClr val="accent1">
-                  <a:lumMod val="50000"/>
-                </a:schemeClr>
+                <a:schemeClr val="bg1"/>
               </a:solidFill>
             </a:ln>
           </p:spPr>
@@ -12951,11 +16168,9 @@
               <a:avLst/>
             </a:prstGeom>
             <a:grpFill/>
-            <a:ln w="50800">
+            <a:ln w="25400">
               <a:solidFill>
-                <a:schemeClr val="accent1">
-                  <a:lumMod val="50000"/>
-                </a:schemeClr>
+                <a:schemeClr val="bg1"/>
               </a:solidFill>
             </a:ln>
           </p:spPr>
@@ -13008,11 +16223,9 @@
               <a:lumOff val="40000"/>
             </a:schemeClr>
           </a:solidFill>
-          <a:ln w="50800">
+          <a:ln w="25400">
             <a:solidFill>
-              <a:schemeClr val="accent1">
-                <a:lumMod val="50000"/>
-              </a:schemeClr>
+              <a:schemeClr val="bg1"/>
             </a:solidFill>
           </a:ln>
         </p:spPr>
@@ -14265,15 +17478,7 @@
                   <a:schemeClr val="tx1"/>
                 </a:solidFill>
               </a:rPr>
-              <a:t>This </a:t>
-            </a:r>
-            <a:r>
-              <a:rPr lang="sv-SE" sz="1600" dirty="0" smtClean="0">
-                <a:solidFill>
-                  <a:schemeClr val="tx1"/>
-                </a:solidFill>
-              </a:rPr>
-              <a:t>is conceptually the same thing as </a:t>
+              <a:t>This is conceptually the same thing as </a:t>
             </a:r>
             <a:br>
               <a:rPr lang="sv-SE" sz="1600" dirty="0" smtClean="0">
@@ -14320,7 +17525,23 @@
                   <a:schemeClr val="tx1"/>
                 </a:solidFill>
               </a:rPr>
-              <a:t> in the sense that developers do not need to care where actors are placed.</a:t>
+              <a:t> in the sense that developers do not need to care where </a:t>
+            </a:r>
+            <a:r>
+              <a:rPr lang="sv-SE" sz="1600" dirty="0" smtClean="0">
+                <a:solidFill>
+                  <a:schemeClr val="tx1"/>
+                </a:solidFill>
+              </a:rPr>
+              <a:t>objects are </a:t>
+            </a:r>
+            <a:r>
+              <a:rPr lang="sv-SE" sz="1600" dirty="0" smtClean="0">
+                <a:solidFill>
+                  <a:schemeClr val="tx1"/>
+                </a:solidFill>
+              </a:rPr>
+              <a:t>placed.</a:t>
             </a:r>
           </a:p>
           <a:p>
@@ -14330,18 +17551,10 @@
                   <a:schemeClr val="tx1"/>
                 </a:solidFill>
               </a:rPr>
-              <a:t>Although in a more coarse grained way, </a:t>
+              <a:t>Although in a more coarse grained way, data </a:t>
             </a:r>
             <a:r>
-              <a:rPr lang="sv-SE" sz="1600">
-                <a:solidFill>
-                  <a:schemeClr val="tx1"/>
-                </a:solidFill>
-              </a:rPr>
-              <a:t>data </a:t>
-            </a:r>
-            <a:r>
-              <a:rPr lang="sv-SE" sz="1600" smtClean="0">
+              <a:rPr lang="sv-SE" sz="1600" dirty="0" smtClean="0">
                 <a:solidFill>
                   <a:schemeClr val="tx1"/>
                 </a:solidFill>
@@ -14354,18 +17567,10 @@
                   <a:schemeClr val="tx1"/>
                 </a:solidFill>
               </a:rPr>
-              <a:t>instead of individual </a:t>
+              <a:t>instead of individual actors</a:t>
             </a:r>
             <a:r>
-              <a:rPr lang="sv-SE" sz="1600">
-                <a:solidFill>
-                  <a:schemeClr val="tx1"/>
-                </a:solidFill>
-              </a:rPr>
-              <a:t>actors</a:t>
-            </a:r>
-            <a:r>
-              <a:rPr lang="sv-SE" sz="1600" smtClean="0">
+              <a:rPr lang="sv-SE" sz="1600" dirty="0" smtClean="0">
                 <a:solidFill>
                   <a:schemeClr val="tx1"/>
                 </a:solidFill>
@@ -14395,11 +17600,13 @@
         </p:nvSpPr>
         <p:spPr>
           <a:xfrm>
-            <a:off x="9574306" y="2079782"/>
-            <a:ext cx="2102631" cy="1144026"/>
+            <a:off x="8737441" y="2079782"/>
+            <a:ext cx="2939497" cy="1144026"/>
           </a:xfrm>
           <a:prstGeom prst="roundRect">
-            <a:avLst/>
+            <a:avLst>
+              <a:gd name="adj" fmla="val 50000"/>
+            </a:avLst>
           </a:prstGeom>
           <a:ln>
             <a:noFill/>
@@ -14797,8 +18004,8 @@
         </p:nvSpPr>
         <p:spPr>
           <a:xfrm>
-            <a:off x="4212646" y="1"/>
-            <a:ext cx="7739867" cy="6858000"/>
+            <a:off x="4212645" y="1"/>
+            <a:ext cx="7649951" cy="6858000"/>
           </a:xfrm>
           <a:prstGeom prst="rect">
             <a:avLst/>

--- a/ClusterSoftware/cluster.pptx
+++ b/ClusterSoftware/cluster.pptx
@@ -4249,11 +4249,6 @@
               </a:rPr>
               <a:t>Chose your own abstraction</a:t>
             </a:r>
-            <a:endParaRPr lang="sv-SE" sz="1600" b="1" dirty="0" smtClean="0">
-              <a:solidFill>
-                <a:schemeClr val="tx1"/>
-              </a:solidFill>
-            </a:endParaRPr>
           </a:p>
           <a:p>
             <a:endParaRPr lang="sv-SE" sz="1600" b="1" i="1" dirty="0">
@@ -6609,177 +6604,6 @@
       </p:sp>
       <p:sp>
         <p:nvSpPr>
-          <p:cNvPr id="37" name="Rounded Rectangle 36"/>
-          <p:cNvSpPr/>
-          <p:nvPr/>
-        </p:nvSpPr>
-        <p:spPr>
-          <a:xfrm>
-            <a:off x="7011045" y="2327214"/>
-            <a:ext cx="917623" cy="326175"/>
-          </a:xfrm>
-          <a:prstGeom prst="roundRect">
-            <a:avLst/>
-          </a:prstGeom>
-          <a:solidFill>
-            <a:schemeClr val="accent2">
-              <a:lumMod val="60000"/>
-              <a:lumOff val="40000"/>
-            </a:schemeClr>
-          </a:solidFill>
-          <a:ln w="25400">
-            <a:solidFill>
-              <a:schemeClr val="bg1"/>
-            </a:solidFill>
-          </a:ln>
-        </p:spPr>
-        <p:style>
-          <a:lnRef idx="2">
-            <a:schemeClr val="accent1">
-              <a:shade val="50000"/>
-            </a:schemeClr>
-          </a:lnRef>
-          <a:fillRef idx="1">
-            <a:schemeClr val="accent1"/>
-          </a:fillRef>
-          <a:effectRef idx="0">
-            <a:schemeClr val="accent1"/>
-          </a:effectRef>
-          <a:fontRef idx="minor">
-            <a:schemeClr val="lt1"/>
-          </a:fontRef>
-        </p:style>
-        <p:txBody>
-          <a:bodyPr rtlCol="0" anchor="ctr"/>
-          <a:lstStyle/>
-          <a:p>
-            <a:r>
-              <a:rPr lang="sv-SE" sz="1200" dirty="0" smtClean="0"/>
-              <a:t>partition</a:t>
-            </a:r>
-            <a:endParaRPr lang="sv-SE" sz="1200" dirty="0"/>
-          </a:p>
-        </p:txBody>
-      </p:sp>
-      <p:sp>
-        <p:nvSpPr>
-          <p:cNvPr id="38" name="Rounded Rectangle 37"/>
-          <p:cNvSpPr/>
-          <p:nvPr/>
-        </p:nvSpPr>
-        <p:spPr>
-          <a:xfrm>
-            <a:off x="7011047" y="2664424"/>
-            <a:ext cx="917623" cy="326175"/>
-          </a:xfrm>
-          <a:prstGeom prst="roundRect">
-            <a:avLst/>
-          </a:prstGeom>
-          <a:solidFill>
-            <a:schemeClr val="accent2">
-              <a:lumMod val="60000"/>
-              <a:lumOff val="40000"/>
-            </a:schemeClr>
-          </a:solidFill>
-          <a:ln w="25400">
-            <a:solidFill>
-              <a:schemeClr val="bg1"/>
-            </a:solidFill>
-          </a:ln>
-        </p:spPr>
-        <p:style>
-          <a:lnRef idx="2">
-            <a:schemeClr val="accent1">
-              <a:shade val="50000"/>
-            </a:schemeClr>
-          </a:lnRef>
-          <a:fillRef idx="1">
-            <a:schemeClr val="accent1"/>
-          </a:fillRef>
-          <a:effectRef idx="0">
-            <a:schemeClr val="accent1"/>
-          </a:effectRef>
-          <a:fontRef idx="minor">
-            <a:schemeClr val="lt1"/>
-          </a:fontRef>
-        </p:style>
-        <p:txBody>
-          <a:bodyPr rtlCol="0" anchor="ctr"/>
-          <a:lstStyle/>
-          <a:p>
-            <a:r>
-              <a:rPr lang="sv-SE" sz="1200" dirty="0" smtClean="0"/>
-              <a:t>partition</a:t>
-            </a:r>
-            <a:endParaRPr lang="sv-SE" sz="1200" dirty="0"/>
-          </a:p>
-        </p:txBody>
-      </p:sp>
-      <p:sp>
-        <p:nvSpPr>
-          <p:cNvPr id="23" name="Oval 22"/>
-          <p:cNvSpPr/>
-          <p:nvPr/>
-        </p:nvSpPr>
-        <p:spPr>
-          <a:xfrm>
-            <a:off x="7747321" y="2174458"/>
-            <a:ext cx="954676" cy="954676"/>
-          </a:xfrm>
-          <a:prstGeom prst="ellipse">
-            <a:avLst/>
-          </a:prstGeom>
-          <a:solidFill>
-            <a:schemeClr val="accent1">
-              <a:lumMod val="60000"/>
-              <a:lumOff val="40000"/>
-            </a:schemeClr>
-          </a:solidFill>
-          <a:ln w="25400">
-            <a:solidFill>
-              <a:schemeClr val="bg1"/>
-            </a:solidFill>
-          </a:ln>
-        </p:spPr>
-        <p:style>
-          <a:lnRef idx="2">
-            <a:schemeClr val="accent1">
-              <a:shade val="50000"/>
-            </a:schemeClr>
-          </a:lnRef>
-          <a:fillRef idx="1">
-            <a:schemeClr val="accent1"/>
-          </a:fillRef>
-          <a:effectRef idx="0">
-            <a:schemeClr val="accent1"/>
-          </a:effectRef>
-          <a:fontRef idx="minor">
-            <a:schemeClr val="lt1"/>
-          </a:fontRef>
-        </p:style>
-        <p:txBody>
-          <a:bodyPr lIns="0" tIns="0" rIns="0" bIns="0" rtlCol="0" anchor="ctr"/>
-          <a:lstStyle/>
-          <a:p>
-            <a:pPr algn="ctr"/>
-            <a:r>
-              <a:rPr lang="sv-SE" sz="1200" b="1" dirty="0" smtClean="0">
-                <a:solidFill>
-                  <a:schemeClr val="bg1"/>
-                </a:solidFill>
-              </a:rPr>
-              <a:t>consumer</a:t>
-            </a:r>
-            <a:endParaRPr lang="sv-SE" sz="800" b="1" dirty="0" smtClean="0">
-              <a:solidFill>
-                <a:schemeClr val="bg1"/>
-              </a:solidFill>
-            </a:endParaRPr>
-          </a:p>
-        </p:txBody>
-      </p:sp>
-      <p:sp>
-        <p:nvSpPr>
           <p:cNvPr id="9" name="Oval 8"/>
           <p:cNvSpPr/>
           <p:nvPr/>
@@ -7630,6 +7454,218 @@
             <a:endParaRPr lang="sv-SE" b="1" dirty="0">
               <a:solidFill>
                 <a:schemeClr val="tx1"/>
+              </a:solidFill>
+            </a:endParaRPr>
+          </a:p>
+        </p:txBody>
+      </p:sp>
+      <p:cxnSp>
+        <p:nvCxnSpPr>
+          <p:cNvPr id="50" name="Curved Connector 49"/>
+          <p:cNvCxnSpPr>
+            <a:stCxn id="16" idx="7"/>
+            <a:endCxn id="23" idx="2"/>
+          </p:cNvCxnSpPr>
+          <p:nvPr/>
+        </p:nvCxnSpPr>
+        <p:spPr>
+          <a:xfrm rot="5400000" flipH="1" flipV="1">
+            <a:off x="7103200" y="2326897"/>
+            <a:ext cx="319222" cy="969020"/>
+          </a:xfrm>
+          <a:prstGeom prst="curvedConnector2">
+            <a:avLst/>
+          </a:prstGeom>
+          <a:ln w="25400">
+            <a:solidFill>
+              <a:schemeClr val="accent1">
+                <a:lumMod val="75000"/>
+              </a:schemeClr>
+            </a:solidFill>
+            <a:tailEnd type="arrow"/>
+          </a:ln>
+        </p:spPr>
+        <p:style>
+          <a:lnRef idx="1">
+            <a:schemeClr val="accent1"/>
+          </a:lnRef>
+          <a:fillRef idx="0">
+            <a:schemeClr val="accent1"/>
+          </a:fillRef>
+          <a:effectRef idx="0">
+            <a:schemeClr val="accent1"/>
+          </a:effectRef>
+          <a:fontRef idx="minor">
+            <a:schemeClr val="tx1"/>
+          </a:fontRef>
+        </p:style>
+      </p:cxnSp>
+      <p:sp>
+        <p:nvSpPr>
+          <p:cNvPr id="37" name="Rounded Rectangle 36"/>
+          <p:cNvSpPr/>
+          <p:nvPr/>
+        </p:nvSpPr>
+        <p:spPr>
+          <a:xfrm>
+            <a:off x="7011045" y="2327214"/>
+            <a:ext cx="917623" cy="326175"/>
+          </a:xfrm>
+          <a:prstGeom prst="roundRect">
+            <a:avLst/>
+          </a:prstGeom>
+          <a:solidFill>
+            <a:schemeClr val="accent2">
+              <a:lumMod val="60000"/>
+              <a:lumOff val="40000"/>
+            </a:schemeClr>
+          </a:solidFill>
+          <a:ln w="25400">
+            <a:solidFill>
+              <a:schemeClr val="bg1"/>
+            </a:solidFill>
+          </a:ln>
+        </p:spPr>
+        <p:style>
+          <a:lnRef idx="2">
+            <a:schemeClr val="accent1">
+              <a:shade val="50000"/>
+            </a:schemeClr>
+          </a:lnRef>
+          <a:fillRef idx="1">
+            <a:schemeClr val="accent1"/>
+          </a:fillRef>
+          <a:effectRef idx="0">
+            <a:schemeClr val="accent1"/>
+          </a:effectRef>
+          <a:fontRef idx="minor">
+            <a:schemeClr val="lt1"/>
+          </a:fontRef>
+        </p:style>
+        <p:txBody>
+          <a:bodyPr rtlCol="0" anchor="ctr"/>
+          <a:lstStyle/>
+          <a:p>
+            <a:r>
+              <a:rPr lang="sv-SE" sz="1200" dirty="0" smtClean="0"/>
+              <a:t>partition</a:t>
+            </a:r>
+            <a:endParaRPr lang="sv-SE" sz="1200" dirty="0"/>
+          </a:p>
+        </p:txBody>
+      </p:sp>
+      <p:sp>
+        <p:nvSpPr>
+          <p:cNvPr id="38" name="Rounded Rectangle 37"/>
+          <p:cNvSpPr/>
+          <p:nvPr/>
+        </p:nvSpPr>
+        <p:spPr>
+          <a:xfrm>
+            <a:off x="7011047" y="2664424"/>
+            <a:ext cx="917623" cy="326175"/>
+          </a:xfrm>
+          <a:prstGeom prst="roundRect">
+            <a:avLst/>
+          </a:prstGeom>
+          <a:solidFill>
+            <a:schemeClr val="accent2">
+              <a:lumMod val="60000"/>
+              <a:lumOff val="40000"/>
+            </a:schemeClr>
+          </a:solidFill>
+          <a:ln w="25400">
+            <a:solidFill>
+              <a:schemeClr val="bg1"/>
+            </a:solidFill>
+          </a:ln>
+        </p:spPr>
+        <p:style>
+          <a:lnRef idx="2">
+            <a:schemeClr val="accent1">
+              <a:shade val="50000"/>
+            </a:schemeClr>
+          </a:lnRef>
+          <a:fillRef idx="1">
+            <a:schemeClr val="accent1"/>
+          </a:fillRef>
+          <a:effectRef idx="0">
+            <a:schemeClr val="accent1"/>
+          </a:effectRef>
+          <a:fontRef idx="minor">
+            <a:schemeClr val="lt1"/>
+          </a:fontRef>
+        </p:style>
+        <p:txBody>
+          <a:bodyPr rtlCol="0" anchor="ctr"/>
+          <a:lstStyle/>
+          <a:p>
+            <a:r>
+              <a:rPr lang="sv-SE" sz="1200" dirty="0" smtClean="0"/>
+              <a:t>partition</a:t>
+            </a:r>
+            <a:endParaRPr lang="sv-SE" sz="1200" dirty="0"/>
+          </a:p>
+        </p:txBody>
+      </p:sp>
+      <p:sp>
+        <p:nvSpPr>
+          <p:cNvPr id="23" name="Oval 22"/>
+          <p:cNvSpPr/>
+          <p:nvPr/>
+        </p:nvSpPr>
+        <p:spPr>
+          <a:xfrm>
+            <a:off x="7747321" y="2174458"/>
+            <a:ext cx="954676" cy="954676"/>
+          </a:xfrm>
+          <a:prstGeom prst="ellipse">
+            <a:avLst/>
+          </a:prstGeom>
+          <a:solidFill>
+            <a:schemeClr val="accent1">
+              <a:lumMod val="60000"/>
+              <a:lumOff val="40000"/>
+            </a:schemeClr>
+          </a:solidFill>
+          <a:ln w="25400">
+            <a:solidFill>
+              <a:schemeClr val="bg1"/>
+            </a:solidFill>
+          </a:ln>
+        </p:spPr>
+        <p:style>
+          <a:lnRef idx="2">
+            <a:schemeClr val="accent1">
+              <a:shade val="50000"/>
+            </a:schemeClr>
+          </a:lnRef>
+          <a:fillRef idx="1">
+            <a:schemeClr val="accent1"/>
+          </a:fillRef>
+          <a:effectRef idx="0">
+            <a:schemeClr val="accent1"/>
+          </a:effectRef>
+          <a:fontRef idx="minor">
+            <a:schemeClr val="lt1"/>
+          </a:fontRef>
+        </p:style>
+        <p:txBody>
+          <a:bodyPr lIns="0" tIns="0" rIns="0" bIns="0" rtlCol="0" anchor="ctr"/>
+          <a:lstStyle/>
+          <a:p>
+            <a:pPr algn="ctr"/>
+            <a:r>
+              <a:rPr lang="sv-SE" sz="1200" b="1" dirty="0" smtClean="0">
+                <a:solidFill>
+                  <a:schemeClr val="bg1"/>
+                </a:solidFill>
+              </a:rPr>
+              <a:t>consumer</a:t>
+            </a:r>
+            <a:endParaRPr lang="sv-SE" sz="800" b="1" dirty="0" smtClean="0">
+              <a:solidFill>
+                <a:schemeClr val="bg1"/>
               </a:solidFill>
             </a:endParaRPr>
           </a:p>
@@ -17525,23 +17561,7 @@
                   <a:schemeClr val="tx1"/>
                 </a:solidFill>
               </a:rPr>
-              <a:t> in the sense that developers do not need to care where </a:t>
-            </a:r>
-            <a:r>
-              <a:rPr lang="sv-SE" sz="1600" dirty="0" smtClean="0">
-                <a:solidFill>
-                  <a:schemeClr val="tx1"/>
-                </a:solidFill>
-              </a:rPr>
-              <a:t>objects are </a:t>
-            </a:r>
-            <a:r>
-              <a:rPr lang="sv-SE" sz="1600" dirty="0" smtClean="0">
-                <a:solidFill>
-                  <a:schemeClr val="tx1"/>
-                </a:solidFill>
-              </a:rPr>
-              <a:t>placed.</a:t>
+              <a:t> in the sense that developers do not need to care where objects are placed.</a:t>
             </a:r>
           </a:p>
           <a:p>

--- a/ClusterSoftware/cluster.pptx
+++ b/ClusterSoftware/cluster.pptx
@@ -16,7 +16,6 @@
     <p:sldId id="265" r:id="rId10"/>
     <p:sldId id="268" r:id="rId11"/>
     <p:sldId id="266" r:id="rId12"/>
-    <p:sldId id="267" r:id="rId13"/>
   </p:sldIdLst>
   <p:sldSz cx="12192000" cy="6858000"/>
   <p:notesSz cx="6858000" cy="9144000"/>
@@ -254,7 +253,7 @@
           <a:p>
             <a:fld id="{41349802-C406-439E-BB08-4E127FE88810}" type="datetimeFigureOut">
               <a:rPr lang="sv-SE" smtClean="0"/>
-              <a:t>2016-11-06</a:t>
+              <a:t>2016-11-07</a:t>
             </a:fld>
             <a:endParaRPr lang="sv-SE"/>
           </a:p>
@@ -424,7 +423,7 @@
           <a:p>
             <a:fld id="{41349802-C406-439E-BB08-4E127FE88810}" type="datetimeFigureOut">
               <a:rPr lang="sv-SE" smtClean="0"/>
-              <a:t>2016-11-06</a:t>
+              <a:t>2016-11-07</a:t>
             </a:fld>
             <a:endParaRPr lang="sv-SE"/>
           </a:p>
@@ -604,7 +603,7 @@
           <a:p>
             <a:fld id="{41349802-C406-439E-BB08-4E127FE88810}" type="datetimeFigureOut">
               <a:rPr lang="sv-SE" smtClean="0"/>
-              <a:t>2016-11-06</a:t>
+              <a:t>2016-11-07</a:t>
             </a:fld>
             <a:endParaRPr lang="sv-SE"/>
           </a:p>
@@ -774,7 +773,7 @@
           <a:p>
             <a:fld id="{41349802-C406-439E-BB08-4E127FE88810}" type="datetimeFigureOut">
               <a:rPr lang="sv-SE" smtClean="0"/>
-              <a:t>2016-11-06</a:t>
+              <a:t>2016-11-07</a:t>
             </a:fld>
             <a:endParaRPr lang="sv-SE"/>
           </a:p>
@@ -1020,7 +1019,7 @@
           <a:p>
             <a:fld id="{41349802-C406-439E-BB08-4E127FE88810}" type="datetimeFigureOut">
               <a:rPr lang="sv-SE" smtClean="0"/>
-              <a:t>2016-11-06</a:t>
+              <a:t>2016-11-07</a:t>
             </a:fld>
             <a:endParaRPr lang="sv-SE"/>
           </a:p>
@@ -1252,7 +1251,7 @@
           <a:p>
             <a:fld id="{41349802-C406-439E-BB08-4E127FE88810}" type="datetimeFigureOut">
               <a:rPr lang="sv-SE" smtClean="0"/>
-              <a:t>2016-11-06</a:t>
+              <a:t>2016-11-07</a:t>
             </a:fld>
             <a:endParaRPr lang="sv-SE"/>
           </a:p>
@@ -1619,7 +1618,7 @@
           <a:p>
             <a:fld id="{41349802-C406-439E-BB08-4E127FE88810}" type="datetimeFigureOut">
               <a:rPr lang="sv-SE" smtClean="0"/>
-              <a:t>2016-11-06</a:t>
+              <a:t>2016-11-07</a:t>
             </a:fld>
             <a:endParaRPr lang="sv-SE"/>
           </a:p>
@@ -1737,7 +1736,7 @@
           <a:p>
             <a:fld id="{41349802-C406-439E-BB08-4E127FE88810}" type="datetimeFigureOut">
               <a:rPr lang="sv-SE" smtClean="0"/>
-              <a:t>2016-11-06</a:t>
+              <a:t>2016-11-07</a:t>
             </a:fld>
             <a:endParaRPr lang="sv-SE"/>
           </a:p>
@@ -1832,7 +1831,7 @@
           <a:p>
             <a:fld id="{41349802-C406-439E-BB08-4E127FE88810}" type="datetimeFigureOut">
               <a:rPr lang="sv-SE" smtClean="0"/>
-              <a:t>2016-11-06</a:t>
+              <a:t>2016-11-07</a:t>
             </a:fld>
             <a:endParaRPr lang="sv-SE"/>
           </a:p>
@@ -2109,7 +2108,7 @@
           <a:p>
             <a:fld id="{41349802-C406-439E-BB08-4E127FE88810}" type="datetimeFigureOut">
               <a:rPr lang="sv-SE" smtClean="0"/>
-              <a:t>2016-11-06</a:t>
+              <a:t>2016-11-07</a:t>
             </a:fld>
             <a:endParaRPr lang="sv-SE"/>
           </a:p>
@@ -2362,7 +2361,7 @@
           <a:p>
             <a:fld id="{41349802-C406-439E-BB08-4E127FE88810}" type="datetimeFigureOut">
               <a:rPr lang="sv-SE" smtClean="0"/>
-              <a:t>2016-11-06</a:t>
+              <a:t>2016-11-07</a:t>
             </a:fld>
             <a:endParaRPr lang="sv-SE"/>
           </a:p>
@@ -2575,7 +2574,7 @@
           <a:p>
             <a:fld id="{41349802-C406-439E-BB08-4E127FE88810}" type="datetimeFigureOut">
               <a:rPr lang="sv-SE" smtClean="0"/>
-              <a:t>2016-11-06</a:t>
+              <a:t>2016-11-07</a:t>
             </a:fld>
             <a:endParaRPr lang="sv-SE"/>
           </a:p>
@@ -7023,12 +7022,20 @@
               <a:buChar char="•"/>
             </a:pPr>
             <a:r>
+              <a:rPr lang="sv-SE" sz="1600" smtClean="0">
+                <a:solidFill>
+                  <a:schemeClr val="tx1"/>
+                </a:solidFill>
+              </a:rPr>
+              <a:t>High </a:t>
+            </a:r>
+            <a:r>
               <a:rPr lang="sv-SE" sz="1600" dirty="0">
                 <a:solidFill>
                   <a:schemeClr val="tx1"/>
                 </a:solidFill>
               </a:rPr>
-              <a:t>Extremely high throughput</a:t>
+              <a:t>throughput</a:t>
             </a:r>
           </a:p>
           <a:p>
@@ -7449,7 +7456,7 @@
                   <a:schemeClr val="tx1"/>
                 </a:solidFill>
               </a:rPr>
-              <a:t>Extreme performance</a:t>
+              <a:t>Excellent performance</a:t>
             </a:r>
             <a:endParaRPr lang="sv-SE" b="1" dirty="0">
               <a:solidFill>
@@ -8427,121 +8434,6 @@
 </p:sld>
 </file>
 
-<file path=ppt/slides/slide12.xml><?xml version="1.0" encoding="utf-8"?>
-<p:sld xmlns:a="http://schemas.openxmlformats.org/drawingml/2006/main" xmlns:r="http://schemas.openxmlformats.org/officeDocument/2006/relationships" xmlns:p="http://schemas.openxmlformats.org/presentationml/2006/main">
-  <p:cSld>
-    <p:spTree>
-      <p:nvGrpSpPr>
-        <p:cNvPr id="1" name=""/>
-        <p:cNvGrpSpPr/>
-        <p:nvPr/>
-      </p:nvGrpSpPr>
-      <p:grpSpPr>
-        <a:xfrm>
-          <a:off x="0" y="0"/>
-          <a:ext cx="0" cy="0"/>
-          <a:chOff x="0" y="0"/>
-          <a:chExt cx="0" cy="0"/>
-        </a:xfrm>
-      </p:grpSpPr>
-      <p:sp>
-        <p:nvSpPr>
-          <p:cNvPr id="2" name="Title 1"/>
-          <p:cNvSpPr>
-            <a:spLocks noGrp="1"/>
-          </p:cNvSpPr>
-          <p:nvPr>
-            <p:ph type="title"/>
-          </p:nvPr>
-        </p:nvSpPr>
-        <p:spPr/>
-        <p:txBody>
-          <a:bodyPr/>
-          <a:lstStyle/>
-          <a:p>
-            <a:r>
-              <a:rPr lang="sv-SE" b="1" dirty="0" smtClean="0"/>
-              <a:t>But what about location transparency?</a:t>
-            </a:r>
-            <a:endParaRPr lang="sv-SE" b="1" dirty="0"/>
-          </a:p>
-        </p:txBody>
-      </p:sp>
-      <p:sp>
-        <p:nvSpPr>
-          <p:cNvPr id="3" name="Content Placeholder 2"/>
-          <p:cNvSpPr>
-            <a:spLocks noGrp="1"/>
-          </p:cNvSpPr>
-          <p:nvPr>
-            <p:ph idx="1"/>
-          </p:nvPr>
-        </p:nvSpPr>
-        <p:spPr/>
-        <p:txBody>
-          <a:bodyPr>
-            <a:normAutofit/>
-          </a:bodyPr>
-          <a:lstStyle/>
-          <a:p>
-            <a:pPr marL="0" indent="0">
-              <a:buNone/>
-            </a:pPr>
-            <a:r>
-              <a:rPr lang="sv-SE" dirty="0" smtClean="0"/>
-              <a:t>Location transparency can only truly exist in an environment that</a:t>
-            </a:r>
-          </a:p>
-          <a:p>
-            <a:pPr marL="0" indent="0">
-              <a:buNone/>
-            </a:pPr>
-            <a:r>
-              <a:rPr lang="sv-SE" dirty="0"/>
-              <a:t>a</a:t>
-            </a:r>
-            <a:r>
-              <a:rPr lang="sv-SE" dirty="0" smtClean="0"/>
-              <a:t>utomatically yields execution, e.g. the Erlang BEAM.</a:t>
-            </a:r>
-          </a:p>
-          <a:p>
-            <a:pPr marL="0" indent="0">
-              <a:buNone/>
-            </a:pPr>
-            <a:endParaRPr lang="sv-SE" dirty="0"/>
-          </a:p>
-          <a:p>
-            <a:pPr marL="0" indent="0">
-              <a:buNone/>
-            </a:pPr>
-            <a:r>
-              <a:rPr lang="sv-SE" dirty="0" smtClean="0"/>
-              <a:t>If you are executing in a shared pool of resources (threads, sockets), if some code is blocking, then you are no longer location transparent.</a:t>
-            </a:r>
-          </a:p>
-        </p:txBody>
-      </p:sp>
-    </p:spTree>
-    <p:extLst>
-      <p:ext uri="{BB962C8B-B14F-4D97-AF65-F5344CB8AC3E}">
-        <p14:creationId xmlns:p14="http://schemas.microsoft.com/office/powerpoint/2010/main" val="692188553"/>
-      </p:ext>
-    </p:extLst>
-  </p:cSld>
-  <p:clrMapOvr>
-    <a:masterClrMapping/>
-  </p:clrMapOvr>
-  <p:timing>
-    <p:tnLst>
-      <p:par>
-        <p:cTn id="1" dur="indefinite" restart="never" nodeType="tmRoot"/>
-      </p:par>
-    </p:tnLst>
-  </p:timing>
-</p:sld>
-</file>
-
 <file path=ppt/slides/slide2.xml><?xml version="1.0" encoding="utf-8"?>
 <p:sld xmlns:a="http://schemas.openxmlformats.org/drawingml/2006/main" xmlns:r="http://schemas.openxmlformats.org/officeDocument/2006/relationships" xmlns:p="http://schemas.openxmlformats.org/presentationml/2006/main">
   <p:cSld>
@@ -9102,7 +8994,7 @@
           </a:p>
           <a:p>
             <a:r>
-              <a:rPr lang="sv-SE" sz="1600" dirty="0">
+              <a:rPr lang="sv-SE" sz="1600">
                 <a:solidFill>
                   <a:schemeClr val="tx1"/>
                 </a:solidFill>
@@ -9110,12 +9002,12 @@
               <a:t>All </a:t>
             </a:r>
             <a:r>
-              <a:rPr lang="sv-SE" sz="1600" dirty="0" smtClean="0">
+              <a:rPr lang="sv-SE" sz="1600" smtClean="0">
                 <a:solidFill>
                   <a:schemeClr val="tx1"/>
                 </a:solidFill>
               </a:rPr>
-              <a:t>componentss </a:t>
+              <a:t>components </a:t>
             </a:r>
             <a:r>
               <a:rPr lang="sv-SE" sz="1600" dirty="0">
@@ -11489,30 +11381,24 @@
                   <a:schemeClr val="tx1"/>
                 </a:solidFill>
               </a:rPr>
-              <a:t>Components only need to agree on the protocols and contracts of the cluster and can easily be built using any stack or technology.</a:t>
+              <a:t>The Components only </a:t>
             </a:r>
-          </a:p>
-          <a:p>
-            <a:endParaRPr lang="sv-SE" sz="1600" dirty="0">
-              <a:solidFill>
-                <a:schemeClr val="tx1"/>
-              </a:solidFill>
-            </a:endParaRPr>
-          </a:p>
-          <a:p>
             <a:r>
-              <a:rPr lang="sv-SE" sz="1600" smtClean="0">
+              <a:rPr lang="sv-SE" sz="1600" dirty="0" smtClean="0">
                 <a:solidFill>
                   <a:schemeClr val="tx1"/>
                 </a:solidFill>
               </a:rPr>
-              <a:t>This can easily be done using e.g. Apache Kafka.</a:t>
+              <a:t>need to agree on the protocols and </a:t>
             </a:r>
-            <a:endParaRPr lang="sv-SE" sz="1600" dirty="0">
-              <a:solidFill>
-                <a:schemeClr val="tx1"/>
-              </a:solidFill>
-            </a:endParaRPr>
+            <a:r>
+              <a:rPr lang="sv-SE" sz="1600" dirty="0" smtClean="0">
+                <a:solidFill>
+                  <a:schemeClr val="tx1"/>
+                </a:solidFill>
+              </a:rPr>
+              <a:t>contracts of the cluster, or use a prebuilt tool for this purpose, e.g. Apache Kafka.</a:t>
+            </a:r>
           </a:p>
         </p:txBody>
       </p:sp>
@@ -15841,8 +15727,8 @@
         </p:nvSpPr>
         <p:spPr>
           <a:xfrm>
-            <a:off x="4102575" y="0"/>
-            <a:ext cx="6361682" cy="7026699"/>
+            <a:off x="4102575" y="1"/>
+            <a:ext cx="6361682" cy="6858000"/>
           </a:xfrm>
           <a:prstGeom prst="rect">
             <a:avLst/>

--- a/ClusterSoftware/cluster.pptx
+++ b/ClusterSoftware/cluster.pptx
@@ -4697,7 +4697,7 @@
         </p:nvSpPr>
         <p:spPr>
           <a:xfrm>
-            <a:off x="4212645" y="1"/>
+            <a:off x="4537315" y="58961"/>
             <a:ext cx="7649951" cy="6858000"/>
           </a:xfrm>
           <a:prstGeom prst="rect">
@@ -4914,12 +4914,13 @@
                 <a:avLst/>
               </a:prstGeom>
               <a:grpFill/>
-              <a:ln w="50800">
+              <a:ln w="50800" cap="rnd">
                 <a:solidFill>
                   <a:schemeClr val="accent1">
                     <a:lumMod val="50000"/>
                   </a:schemeClr>
                 </a:solidFill>
+                <a:round/>
               </a:ln>
             </p:spPr>
             <p:style>
@@ -4968,6 +4969,7 @@
                     <a:lumMod val="50000"/>
                   </a:schemeClr>
                 </a:solidFill>
+                <a:round/>
               </a:ln>
             </p:spPr>
             <p:style>
@@ -5222,6 +5224,184 @@
             </a:fontRef>
           </p:style>
         </p:cxnSp>
+      </p:grpSp>
+      <p:sp>
+        <p:nvSpPr>
+          <p:cNvPr id="22" name="Rounded Rectangular Callout 21"/>
+          <p:cNvSpPr/>
+          <p:nvPr/>
+        </p:nvSpPr>
+        <p:spPr>
+          <a:xfrm>
+            <a:off x="9956095" y="958409"/>
+            <a:ext cx="2004453" cy="857221"/>
+          </a:xfrm>
+          <a:prstGeom prst="wedgeRoundRectCallout">
+            <a:avLst>
+              <a:gd name="adj1" fmla="val -20294"/>
+              <a:gd name="adj2" fmla="val 88740"/>
+              <a:gd name="adj3" fmla="val 16667"/>
+            </a:avLst>
+          </a:prstGeom>
+          <a:solidFill>
+            <a:schemeClr val="bg1"/>
+          </a:solidFill>
+          <a:ln>
+            <a:solidFill>
+              <a:schemeClr val="tx1"/>
+            </a:solidFill>
+            <a:prstDash val="solid"/>
+          </a:ln>
+        </p:spPr>
+        <p:style>
+          <a:lnRef idx="2">
+            <a:schemeClr val="accent1">
+              <a:shade val="50000"/>
+            </a:schemeClr>
+          </a:lnRef>
+          <a:fillRef idx="1">
+            <a:schemeClr val="accent1"/>
+          </a:fillRef>
+          <a:effectRef idx="0">
+            <a:schemeClr val="accent1"/>
+          </a:effectRef>
+          <a:fontRef idx="minor">
+            <a:schemeClr val="lt1"/>
+          </a:fontRef>
+        </p:style>
+        <p:txBody>
+          <a:bodyPr rtlCol="0" anchor="ctr"/>
+          <a:lstStyle/>
+          <a:p>
+            <a:pPr algn="ctr"/>
+            <a:endParaRPr lang="sv-SE"/>
+          </a:p>
+        </p:txBody>
+      </p:sp>
+      <p:grpSp>
+        <p:nvGrpSpPr>
+          <p:cNvPr id="24" name="Group 23"/>
+          <p:cNvGrpSpPr/>
+          <p:nvPr/>
+        </p:nvGrpSpPr>
+        <p:grpSpPr>
+          <a:xfrm>
+            <a:off x="10128873" y="1168835"/>
+            <a:ext cx="1654514" cy="585735"/>
+            <a:chOff x="10168182" y="428380"/>
+            <a:chExt cx="1654514" cy="585735"/>
+          </a:xfrm>
+        </p:grpSpPr>
+        <p:pic>
+          <p:nvPicPr>
+            <p:cNvPr id="11" name="Picture 10"/>
+            <p:cNvPicPr>
+              <a:picLocks noChangeAspect="1"/>
+            </p:cNvPicPr>
+            <p:nvPr/>
+          </p:nvPicPr>
+          <p:blipFill>
+            <a:blip r:embed="rId2" cstate="print">
+              <a:extLst>
+                <a:ext uri="{28A0092B-C50C-407E-A947-70E740481C1C}">
+                  <a14:useLocalDpi xmlns:a14="http://schemas.microsoft.com/office/drawing/2010/main" val="0"/>
+                </a:ext>
+              </a:extLst>
+            </a:blip>
+            <a:stretch>
+              <a:fillRect/>
+            </a:stretch>
+          </p:blipFill>
+          <p:spPr>
+            <a:xfrm>
+              <a:off x="10168182" y="459326"/>
+              <a:ext cx="442508" cy="442508"/>
+            </a:xfrm>
+            <a:prstGeom prst="rect">
+              <a:avLst/>
+            </a:prstGeom>
+          </p:spPr>
+        </p:pic>
+        <p:pic>
+          <p:nvPicPr>
+            <p:cNvPr id="13" name="Picture 12"/>
+            <p:cNvPicPr>
+              <a:picLocks noChangeAspect="1"/>
+            </p:cNvPicPr>
+            <p:nvPr/>
+          </p:nvPicPr>
+          <p:blipFill>
+            <a:blip r:embed="rId3" cstate="print">
+              <a:extLst>
+                <a:ext uri="{28A0092B-C50C-407E-A947-70E740481C1C}">
+                  <a14:useLocalDpi xmlns:a14="http://schemas.microsoft.com/office/drawing/2010/main" val="0"/>
+                </a:ext>
+              </a:extLst>
+            </a:blip>
+            <a:stretch>
+              <a:fillRect/>
+            </a:stretch>
+          </p:blipFill>
+          <p:spPr>
+            <a:xfrm>
+              <a:off x="10701708" y="428380"/>
+              <a:ext cx="585735" cy="585735"/>
+            </a:xfrm>
+            <a:prstGeom prst="rect">
+              <a:avLst/>
+            </a:prstGeom>
+          </p:spPr>
+        </p:pic>
+        <p:sp>
+          <p:nvSpPr>
+            <p:cNvPr id="15" name="Rectangle 14"/>
+            <p:cNvSpPr/>
+            <p:nvPr/>
+          </p:nvSpPr>
+          <p:spPr>
+            <a:xfrm>
+              <a:off x="11397514" y="459327"/>
+              <a:ext cx="425182" cy="375426"/>
+            </a:xfrm>
+            <a:prstGeom prst="rect">
+              <a:avLst/>
+            </a:prstGeom>
+            <a:solidFill>
+              <a:srgbClr val="760096"/>
+            </a:solidFill>
+            <a:ln>
+              <a:noFill/>
+            </a:ln>
+          </p:spPr>
+          <p:style>
+            <a:lnRef idx="2">
+              <a:schemeClr val="accent1">
+                <a:shade val="50000"/>
+              </a:schemeClr>
+            </a:lnRef>
+            <a:fillRef idx="1">
+              <a:schemeClr val="accent1"/>
+            </a:fillRef>
+            <a:effectRef idx="0">
+              <a:schemeClr val="accent1"/>
+            </a:effectRef>
+            <a:fontRef idx="minor">
+              <a:schemeClr val="lt1"/>
+            </a:fontRef>
+          </p:style>
+          <p:txBody>
+            <a:bodyPr rtlCol="0" anchor="ctr"/>
+            <a:lstStyle/>
+            <a:p>
+              <a:pPr algn="ctr"/>
+              <a:r>
+                <a:rPr lang="sv-SE" sz="1200" b="1" dirty="0" smtClean="0"/>
+                <a:t>TPL</a:t>
+              </a:r>
+              <a:endParaRPr lang="sv-SE" sz="1200" b="1" dirty="0"/>
+            </a:p>
+          </p:txBody>
+        </p:sp>
       </p:grpSp>
     </p:spTree>
     <p:extLst>
@@ -11381,23 +11561,7 @@
                   <a:schemeClr val="tx1"/>
                 </a:solidFill>
               </a:rPr>
-              <a:t>The Components only </a:t>
-            </a:r>
-            <a:r>
-              <a:rPr lang="sv-SE" sz="1600" dirty="0" smtClean="0">
-                <a:solidFill>
-                  <a:schemeClr val="tx1"/>
-                </a:solidFill>
-              </a:rPr>
-              <a:t>need to agree on the protocols and </a:t>
-            </a:r>
-            <a:r>
-              <a:rPr lang="sv-SE" sz="1600" dirty="0" smtClean="0">
-                <a:solidFill>
-                  <a:schemeClr val="tx1"/>
-                </a:solidFill>
-              </a:rPr>
-              <a:t>contracts of the cluster, or use a prebuilt tool for this purpose, e.g. Apache Kafka.</a:t>
+              <a:t>The Components only need to agree on the protocols and contracts of the cluster, or use a prebuilt tool for this purpose, e.g. Apache Kafka.</a:t>
             </a:r>
           </a:p>
         </p:txBody>
@@ -18127,12 +18291,13 @@
                 <a:avLst/>
               </a:prstGeom>
               <a:grpFill/>
-              <a:ln w="50800">
+              <a:ln w="50800" cap="rnd">
                 <a:solidFill>
                   <a:schemeClr val="accent1">
                     <a:lumMod val="50000"/>
                   </a:schemeClr>
                 </a:solidFill>
+                <a:round/>
               </a:ln>
             </p:spPr>
             <p:style>
@@ -18181,6 +18346,7 @@
                     <a:lumMod val="50000"/>
                   </a:schemeClr>
                 </a:solidFill>
+                <a:round/>
               </a:ln>
             </p:spPr>
             <p:style>
